--- a/trunk/P2P/labs/documents/presentation/The Index Poisoning Attack in P2P File Sharing.pptx
+++ b/trunk/P2P/labs/documents/presentation/The Index Poisoning Attack in P2P File Sharing.pptx
@@ -140,7 +140,17 @@
   <c:lang val="en-US"/>
   <c:chart>
     <c:plotArea>
-      <c:layout/>
+      <c:layout>
+        <c:manualLayout>
+          <c:layoutTarget val="inner"/>
+          <c:xMode val="edge"/>
+          <c:yMode val="edge"/>
+          <c:x val="0.15371900826446291"/>
+          <c:y val="3.6269430051813482E-2"/>
+          <c:w val="0.66115702479338878"/>
+          <c:h val="0.76424870466321282"/>
+        </c:manualLayout>
+      </c:layout>
       <c:barChart>
         <c:barDir val="col"/>
         <c:grouping val="stacked"/>
@@ -167,6 +177,9 @@
                   <a:bodyPr/>
                   <a:lstStyle/>
                   <a:p>
+                    <a:pPr>
+                      <a:defRPr/>
+                    </a:pPr>
                     <a:r>
                       <a:rPr lang="en-US"/>
                       <a:t>99.41%</a:t>
@@ -174,7 +187,7 @@
                   </a:p>
                 </c:rich>
               </c:tx>
-              <c:showVal val="1"/>
+              <c:spPr/>
             </c:dLbl>
             <c:dLbl>
               <c:idx val="1"/>
@@ -184,6 +197,9 @@
                   <a:bodyPr/>
                   <a:lstStyle/>
                   <a:p>
+                    <a:pPr>
+                      <a:defRPr/>
+                    </a:pPr>
                     <a:r>
                       <a:rPr lang="en-US"/>
                       <a:t>96.49%</a:t>
@@ -191,7 +207,7 @@
                   </a:p>
                 </c:rich>
               </c:tx>
-              <c:showVal val="1"/>
+              <c:spPr/>
             </c:dLbl>
             <c:dLbl>
               <c:idx val="2"/>
@@ -201,6 +217,9 @@
                   <a:bodyPr/>
                   <a:lstStyle/>
                   <a:p>
+                    <a:pPr>
+                      <a:defRPr/>
+                    </a:pPr>
                     <a:r>
                       <a:rPr lang="en-US"/>
                       <a:t>94.05%</a:t>
@@ -208,7 +227,7 @@
                   </a:p>
                 </c:rich>
               </c:tx>
-              <c:showVal val="1"/>
+              <c:spPr/>
             </c:dLbl>
             <c:showVal val="1"/>
           </c:dLbls>
@@ -218,13 +237,13 @@
               <c:strCache>
                 <c:ptCount val="3"/>
                 <c:pt idx="0">
-                  <c:v>Vx</c:v>
+                  <c:v>Vx - poluted</c:v>
                 </c:pt>
                 <c:pt idx="1">
-                  <c:v>Vh*</c:v>
+                  <c:v>Vh* - poisoned</c:v>
                 </c:pt>
                 <c:pt idx="2">
-                  <c:v>Vl*</c:v>
+                  <c:v>Vl* - clean</c:v>
                 </c:pt>
               </c:strCache>
             </c:strRef>
@@ -268,13 +287,13 @@
               <c:strCache>
                 <c:ptCount val="3"/>
                 <c:pt idx="0">
-                  <c:v>Vx</c:v>
+                  <c:v>Vx - poluted</c:v>
                 </c:pt>
                 <c:pt idx="1">
-                  <c:v>Vh*</c:v>
+                  <c:v>Vh* - poisoned</c:v>
                 </c:pt>
                 <c:pt idx="2">
-                  <c:v>Vl*</c:v>
+                  <c:v>Vl* - clean</c:v>
                 </c:pt>
               </c:strCache>
             </c:strRef>
@@ -299,32 +318,56 @@
           </c:val>
         </c:ser>
         <c:overlap val="100"/>
-        <c:axId val="62353792"/>
-        <c:axId val="62362752"/>
+        <c:axId val="88376064"/>
+        <c:axId val="88604672"/>
       </c:barChart>
       <c:catAx>
-        <c:axId val="62353792"/>
+        <c:axId val="88376064"/>
         <c:scaling>
           <c:orientation val="minMax"/>
         </c:scaling>
         <c:axPos val="b"/>
+        <c:numFmt formatCode="General" sourceLinked="1"/>
         <c:tickLblPos val="nextTo"/>
-        <c:crossAx val="62362752"/>
+        <c:crossAx val="88604672"/>
         <c:crosses val="autoZero"/>
         <c:auto val="1"/>
         <c:lblAlgn val="ctr"/>
         <c:lblOffset val="100"/>
       </c:catAx>
       <c:valAx>
-        <c:axId val="62362752"/>
+        <c:axId val="88604672"/>
         <c:scaling>
           <c:orientation val="minMax"/>
         </c:scaling>
         <c:axPos val="l"/>
         <c:majorGridlines/>
+        <c:title>
+          <c:tx>
+            <c:rich>
+              <a:bodyPr rot="-5400000" vert="horz"/>
+              <a:lstStyle/>
+              <a:p>
+                <a:pPr>
+                  <a:defRPr/>
+                </a:pPr>
+                <a:r>
+                  <a:rPr lang="en-US"/>
+                  <a:t>Total</a:t>
+                </a:r>
+                <a:r>
+                  <a:rPr lang="en-US" baseline="0"/>
+                  <a:t> Number of Version</a:t>
+                </a:r>
+                <a:endParaRPr lang="en-US"/>
+              </a:p>
+            </c:rich>
+          </c:tx>
+          <c:layout/>
+        </c:title>
         <c:numFmt formatCode="General" sourceLinked="1"/>
         <c:tickLblPos val="nextTo"/>
-        <c:crossAx val="62353792"/>
+        <c:crossAx val="88376064"/>
         <c:crosses val="autoZero"/>
         <c:crossBetween val="between"/>
       </c:valAx>
@@ -339,6 +382,7 @@
       <c:layout/>
     </c:legend>
     <c:plotVisOnly val="1"/>
+    <c:dispBlanksAs val="gap"/>
   </c:chart>
   <c:externalData r:id="rId1"/>
 </c:chartSpace>
@@ -1975,6 +2019,7 @@
           <a:p>
             <a:fld id="{6DBEB9B3-11EE-4EBC-B1EA-EBF4B5E65C7C}" type="datetime1">
               <a:rPr lang="sv-SE" smtClean="0"/>
+              <a:pPr/>
               <a:t>2010-05-18</a:t>
             </a:fld>
             <a:endParaRPr lang="en-US" dirty="0">
@@ -2196,6 +2241,7 @@
           <a:p>
             <a:fld id="{56421CCA-A9FA-4A5A-B4C6-F81253DE0B33}" type="datetime1">
               <a:rPr lang="sv-SE" smtClean="0"/>
+              <a:pPr/>
               <a:t>2010-05-18</a:t>
             </a:fld>
             <a:endParaRPr lang="en-US"/>
@@ -2392,6 +2438,7 @@
           <a:p>
             <a:fld id="{18C11C16-A398-4237-A44E-9994AA21A418}" type="datetime1">
               <a:rPr lang="sv-SE" smtClean="0"/>
+              <a:pPr/>
               <a:t>2010-05-18</a:t>
             </a:fld>
             <a:endParaRPr lang="en-US"/>
@@ -2553,6 +2600,7 @@
           <a:p>
             <a:fld id="{5FDDB051-2451-4F76-A85D-9F674B2DCBF4}" type="datetime1">
               <a:rPr lang="sv-SE" smtClean="0"/>
+              <a:pPr/>
               <a:t>2010-05-18</a:t>
             </a:fld>
             <a:endParaRPr lang="en-US"/>
@@ -2813,6 +2861,7 @@
           <a:p>
             <a:fld id="{135B48C6-4E88-4D3B-8F34-B09ACCAFF8BF}" type="datetime1">
               <a:rPr lang="sv-SE" smtClean="0"/>
+              <a:pPr/>
               <a:t>2010-05-18</a:t>
             </a:fld>
             <a:endParaRPr lang="en-US"/>
@@ -3227,6 +3276,7 @@
           <a:p>
             <a:fld id="{EAD68A36-ADD4-47B5-9BF0-A0850E8FB676}" type="datetime1">
               <a:rPr lang="sv-SE" smtClean="0"/>
+              <a:pPr/>
               <a:t>2010-05-18</a:t>
             </a:fld>
             <a:endParaRPr lang="en-US"/>
@@ -3678,6 +3728,7 @@
           <a:p>
             <a:fld id="{CC889943-4F91-43CD-A121-05FA32B4039C}" type="datetime1">
               <a:rPr lang="sv-SE" smtClean="0"/>
+              <a:pPr/>
               <a:t>2010-05-18</a:t>
             </a:fld>
             <a:endParaRPr lang="en-US"/>
@@ -3784,6 +3835,7 @@
           <a:p>
             <a:fld id="{61754430-F4B7-448C-A418-DE7B1396916F}" type="datetime1">
               <a:rPr lang="sv-SE" smtClean="0"/>
+              <a:pPr/>
               <a:t>2010-05-18</a:t>
             </a:fld>
             <a:endParaRPr lang="en-US"/>
@@ -3910,6 +3962,7 @@
           <a:p>
             <a:fld id="{01EB785C-6FDB-43D1-8546-5701711803B9}" type="datetime1">
               <a:rPr lang="sv-SE" smtClean="0"/>
+              <a:pPr/>
               <a:t>2010-05-18</a:t>
             </a:fld>
             <a:endParaRPr lang="en-US"/>
@@ -4189,6 +4242,7 @@
           <a:p>
             <a:fld id="{010761C5-597C-4499-86DB-C4C3C73A35AC}" type="datetime1">
               <a:rPr lang="sv-SE" smtClean="0"/>
+              <a:pPr/>
               <a:t>2010-05-18</a:t>
             </a:fld>
             <a:endParaRPr lang="en-US"/>
@@ -4399,6 +4453,7 @@
           <a:p>
             <a:fld id="{5C792EC8-8144-4CAC-AD0D-00BC83F84B7C}" type="datetime1">
               <a:rPr lang="sv-SE" smtClean="0"/>
+              <a:pPr/>
               <a:t>2010-05-18</a:t>
             </a:fld>
             <a:endParaRPr lang="en-US">
@@ -5529,6 +5584,7 @@
           <a:p>
             <a:fld id="{37F1CDC6-0E78-4729-93CF-F150F42E6D9E}" type="datetime1">
               <a:rPr lang="sv-SE" smtClean="0"/>
+              <a:pPr/>
               <a:t>2010-05-18</a:t>
             </a:fld>
             <a:endParaRPr lang="en-US" sz="1000" dirty="0">
@@ -6089,13 +6145,8 @@
             </a:r>
             <a:r>
               <a:rPr lang="en-US" dirty="0" smtClean="0"/>
-              <a:t> (two-tier</a:t>
-            </a:r>
-            <a:r>
-              <a:rPr lang="en-US" dirty="0" smtClean="0"/>
-              <a:t>)</a:t>
-            </a:r>
-            <a:endParaRPr lang="en-US" dirty="0" smtClean="0"/>
+              <a:t> (two-tier)</a:t>
+            </a:r>
           </a:p>
           <a:p>
             <a:pPr>
@@ -6130,21 +6181,8 @@
             </a:pPr>
             <a:r>
               <a:rPr lang="en-US" dirty="0" smtClean="0"/>
-              <a:t>SN overlay -</a:t>
-            </a:r>
-            <a:r>
-              <a:rPr lang="en-US" dirty="0" smtClean="0"/>
-              <a:t> </a:t>
-            </a:r>
-            <a:r>
-              <a:rPr lang="en-US" dirty="0" smtClean="0"/>
-              <a:t>long-lived TCP </a:t>
-            </a:r>
-            <a:r>
-              <a:rPr lang="en-US" dirty="0" smtClean="0"/>
-              <a:t>connections</a:t>
-            </a:r>
-            <a:endParaRPr lang="en-US" dirty="0" smtClean="0"/>
+              <a:t>SN overlay - long-lived TCP connections</a:t>
+            </a:r>
           </a:p>
           <a:p>
             <a:pPr>
@@ -6154,11 +6192,7 @@
             </a:pPr>
             <a:r>
               <a:rPr lang="en-US" dirty="0" smtClean="0"/>
-              <a:t>Index kept by the </a:t>
-            </a:r>
-            <a:r>
-              <a:rPr lang="en-US" dirty="0" smtClean="0"/>
-              <a:t>SNs</a:t>
+              <a:t>Index kept by the SNs</a:t>
             </a:r>
           </a:p>
           <a:p>
@@ -6334,13 +6368,8 @@
             </a:pPr>
             <a:r>
               <a:rPr lang="en-US" dirty="0" smtClean="0"/>
-              <a:t>All nodes </a:t>
-            </a:r>
-            <a:r>
-              <a:rPr lang="en-US" dirty="0" smtClean="0"/>
-              <a:t>equal</a:t>
-            </a:r>
-            <a:endParaRPr lang="en-US" dirty="0" smtClean="0"/>
+              <a:t>All nodes equal</a:t>
+            </a:r>
           </a:p>
           <a:p>
             <a:pPr>
@@ -6350,13 +6379,8 @@
             </a:pPr>
             <a:r>
               <a:rPr lang="en-US" dirty="0" smtClean="0"/>
-              <a:t>UDP </a:t>
-            </a:r>
-            <a:r>
-              <a:rPr lang="en-US" dirty="0" smtClean="0"/>
-              <a:t>messages</a:t>
-            </a:r>
-            <a:endParaRPr lang="en-US" dirty="0" smtClean="0"/>
+              <a:t>UDP messages</a:t>
+            </a:r>
           </a:p>
           <a:p>
             <a:pPr>
@@ -6366,15 +6390,7 @@
             </a:pPr>
             <a:r>
               <a:rPr lang="en-US" dirty="0" smtClean="0"/>
-              <a:t>Version </a:t>
-            </a:r>
-            <a:r>
-              <a:rPr lang="en-US" dirty="0" smtClean="0"/>
-              <a:t>ids &amp; keyword hashes </a:t>
-            </a:r>
-            <a:r>
-              <a:rPr lang="en-US" dirty="0" smtClean="0"/>
-              <a:t>stored</a:t>
+              <a:t>Version ids &amp; keyword hashes stored</a:t>
             </a:r>
           </a:p>
           <a:p>
@@ -6407,11 +6423,7 @@
             </a:pPr>
             <a:r>
               <a:rPr lang="en-US" dirty="0" smtClean="0"/>
-              <a:t>random </a:t>
-            </a:r>
-            <a:r>
-              <a:rPr lang="en-US" dirty="0" smtClean="0"/>
-              <a:t>id, not derived by some existing file</a:t>
+              <a:t>random id, not derived by some existing file</a:t>
             </a:r>
           </a:p>
           <a:p>
@@ -6421,11 +6433,7 @@
             </a:pPr>
             <a:r>
               <a:rPr lang="en-US" dirty="0" smtClean="0"/>
-              <a:t>periodically </a:t>
-            </a:r>
-            <a:r>
-              <a:rPr lang="en-US" dirty="0" smtClean="0"/>
-              <a:t>refresh this information</a:t>
+              <a:t>periodically refresh this information</a:t>
             </a:r>
           </a:p>
           <a:p>
@@ -6500,11 +6508,7 @@
             <a:pPr algn="ctr"/>
             <a:r>
               <a:rPr lang="en-US" dirty="0" smtClean="0"/>
-              <a:t>Index poisoning attack </a:t>
-            </a:r>
-            <a:r>
-              <a:rPr lang="en-US" dirty="0" smtClean="0"/>
-              <a:t>in Overnet</a:t>
+              <a:t>Index poisoning attack in Overnet</a:t>
             </a:r>
             <a:endParaRPr lang="en-US" dirty="0"/>
           </a:p>
@@ -6580,41 +6584,45 @@
           <a:bodyPr/>
           <a:lstStyle/>
           <a:p>
-            <a:r>
-              <a:rPr lang="en-US" dirty="0" smtClean="0"/>
-              <a:t>P2P File </a:t>
-            </a:r>
-            <a:r>
-              <a:rPr lang="en-US" dirty="0" smtClean="0"/>
-              <a:t>S</a:t>
-            </a:r>
-            <a:r>
-              <a:rPr lang="en-US" dirty="0" smtClean="0"/>
-              <a:t>haring</a:t>
+            <a:pPr>
+              <a:spcBef>
+                <a:spcPts val="1000"/>
+              </a:spcBef>
+            </a:pPr>
+            <a:r>
+              <a:rPr lang="en-US" dirty="0" smtClean="0"/>
+              <a:t>P2P File Sharing</a:t>
             </a:r>
             <a:endParaRPr lang="en-US" dirty="0"/>
           </a:p>
           <a:p>
+            <a:pPr>
+              <a:spcBef>
+                <a:spcPts val="1000"/>
+              </a:spcBef>
+            </a:pPr>
             <a:r>
               <a:rPr lang="fi-FI" dirty="0" smtClean="0"/>
-              <a:t>Systems under </a:t>
-            </a:r>
-            <a:r>
-              <a:rPr lang="fi-FI" dirty="0" smtClean="0"/>
-              <a:t>Evaluation</a:t>
-            </a:r>
-          </a:p>
-          <a:p>
-            <a:r>
-              <a:rPr lang="en-US" dirty="0" smtClean="0"/>
-              <a:t>Types of </a:t>
-            </a:r>
-            <a:r>
-              <a:rPr lang="en-US" dirty="0" smtClean="0"/>
-              <a:t>Attacks</a:t>
-            </a:r>
-          </a:p>
-          <a:p>
+              <a:t>Systems under Evaluation</a:t>
+            </a:r>
+          </a:p>
+          <a:p>
+            <a:pPr>
+              <a:spcBef>
+                <a:spcPts val="1000"/>
+              </a:spcBef>
+            </a:pPr>
+            <a:r>
+              <a:rPr lang="en-US" dirty="0" smtClean="0"/>
+              <a:t>Types of Attacks</a:t>
+            </a:r>
+          </a:p>
+          <a:p>
+            <a:pPr>
+              <a:spcBef>
+                <a:spcPts val="1000"/>
+              </a:spcBef>
+            </a:pPr>
             <a:r>
               <a:rPr lang="en-US" sz="2800" b="1" dirty="0" smtClean="0">
                 <a:solidFill>
@@ -6623,30 +6631,26 @@
                   </a:schemeClr>
                 </a:solidFill>
               </a:rPr>
-              <a:t>Data Gathering </a:t>
-            </a:r>
-            <a:r>
-              <a:rPr lang="en-US" sz="2800" b="1" dirty="0" smtClean="0">
-                <a:solidFill>
-                  <a:schemeClr val="bg2">
-                    <a:lumMod val="50000"/>
-                  </a:schemeClr>
-                </a:solidFill>
-              </a:rPr>
-              <a:t>Methodology</a:t>
-            </a:r>
-          </a:p>
-          <a:p>
+              <a:t>Data Gathering Methodology</a:t>
+            </a:r>
+          </a:p>
+          <a:p>
+            <a:pPr>
+              <a:spcBef>
+                <a:spcPts val="1000"/>
+              </a:spcBef>
+            </a:pPr>
             <a:r>
               <a:rPr lang="fi-FI" dirty="0" smtClean="0"/>
-              <a:t>Measurements &amp; </a:t>
-            </a:r>
-            <a:r>
-              <a:rPr lang="fi-FI" dirty="0" smtClean="0"/>
-              <a:t>Results</a:t>
-            </a:r>
-          </a:p>
-          <a:p>
+              <a:t>Measurements &amp; Results</a:t>
+            </a:r>
+          </a:p>
+          <a:p>
+            <a:pPr>
+              <a:spcBef>
+                <a:spcPts val="1000"/>
+              </a:spcBef>
+            </a:pPr>
             <a:r>
               <a:rPr lang="fi-FI" dirty="0" smtClean="0"/>
               <a:t>Conclusions</a:t>
@@ -6757,11 +6761,7 @@
             </a:pPr>
             <a:r>
               <a:rPr lang="en-US" dirty="0" smtClean="0"/>
-              <a:t>Downloading of files too </a:t>
-            </a:r>
-            <a:r>
-              <a:rPr lang="en-US" dirty="0" smtClean="0"/>
-              <a:t>expensive</a:t>
+              <a:t>Downloading of files too expensive</a:t>
             </a:r>
           </a:p>
           <a:p>
@@ -6790,19 +6790,7 @@
             </a:r>
             <a:r>
               <a:rPr lang="en-US" dirty="0" smtClean="0"/>
-              <a:t>: collect </a:t>
-            </a:r>
-            <a:r>
-              <a:rPr lang="en-US" dirty="0" smtClean="0"/>
-              <a:t>the version ids </a:t>
-            </a:r>
-            <a:r>
-              <a:rPr lang="en-US" dirty="0" smtClean="0"/>
-              <a:t>and </a:t>
-            </a:r>
-            <a:r>
-              <a:rPr lang="en-US" dirty="0" smtClean="0"/>
-              <a:t>publisher node data &amp; create a list of the advertised versions and a list of the distinct copies of each version. Done by:</a:t>
+              <a:t>: collect the version ids and publisher node data &amp; create a list of the advertised versions and a list of the distinct copies of each version. Done by:</a:t>
             </a:r>
           </a:p>
           <a:p>
@@ -6834,11 +6822,7 @@
             </a:pPr>
             <a:r>
               <a:rPr lang="en-US" dirty="0" smtClean="0"/>
-              <a:t>Classify </a:t>
-            </a:r>
-            <a:r>
-              <a:rPr lang="en-US" dirty="0" smtClean="0"/>
-              <a:t>the versions (</a:t>
+              <a:t>Classify the versions (</a:t>
             </a:r>
             <a:r>
               <a:rPr lang="en-US" b="1" dirty="0" smtClean="0"/>
@@ -6872,13 +6856,8 @@
             </a:pPr>
             <a:r>
               <a:rPr lang="en-US" dirty="0" smtClean="0"/>
-              <a:t>Determine the </a:t>
-            </a:r>
-            <a:r>
-              <a:rPr lang="en-US" dirty="0" smtClean="0"/>
-              <a:t>pollution and poison levels for the versions and copies</a:t>
-            </a:r>
-            <a:endParaRPr lang="en-US" dirty="0" smtClean="0"/>
+              <a:t>Determine the pollution and poison levels for the versions and copies</a:t>
+            </a:r>
           </a:p>
           <a:p>
             <a:endParaRPr lang="en-US" dirty="0"/>
@@ -6949,19 +6928,7 @@
           <a:p>
             <a:r>
               <a:rPr lang="en-US" dirty="0" smtClean="0"/>
-              <a:t>Data </a:t>
-            </a:r>
-            <a:r>
-              <a:rPr lang="en-US" dirty="0" smtClean="0"/>
-              <a:t>Gathering</a:t>
-            </a:r>
-            <a:r>
-              <a:rPr lang="en-US" dirty="0" smtClean="0"/>
-              <a:t> </a:t>
-            </a:r>
-            <a:r>
-              <a:rPr lang="en-US" dirty="0" smtClean="0"/>
-              <a:t>Methodology</a:t>
+              <a:t>Data Gathering Methodology</a:t>
             </a:r>
             <a:endParaRPr lang="en-US" dirty="0"/>
           </a:p>
@@ -7089,11 +7056,7 @@
             <a:pPr lvl="1"/>
             <a:r>
               <a:rPr lang="en-US" dirty="0" smtClean="0"/>
-              <a:t>V	→ set </a:t>
-            </a:r>
-            <a:r>
-              <a:rPr lang="en-US" dirty="0" smtClean="0"/>
-              <a:t>of all the advertised versions</a:t>
+              <a:t>V	→ set of all the advertised versions</a:t>
             </a:r>
           </a:p>
           <a:p>
@@ -7108,11 +7071,7 @@
             </a:r>
             <a:r>
               <a:rPr lang="en-US" dirty="0" smtClean="0"/>
-              <a:t> → by </a:t>
-            </a:r>
-            <a:r>
-              <a:rPr lang="en-US" dirty="0" smtClean="0"/>
-              <a:t>heavy users</a:t>
+              <a:t> → by heavy users</a:t>
             </a:r>
           </a:p>
           <a:p>
@@ -7127,11 +7086,7 @@
             </a:r>
             <a:r>
               <a:rPr lang="en-US" dirty="0" smtClean="0"/>
-              <a:t> → by </a:t>
-            </a:r>
-            <a:r>
-              <a:rPr lang="en-US" dirty="0" smtClean="0"/>
-              <a:t>light users</a:t>
+              <a:t> → by light users</a:t>
             </a:r>
           </a:p>
           <a:p>
@@ -7193,15 +7148,7 @@
             </a:r>
             <a:r>
               <a:rPr lang="en-US" dirty="0" smtClean="0"/>
-              <a:t> </a:t>
-            </a:r>
-            <a:r>
-              <a:rPr lang="en-US" dirty="0" smtClean="0"/>
-              <a:t>– </a:t>
-            </a:r>
-            <a:r>
-              <a:rPr lang="en-US" dirty="0" smtClean="0"/>
-              <a:t>V</a:t>
+              <a:t> – V</a:t>
             </a:r>
             <a:r>
               <a:rPr lang="en-US" baseline="-25000" dirty="0" smtClean="0"/>
@@ -7209,11 +7156,7 @@
             </a:r>
             <a:r>
               <a:rPr lang="en-US" dirty="0" smtClean="0"/>
-              <a:t>	</a:t>
-            </a:r>
-            <a:r>
-              <a:rPr lang="en-US" dirty="0" smtClean="0"/>
-              <a:t>→ </a:t>
+              <a:t>	→ </a:t>
             </a:r>
             <a:r>
               <a:rPr lang="en-US" b="1" dirty="0" smtClean="0"/>
@@ -7244,15 +7187,7 @@
             </a:r>
             <a:r>
               <a:rPr lang="en-US" dirty="0" smtClean="0"/>
-              <a:t> </a:t>
-            </a:r>
-            <a:r>
-              <a:rPr lang="en-US" dirty="0" smtClean="0"/>
-              <a:t>– </a:t>
-            </a:r>
-            <a:r>
-              <a:rPr lang="en-US" dirty="0" smtClean="0"/>
-              <a:t>V</a:t>
+              <a:t> – V</a:t>
             </a:r>
             <a:r>
               <a:rPr lang="en-US" baseline="-25000" dirty="0" smtClean="0"/>
@@ -7260,11 +7195,7 @@
             </a:r>
             <a:r>
               <a:rPr lang="en-US" dirty="0" smtClean="0"/>
-              <a:t>	</a:t>
-            </a:r>
-            <a:r>
-              <a:rPr lang="en-US" dirty="0" smtClean="0"/>
-              <a:t>→ </a:t>
+              <a:t>	→ </a:t>
             </a:r>
             <a:r>
               <a:rPr lang="en-US" b="1" dirty="0" smtClean="0"/>
@@ -7483,11 +7414,7 @@
             </a:pPr>
             <a:r>
               <a:rPr lang="en-US" sz="2200" dirty="0" smtClean="0"/>
-              <a:t>	</a:t>
-            </a:r>
-            <a:r>
-              <a:rPr lang="en-US" sz="2200" dirty="0" smtClean="0"/>
-              <a:t>|V</a:t>
+              <a:t>	|V</a:t>
             </a:r>
             <a:r>
               <a:rPr lang="en-US" sz="2200" baseline="-25000" dirty="0" smtClean="0"/>
@@ -7557,11 +7484,7 @@
             </a:pPr>
             <a:r>
               <a:rPr lang="en-US" sz="2200" dirty="0" smtClean="0"/>
-              <a:t>	</a:t>
-            </a:r>
-            <a:r>
-              <a:rPr lang="en-US" sz="2200" dirty="0" smtClean="0"/>
-              <a:t>|V</a:t>
+              <a:t>	|V</a:t>
             </a:r>
             <a:r>
               <a:rPr lang="en-US" sz="2200" baseline="-25000" dirty="0" smtClean="0"/>
@@ -7575,7 +7498,6 @@
               <a:rPr lang="en-US" sz="2200" dirty="0" smtClean="0"/>
               <a:t>| / |V|</a:t>
             </a:r>
-            <a:endParaRPr lang="en-US" sz="2200" dirty="0" smtClean="0"/>
           </a:p>
           <a:p>
             <a:endParaRPr lang="en-US" dirty="0"/>
@@ -7644,11 +7566,7 @@
           <a:p>
             <a:r>
               <a:rPr lang="en-US" b="1" dirty="0" smtClean="0"/>
-              <a:t>c</a:t>
-            </a:r>
-            <a:r>
-              <a:rPr lang="en-US" b="1" dirty="0" smtClean="0"/>
-              <a:t>lean</a:t>
+              <a:t>clean</a:t>
             </a:r>
             <a:r>
               <a:rPr lang="en-US" dirty="0" smtClean="0"/>
@@ -7914,11 +7832,7 @@
           <a:p>
             <a:r>
               <a:rPr lang="en-US" dirty="0" smtClean="0"/>
-              <a:t>Evaluation of </a:t>
-            </a:r>
-            <a:r>
-              <a:rPr lang="en-US" dirty="0" smtClean="0"/>
-              <a:t>the Heuristic</a:t>
+              <a:t>Evaluation of the Heuristic</a:t>
             </a:r>
             <a:endParaRPr lang="en-US" dirty="0"/>
           </a:p>
@@ -7926,7 +7840,7 @@
       </p:sp>
       <p:graphicFrame>
         <p:nvGraphicFramePr>
-          <p:cNvPr id="6" name="Content Placeholder 5"/>
+          <p:cNvPr id="8" name="Content Placeholder 7"/>
           <p:cNvGraphicFramePr>
             <a:graphicFrameLocks noGrp="1"/>
           </p:cNvGraphicFramePr>
@@ -8014,51 +7928,56 @@
           <a:bodyPr/>
           <a:lstStyle/>
           <a:p>
-            <a:r>
-              <a:rPr lang="en-US" dirty="0" smtClean="0"/>
-              <a:t>P2P File </a:t>
-            </a:r>
-            <a:r>
-              <a:rPr lang="en-US" dirty="0" smtClean="0"/>
-              <a:t>S</a:t>
-            </a:r>
-            <a:r>
-              <a:rPr lang="en-US" dirty="0" smtClean="0"/>
-              <a:t>haring</a:t>
+            <a:pPr>
+              <a:spcBef>
+                <a:spcPts val="1000"/>
+              </a:spcBef>
+            </a:pPr>
+            <a:r>
+              <a:rPr lang="en-US" dirty="0" smtClean="0"/>
+              <a:t>P2P File Sharing</a:t>
             </a:r>
             <a:endParaRPr lang="en-US" dirty="0"/>
           </a:p>
           <a:p>
+            <a:pPr>
+              <a:spcBef>
+                <a:spcPts val="1000"/>
+              </a:spcBef>
+            </a:pPr>
             <a:r>
               <a:rPr lang="fi-FI" dirty="0" smtClean="0"/>
-              <a:t>Systems under </a:t>
-            </a:r>
-            <a:r>
-              <a:rPr lang="fi-FI" dirty="0" smtClean="0"/>
-              <a:t>Evaluation</a:t>
-            </a:r>
-          </a:p>
-          <a:p>
-            <a:r>
-              <a:rPr lang="en-US" dirty="0" smtClean="0"/>
-              <a:t>Types of </a:t>
-            </a:r>
-            <a:r>
-              <a:rPr lang="en-US" dirty="0" smtClean="0"/>
-              <a:t>Attacks</a:t>
-            </a:r>
-          </a:p>
-          <a:p>
-            <a:r>
-              <a:rPr lang="en-US" dirty="0" smtClean="0"/>
-              <a:t>Data Gathering </a:t>
-            </a:r>
-            <a:r>
-              <a:rPr lang="en-US" dirty="0" smtClean="0"/>
-              <a:t>Methodology</a:t>
-            </a:r>
-          </a:p>
-          <a:p>
+              <a:t>Systems under Evaluation</a:t>
+            </a:r>
+          </a:p>
+          <a:p>
+            <a:pPr>
+              <a:spcBef>
+                <a:spcPts val="1000"/>
+              </a:spcBef>
+            </a:pPr>
+            <a:r>
+              <a:rPr lang="en-US" dirty="0" smtClean="0"/>
+              <a:t>Types of Attacks</a:t>
+            </a:r>
+          </a:p>
+          <a:p>
+            <a:pPr>
+              <a:spcBef>
+                <a:spcPts val="1000"/>
+              </a:spcBef>
+            </a:pPr>
+            <a:r>
+              <a:rPr lang="en-US" dirty="0" smtClean="0"/>
+              <a:t>Data Gathering Methodology</a:t>
+            </a:r>
+          </a:p>
+          <a:p>
+            <a:pPr>
+              <a:spcBef>
+                <a:spcPts val="1000"/>
+              </a:spcBef>
+            </a:pPr>
             <a:r>
               <a:rPr lang="fi-FI" sz="2800" b="1" dirty="0" smtClean="0">
                 <a:solidFill>
@@ -8067,20 +7986,15 @@
                   </a:schemeClr>
                 </a:solidFill>
               </a:rPr>
-              <a:t>Measurements &amp; </a:t>
-            </a:r>
-            <a:r>
-              <a:rPr lang="fi-FI" sz="2800" b="1" dirty="0" smtClean="0">
-                <a:solidFill>
-                  <a:schemeClr val="bg2">
-                    <a:lumMod val="50000"/>
-                  </a:schemeClr>
-                </a:solidFill>
-              </a:rPr>
-              <a:t>Results</a:t>
-            </a:r>
-          </a:p>
-          <a:p>
+              <a:t>Measurements &amp; Results</a:t>
+            </a:r>
+          </a:p>
+          <a:p>
+            <a:pPr>
+              <a:spcBef>
+                <a:spcPts val="1000"/>
+              </a:spcBef>
+            </a:pPr>
             <a:r>
               <a:rPr lang="fi-FI" dirty="0" smtClean="0"/>
               <a:t>Conclusions</a:t>
@@ -8204,13 +8118,8 @@
             <a:pPr lvl="1"/>
             <a:r>
               <a:rPr lang="en-US" dirty="0" smtClean="0"/>
-              <a:t>8683 decoy users from 624 </a:t>
-            </a:r>
-            <a:r>
-              <a:rPr lang="en-US" dirty="0" smtClean="0"/>
-              <a:t>IPs</a:t>
-            </a:r>
-            <a:endParaRPr lang="en-US" dirty="0" smtClean="0"/>
+              <a:t>8683 decoy users from 624 IPs</a:t>
+            </a:r>
           </a:p>
           <a:p>
             <a:pPr lvl="1"/>
@@ -8245,13 +8154,8 @@
             <a:pPr lvl="1"/>
             <a:r>
               <a:rPr lang="en-US" dirty="0" smtClean="0"/>
-              <a:t>27 decoy users from 26 </a:t>
-            </a:r>
-            <a:r>
-              <a:rPr lang="en-US" dirty="0" smtClean="0"/>
-              <a:t>IPs</a:t>
-            </a:r>
-            <a:endParaRPr lang="en-US" dirty="0" smtClean="0"/>
+              <a:t>27 decoy users from 26 IPs</a:t>
+            </a:r>
           </a:p>
           <a:p>
             <a:pPr lvl="1"/>
@@ -8327,11 +8231,7 @@
           <a:p>
             <a:r>
               <a:rPr lang="fi-FI" dirty="0" smtClean="0"/>
-              <a:t>Measurements </a:t>
-            </a:r>
-            <a:r>
-              <a:rPr lang="fi-FI" dirty="0" smtClean="0"/>
-              <a:t>&amp; Results</a:t>
+              <a:t>Measurements &amp; Results</a:t>
             </a:r>
             <a:endParaRPr lang="en-US" dirty="0"/>
           </a:p>
@@ -8435,15 +8335,7 @@
           <a:p>
             <a:r>
               <a:rPr lang="fi-FI" dirty="0" smtClean="0"/>
-              <a:t>Mesurements &amp;</a:t>
-            </a:r>
-            <a:r>
-              <a:rPr lang="fi-FI" dirty="0" smtClean="0"/>
-              <a:t> Results </a:t>
-            </a:r>
-            <a:r>
-              <a:rPr lang="fi-FI" dirty="0" smtClean="0"/>
-              <a:t>- Copies</a:t>
+              <a:t>Mesurements &amp; Results - Copies</a:t>
             </a:r>
             <a:endParaRPr lang="en-US" dirty="0"/>
           </a:p>
@@ -8629,6 +8521,11 @@
           <a:bodyPr/>
           <a:lstStyle/>
           <a:p>
+            <a:pPr>
+              <a:spcBef>
+                <a:spcPts val="1000"/>
+              </a:spcBef>
+            </a:pPr>
             <a:r>
               <a:rPr lang="en-US" sz="2800" b="1" dirty="0" smtClean="0">
                 <a:solidFill>
@@ -8637,27 +8534,7 @@
                   </a:schemeClr>
                 </a:solidFill>
               </a:rPr>
-              <a:t>P2P File </a:t>
-            </a:r>
-            <a:r>
-              <a:rPr lang="en-US" sz="2800" b="1" dirty="0" smtClean="0">
-                <a:solidFill>
-                  <a:schemeClr val="bg2">
-                    <a:lumMod val="50000"/>
-                  </a:schemeClr>
-                </a:solidFill>
-              </a:rPr>
-              <a:t>S</a:t>
-            </a:r>
-            <a:r>
-              <a:rPr lang="en-US" sz="2800" b="1" dirty="0" smtClean="0">
-                <a:solidFill>
-                  <a:schemeClr val="bg2">
-                    <a:lumMod val="50000"/>
-                  </a:schemeClr>
-                </a:solidFill>
-              </a:rPr>
-              <a:t>haring</a:t>
+              <a:t>P2P File Sharing</a:t>
             </a:r>
             <a:endParaRPr lang="en-US" sz="2800" b="1" dirty="0">
               <a:solidFill>
@@ -8668,46 +8545,55 @@
             </a:endParaRPr>
           </a:p>
           <a:p>
+            <a:pPr>
+              <a:spcBef>
+                <a:spcPts val="1000"/>
+              </a:spcBef>
+            </a:pPr>
             <a:r>
               <a:rPr lang="fi-FI" dirty="0" smtClean="0"/>
-              <a:t>Systems under </a:t>
-            </a:r>
+              <a:t>Systems under Evaluation</a:t>
+            </a:r>
+          </a:p>
+          <a:p>
+            <a:pPr>
+              <a:spcBef>
+                <a:spcPts val="1000"/>
+              </a:spcBef>
+            </a:pPr>
+            <a:r>
+              <a:rPr lang="en-US" dirty="0" smtClean="0"/>
+              <a:t>Types of Attacks</a:t>
+            </a:r>
+          </a:p>
+          <a:p>
+            <a:pPr>
+              <a:spcBef>
+                <a:spcPts val="1000"/>
+              </a:spcBef>
+            </a:pPr>
+            <a:r>
+              <a:rPr lang="en-US" dirty="0" smtClean="0"/>
+              <a:t>Data Gathering Methodology</a:t>
+            </a:r>
+          </a:p>
+          <a:p>
+            <a:pPr>
+              <a:spcBef>
+                <a:spcPts val="1000"/>
+              </a:spcBef>
+            </a:pPr>
             <a:r>
               <a:rPr lang="fi-FI" dirty="0" smtClean="0"/>
-              <a:t>Evaluation</a:t>
-            </a:r>
-          </a:p>
-          <a:p>
-            <a:r>
-              <a:rPr lang="en-US" dirty="0" smtClean="0"/>
-              <a:t>Types of </a:t>
-            </a:r>
-            <a:r>
-              <a:rPr lang="en-US" dirty="0" smtClean="0"/>
-              <a:t>Attacks</a:t>
-            </a:r>
-          </a:p>
-          <a:p>
-            <a:r>
-              <a:rPr lang="en-US" dirty="0" smtClean="0"/>
-              <a:t>Data Gathering </a:t>
-            </a:r>
-            <a:r>
-              <a:rPr lang="en-US" dirty="0" smtClean="0"/>
-              <a:t>Methodology</a:t>
-            </a:r>
-          </a:p>
-          <a:p>
-            <a:r>
-              <a:rPr lang="fi-FI" dirty="0" smtClean="0"/>
-              <a:t>Measurements &amp; </a:t>
-            </a:r>
-            <a:r>
-              <a:rPr lang="fi-FI" dirty="0" smtClean="0"/>
-              <a:t>Results</a:t>
-            </a:r>
-          </a:p>
-          <a:p>
+              <a:t>Measurements &amp; Results</a:t>
+            </a:r>
+          </a:p>
+          <a:p>
+            <a:pPr>
+              <a:spcBef>
+                <a:spcPts val="1000"/>
+              </a:spcBef>
+            </a:pPr>
             <a:r>
               <a:rPr lang="fi-FI" dirty="0" smtClean="0"/>
               <a:t>Conclusions</a:t>
@@ -8865,11 +8751,7 @@
           <a:p>
             <a:r>
               <a:rPr lang="fi-FI" dirty="0" smtClean="0"/>
-              <a:t>Mesurements </a:t>
-            </a:r>
-            <a:r>
-              <a:rPr lang="fi-FI" dirty="0" smtClean="0"/>
-              <a:t>&amp; Results - Versions</a:t>
+              <a:t>Mesurements &amp; Results - Versions</a:t>
             </a:r>
             <a:endParaRPr lang="en-US" dirty="0"/>
           </a:p>
@@ -8899,15 +8781,7 @@
           <a:p>
             <a:r>
               <a:rPr lang="en-US" dirty="0" smtClean="0"/>
-              <a:t>Majority of </a:t>
-            </a:r>
-            <a:r>
-              <a:rPr lang="en-US" dirty="0" smtClean="0"/>
-              <a:t>versions are </a:t>
-            </a:r>
-            <a:r>
-              <a:rPr lang="en-US" dirty="0" smtClean="0"/>
-              <a:t>poisoned</a:t>
+              <a:t>Majority of versions are poisoned</a:t>
             </a:r>
           </a:p>
           <a:p>
@@ -9029,27 +8903,11 @@
           <a:p>
             <a:r>
               <a:rPr lang="en-US" b="1" dirty="0" smtClean="0"/>
-              <a:t>Node </a:t>
-            </a:r>
-            <a:r>
-              <a:rPr lang="en-US" b="1" dirty="0" smtClean="0"/>
-              <a:t>insertion attack</a:t>
-            </a:r>
-            <a:r>
-              <a:rPr lang="en-US" dirty="0" smtClean="0"/>
-              <a:t>: </a:t>
-            </a:r>
-            <a:r>
-              <a:rPr lang="en-US" dirty="0" smtClean="0"/>
-              <a:t>Overnet - can </a:t>
-            </a:r>
-            <a:r>
-              <a:rPr lang="en-US" dirty="0" smtClean="0"/>
-              <a:t>prevent users from finding clean </a:t>
-            </a:r>
-            <a:r>
-              <a:rPr lang="en-US" dirty="0" smtClean="0"/>
-              <a:t>versions</a:t>
+              <a:t>Node insertion attack</a:t>
+            </a:r>
+            <a:r>
+              <a:rPr lang="en-US" dirty="0" smtClean="0"/>
+              <a:t>: Overnet - can prevent users from finding clean versions</a:t>
             </a:r>
           </a:p>
           <a:p>
@@ -9076,23 +8934,7 @@
             <a:pPr lvl="1"/>
             <a:r>
               <a:rPr lang="en-US" dirty="0" smtClean="0"/>
-              <a:t>Increasing </a:t>
-            </a:r>
-            <a:r>
-              <a:rPr lang="en-US" dirty="0" smtClean="0"/>
-              <a:t># of titles → </a:t>
-            </a:r>
-            <a:r>
-              <a:rPr lang="en-US" dirty="0" smtClean="0"/>
-              <a:t>eventually, DHT </a:t>
-            </a:r>
-            <a:r>
-              <a:rPr lang="en-US" dirty="0" smtClean="0"/>
-              <a:t>requires </a:t>
-            </a:r>
-            <a:r>
-              <a:rPr lang="en-US" dirty="0" smtClean="0"/>
-              <a:t>more resources</a:t>
+              <a:t>Increasing # of titles → eventually, DHT requires more resources</a:t>
             </a:r>
           </a:p>
           <a:p>
@@ -9119,7 +8961,6 @@
               <a:rPr lang="en-US" dirty="0" smtClean="0"/>
               <a:t>pointing one node</a:t>
             </a:r>
-            <a:endParaRPr lang="en-US" dirty="0" smtClean="0"/>
           </a:p>
           <a:p>
             <a:endParaRPr lang="en-US" dirty="0"/>
@@ -9192,19 +9033,7 @@
           <a:p>
             <a:r>
               <a:rPr lang="fi-FI" dirty="0" smtClean="0"/>
-              <a:t>DHT V</a:t>
-            </a:r>
-            <a:r>
-              <a:rPr lang="fi-FI" dirty="0" smtClean="0"/>
-              <a:t>ulnerabilities </a:t>
-            </a:r>
-            <a:r>
-              <a:rPr lang="fi-FI" dirty="0" smtClean="0"/>
-              <a:t>to </a:t>
-            </a:r>
-            <a:r>
-              <a:rPr lang="fi-FI" dirty="0" smtClean="0"/>
-              <a:t>Poisoning</a:t>
+              <a:t>DHT Vulnerabilities to Poisoning</a:t>
             </a:r>
             <a:endParaRPr lang="en-US" dirty="0"/>
           </a:p>
@@ -9265,35 +9094,18 @@
             <a:pPr lvl="1"/>
             <a:r>
               <a:rPr lang="en-US" dirty="0" smtClean="0"/>
-              <a:t>Rating </a:t>
-            </a:r>
-            <a:r>
-              <a:rPr lang="en-US" dirty="0" smtClean="0"/>
-              <a:t>versions and advertisements </a:t>
-            </a:r>
-            <a:r>
-              <a:rPr lang="en-US" dirty="0" smtClean="0"/>
-              <a:t>- </a:t>
+              <a:t>Rating versions and advertisements - </a:t>
             </a:r>
             <a:r>
               <a:rPr lang="en-US" b="1" dirty="0" smtClean="0"/>
               <a:t>forums</a:t>
             </a:r>
-            <a:endParaRPr lang="en-US" b="1" dirty="0" smtClean="0"/>
           </a:p>
           <a:p>
             <a:pPr lvl="1"/>
             <a:r>
               <a:rPr lang="en-US" dirty="0" smtClean="0"/>
-              <a:t>Rating </a:t>
-            </a:r>
-            <a:r>
-              <a:rPr lang="en-US" dirty="0" smtClean="0"/>
-              <a:t>sources </a:t>
-            </a:r>
-            <a:r>
-              <a:rPr lang="en-US" dirty="0" smtClean="0"/>
-              <a:t>- </a:t>
+              <a:t>Rating sources - </a:t>
             </a:r>
             <a:r>
               <a:rPr lang="en-US" b="1" dirty="0" smtClean="0"/>
@@ -9301,17 +9113,8 @@
             </a:r>
             <a:r>
               <a:rPr lang="en-US" dirty="0" smtClean="0"/>
-              <a:t> </a:t>
-            </a:r>
-            <a:r>
-              <a:rPr lang="en-US" dirty="0" smtClean="0"/>
-              <a:t>of IP ranges based on </a:t>
-            </a:r>
-            <a:r>
-              <a:rPr lang="en-US" dirty="0" smtClean="0"/>
-              <a:t>reputation</a:t>
-            </a:r>
-            <a:endParaRPr lang="en-US" dirty="0" smtClean="0"/>
+              <a:t> of IP ranges based on reputation</a:t>
+            </a:r>
           </a:p>
         </p:txBody>
       </p:sp>
@@ -9386,11 +9189,7 @@
           <a:p>
             <a:r>
               <a:rPr lang="fi-FI" dirty="0" smtClean="0"/>
-              <a:t>Defending against </a:t>
-            </a:r>
-            <a:r>
-              <a:rPr lang="fi-FI" dirty="0" smtClean="0"/>
-              <a:t>Poisoning Attack</a:t>
+              <a:t>Defending against Poisoning Attack</a:t>
             </a:r>
             <a:endParaRPr lang="en-US" dirty="0"/>
           </a:p>
@@ -9459,61 +9258,67 @@
           <a:bodyPr/>
           <a:lstStyle/>
           <a:p>
-            <a:r>
-              <a:rPr lang="en-US" dirty="0" smtClean="0"/>
-              <a:t>P2P File </a:t>
-            </a:r>
-            <a:r>
-              <a:rPr lang="en-US" dirty="0" smtClean="0"/>
-              <a:t>S</a:t>
-            </a:r>
-            <a:r>
-              <a:rPr lang="en-US" dirty="0" smtClean="0"/>
-              <a:t>haring</a:t>
+            <a:pPr>
+              <a:spcBef>
+                <a:spcPts val="1000"/>
+              </a:spcBef>
+            </a:pPr>
+            <a:r>
+              <a:rPr lang="en-US" dirty="0" smtClean="0"/>
+              <a:t>P2P File Sharing</a:t>
             </a:r>
             <a:endParaRPr lang="en-US" dirty="0"/>
           </a:p>
           <a:p>
+            <a:pPr>
+              <a:spcBef>
+                <a:spcPts val="1000"/>
+              </a:spcBef>
+            </a:pPr>
             <a:r>
               <a:rPr lang="fi-FI" dirty="0" smtClean="0"/>
-              <a:t>Systems under </a:t>
-            </a:r>
+              <a:t>Systems under Evaluation</a:t>
+            </a:r>
+          </a:p>
+          <a:p>
+            <a:pPr>
+              <a:spcBef>
+                <a:spcPts val="1000"/>
+              </a:spcBef>
+            </a:pPr>
+            <a:r>
+              <a:rPr lang="en-US" dirty="0" smtClean="0"/>
+              <a:t>Types of Attacks</a:t>
+            </a:r>
+          </a:p>
+          <a:p>
+            <a:pPr>
+              <a:spcBef>
+                <a:spcPts val="1000"/>
+              </a:spcBef>
+            </a:pPr>
+            <a:r>
+              <a:rPr lang="en-US" dirty="0" smtClean="0"/>
+              <a:t>Data Gathering Methodology</a:t>
+            </a:r>
+          </a:p>
+          <a:p>
+            <a:pPr>
+              <a:spcBef>
+                <a:spcPts val="1000"/>
+              </a:spcBef>
+            </a:pPr>
             <a:r>
               <a:rPr lang="fi-FI" dirty="0" smtClean="0"/>
-              <a:t>Evaluation</a:t>
-            </a:r>
-          </a:p>
-          <a:p>
-            <a:r>
-              <a:rPr lang="en-US" dirty="0" smtClean="0"/>
-              <a:t>Types of </a:t>
-            </a:r>
-            <a:r>
-              <a:rPr lang="en-US" dirty="0" smtClean="0"/>
-              <a:t>Attacks</a:t>
-            </a:r>
-          </a:p>
-          <a:p>
-            <a:r>
-              <a:rPr lang="en-US" dirty="0" smtClean="0"/>
-              <a:t>Data Gathering </a:t>
-            </a:r>
-            <a:r>
-              <a:rPr lang="en-US" dirty="0" smtClean="0"/>
-              <a:t>Methodology</a:t>
-            </a:r>
-          </a:p>
-          <a:p>
-            <a:r>
-              <a:rPr lang="fi-FI" dirty="0" smtClean="0"/>
-              <a:t>Measurements &amp; </a:t>
-            </a:r>
-            <a:r>
-              <a:rPr lang="fi-FI" dirty="0" smtClean="0"/>
-              <a:t>Results</a:t>
-            </a:r>
-          </a:p>
-          <a:p>
+              <a:t>Measurements &amp; Results</a:t>
+            </a:r>
+          </a:p>
+          <a:p>
+            <a:pPr>
+              <a:spcBef>
+                <a:spcPts val="1000"/>
+              </a:spcBef>
+            </a:pPr>
             <a:r>
               <a:rPr lang="fi-FI" sz="2800" b="1" dirty="0" smtClean="0">
                 <a:solidFill>
@@ -9762,15 +9567,7 @@
           <a:p>
             <a:r>
               <a:rPr lang="en-US" dirty="0" smtClean="0"/>
-              <a:t>J. </a:t>
-            </a:r>
-            <a:r>
-              <a:rPr lang="en-US" dirty="0" smtClean="0"/>
-              <a:t>Liang, </a:t>
-            </a:r>
-            <a:r>
-              <a:rPr lang="en-US" dirty="0" smtClean="0"/>
-              <a:t>N. </a:t>
+              <a:t>J. Liang, N. </a:t>
             </a:r>
             <a:r>
               <a:rPr lang="en-US" dirty="0" err="1" smtClean="0"/>
@@ -9778,31 +9575,15 @@
             </a:r>
             <a:r>
               <a:rPr lang="en-US" dirty="0" smtClean="0"/>
-              <a:t>, </a:t>
-            </a:r>
-            <a:r>
-              <a:rPr lang="en-US" dirty="0" smtClean="0"/>
-              <a:t>KW. </a:t>
-            </a:r>
-            <a:r>
-              <a:rPr lang="en-US" dirty="0" smtClean="0"/>
-              <a:t>Ross, </a:t>
+              <a:t>, KW. Ross, </a:t>
             </a:r>
             <a:r>
               <a:rPr lang="en-US" i="1" dirty="0" smtClean="0"/>
-              <a:t>The index poisoning attack in p2p file sharing </a:t>
-            </a:r>
-            <a:r>
-              <a:rPr lang="en-US" i="1" dirty="0" smtClean="0"/>
-              <a:t>systems</a:t>
-            </a:r>
-            <a:r>
-              <a:rPr lang="en-US" dirty="0" smtClean="0"/>
-              <a:t>, IEEE </a:t>
-            </a:r>
-            <a:r>
-              <a:rPr lang="en-US" dirty="0" smtClean="0"/>
-              <a:t>INFOCOM, 2006.</a:t>
+              <a:t>The index poisoning attack in p2p file sharing systems</a:t>
+            </a:r>
+            <a:r>
+              <a:rPr lang="en-US" dirty="0" smtClean="0"/>
+              <a:t>, IEEE INFOCOM, 2006.</a:t>
             </a:r>
             <a:endParaRPr lang="en-US" dirty="0"/>
           </a:p>
@@ -10060,11 +9841,7 @@
           <a:p>
             <a:r>
               <a:rPr lang="en-US" dirty="0" smtClean="0"/>
-              <a:t>P2P </a:t>
-            </a:r>
-            <a:r>
-              <a:rPr lang="en-US" dirty="0" smtClean="0"/>
-              <a:t>File Sharing</a:t>
+              <a:t>P2P File Sharing</a:t>
             </a:r>
             <a:endParaRPr lang="en-US" dirty="0"/>
           </a:p>
@@ -10087,15 +9864,7 @@
           <a:p>
             <a:r>
               <a:rPr lang="en-US" dirty="0" smtClean="0"/>
-              <a:t>One of </a:t>
-            </a:r>
-            <a:r>
-              <a:rPr lang="en-US" dirty="0" smtClean="0"/>
-              <a:t>the most important applications in the </a:t>
-            </a:r>
-            <a:r>
-              <a:rPr lang="en-US" dirty="0" smtClean="0"/>
-              <a:t>Internet</a:t>
+              <a:t>One of the most important applications in the Internet</a:t>
             </a:r>
           </a:p>
           <a:p>
@@ -10107,19 +9876,15 @@
           <a:p>
             <a:r>
               <a:rPr lang="en-US" dirty="0" smtClean="0"/>
-              <a:t>H</a:t>
-            </a:r>
-            <a:r>
-              <a:rPr lang="en-US" dirty="0" smtClean="0"/>
-              <a:t>uge </a:t>
-            </a:r>
-            <a:r>
-              <a:rPr lang="en-US" dirty="0" smtClean="0"/>
-              <a:t>cost for the ”copyright industry</a:t>
-            </a:r>
-            <a:r>
-              <a:rPr lang="en-US" dirty="0" smtClean="0"/>
-              <a:t>”</a:t>
+              <a:t>Huge cost for the </a:t>
+            </a:r>
+            <a:r>
+              <a:rPr lang="en-US" dirty="0" smtClean="0"/>
+              <a:t>“copyright </a:t>
+            </a:r>
+            <a:r>
+              <a:rPr lang="en-US" dirty="0" smtClean="0"/>
+              <a:t>industry”</a:t>
             </a:r>
           </a:p>
           <a:p>
@@ -10324,25 +10089,8 @@
             </a:r>
             <a:r>
               <a:rPr lang="en-US" dirty="0" smtClean="0"/>
-              <a:t> is </a:t>
-            </a:r>
-            <a:r>
-              <a:rPr lang="en-US" dirty="0" smtClean="0"/>
-              <a:t>a </a:t>
-            </a:r>
-            <a:r>
-              <a:rPr lang="en-US" dirty="0" smtClean="0"/>
-              <a:t>specific </a:t>
-            </a:r>
-            <a:r>
-              <a:rPr lang="en-US" dirty="0" smtClean="0"/>
-              <a:t>song or </a:t>
-            </a:r>
-            <a:r>
-              <a:rPr lang="en-US" dirty="0" smtClean="0"/>
-              <a:t>video</a:t>
-            </a:r>
-            <a:endParaRPr lang="en-US" dirty="0" smtClean="0"/>
+              <a:t> is a specific song or video</a:t>
+            </a:r>
           </a:p>
           <a:p>
             <a:pPr>
@@ -10368,11 +10116,7 @@
             </a:pPr>
             <a:r>
               <a:rPr lang="en-US" dirty="0" smtClean="0"/>
-              <a:t>Each </a:t>
-            </a:r>
-            <a:r>
-              <a:rPr lang="en-US" dirty="0" smtClean="0"/>
-              <a:t>version has one </a:t>
+              <a:t>Each version has one </a:t>
             </a:r>
             <a:r>
               <a:rPr lang="en-US" b="1" dirty="0" smtClean="0"/>
@@ -10380,21 +10124,8 @@
             </a:r>
             <a:r>
               <a:rPr lang="en-US" dirty="0" smtClean="0"/>
-              <a:t> </a:t>
-            </a:r>
-            <a:r>
-              <a:rPr lang="en-US" dirty="0" smtClean="0"/>
-              <a:t>(hash </a:t>
-            </a:r>
-            <a:r>
-              <a:rPr lang="en-US" dirty="0" smtClean="0"/>
-              <a:t>of the </a:t>
-            </a:r>
-            <a:r>
-              <a:rPr lang="en-US" dirty="0" smtClean="0"/>
-              <a:t>version)</a:t>
-            </a:r>
-            <a:endParaRPr lang="en-US" dirty="0" smtClean="0"/>
+              <a:t> (hash of the version)</a:t>
+            </a:r>
           </a:p>
           <a:p>
             <a:pPr>
@@ -10412,13 +10143,8 @@
             </a:r>
             <a:r>
               <a:rPr lang="en-US" dirty="0" smtClean="0"/>
-              <a:t> of identical versions in the </a:t>
-            </a:r>
-            <a:r>
-              <a:rPr lang="en-US" dirty="0" smtClean="0"/>
-              <a:t>system</a:t>
-            </a:r>
-            <a:endParaRPr lang="en-US" dirty="0" smtClean="0"/>
+              <a:t> of identical versions in the system</a:t>
+            </a:r>
           </a:p>
           <a:p>
             <a:pPr>
@@ -10432,17 +10158,8 @@
             </a:r>
             <a:r>
               <a:rPr lang="en-US" dirty="0" smtClean="0"/>
-              <a:t> about </a:t>
-            </a:r>
-            <a:r>
-              <a:rPr lang="en-US" dirty="0" smtClean="0"/>
-              <a:t>the </a:t>
-            </a:r>
-            <a:r>
-              <a:rPr lang="en-US" dirty="0" smtClean="0"/>
-              <a:t>copies</a:t>
-            </a:r>
-            <a:endParaRPr lang="en-US" dirty="0" smtClean="0"/>
+              <a:t> about the copies</a:t>
+            </a:r>
           </a:p>
           <a:p>
             <a:pPr>
@@ -10456,13 +10173,8 @@
             </a:r>
             <a:r>
               <a:rPr lang="en-US" dirty="0" smtClean="0"/>
-              <a:t> is </a:t>
-            </a:r>
-            <a:r>
-              <a:rPr lang="en-US" dirty="0" smtClean="0"/>
-              <a:t>used</a:t>
-            </a:r>
-            <a:endParaRPr lang="en-US" dirty="0" smtClean="0"/>
+              <a:t> is used</a:t>
+            </a:r>
           </a:p>
           <a:p>
             <a:pPr>
@@ -10614,21 +10326,23 @@
           <a:bodyPr/>
           <a:lstStyle/>
           <a:p>
-            <a:r>
-              <a:rPr lang="en-US" dirty="0" smtClean="0"/>
-              <a:t>P2P File </a:t>
-            </a:r>
-            <a:r>
-              <a:rPr lang="en-US" dirty="0" smtClean="0"/>
-              <a:t>S</a:t>
-            </a:r>
-            <a:r>
-              <a:rPr lang="en-US" dirty="0" smtClean="0"/>
-              <a:t>haring</a:t>
+            <a:pPr>
+              <a:spcBef>
+                <a:spcPts val="1000"/>
+              </a:spcBef>
+            </a:pPr>
+            <a:r>
+              <a:rPr lang="en-US" dirty="0" smtClean="0"/>
+              <a:t>P2P File Sharing</a:t>
             </a:r>
             <a:endParaRPr lang="en-US" dirty="0"/>
           </a:p>
           <a:p>
+            <a:pPr>
+              <a:spcBef>
+                <a:spcPts val="1000"/>
+              </a:spcBef>
+            </a:pPr>
             <a:r>
               <a:rPr lang="fi-FI" sz="2800" b="1" dirty="0" smtClean="0">
                 <a:solidFill>
@@ -10637,50 +10351,48 @@
                   </a:schemeClr>
                 </a:solidFill>
               </a:rPr>
-              <a:t>Systems under </a:t>
-            </a:r>
-            <a:r>
-              <a:rPr lang="fi-FI" sz="2800" b="1" dirty="0" smtClean="0">
-                <a:solidFill>
-                  <a:schemeClr val="bg2">
-                    <a:lumMod val="50000"/>
-                  </a:schemeClr>
-                </a:solidFill>
-              </a:rPr>
-              <a:t>Evaluation</a:t>
-            </a:r>
-          </a:p>
-          <a:p>
-            <a:r>
-              <a:rPr lang="en-US" dirty="0" smtClean="0"/>
-              <a:t>Types of </a:t>
-            </a:r>
-            <a:r>
-              <a:rPr lang="en-US" dirty="0" smtClean="0"/>
-              <a:t>Attacks</a:t>
-            </a:r>
-          </a:p>
-          <a:p>
-            <a:r>
-              <a:rPr lang="en-US" dirty="0" smtClean="0"/>
-              <a:t>Data Gathering </a:t>
-            </a:r>
-            <a:r>
-              <a:rPr lang="en-US" dirty="0" smtClean="0"/>
-              <a:t>Methodology</a:t>
-            </a:r>
-          </a:p>
-          <a:p>
+              <a:t>Systems under Evaluation</a:t>
+            </a:r>
+          </a:p>
+          <a:p>
+            <a:pPr>
+              <a:spcBef>
+                <a:spcPts val="1000"/>
+              </a:spcBef>
+            </a:pPr>
+            <a:r>
+              <a:rPr lang="en-US" dirty="0" smtClean="0"/>
+              <a:t>Types of Attacks</a:t>
+            </a:r>
+          </a:p>
+          <a:p>
+            <a:pPr>
+              <a:spcBef>
+                <a:spcPts val="1000"/>
+              </a:spcBef>
+            </a:pPr>
+            <a:r>
+              <a:rPr lang="en-US" dirty="0" smtClean="0"/>
+              <a:t>Data Gathering Methodology</a:t>
+            </a:r>
+          </a:p>
+          <a:p>
+            <a:pPr>
+              <a:spcBef>
+                <a:spcPts val="1000"/>
+              </a:spcBef>
+            </a:pPr>
             <a:r>
               <a:rPr lang="fi-FI" dirty="0" smtClean="0"/>
-              <a:t>Measurements &amp; </a:t>
-            </a:r>
-            <a:r>
-              <a:rPr lang="fi-FI" dirty="0" smtClean="0"/>
-              <a:t>Results</a:t>
-            </a:r>
-          </a:p>
-          <a:p>
+              <a:t>Measurements &amp; Results</a:t>
+            </a:r>
+          </a:p>
+          <a:p>
+            <a:pPr>
+              <a:spcBef>
+                <a:spcPts val="1000"/>
+              </a:spcBef>
+            </a:pPr>
             <a:r>
               <a:rPr lang="fi-FI" dirty="0" smtClean="0"/>
               <a:t>Conclusions</a:t>
@@ -10795,15 +10507,7 @@
             <a:pPr lvl="1"/>
             <a:r>
               <a:rPr lang="en-US" dirty="0" smtClean="0"/>
-              <a:t>used </a:t>
-            </a:r>
-            <a:r>
-              <a:rPr lang="en-US" dirty="0" smtClean="0"/>
-              <a:t>in </a:t>
-            </a:r>
-            <a:r>
-              <a:rPr lang="en-US" dirty="0" smtClean="0"/>
-              <a:t>eDonkey2000</a:t>
+              <a:t>used in eDonkey2000</a:t>
             </a:r>
           </a:p>
           <a:p>
@@ -10830,37 +10534,15 @@
             <a:pPr lvl="1"/>
             <a:r>
               <a:rPr lang="en-US" dirty="0" smtClean="0"/>
-              <a:t>two-tier unstructured file sharing </a:t>
-            </a:r>
-            <a:r>
-              <a:rPr lang="en-US" dirty="0" smtClean="0"/>
-              <a:t>system </a:t>
-            </a:r>
-            <a:endParaRPr lang="en-US" dirty="0" smtClean="0"/>
+              <a:t>two-tier unstructured file sharing system </a:t>
+            </a:r>
           </a:p>
           <a:p>
             <a:pPr lvl="1"/>
             <a:r>
               <a:rPr lang="en-US" dirty="0" smtClean="0"/>
-              <a:t>index distributed </a:t>
-            </a:r>
-            <a:r>
-              <a:rPr lang="en-US" dirty="0" smtClean="0"/>
-              <a:t>over </a:t>
-            </a:r>
-            <a:r>
-              <a:rPr lang="en-US" dirty="0" smtClean="0"/>
-              <a:t>a small </a:t>
-            </a:r>
-            <a:r>
-              <a:rPr lang="en-US" dirty="0" smtClean="0"/>
-              <a:t>fraction of the </a:t>
-            </a:r>
-            <a:r>
-              <a:rPr lang="en-US" dirty="0" smtClean="0"/>
-              <a:t>nodes</a:t>
-            </a:r>
-            <a:endParaRPr lang="en-US" dirty="0" smtClean="0"/>
+              <a:t>index distributed over a small fraction of the nodes</a:t>
+            </a:r>
           </a:p>
           <a:p>
             <a:endParaRPr lang="en-US" dirty="0" smtClean="0"/>
@@ -10940,11 +10622,7 @@
           <a:p>
             <a:r>
               <a:rPr lang="fi-FI" dirty="0" smtClean="0"/>
-              <a:t>Systems under </a:t>
-            </a:r>
-            <a:r>
-              <a:rPr lang="fi-FI" dirty="0" smtClean="0"/>
-              <a:t>Evaluation</a:t>
+              <a:t>Systems under Evaluation</a:t>
             </a:r>
             <a:endParaRPr lang="en-US" dirty="0"/>
           </a:p>
@@ -11020,31 +10698,34 @@
           <a:bodyPr/>
           <a:lstStyle/>
           <a:p>
-            <a:r>
-              <a:rPr lang="en-US" dirty="0" smtClean="0"/>
-              <a:t>P2P File </a:t>
-            </a:r>
-            <a:r>
-              <a:rPr lang="en-US" dirty="0" smtClean="0"/>
-              <a:t>S</a:t>
-            </a:r>
-            <a:r>
-              <a:rPr lang="en-US" dirty="0" smtClean="0"/>
-              <a:t>haring</a:t>
+            <a:pPr>
+              <a:spcBef>
+                <a:spcPts val="1000"/>
+              </a:spcBef>
+            </a:pPr>
+            <a:r>
+              <a:rPr lang="en-US" dirty="0" smtClean="0"/>
+              <a:t>P2P File Sharing</a:t>
             </a:r>
             <a:endParaRPr lang="en-US" dirty="0"/>
           </a:p>
           <a:p>
+            <a:pPr>
+              <a:spcBef>
+                <a:spcPts val="1000"/>
+              </a:spcBef>
+            </a:pPr>
             <a:r>
               <a:rPr lang="fi-FI" dirty="0" smtClean="0"/>
-              <a:t>Systems under </a:t>
-            </a:r>
-            <a:r>
-              <a:rPr lang="fi-FI" dirty="0" smtClean="0"/>
-              <a:t>Evaluation</a:t>
-            </a:r>
-          </a:p>
-          <a:p>
+              <a:t>Systems under Evaluation</a:t>
+            </a:r>
+          </a:p>
+          <a:p>
+            <a:pPr>
+              <a:spcBef>
+                <a:spcPts val="1000"/>
+              </a:spcBef>
+            </a:pPr>
             <a:r>
               <a:rPr lang="en-US" sz="2800" b="1" dirty="0" smtClean="0">
                 <a:solidFill>
@@ -11053,40 +10734,37 @@
                   </a:schemeClr>
                 </a:solidFill>
               </a:rPr>
-              <a:t>Types of </a:t>
-            </a:r>
-            <a:r>
-              <a:rPr lang="en-US" sz="2800" b="1" dirty="0" smtClean="0">
-                <a:solidFill>
-                  <a:schemeClr val="bg2">
-                    <a:lumMod val="50000"/>
-                  </a:schemeClr>
-                </a:solidFill>
-              </a:rPr>
-              <a:t>Attacks</a:t>
-            </a:r>
-          </a:p>
-          <a:p>
-            <a:r>
-              <a:rPr lang="en-US" dirty="0" smtClean="0"/>
-              <a:t>Data Gathering </a:t>
-            </a:r>
-            <a:r>
-              <a:rPr lang="en-US" dirty="0" smtClean="0"/>
-              <a:t>Methodology</a:t>
-            </a:r>
-          </a:p>
-          <a:p>
+              <a:t>Types of Attacks</a:t>
+            </a:r>
+          </a:p>
+          <a:p>
+            <a:pPr>
+              <a:spcBef>
+                <a:spcPts val="1000"/>
+              </a:spcBef>
+            </a:pPr>
+            <a:r>
+              <a:rPr lang="en-US" dirty="0" smtClean="0"/>
+              <a:t>Data Gathering Methodology</a:t>
+            </a:r>
+          </a:p>
+          <a:p>
+            <a:pPr>
+              <a:spcBef>
+                <a:spcPts val="1000"/>
+              </a:spcBef>
+            </a:pPr>
             <a:r>
               <a:rPr lang="fi-FI" dirty="0" smtClean="0"/>
-              <a:t>Measurements &amp; </a:t>
-            </a:r>
-            <a:r>
-              <a:rPr lang="fi-FI" dirty="0" smtClean="0"/>
-              <a:t>Results</a:t>
-            </a:r>
-          </a:p>
-          <a:p>
+              <a:t>Measurements &amp; Results</a:t>
+            </a:r>
+          </a:p>
+          <a:p>
+            <a:pPr>
+              <a:spcBef>
+                <a:spcPts val="1000"/>
+              </a:spcBef>
+            </a:pPr>
             <a:r>
               <a:rPr lang="fi-FI" dirty="0" smtClean="0"/>
               <a:t>Conclusions</a:t>
@@ -11196,34 +10874,14 @@
             </a:r>
             <a:r>
               <a:rPr lang="en-US" dirty="0" smtClean="0"/>
-              <a:t>: </a:t>
-            </a:r>
-            <a:r>
-              <a:rPr lang="en-US" dirty="0" smtClean="0"/>
-              <a:t>corrupting the </a:t>
-            </a:r>
-            <a:r>
-              <a:rPr lang="en-US" dirty="0" smtClean="0"/>
-              <a:t>targeted content, rendering it unusable, and then </a:t>
-            </a:r>
-            <a:r>
-              <a:rPr lang="en-US" dirty="0" smtClean="0"/>
-              <a:t>making </a:t>
-            </a:r>
-            <a:r>
-              <a:rPr lang="en-US" dirty="0" smtClean="0"/>
-              <a:t>this polluted content available for sharing in large volumes.</a:t>
+              <a:t>: corrupting the targeted content, rendering it unusable, and then making this polluted content available for sharing in large volumes.</a:t>
             </a:r>
           </a:p>
           <a:p>
             <a:pPr lvl="1"/>
             <a:r>
               <a:rPr lang="en-US" dirty="0" smtClean="0"/>
-              <a:t>Resource intensive </a:t>
-            </a:r>
-            <a:r>
-              <a:rPr lang="en-US" dirty="0" smtClean="0"/>
-              <a:t>attack</a:t>
+              <a:t>Resource intensive attack</a:t>
             </a:r>
           </a:p>
           <a:p>
@@ -11391,13 +11049,8 @@
             </a:r>
             <a:r>
               <a:rPr lang="en-US" dirty="0" smtClean="0"/>
-              <a:t> for the </a:t>
-            </a:r>
-            <a:r>
-              <a:rPr lang="en-US" dirty="0" smtClean="0"/>
-              <a:t>files’ advertisements</a:t>
-            </a:r>
-            <a:endParaRPr lang="en-US" dirty="0" smtClean="0"/>
+              <a:t> for the files’ advertisements</a:t>
+            </a:r>
           </a:p>
           <a:p>
             <a:pPr>
@@ -11407,11 +11060,7 @@
             </a:pPr>
             <a:r>
               <a:rPr lang="en-US" dirty="0" smtClean="0"/>
-              <a:t>Attack by falsely advertising copies of the targeted </a:t>
-            </a:r>
-            <a:r>
-              <a:rPr lang="en-US" dirty="0" smtClean="0"/>
-              <a:t>titles</a:t>
+              <a:t>Attack by falsely advertising copies of the targeted titles</a:t>
             </a:r>
           </a:p>
           <a:p>
@@ -11426,7 +11075,6 @@
               <a:rPr lang="en-US" dirty="0" smtClean="0"/>
               <a:t>:</a:t>
             </a:r>
-            <a:endParaRPr lang="en-US" dirty="0" smtClean="0"/>
           </a:p>
           <a:p>
             <a:pPr lvl="1"/>
@@ -11446,15 +11094,7 @@
             <a:pPr lvl="1"/>
             <a:r>
               <a:rPr lang="en-US" dirty="0" smtClean="0"/>
-              <a:t>unavailable </a:t>
-            </a:r>
-            <a:r>
-              <a:rPr lang="en-US" dirty="0" smtClean="0"/>
-              <a:t>service port </a:t>
-            </a:r>
-            <a:r>
-              <a:rPr lang="en-US" dirty="0" smtClean="0"/>
-              <a:t>numbers</a:t>
+              <a:t>unavailable service port numbers</a:t>
             </a:r>
             <a:endParaRPr lang="en-US" dirty="0"/>
           </a:p>

--- a/trunk/P2P/labs/documents/presentation/The Index Poisoning Attack in P2P File Sharing.pptx
+++ b/trunk/P2P/labs/documents/presentation/The Index Poisoning Attack in P2P File Sharing.pptx
@@ -23,8 +23,8 @@
     <p:sldId id="270" r:id="rId14"/>
     <p:sldId id="271" r:id="rId15"/>
     <p:sldId id="286" r:id="rId16"/>
-    <p:sldId id="272" r:id="rId17"/>
-    <p:sldId id="284" r:id="rId18"/>
+    <p:sldId id="284" r:id="rId17"/>
+    <p:sldId id="272" r:id="rId18"/>
     <p:sldId id="273" r:id="rId19"/>
     <p:sldId id="274" r:id="rId20"/>
     <p:sldId id="275" r:id="rId21"/>
@@ -137,6 +137,7 @@
 
 <file path=ppt/charts/chart1.xml><?xml version="1.0" encoding="utf-8"?>
 <c:chartSpace xmlns:c="http://schemas.openxmlformats.org/drawingml/2006/chart" xmlns:a="http://schemas.openxmlformats.org/drawingml/2006/main" xmlns:r="http://schemas.openxmlformats.org/officeDocument/2006/relationships">
+  <c:date1904 val="1"/>
   <c:lang val="en-US"/>
   <c:chart>
     <c:plotArea>
@@ -145,10 +146,10 @@
           <c:layoutTarget val="inner"/>
           <c:xMode val="edge"/>
           <c:yMode val="edge"/>
-          <c:x val="0.15371900826446291"/>
-          <c:y val="3.6269430051813482E-2"/>
-          <c:w val="0.66115702479338878"/>
-          <c:h val="0.76424870466321282"/>
+          <c:x val="0.15371900826446294"/>
+          <c:y val="3.6269430051813489E-2"/>
+          <c:w val="0.66115702479338889"/>
+          <c:h val="0.76424870466321293"/>
         </c:manualLayout>
       </c:layout>
       <c:barChart>
@@ -318,25 +319,25 @@
           </c:val>
         </c:ser>
         <c:overlap val="100"/>
-        <c:axId val="88376064"/>
-        <c:axId val="88604672"/>
+        <c:axId val="60979072"/>
+        <c:axId val="60980608"/>
       </c:barChart>
       <c:catAx>
-        <c:axId val="88376064"/>
+        <c:axId val="60979072"/>
         <c:scaling>
           <c:orientation val="minMax"/>
         </c:scaling>
         <c:axPos val="b"/>
         <c:numFmt formatCode="General" sourceLinked="1"/>
         <c:tickLblPos val="nextTo"/>
-        <c:crossAx val="88604672"/>
+        <c:crossAx val="60980608"/>
         <c:crosses val="autoZero"/>
         <c:auto val="1"/>
         <c:lblAlgn val="ctr"/>
         <c:lblOffset val="100"/>
       </c:catAx>
       <c:valAx>
-        <c:axId val="88604672"/>
+        <c:axId val="60980608"/>
         <c:scaling>
           <c:orientation val="minMax"/>
         </c:scaling>
@@ -367,7 +368,7 @@
         </c:title>
         <c:numFmt formatCode="General" sourceLinked="1"/>
         <c:tickLblPos val="nextTo"/>
-        <c:crossAx val="88376064"/>
+        <c:crossAx val="60979072"/>
         <c:crosses val="autoZero"/>
         <c:crossBetween val="between"/>
       </c:valAx>
@@ -471,7 +472,7 @@
             <a:fld id="{3842907C-D0AA-4C58-9F94-58B40AD65B29}" type="datetimeFigureOut">
               <a:rPr lang="en-US" smtClean="0"/>
               <a:pPr/>
-              <a:t>5/18/2010</a:t>
+              <a:t>5/19/2010</a:t>
             </a:fld>
             <a:endParaRPr lang="en-US"/>
           </a:p>
@@ -1298,7 +1299,7 @@
             <a:fld id="{1D76769E-C829-4283-B80E-CB90D995C291}" type="slidenum">
               <a:rPr lang="en-US" smtClean="0"/>
               <a:pPr/>
-              <a:t>17</a:t>
+              <a:t>16</a:t>
             </a:fld>
             <a:endParaRPr lang="en-US"/>
           </a:p>
@@ -1845,7 +1846,7 @@
               </a:pathLst>
             </a:custGeom>
             <a:blipFill>
-              <a:blip r:embed="rId2">
+              <a:blip r:embed="rId2" cstate="print">
                 <a:alphaModFix amt="50000"/>
               </a:blip>
               <a:tile tx="0" ty="0" sx="50000" sy="50000" flip="none" algn="t"/>
@@ -2020,7 +2021,7 @@
             <a:fld id="{6DBEB9B3-11EE-4EBC-B1EA-EBF4B5E65C7C}" type="datetime1">
               <a:rPr lang="sv-SE" smtClean="0"/>
               <a:pPr/>
-              <a:t>2010-05-18</a:t>
+              <a:t>2010-05-19</a:t>
             </a:fld>
             <a:endParaRPr lang="en-US" dirty="0">
               <a:solidFill>
@@ -2242,7 +2243,7 @@
             <a:fld id="{56421CCA-A9FA-4A5A-B4C6-F81253DE0B33}" type="datetime1">
               <a:rPr lang="sv-SE" smtClean="0"/>
               <a:pPr/>
-              <a:t>2010-05-18</a:t>
+              <a:t>2010-05-19</a:t>
             </a:fld>
             <a:endParaRPr lang="en-US"/>
           </a:p>
@@ -2439,7 +2440,7 @@
             <a:fld id="{18C11C16-A398-4237-A44E-9994AA21A418}" type="datetime1">
               <a:rPr lang="sv-SE" smtClean="0"/>
               <a:pPr/>
-              <a:t>2010-05-18</a:t>
+              <a:t>2010-05-19</a:t>
             </a:fld>
             <a:endParaRPr lang="en-US"/>
           </a:p>
@@ -2601,7 +2602,7 @@
             <a:fld id="{5FDDB051-2451-4F76-A85D-9F674B2DCBF4}" type="datetime1">
               <a:rPr lang="sv-SE" smtClean="0"/>
               <a:pPr/>
-              <a:t>2010-05-18</a:t>
+              <a:t>2010-05-19</a:t>
             </a:fld>
             <a:endParaRPr lang="en-US"/>
           </a:p>
@@ -2862,7 +2863,7 @@
             <a:fld id="{135B48C6-4E88-4D3B-8F34-B09ACCAFF8BF}" type="datetime1">
               <a:rPr lang="sv-SE" smtClean="0"/>
               <a:pPr/>
-              <a:t>2010-05-18</a:t>
+              <a:t>2010-05-19</a:t>
             </a:fld>
             <a:endParaRPr lang="en-US"/>
           </a:p>
@@ -3277,7 +3278,7 @@
             <a:fld id="{EAD68A36-ADD4-47B5-9BF0-A0850E8FB676}" type="datetime1">
               <a:rPr lang="sv-SE" smtClean="0"/>
               <a:pPr/>
-              <a:t>2010-05-18</a:t>
+              <a:t>2010-05-19</a:t>
             </a:fld>
             <a:endParaRPr lang="en-US"/>
           </a:p>
@@ -3729,7 +3730,7 @@
             <a:fld id="{CC889943-4F91-43CD-A121-05FA32B4039C}" type="datetime1">
               <a:rPr lang="sv-SE" smtClean="0"/>
               <a:pPr/>
-              <a:t>2010-05-18</a:t>
+              <a:t>2010-05-19</a:t>
             </a:fld>
             <a:endParaRPr lang="en-US"/>
           </a:p>
@@ -3836,7 +3837,7 @@
             <a:fld id="{61754430-F4B7-448C-A418-DE7B1396916F}" type="datetime1">
               <a:rPr lang="sv-SE" smtClean="0"/>
               <a:pPr/>
-              <a:t>2010-05-18</a:t>
+              <a:t>2010-05-19</a:t>
             </a:fld>
             <a:endParaRPr lang="en-US"/>
           </a:p>
@@ -3963,7 +3964,7 @@
             <a:fld id="{01EB785C-6FDB-43D1-8546-5701711803B9}" type="datetime1">
               <a:rPr lang="sv-SE" smtClean="0"/>
               <a:pPr/>
-              <a:t>2010-05-18</a:t>
+              <a:t>2010-05-19</a:t>
             </a:fld>
             <a:endParaRPr lang="en-US"/>
           </a:p>
@@ -4243,7 +4244,7 @@
             <a:fld id="{010761C5-597C-4499-86DB-C4C3C73A35AC}" type="datetime1">
               <a:rPr lang="sv-SE" smtClean="0"/>
               <a:pPr/>
-              <a:t>2010-05-18</a:t>
+              <a:t>2010-05-19</a:t>
             </a:fld>
             <a:endParaRPr lang="en-US"/>
           </a:p>
@@ -4454,7 +4455,7 @@
             <a:fld id="{5C792EC8-8144-4CAC-AD0D-00BC83F84B7C}" type="datetime1">
               <a:rPr lang="sv-SE" smtClean="0"/>
               <a:pPr/>
-              <a:t>2010-05-18</a:t>
+              <a:t>2010-05-19</a:t>
             </a:fld>
             <a:endParaRPr lang="en-US">
               <a:solidFill>
@@ -4777,7 +4778,7 @@
             <a:avLst/>
           </a:prstGeom>
           <a:blipFill>
-            <a:blip r:embed="rId2">
+            <a:blip r:embed="rId2" cstate="print">
               <a:alphaModFix amt="50000"/>
             </a:blip>
             <a:tile tx="0" ty="0" sx="50000" sy="50000" flip="none" algn="t"/>
@@ -5297,7 +5298,7 @@
             <a:avLst/>
           </a:prstGeom>
           <a:blipFill>
-            <a:blip r:embed="rId13">
+            <a:blip r:embed="rId13" cstate="print">
               <a:alphaModFix amt="50000"/>
             </a:blip>
             <a:tile tx="0" ty="0" sx="50000" sy="50000" flip="none" algn="t"/>
@@ -5585,7 +5586,7 @@
             <a:fld id="{37F1CDC6-0E78-4729-93CF-F150F42E6D9E}" type="datetime1">
               <a:rPr lang="sv-SE" smtClean="0"/>
               <a:pPr/>
-              <a:t>2010-05-18</a:t>
+              <a:t>2010-05-19</a:t>
             </a:fld>
             <a:endParaRPr lang="en-US" sz="1000" dirty="0">
               <a:solidFill>
@@ -7770,12 +7771,12 @@
       </p:grpSpPr>
       <p:sp>
         <p:nvSpPr>
-          <p:cNvPr id="3" name="Footer Placeholder 2"/>
-          <p:cNvSpPr>
-            <a:spLocks noGrp="1"/>
-          </p:cNvSpPr>
-          <p:nvPr>
-            <p:ph type="ftr" sz="quarter" idx="11"/>
+          <p:cNvPr id="2" name="Rectangle 1"/>
+          <p:cNvSpPr>
+            <a:spLocks noGrp="1"/>
+          </p:cNvSpPr>
+          <p:nvPr>
+            <p:ph type="title"/>
           </p:nvPr>
         </p:nvSpPr>
         <p:spPr/>
@@ -7784,16 +7785,105 @@
           <a:lstStyle/>
           <a:p>
             <a:r>
-              <a:rPr lang="en-US" smtClean="0"/>
-              <a:t>A. Shumanski &amp; V. Trigonakis</a:t>
-            </a:r>
-            <a:endParaRPr lang="en-US"/>
-          </a:p>
-        </p:txBody>
-      </p:sp>
-      <p:sp>
-        <p:nvSpPr>
-          <p:cNvPr id="4" name="Slide Number Placeholder 3"/>
+              <a:rPr lang="en-US" dirty="0" smtClean="0"/>
+              <a:t>Agenda</a:t>
+            </a:r>
+            <a:endParaRPr lang="en-US" dirty="0"/>
+          </a:p>
+        </p:txBody>
+      </p:sp>
+      <p:sp>
+        <p:nvSpPr>
+          <p:cNvPr id="3" name="Rectangle 2"/>
+          <p:cNvSpPr>
+            <a:spLocks noGrp="1"/>
+          </p:cNvSpPr>
+          <p:nvPr>
+            <p:ph idx="1"/>
+          </p:nvPr>
+        </p:nvSpPr>
+        <p:spPr/>
+        <p:txBody>
+          <a:bodyPr/>
+          <a:lstStyle/>
+          <a:p>
+            <a:pPr>
+              <a:spcBef>
+                <a:spcPts val="1000"/>
+              </a:spcBef>
+            </a:pPr>
+            <a:r>
+              <a:rPr lang="en-US" dirty="0" smtClean="0"/>
+              <a:t>P2P File Sharing</a:t>
+            </a:r>
+            <a:endParaRPr lang="en-US" dirty="0"/>
+          </a:p>
+          <a:p>
+            <a:pPr>
+              <a:spcBef>
+                <a:spcPts val="1000"/>
+              </a:spcBef>
+            </a:pPr>
+            <a:r>
+              <a:rPr lang="fi-FI" dirty="0" smtClean="0"/>
+              <a:t>Systems under Evaluation</a:t>
+            </a:r>
+          </a:p>
+          <a:p>
+            <a:pPr>
+              <a:spcBef>
+                <a:spcPts val="1000"/>
+              </a:spcBef>
+            </a:pPr>
+            <a:r>
+              <a:rPr lang="en-US" dirty="0" smtClean="0"/>
+              <a:t>Types of Attacks</a:t>
+            </a:r>
+          </a:p>
+          <a:p>
+            <a:pPr>
+              <a:spcBef>
+                <a:spcPts val="1000"/>
+              </a:spcBef>
+            </a:pPr>
+            <a:r>
+              <a:rPr lang="en-US" dirty="0" smtClean="0"/>
+              <a:t>Data Gathering Methodology</a:t>
+            </a:r>
+          </a:p>
+          <a:p>
+            <a:pPr>
+              <a:spcBef>
+                <a:spcPts val="1000"/>
+              </a:spcBef>
+            </a:pPr>
+            <a:r>
+              <a:rPr lang="fi-FI" sz="2800" b="1" dirty="0" smtClean="0">
+                <a:solidFill>
+                  <a:schemeClr val="bg2">
+                    <a:lumMod val="50000"/>
+                  </a:schemeClr>
+                </a:solidFill>
+              </a:rPr>
+              <a:t>Measurements &amp; Results</a:t>
+            </a:r>
+          </a:p>
+          <a:p>
+            <a:pPr>
+              <a:spcBef>
+                <a:spcPts val="1000"/>
+              </a:spcBef>
+            </a:pPr>
+            <a:r>
+              <a:rPr lang="fi-FI" dirty="0" smtClean="0"/>
+              <a:t>Conclusions</a:t>
+            </a:r>
+          </a:p>
+        </p:txBody>
+      </p:sp>
+      <p:sp>
+        <p:nvSpPr>
+          <p:cNvPr id="5" name="Slide Number Placeholder 4"/>
           <p:cNvSpPr>
             <a:spLocks noGrp="1"/>
           </p:cNvSpPr>
@@ -7817,12 +7907,12 @@
       </p:sp>
       <p:sp>
         <p:nvSpPr>
-          <p:cNvPr id="5" name="Title 4"/>
-          <p:cNvSpPr>
-            <a:spLocks noGrp="1"/>
-          </p:cNvSpPr>
-          <p:nvPr>
-            <p:ph type="title"/>
+          <p:cNvPr id="6" name="Footer Placeholder 5"/>
+          <p:cNvSpPr>
+            <a:spLocks noGrp="1"/>
+          </p:cNvSpPr>
+          <p:nvPr>
+            <p:ph type="ftr" sz="quarter" idx="11"/>
           </p:nvPr>
         </p:nvSpPr>
         <p:spPr/>
@@ -7831,33 +7921,13 @@
           <a:lstStyle/>
           <a:p>
             <a:r>
-              <a:rPr lang="en-US" dirty="0" smtClean="0"/>
-              <a:t>Evaluation of the Heuristic</a:t>
-            </a:r>
-            <a:endParaRPr lang="en-US" dirty="0"/>
-          </a:p>
-        </p:txBody>
-      </p:sp>
-      <p:graphicFrame>
-        <p:nvGraphicFramePr>
-          <p:cNvPr id="8" name="Content Placeholder 7"/>
-          <p:cNvGraphicFramePr>
-            <a:graphicFrameLocks noGrp="1"/>
-          </p:cNvGraphicFramePr>
-          <p:nvPr>
-            <p:ph idx="1"/>
-          </p:nvPr>
-        </p:nvGraphicFramePr>
-        <p:xfrm>
-          <a:off x="457200" y="1481138"/>
-          <a:ext cx="8229600" cy="4525962"/>
-        </p:xfrm>
-        <a:graphic>
-          <a:graphicData uri="http://schemas.openxmlformats.org/drawingml/2006/chart">
-            <c:chart xmlns:c="http://schemas.openxmlformats.org/drawingml/2006/chart" xmlns:r="http://schemas.openxmlformats.org/officeDocument/2006/relationships" r:id="rId2"/>
-          </a:graphicData>
-        </a:graphic>
-      </p:graphicFrame>
+              <a:rPr lang="en-US" smtClean="0"/>
+              <a:t>A. Shumanski &amp; V. Trigonakis</a:t>
+            </a:r>
+            <a:endParaRPr lang="en-US"/>
+          </a:p>
+        </p:txBody>
+      </p:sp>
     </p:spTree>
   </p:cSld>
   <p:clrMapOvr>
@@ -7892,12 +7962,12 @@
       </p:grpSpPr>
       <p:sp>
         <p:nvSpPr>
-          <p:cNvPr id="2" name="Rectangle 1"/>
-          <p:cNvSpPr>
-            <a:spLocks noGrp="1"/>
-          </p:cNvSpPr>
-          <p:nvPr>
-            <p:ph type="title"/>
+          <p:cNvPr id="3" name="Footer Placeholder 2"/>
+          <p:cNvSpPr>
+            <a:spLocks noGrp="1"/>
+          </p:cNvSpPr>
+          <p:nvPr>
+            <p:ph type="ftr" sz="quarter" idx="11"/>
           </p:nvPr>
         </p:nvSpPr>
         <p:spPr/>
@@ -7906,105 +7976,16 @@
           <a:lstStyle/>
           <a:p>
             <a:r>
-              <a:rPr lang="en-US" dirty="0" smtClean="0"/>
-              <a:t>Agenda</a:t>
-            </a:r>
-            <a:endParaRPr lang="en-US" dirty="0"/>
-          </a:p>
-        </p:txBody>
-      </p:sp>
-      <p:sp>
-        <p:nvSpPr>
-          <p:cNvPr id="3" name="Rectangle 2"/>
-          <p:cNvSpPr>
-            <a:spLocks noGrp="1"/>
-          </p:cNvSpPr>
-          <p:nvPr>
-            <p:ph idx="1"/>
-          </p:nvPr>
-        </p:nvSpPr>
-        <p:spPr/>
-        <p:txBody>
-          <a:bodyPr/>
-          <a:lstStyle/>
-          <a:p>
-            <a:pPr>
-              <a:spcBef>
-                <a:spcPts val="1000"/>
-              </a:spcBef>
-            </a:pPr>
-            <a:r>
-              <a:rPr lang="en-US" dirty="0" smtClean="0"/>
-              <a:t>P2P File Sharing</a:t>
-            </a:r>
-            <a:endParaRPr lang="en-US" dirty="0"/>
-          </a:p>
-          <a:p>
-            <a:pPr>
-              <a:spcBef>
-                <a:spcPts val="1000"/>
-              </a:spcBef>
-            </a:pPr>
-            <a:r>
-              <a:rPr lang="fi-FI" dirty="0" smtClean="0"/>
-              <a:t>Systems under Evaluation</a:t>
-            </a:r>
-          </a:p>
-          <a:p>
-            <a:pPr>
-              <a:spcBef>
-                <a:spcPts val="1000"/>
-              </a:spcBef>
-            </a:pPr>
-            <a:r>
-              <a:rPr lang="en-US" dirty="0" smtClean="0"/>
-              <a:t>Types of Attacks</a:t>
-            </a:r>
-          </a:p>
-          <a:p>
-            <a:pPr>
-              <a:spcBef>
-                <a:spcPts val="1000"/>
-              </a:spcBef>
-            </a:pPr>
-            <a:r>
-              <a:rPr lang="en-US" dirty="0" smtClean="0"/>
-              <a:t>Data Gathering Methodology</a:t>
-            </a:r>
-          </a:p>
-          <a:p>
-            <a:pPr>
-              <a:spcBef>
-                <a:spcPts val="1000"/>
-              </a:spcBef>
-            </a:pPr>
-            <a:r>
-              <a:rPr lang="fi-FI" sz="2800" b="1" dirty="0" smtClean="0">
-                <a:solidFill>
-                  <a:schemeClr val="bg2">
-                    <a:lumMod val="50000"/>
-                  </a:schemeClr>
-                </a:solidFill>
-              </a:rPr>
-              <a:t>Measurements &amp; Results</a:t>
-            </a:r>
-          </a:p>
-          <a:p>
-            <a:pPr>
-              <a:spcBef>
-                <a:spcPts val="1000"/>
-              </a:spcBef>
-            </a:pPr>
-            <a:r>
-              <a:rPr lang="fi-FI" dirty="0" smtClean="0"/>
-              <a:t>Conclusions</a:t>
-            </a:r>
-          </a:p>
-        </p:txBody>
-      </p:sp>
-      <p:sp>
-        <p:nvSpPr>
-          <p:cNvPr id="5" name="Slide Number Placeholder 4"/>
+              <a:rPr lang="en-US" smtClean="0"/>
+              <a:t>A. Shumanski &amp; V. Trigonakis</a:t>
+            </a:r>
+            <a:endParaRPr lang="en-US"/>
+          </a:p>
+        </p:txBody>
+      </p:sp>
+      <p:sp>
+        <p:nvSpPr>
+          <p:cNvPr id="4" name="Slide Number Placeholder 3"/>
           <p:cNvSpPr>
             <a:spLocks noGrp="1"/>
           </p:cNvSpPr>
@@ -8028,12 +8009,12 @@
       </p:sp>
       <p:sp>
         <p:nvSpPr>
-          <p:cNvPr id="6" name="Footer Placeholder 5"/>
-          <p:cNvSpPr>
-            <a:spLocks noGrp="1"/>
-          </p:cNvSpPr>
-          <p:nvPr>
-            <p:ph type="ftr" sz="quarter" idx="11"/>
+          <p:cNvPr id="5" name="Title 4"/>
+          <p:cNvSpPr>
+            <a:spLocks noGrp="1"/>
+          </p:cNvSpPr>
+          <p:nvPr>
+            <p:ph type="title"/>
           </p:nvPr>
         </p:nvSpPr>
         <p:spPr/>
@@ -8042,10 +8023,78 @@
           <a:lstStyle/>
           <a:p>
             <a:r>
-              <a:rPr lang="en-US" smtClean="0"/>
-              <a:t>A. Shumanski &amp; V. Trigonakis</a:t>
-            </a:r>
-            <a:endParaRPr lang="en-US"/>
+              <a:rPr lang="en-US" dirty="0" smtClean="0"/>
+              <a:t>Evaluation of the Heuristic</a:t>
+            </a:r>
+            <a:endParaRPr lang="en-US" dirty="0"/>
+          </a:p>
+        </p:txBody>
+      </p:sp>
+      <p:graphicFrame>
+        <p:nvGraphicFramePr>
+          <p:cNvPr id="8" name="Content Placeholder 7"/>
+          <p:cNvGraphicFramePr>
+            <a:graphicFrameLocks noGrp="1"/>
+          </p:cNvGraphicFramePr>
+          <p:nvPr>
+            <p:ph idx="1"/>
+          </p:nvPr>
+        </p:nvGraphicFramePr>
+        <p:xfrm>
+          <a:off x="609600" y="1447800"/>
+          <a:ext cx="7010400" cy="3471862"/>
+        </p:xfrm>
+        <a:graphic>
+          <a:graphicData uri="http://schemas.openxmlformats.org/drawingml/2006/chart">
+            <c:chart xmlns:c="http://schemas.openxmlformats.org/drawingml/2006/chart" xmlns:r="http://schemas.openxmlformats.org/officeDocument/2006/relationships" r:id="rId2"/>
+          </a:graphicData>
+        </a:graphic>
+      </p:graphicFrame>
+      <p:sp>
+        <p:nvSpPr>
+          <p:cNvPr id="6" name="TextBox 5"/>
+          <p:cNvSpPr txBox="1"/>
+          <p:nvPr/>
+        </p:nvSpPr>
+        <p:spPr>
+          <a:xfrm>
+            <a:off x="685800" y="5257800"/>
+            <a:ext cx="7151317" cy="646331"/>
+          </a:xfrm>
+          <a:prstGeom prst="rect">
+            <a:avLst/>
+          </a:prstGeom>
+          <a:noFill/>
+        </p:spPr>
+        <p:txBody>
+          <a:bodyPr wrap="none" rtlCol="0">
+            <a:spAutoFit/>
+          </a:bodyPr>
+          <a:lstStyle/>
+          <a:p>
+            <a:r>
+              <a:rPr lang="en-US" dirty="0" smtClean="0"/>
+              <a:t>Overall, the </a:t>
+            </a:r>
+            <a:r>
+              <a:rPr lang="en-US" dirty="0" smtClean="0"/>
+              <a:t>scheme correctly </a:t>
+            </a:r>
+            <a:r>
+              <a:rPr lang="en-US" dirty="0" smtClean="0"/>
+              <a:t>classified </a:t>
+            </a:r>
+            <a:r>
+              <a:rPr lang="en-US" dirty="0" smtClean="0"/>
+              <a:t>more than 96% of the</a:t>
+            </a:r>
+          </a:p>
+          <a:p>
+            <a:r>
+              <a:rPr lang="en-US" dirty="0" smtClean="0"/>
+              <a:t>versions.</a:t>
+            </a:r>
+            <a:endParaRPr lang="en-US" dirty="0"/>
           </a:p>
         </p:txBody>
       </p:sp>
@@ -8091,79 +8140,78 @@
             <p:ph idx="1"/>
           </p:nvPr>
         </p:nvSpPr>
-        <p:spPr/>
+        <p:spPr>
+          <a:xfrm>
+            <a:off x="457200" y="1481329"/>
+            <a:ext cx="8229600" cy="1947672"/>
+          </a:xfrm>
+        </p:spPr>
         <p:txBody>
           <a:bodyPr>
-            <a:normAutofit/>
+            <a:normAutofit fontScale="70000" lnSpcReduction="20000"/>
           </a:bodyPr>
           <a:lstStyle/>
           <a:p>
             <a:r>
+              <a:rPr lang="en-US" sz="2900" b="1" dirty="0" err="1" smtClean="0"/>
+              <a:t>FastTrack</a:t>
+            </a:r>
+            <a:r>
               <a:rPr lang="en-US" b="1" dirty="0" smtClean="0"/>
-              <a:t>FastTrack</a:t>
+              <a:t> </a:t>
+            </a:r>
+            <a:r>
+              <a:rPr lang="en-US" dirty="0" smtClean="0"/>
+              <a:t>(data </a:t>
+            </a:r>
+            <a:r>
+              <a:rPr lang="en-US" dirty="0" smtClean="0"/>
+              <a:t>set collected by </a:t>
+            </a:r>
+            <a:r>
+              <a:rPr lang="en-US" dirty="0" smtClean="0"/>
+              <a:t>the crawler </a:t>
+            </a:r>
+            <a:r>
+              <a:rPr lang="en-US" dirty="0" smtClean="0"/>
+              <a:t>in April 2005)</a:t>
             </a:r>
             <a:r>
               <a:rPr lang="en-US" dirty="0" smtClean="0"/>
               <a:t>:</a:t>
             </a:r>
+            <a:endParaRPr lang="en-US" dirty="0" smtClean="0"/>
           </a:p>
           <a:p>
             <a:pPr lvl="1"/>
-            <a:r>
-              <a:rPr lang="en-US" dirty="0" smtClean="0"/>
-              <a:t>38.97 copies per user</a:t>
-            </a:r>
+            <a:endParaRPr lang="en-US" dirty="0" smtClean="0"/>
           </a:p>
           <a:p>
             <a:pPr lvl="1"/>
-            <a:r>
-              <a:rPr lang="en-US" dirty="0" smtClean="0"/>
-              <a:t>8683 decoy users from 624 IPs</a:t>
-            </a:r>
+            <a:endParaRPr lang="en-US" dirty="0" smtClean="0"/>
           </a:p>
           <a:p>
             <a:pPr lvl="1"/>
+            <a:endParaRPr lang="en-US" dirty="0" smtClean="0"/>
+          </a:p>
+          <a:p>
+            <a:pPr lvl="1"/>
+            <a:endParaRPr lang="en-US" dirty="0" smtClean="0"/>
+          </a:p>
+          <a:p>
+            <a:pPr lvl="1"/>
+            <a:endParaRPr lang="en-US" dirty="0" smtClean="0"/>
+          </a:p>
+          <a:p>
+            <a:pPr lvl="1"/>
             <a:r>
               <a:rPr lang="en-US" dirty="0" smtClean="0"/>
               <a:t>Decoyers are 7% of all users but provide 77% of all copies and 73% of all versions</a:t>
             </a:r>
           </a:p>
           <a:p>
-            <a:pPr>
-              <a:spcBef>
-                <a:spcPts val="1000"/>
-              </a:spcBef>
-            </a:pPr>
-            <a:r>
-              <a:rPr lang="en-US" b="1" dirty="0" smtClean="0"/>
-              <a:t>Overnet</a:t>
-            </a:r>
-            <a:r>
-              <a:rPr lang="en-US" dirty="0" smtClean="0"/>
-              <a:t>:</a:t>
-            </a:r>
-          </a:p>
-          <a:p>
             <a:pPr lvl="1"/>
-            <a:r>
-              <a:rPr lang="en-US" dirty="0" smtClean="0"/>
-              <a:t>11 copies per user</a:t>
-            </a:r>
-          </a:p>
-          <a:p>
-            <a:pPr lvl="1"/>
-            <a:r>
-              <a:rPr lang="en-US" dirty="0" smtClean="0"/>
-              <a:t>27 decoy users from 26 IPs</a:t>
-            </a:r>
-          </a:p>
-          <a:p>
-            <a:pPr lvl="1"/>
-            <a:r>
-              <a:rPr lang="en-US" dirty="0" smtClean="0"/>
-              <a:t>Most of the versions and copies are provided by decoyers</a:t>
-            </a:r>
-            <a:endParaRPr lang="en-US" dirty="0"/>
+            <a:endParaRPr lang="en-US" dirty="0" smtClean="0"/>
           </a:p>
         </p:txBody>
       </p:sp>
@@ -8231,9 +8279,2120 @@
           <a:p>
             <a:r>
               <a:rPr lang="fi-FI" dirty="0" smtClean="0"/>
-              <a:t>Measurements &amp; Results</a:t>
+              <a:t>Measurements </a:t>
+            </a:r>
+            <a:r>
+              <a:rPr lang="fi-FI" dirty="0" smtClean="0"/>
+              <a:t>&amp; Results</a:t>
             </a:r>
             <a:endParaRPr lang="en-US" dirty="0"/>
+          </a:p>
+        </p:txBody>
+      </p:sp>
+      <p:graphicFrame>
+        <p:nvGraphicFramePr>
+          <p:cNvPr id="7" name="Table 6"/>
+          <p:cNvGraphicFramePr>
+            <a:graphicFrameLocks noGrp="1"/>
+          </p:cNvGraphicFramePr>
+          <p:nvPr/>
+        </p:nvGraphicFramePr>
+        <p:xfrm>
+          <a:off x="1143000" y="1862379"/>
+          <a:ext cx="6477000" cy="1033221"/>
+        </p:xfrm>
+        <a:graphic>
+          <a:graphicData uri="http://schemas.openxmlformats.org/drawingml/2006/table">
+            <a:tbl>
+              <a:tblPr/>
+              <a:tblGrid>
+                <a:gridCol w="1170983"/>
+                <a:gridCol w="1024610"/>
+                <a:gridCol w="1256367"/>
+                <a:gridCol w="1390543"/>
+                <a:gridCol w="1634497"/>
+              </a:tblGrid>
+              <a:tr h="344407">
+                <a:tc>
+                  <a:txBody>
+                    <a:bodyPr/>
+                    <a:lstStyle/>
+                    <a:p>
+                      <a:pPr algn="l" fontAlgn="b"/>
+                      <a:r>
+                        <a:rPr lang="en-US" sz="2100" b="0" i="0" u="none" strike="noStrike" dirty="0">
+                          <a:solidFill>
+                            <a:srgbClr val="000000"/>
+                          </a:solidFill>
+                          <a:latin typeface="Calibri"/>
+                        </a:rPr>
+                        <a:t> </a:t>
+                      </a:r>
+                    </a:p>
+                  </a:txBody>
+                  <a:tcPr marL="8610" marR="8610" marT="8610" marB="0" anchor="b">
+                    <a:lnL w="6350" cap="flat" cmpd="sng" algn="ctr">
+                      <a:solidFill>
+                        <a:srgbClr val="000000"/>
+                      </a:solidFill>
+                      <a:prstDash val="solid"/>
+                      <a:round/>
+                      <a:headEnd type="none" w="med" len="med"/>
+                      <a:tailEnd type="none" w="med" len="med"/>
+                    </a:lnL>
+                    <a:lnR w="6350" cap="flat" cmpd="sng" algn="ctr">
+                      <a:solidFill>
+                        <a:srgbClr val="000000"/>
+                      </a:solidFill>
+                      <a:prstDash val="solid"/>
+                      <a:round/>
+                      <a:headEnd type="none" w="med" len="med"/>
+                      <a:tailEnd type="none" w="med" len="med"/>
+                    </a:lnR>
+                    <a:lnT w="6350" cap="flat" cmpd="sng" algn="ctr">
+                      <a:solidFill>
+                        <a:srgbClr val="000000"/>
+                      </a:solidFill>
+                      <a:prstDash val="solid"/>
+                      <a:round/>
+                      <a:headEnd type="none" w="med" len="med"/>
+                      <a:tailEnd type="none" w="med" len="med"/>
+                    </a:lnT>
+                    <a:lnB w="6350" cap="flat" cmpd="sng" algn="ctr">
+                      <a:solidFill>
+                        <a:srgbClr val="000000"/>
+                      </a:solidFill>
+                      <a:prstDash val="solid"/>
+                      <a:round/>
+                      <a:headEnd type="none" w="med" len="med"/>
+                      <a:tailEnd type="none" w="med" len="med"/>
+                    </a:lnB>
+                  </a:tcPr>
+                </a:tc>
+                <a:tc>
+                  <a:txBody>
+                    <a:bodyPr/>
+                    <a:lstStyle/>
+                    <a:p>
+                      <a:pPr algn="l" fontAlgn="b"/>
+                      <a:r>
+                        <a:rPr lang="en-US" sz="2100" b="1" i="0" u="none" strike="noStrike" dirty="0" smtClean="0">
+                          <a:solidFill>
+                            <a:srgbClr val="000000"/>
+                          </a:solidFill>
+                          <a:latin typeface="Calibri"/>
+                        </a:rPr>
+                        <a:t> # </a:t>
+                      </a:r>
+                      <a:r>
+                        <a:rPr lang="en-US" sz="2100" b="1" i="0" u="none" strike="noStrike" dirty="0">
+                          <a:solidFill>
+                            <a:srgbClr val="000000"/>
+                          </a:solidFill>
+                          <a:latin typeface="Calibri"/>
+                        </a:rPr>
+                        <a:t>of IPs </a:t>
+                      </a:r>
+                    </a:p>
+                  </a:txBody>
+                  <a:tcPr marL="8610" marR="8610" marT="8610" marB="0" anchor="b">
+                    <a:lnL w="6350" cap="flat" cmpd="sng" algn="ctr">
+                      <a:solidFill>
+                        <a:srgbClr val="000000"/>
+                      </a:solidFill>
+                      <a:prstDash val="solid"/>
+                      <a:round/>
+                      <a:headEnd type="none" w="med" len="med"/>
+                      <a:tailEnd type="none" w="med" len="med"/>
+                    </a:lnL>
+                    <a:lnR w="6350" cap="flat" cmpd="sng" algn="ctr">
+                      <a:solidFill>
+                        <a:srgbClr val="000000"/>
+                      </a:solidFill>
+                      <a:prstDash val="solid"/>
+                      <a:round/>
+                      <a:headEnd type="none" w="med" len="med"/>
+                      <a:tailEnd type="none" w="med" len="med"/>
+                    </a:lnR>
+                    <a:lnT w="6350" cap="flat" cmpd="sng" algn="ctr">
+                      <a:solidFill>
+                        <a:srgbClr val="000000"/>
+                      </a:solidFill>
+                      <a:prstDash val="solid"/>
+                      <a:round/>
+                      <a:headEnd type="none" w="med" len="med"/>
+                      <a:tailEnd type="none" w="med" len="med"/>
+                    </a:lnT>
+                    <a:lnB w="6350" cap="flat" cmpd="sng" algn="ctr">
+                      <a:solidFill>
+                        <a:srgbClr val="000000"/>
+                      </a:solidFill>
+                      <a:prstDash val="solid"/>
+                      <a:round/>
+                      <a:headEnd type="none" w="med" len="med"/>
+                      <a:tailEnd type="none" w="med" len="med"/>
+                    </a:lnB>
+                  </a:tcPr>
+                </a:tc>
+                <a:tc>
+                  <a:txBody>
+                    <a:bodyPr/>
+                    <a:lstStyle/>
+                    <a:p>
+                      <a:pPr algn="l" fontAlgn="b"/>
+                      <a:r>
+                        <a:rPr lang="en-US" sz="2100" b="1" i="0" u="none" strike="noStrike" dirty="0" smtClean="0">
+                          <a:solidFill>
+                            <a:srgbClr val="000000"/>
+                          </a:solidFill>
+                          <a:latin typeface="Calibri"/>
+                        </a:rPr>
+                        <a:t> # </a:t>
+                      </a:r>
+                      <a:r>
+                        <a:rPr lang="en-US" sz="2100" b="1" i="0" u="none" strike="noStrike" dirty="0">
+                          <a:solidFill>
+                            <a:srgbClr val="000000"/>
+                          </a:solidFill>
+                          <a:latin typeface="Calibri"/>
+                        </a:rPr>
+                        <a:t>of </a:t>
+                      </a:r>
+                      <a:r>
+                        <a:rPr lang="en-US" sz="2100" b="1" i="0" u="none" strike="noStrike" dirty="0" smtClean="0">
+                          <a:solidFill>
+                            <a:srgbClr val="000000"/>
+                          </a:solidFill>
+                          <a:latin typeface="Calibri"/>
+                        </a:rPr>
+                        <a:t>users </a:t>
+                      </a:r>
+                      <a:endParaRPr lang="en-US" sz="2100" b="1" i="0" u="none" strike="noStrike" dirty="0">
+                        <a:solidFill>
+                          <a:srgbClr val="000000"/>
+                        </a:solidFill>
+                        <a:latin typeface="Calibri"/>
+                      </a:endParaRPr>
+                    </a:p>
+                  </a:txBody>
+                  <a:tcPr marL="8610" marR="8610" marT="8610" marB="0" anchor="b">
+                    <a:lnL w="6350" cap="flat" cmpd="sng" algn="ctr">
+                      <a:solidFill>
+                        <a:srgbClr val="000000"/>
+                      </a:solidFill>
+                      <a:prstDash val="solid"/>
+                      <a:round/>
+                      <a:headEnd type="none" w="med" len="med"/>
+                      <a:tailEnd type="none" w="med" len="med"/>
+                    </a:lnL>
+                    <a:lnR w="6350" cap="flat" cmpd="sng" algn="ctr">
+                      <a:solidFill>
+                        <a:srgbClr val="000000"/>
+                      </a:solidFill>
+                      <a:prstDash val="solid"/>
+                      <a:round/>
+                      <a:headEnd type="none" w="med" len="med"/>
+                      <a:tailEnd type="none" w="med" len="med"/>
+                    </a:lnR>
+                    <a:lnT w="6350" cap="flat" cmpd="sng" algn="ctr">
+                      <a:solidFill>
+                        <a:srgbClr val="000000"/>
+                      </a:solidFill>
+                      <a:prstDash val="solid"/>
+                      <a:round/>
+                      <a:headEnd type="none" w="med" len="med"/>
+                      <a:tailEnd type="none" w="med" len="med"/>
+                    </a:lnT>
+                    <a:lnB w="6350" cap="flat" cmpd="sng" algn="ctr">
+                      <a:solidFill>
+                        <a:srgbClr val="000000"/>
+                      </a:solidFill>
+                      <a:prstDash val="solid"/>
+                      <a:round/>
+                      <a:headEnd type="none" w="med" len="med"/>
+                      <a:tailEnd type="none" w="med" len="med"/>
+                    </a:lnB>
+                  </a:tcPr>
+                </a:tc>
+                <a:tc>
+                  <a:txBody>
+                    <a:bodyPr/>
+                    <a:lstStyle/>
+                    <a:p>
+                      <a:pPr algn="l" fontAlgn="b"/>
+                      <a:r>
+                        <a:rPr lang="en-US" sz="2100" b="1" i="0" u="none" strike="noStrike" dirty="0" smtClean="0">
+                          <a:solidFill>
+                            <a:srgbClr val="000000"/>
+                          </a:solidFill>
+                          <a:latin typeface="Calibri"/>
+                        </a:rPr>
+                        <a:t> # </a:t>
+                      </a:r>
+                      <a:r>
+                        <a:rPr lang="en-US" sz="2100" b="1" i="0" u="none" strike="noStrike" dirty="0">
+                          <a:solidFill>
+                            <a:srgbClr val="000000"/>
+                          </a:solidFill>
+                          <a:latin typeface="Calibri"/>
+                        </a:rPr>
+                        <a:t>of copies</a:t>
+                      </a:r>
+                    </a:p>
+                  </a:txBody>
+                  <a:tcPr marL="8610" marR="8610" marT="8610" marB="0" anchor="b">
+                    <a:lnL w="6350" cap="flat" cmpd="sng" algn="ctr">
+                      <a:solidFill>
+                        <a:srgbClr val="000000"/>
+                      </a:solidFill>
+                      <a:prstDash val="solid"/>
+                      <a:round/>
+                      <a:headEnd type="none" w="med" len="med"/>
+                      <a:tailEnd type="none" w="med" len="med"/>
+                    </a:lnL>
+                    <a:lnR w="6350" cap="flat" cmpd="sng" algn="ctr">
+                      <a:solidFill>
+                        <a:srgbClr val="000000"/>
+                      </a:solidFill>
+                      <a:prstDash val="solid"/>
+                      <a:round/>
+                      <a:headEnd type="none" w="med" len="med"/>
+                      <a:tailEnd type="none" w="med" len="med"/>
+                    </a:lnR>
+                    <a:lnT w="6350" cap="flat" cmpd="sng" algn="ctr">
+                      <a:solidFill>
+                        <a:srgbClr val="000000"/>
+                      </a:solidFill>
+                      <a:prstDash val="solid"/>
+                      <a:round/>
+                      <a:headEnd type="none" w="med" len="med"/>
+                      <a:tailEnd type="none" w="med" len="med"/>
+                    </a:lnT>
+                    <a:lnB w="6350" cap="flat" cmpd="sng" algn="ctr">
+                      <a:solidFill>
+                        <a:srgbClr val="000000"/>
+                      </a:solidFill>
+                      <a:prstDash val="solid"/>
+                      <a:round/>
+                      <a:headEnd type="none" w="med" len="med"/>
+                      <a:tailEnd type="none" w="med" len="med"/>
+                    </a:lnB>
+                  </a:tcPr>
+                </a:tc>
+                <a:tc>
+                  <a:txBody>
+                    <a:bodyPr/>
+                    <a:lstStyle/>
+                    <a:p>
+                      <a:pPr algn="l" fontAlgn="b"/>
+                      <a:r>
+                        <a:rPr lang="en-US" sz="2100" b="1" i="0" u="none" strike="noStrike" dirty="0" smtClean="0">
+                          <a:solidFill>
+                            <a:srgbClr val="000000"/>
+                          </a:solidFill>
+                          <a:latin typeface="Calibri"/>
+                        </a:rPr>
+                        <a:t> # </a:t>
+                      </a:r>
+                      <a:r>
+                        <a:rPr lang="en-US" sz="2100" b="1" i="0" u="none" strike="noStrike" dirty="0">
+                          <a:solidFill>
+                            <a:srgbClr val="000000"/>
+                          </a:solidFill>
+                          <a:latin typeface="Calibri"/>
+                        </a:rPr>
+                        <a:t>of versions</a:t>
+                      </a:r>
+                    </a:p>
+                  </a:txBody>
+                  <a:tcPr marL="8610" marR="8610" marT="8610" marB="0" anchor="b">
+                    <a:lnL w="6350" cap="flat" cmpd="sng" algn="ctr">
+                      <a:solidFill>
+                        <a:srgbClr val="000000"/>
+                      </a:solidFill>
+                      <a:prstDash val="solid"/>
+                      <a:round/>
+                      <a:headEnd type="none" w="med" len="med"/>
+                      <a:tailEnd type="none" w="med" len="med"/>
+                    </a:lnL>
+                    <a:lnR w="6350" cap="flat" cmpd="sng" algn="ctr">
+                      <a:solidFill>
+                        <a:srgbClr val="000000"/>
+                      </a:solidFill>
+                      <a:prstDash val="solid"/>
+                      <a:round/>
+                      <a:headEnd type="none" w="med" len="med"/>
+                      <a:tailEnd type="none" w="med" len="med"/>
+                    </a:lnR>
+                    <a:lnT w="6350" cap="flat" cmpd="sng" algn="ctr">
+                      <a:solidFill>
+                        <a:srgbClr val="000000"/>
+                      </a:solidFill>
+                      <a:prstDash val="solid"/>
+                      <a:round/>
+                      <a:headEnd type="none" w="med" len="med"/>
+                      <a:tailEnd type="none" w="med" len="med"/>
+                    </a:lnT>
+                    <a:lnB w="6350" cap="flat" cmpd="sng" algn="ctr">
+                      <a:solidFill>
+                        <a:srgbClr val="000000"/>
+                      </a:solidFill>
+                      <a:prstDash val="solid"/>
+                      <a:round/>
+                      <a:headEnd type="none" w="med" len="med"/>
+                      <a:tailEnd type="none" w="med" len="med"/>
+                    </a:lnB>
+                  </a:tcPr>
+                </a:tc>
+              </a:tr>
+              <a:tr h="344407">
+                <a:tc>
+                  <a:txBody>
+                    <a:bodyPr/>
+                    <a:lstStyle/>
+                    <a:p>
+                      <a:pPr algn="l" fontAlgn="b"/>
+                      <a:r>
+                        <a:rPr lang="en-US" sz="2100" b="1" i="0" u="none" strike="noStrike" dirty="0">
+                          <a:solidFill>
+                            <a:srgbClr val="000000"/>
+                          </a:solidFill>
+                          <a:latin typeface="Calibri"/>
+                        </a:rPr>
+                        <a:t>Decoyer</a:t>
+                      </a:r>
+                    </a:p>
+                  </a:txBody>
+                  <a:tcPr marL="8610" marR="8610" marT="8610" marB="0" anchor="b">
+                    <a:lnL w="6350" cap="flat" cmpd="sng" algn="ctr">
+                      <a:solidFill>
+                        <a:srgbClr val="000000"/>
+                      </a:solidFill>
+                      <a:prstDash val="solid"/>
+                      <a:round/>
+                      <a:headEnd type="none" w="med" len="med"/>
+                      <a:tailEnd type="none" w="med" len="med"/>
+                    </a:lnL>
+                    <a:lnR w="6350" cap="flat" cmpd="sng" algn="ctr">
+                      <a:solidFill>
+                        <a:srgbClr val="000000"/>
+                      </a:solidFill>
+                      <a:prstDash val="solid"/>
+                      <a:round/>
+                      <a:headEnd type="none" w="med" len="med"/>
+                      <a:tailEnd type="none" w="med" len="med"/>
+                    </a:lnR>
+                    <a:lnT w="6350" cap="flat" cmpd="sng" algn="ctr">
+                      <a:solidFill>
+                        <a:srgbClr val="000000"/>
+                      </a:solidFill>
+                      <a:prstDash val="solid"/>
+                      <a:round/>
+                      <a:headEnd type="none" w="med" len="med"/>
+                      <a:tailEnd type="none" w="med" len="med"/>
+                    </a:lnT>
+                    <a:lnB w="6350" cap="flat" cmpd="sng" algn="ctr">
+                      <a:solidFill>
+                        <a:srgbClr val="000000"/>
+                      </a:solidFill>
+                      <a:prstDash val="solid"/>
+                      <a:round/>
+                      <a:headEnd type="none" w="med" len="med"/>
+                      <a:tailEnd type="none" w="med" len="med"/>
+                    </a:lnB>
+                  </a:tcPr>
+                </a:tc>
+                <a:tc>
+                  <a:txBody>
+                    <a:bodyPr/>
+                    <a:lstStyle/>
+                    <a:p>
+                      <a:pPr algn="r" fontAlgn="b"/>
+                      <a:r>
+                        <a:rPr lang="en-US" sz="2100" b="0" i="0" u="none" strike="noStrike" dirty="0">
+                          <a:solidFill>
+                            <a:srgbClr val="000000"/>
+                          </a:solidFill>
+                          <a:latin typeface="Calibri"/>
+                        </a:rPr>
+                        <a:t>624</a:t>
+                      </a:r>
+                    </a:p>
+                  </a:txBody>
+                  <a:tcPr marL="8610" marR="8610" marT="8610" marB="0" anchor="b">
+                    <a:lnL w="6350" cap="flat" cmpd="sng" algn="ctr">
+                      <a:solidFill>
+                        <a:srgbClr val="000000"/>
+                      </a:solidFill>
+                      <a:prstDash val="solid"/>
+                      <a:round/>
+                      <a:headEnd type="none" w="med" len="med"/>
+                      <a:tailEnd type="none" w="med" len="med"/>
+                    </a:lnL>
+                    <a:lnR w="6350" cap="flat" cmpd="sng" algn="ctr">
+                      <a:solidFill>
+                        <a:srgbClr val="000000"/>
+                      </a:solidFill>
+                      <a:prstDash val="solid"/>
+                      <a:round/>
+                      <a:headEnd type="none" w="med" len="med"/>
+                      <a:tailEnd type="none" w="med" len="med"/>
+                    </a:lnR>
+                    <a:lnT w="6350" cap="flat" cmpd="sng" algn="ctr">
+                      <a:solidFill>
+                        <a:srgbClr val="000000"/>
+                      </a:solidFill>
+                      <a:prstDash val="solid"/>
+                      <a:round/>
+                      <a:headEnd type="none" w="med" len="med"/>
+                      <a:tailEnd type="none" w="med" len="med"/>
+                    </a:lnT>
+                    <a:lnB w="6350" cap="flat" cmpd="sng" algn="ctr">
+                      <a:solidFill>
+                        <a:srgbClr val="000000"/>
+                      </a:solidFill>
+                      <a:prstDash val="solid"/>
+                      <a:round/>
+                      <a:headEnd type="none" w="med" len="med"/>
+                      <a:tailEnd type="none" w="med" len="med"/>
+                    </a:lnB>
+                  </a:tcPr>
+                </a:tc>
+                <a:tc>
+                  <a:txBody>
+                    <a:bodyPr/>
+                    <a:lstStyle/>
+                    <a:p>
+                      <a:pPr algn="r" fontAlgn="b"/>
+                      <a:r>
+                        <a:rPr lang="en-US" sz="2100" b="0" i="0" u="none" strike="noStrike">
+                          <a:solidFill>
+                            <a:srgbClr val="000000"/>
+                          </a:solidFill>
+                          <a:latin typeface="Calibri"/>
+                        </a:rPr>
+                        <a:t>8,683</a:t>
+                      </a:r>
+                    </a:p>
+                  </a:txBody>
+                  <a:tcPr marL="8610" marR="8610" marT="8610" marB="0" anchor="b">
+                    <a:lnL w="6350" cap="flat" cmpd="sng" algn="ctr">
+                      <a:solidFill>
+                        <a:srgbClr val="000000"/>
+                      </a:solidFill>
+                      <a:prstDash val="solid"/>
+                      <a:round/>
+                      <a:headEnd type="none" w="med" len="med"/>
+                      <a:tailEnd type="none" w="med" len="med"/>
+                    </a:lnL>
+                    <a:lnR w="6350" cap="flat" cmpd="sng" algn="ctr">
+                      <a:solidFill>
+                        <a:srgbClr val="000000"/>
+                      </a:solidFill>
+                      <a:prstDash val="solid"/>
+                      <a:round/>
+                      <a:headEnd type="none" w="med" len="med"/>
+                      <a:tailEnd type="none" w="med" len="med"/>
+                    </a:lnR>
+                    <a:lnT w="6350" cap="flat" cmpd="sng" algn="ctr">
+                      <a:solidFill>
+                        <a:srgbClr val="000000"/>
+                      </a:solidFill>
+                      <a:prstDash val="solid"/>
+                      <a:round/>
+                      <a:headEnd type="none" w="med" len="med"/>
+                      <a:tailEnd type="none" w="med" len="med"/>
+                    </a:lnT>
+                    <a:lnB w="6350" cap="flat" cmpd="sng" algn="ctr">
+                      <a:solidFill>
+                        <a:srgbClr val="000000"/>
+                      </a:solidFill>
+                      <a:prstDash val="solid"/>
+                      <a:round/>
+                      <a:headEnd type="none" w="med" len="med"/>
+                      <a:tailEnd type="none" w="med" len="med"/>
+                    </a:lnB>
+                  </a:tcPr>
+                </a:tc>
+                <a:tc>
+                  <a:txBody>
+                    <a:bodyPr/>
+                    <a:lstStyle/>
+                    <a:p>
+                      <a:pPr algn="r" fontAlgn="b"/>
+                      <a:r>
+                        <a:rPr lang="en-US" sz="2100" b="0" i="0" u="none" strike="noStrike" dirty="0">
+                          <a:solidFill>
+                            <a:srgbClr val="000000"/>
+                          </a:solidFill>
+                          <a:latin typeface="Calibri"/>
+                        </a:rPr>
+                        <a:t>1,183,622</a:t>
+                      </a:r>
+                    </a:p>
+                  </a:txBody>
+                  <a:tcPr marL="8610" marR="8610" marT="8610" marB="0" anchor="b">
+                    <a:lnL w="6350" cap="flat" cmpd="sng" algn="ctr">
+                      <a:solidFill>
+                        <a:srgbClr val="000000"/>
+                      </a:solidFill>
+                      <a:prstDash val="solid"/>
+                      <a:round/>
+                      <a:headEnd type="none" w="med" len="med"/>
+                      <a:tailEnd type="none" w="med" len="med"/>
+                    </a:lnL>
+                    <a:lnR w="6350" cap="flat" cmpd="sng" algn="ctr">
+                      <a:solidFill>
+                        <a:srgbClr val="000000"/>
+                      </a:solidFill>
+                      <a:prstDash val="solid"/>
+                      <a:round/>
+                      <a:headEnd type="none" w="med" len="med"/>
+                      <a:tailEnd type="none" w="med" len="med"/>
+                    </a:lnR>
+                    <a:lnT w="6350" cap="flat" cmpd="sng" algn="ctr">
+                      <a:solidFill>
+                        <a:srgbClr val="000000"/>
+                      </a:solidFill>
+                      <a:prstDash val="solid"/>
+                      <a:round/>
+                      <a:headEnd type="none" w="med" len="med"/>
+                      <a:tailEnd type="none" w="med" len="med"/>
+                    </a:lnT>
+                    <a:lnB w="6350" cap="flat" cmpd="sng" algn="ctr">
+                      <a:solidFill>
+                        <a:srgbClr val="000000"/>
+                      </a:solidFill>
+                      <a:prstDash val="solid"/>
+                      <a:round/>
+                      <a:headEnd type="none" w="med" len="med"/>
+                      <a:tailEnd type="none" w="med" len="med"/>
+                    </a:lnB>
+                  </a:tcPr>
+                </a:tc>
+                <a:tc>
+                  <a:txBody>
+                    <a:bodyPr/>
+                    <a:lstStyle/>
+                    <a:p>
+                      <a:pPr algn="r" fontAlgn="b"/>
+                      <a:r>
+                        <a:rPr lang="en-US" sz="2100" b="0" i="0" u="none" strike="noStrike" dirty="0">
+                          <a:solidFill>
+                            <a:srgbClr val="000000"/>
+                          </a:solidFill>
+                          <a:latin typeface="Calibri"/>
+                        </a:rPr>
+                        <a:t>443,102</a:t>
+                      </a:r>
+                    </a:p>
+                  </a:txBody>
+                  <a:tcPr marL="8610" marR="8610" marT="8610" marB="0" anchor="b">
+                    <a:lnL w="6350" cap="flat" cmpd="sng" algn="ctr">
+                      <a:solidFill>
+                        <a:srgbClr val="000000"/>
+                      </a:solidFill>
+                      <a:prstDash val="solid"/>
+                      <a:round/>
+                      <a:headEnd type="none" w="med" len="med"/>
+                      <a:tailEnd type="none" w="med" len="med"/>
+                    </a:lnL>
+                    <a:lnR w="6350" cap="flat" cmpd="sng" algn="ctr">
+                      <a:solidFill>
+                        <a:srgbClr val="000000"/>
+                      </a:solidFill>
+                      <a:prstDash val="solid"/>
+                      <a:round/>
+                      <a:headEnd type="none" w="med" len="med"/>
+                      <a:tailEnd type="none" w="med" len="med"/>
+                    </a:lnR>
+                    <a:lnT w="6350" cap="flat" cmpd="sng" algn="ctr">
+                      <a:solidFill>
+                        <a:srgbClr val="000000"/>
+                      </a:solidFill>
+                      <a:prstDash val="solid"/>
+                      <a:round/>
+                      <a:headEnd type="none" w="med" len="med"/>
+                      <a:tailEnd type="none" w="med" len="med"/>
+                    </a:lnT>
+                    <a:lnB w="6350" cap="flat" cmpd="sng" algn="ctr">
+                      <a:solidFill>
+                        <a:srgbClr val="000000"/>
+                      </a:solidFill>
+                      <a:prstDash val="solid"/>
+                      <a:round/>
+                      <a:headEnd type="none" w="med" len="med"/>
+                      <a:tailEnd type="none" w="med" len="med"/>
+                    </a:lnB>
+                  </a:tcPr>
+                </a:tc>
+              </a:tr>
+              <a:tr h="344407">
+                <a:tc>
+                  <a:txBody>
+                    <a:bodyPr/>
+                    <a:lstStyle/>
+                    <a:p>
+                      <a:pPr algn="l" fontAlgn="b"/>
+                      <a:r>
+                        <a:rPr lang="en-US" sz="2100" b="1" i="0" u="none" strike="noStrike">
+                          <a:solidFill>
+                            <a:srgbClr val="000000"/>
+                          </a:solidFill>
+                          <a:latin typeface="Calibri"/>
+                        </a:rPr>
+                        <a:t>Ordinary</a:t>
+                      </a:r>
+                    </a:p>
+                  </a:txBody>
+                  <a:tcPr marL="8610" marR="8610" marT="8610" marB="0" anchor="b">
+                    <a:lnL w="6350" cap="flat" cmpd="sng" algn="ctr">
+                      <a:solidFill>
+                        <a:srgbClr val="000000"/>
+                      </a:solidFill>
+                      <a:prstDash val="solid"/>
+                      <a:round/>
+                      <a:headEnd type="none" w="med" len="med"/>
+                      <a:tailEnd type="none" w="med" len="med"/>
+                    </a:lnL>
+                    <a:lnR w="6350" cap="flat" cmpd="sng" algn="ctr">
+                      <a:solidFill>
+                        <a:srgbClr val="000000"/>
+                      </a:solidFill>
+                      <a:prstDash val="solid"/>
+                      <a:round/>
+                      <a:headEnd type="none" w="med" len="med"/>
+                      <a:tailEnd type="none" w="med" len="med"/>
+                    </a:lnR>
+                    <a:lnT w="6350" cap="flat" cmpd="sng" algn="ctr">
+                      <a:solidFill>
+                        <a:srgbClr val="000000"/>
+                      </a:solidFill>
+                      <a:prstDash val="solid"/>
+                      <a:round/>
+                      <a:headEnd type="none" w="med" len="med"/>
+                      <a:tailEnd type="none" w="med" len="med"/>
+                    </a:lnT>
+                    <a:lnB w="6350" cap="flat" cmpd="sng" algn="ctr">
+                      <a:solidFill>
+                        <a:srgbClr val="000000"/>
+                      </a:solidFill>
+                      <a:prstDash val="solid"/>
+                      <a:round/>
+                      <a:headEnd type="none" w="med" len="med"/>
+                      <a:tailEnd type="none" w="med" len="med"/>
+                    </a:lnB>
+                  </a:tcPr>
+                </a:tc>
+                <a:tc>
+                  <a:txBody>
+                    <a:bodyPr/>
+                    <a:lstStyle/>
+                    <a:p>
+                      <a:pPr algn="r" fontAlgn="b"/>
+                      <a:r>
+                        <a:rPr lang="en-US" sz="2100" b="0" i="0" u="none" strike="noStrike">
+                          <a:solidFill>
+                            <a:srgbClr val="000000"/>
+                          </a:solidFill>
+                          <a:latin typeface="Calibri"/>
+                        </a:rPr>
+                        <a:t>82,015</a:t>
+                      </a:r>
+                    </a:p>
+                  </a:txBody>
+                  <a:tcPr marL="8610" marR="8610" marT="8610" marB="0" anchor="b">
+                    <a:lnL w="6350" cap="flat" cmpd="sng" algn="ctr">
+                      <a:solidFill>
+                        <a:srgbClr val="000000"/>
+                      </a:solidFill>
+                      <a:prstDash val="solid"/>
+                      <a:round/>
+                      <a:headEnd type="none" w="med" len="med"/>
+                      <a:tailEnd type="none" w="med" len="med"/>
+                    </a:lnL>
+                    <a:lnR w="6350" cap="flat" cmpd="sng" algn="ctr">
+                      <a:solidFill>
+                        <a:srgbClr val="000000"/>
+                      </a:solidFill>
+                      <a:prstDash val="solid"/>
+                      <a:round/>
+                      <a:headEnd type="none" w="med" len="med"/>
+                      <a:tailEnd type="none" w="med" len="med"/>
+                    </a:lnR>
+                    <a:lnT w="6350" cap="flat" cmpd="sng" algn="ctr">
+                      <a:solidFill>
+                        <a:srgbClr val="000000"/>
+                      </a:solidFill>
+                      <a:prstDash val="solid"/>
+                      <a:round/>
+                      <a:headEnd type="none" w="med" len="med"/>
+                      <a:tailEnd type="none" w="med" len="med"/>
+                    </a:lnT>
+                    <a:lnB w="6350" cap="flat" cmpd="sng" algn="ctr">
+                      <a:solidFill>
+                        <a:srgbClr val="000000"/>
+                      </a:solidFill>
+                      <a:prstDash val="solid"/>
+                      <a:round/>
+                      <a:headEnd type="none" w="med" len="med"/>
+                      <a:tailEnd type="none" w="med" len="med"/>
+                    </a:lnB>
+                  </a:tcPr>
+                </a:tc>
+                <a:tc>
+                  <a:txBody>
+                    <a:bodyPr/>
+                    <a:lstStyle/>
+                    <a:p>
+                      <a:pPr algn="r" fontAlgn="b"/>
+                      <a:r>
+                        <a:rPr lang="en-US" sz="2100" b="0" i="0" u="none" strike="noStrike">
+                          <a:solidFill>
+                            <a:srgbClr val="000000"/>
+                          </a:solidFill>
+                          <a:latin typeface="Calibri"/>
+                        </a:rPr>
+                        <a:t>117,673</a:t>
+                      </a:r>
+                    </a:p>
+                  </a:txBody>
+                  <a:tcPr marL="8610" marR="8610" marT="8610" marB="0" anchor="b">
+                    <a:lnL w="6350" cap="flat" cmpd="sng" algn="ctr">
+                      <a:solidFill>
+                        <a:srgbClr val="000000"/>
+                      </a:solidFill>
+                      <a:prstDash val="solid"/>
+                      <a:round/>
+                      <a:headEnd type="none" w="med" len="med"/>
+                      <a:tailEnd type="none" w="med" len="med"/>
+                    </a:lnL>
+                    <a:lnR w="6350" cap="flat" cmpd="sng" algn="ctr">
+                      <a:solidFill>
+                        <a:srgbClr val="000000"/>
+                      </a:solidFill>
+                      <a:prstDash val="solid"/>
+                      <a:round/>
+                      <a:headEnd type="none" w="med" len="med"/>
+                      <a:tailEnd type="none" w="med" len="med"/>
+                    </a:lnR>
+                    <a:lnT w="6350" cap="flat" cmpd="sng" algn="ctr">
+                      <a:solidFill>
+                        <a:srgbClr val="000000"/>
+                      </a:solidFill>
+                      <a:prstDash val="solid"/>
+                      <a:round/>
+                      <a:headEnd type="none" w="med" len="med"/>
+                      <a:tailEnd type="none" w="med" len="med"/>
+                    </a:lnT>
+                    <a:lnB w="6350" cap="flat" cmpd="sng" algn="ctr">
+                      <a:solidFill>
+                        <a:srgbClr val="000000"/>
+                      </a:solidFill>
+                      <a:prstDash val="solid"/>
+                      <a:round/>
+                      <a:headEnd type="none" w="med" len="med"/>
+                      <a:tailEnd type="none" w="med" len="med"/>
+                    </a:lnB>
+                  </a:tcPr>
+                </a:tc>
+                <a:tc>
+                  <a:txBody>
+                    <a:bodyPr/>
+                    <a:lstStyle/>
+                    <a:p>
+                      <a:pPr algn="r" fontAlgn="b"/>
+                      <a:r>
+                        <a:rPr lang="en-US" sz="2100" b="0" i="0" u="none" strike="noStrike" dirty="0">
+                          <a:solidFill>
+                            <a:srgbClr val="000000"/>
+                          </a:solidFill>
+                          <a:latin typeface="Calibri"/>
+                        </a:rPr>
+                        <a:t>347,939</a:t>
+                      </a:r>
+                    </a:p>
+                  </a:txBody>
+                  <a:tcPr marL="8610" marR="8610" marT="8610" marB="0" anchor="b">
+                    <a:lnL w="6350" cap="flat" cmpd="sng" algn="ctr">
+                      <a:solidFill>
+                        <a:srgbClr val="000000"/>
+                      </a:solidFill>
+                      <a:prstDash val="solid"/>
+                      <a:round/>
+                      <a:headEnd type="none" w="med" len="med"/>
+                      <a:tailEnd type="none" w="med" len="med"/>
+                    </a:lnL>
+                    <a:lnR w="6350" cap="flat" cmpd="sng" algn="ctr">
+                      <a:solidFill>
+                        <a:srgbClr val="000000"/>
+                      </a:solidFill>
+                      <a:prstDash val="solid"/>
+                      <a:round/>
+                      <a:headEnd type="none" w="med" len="med"/>
+                      <a:tailEnd type="none" w="med" len="med"/>
+                    </a:lnR>
+                    <a:lnT w="6350" cap="flat" cmpd="sng" algn="ctr">
+                      <a:solidFill>
+                        <a:srgbClr val="000000"/>
+                      </a:solidFill>
+                      <a:prstDash val="solid"/>
+                      <a:round/>
+                      <a:headEnd type="none" w="med" len="med"/>
+                      <a:tailEnd type="none" w="med" len="med"/>
+                    </a:lnT>
+                    <a:lnB w="6350" cap="flat" cmpd="sng" algn="ctr">
+                      <a:solidFill>
+                        <a:srgbClr val="000000"/>
+                      </a:solidFill>
+                      <a:prstDash val="solid"/>
+                      <a:round/>
+                      <a:headEnd type="none" w="med" len="med"/>
+                      <a:tailEnd type="none" w="med" len="med"/>
+                    </a:lnB>
+                  </a:tcPr>
+                </a:tc>
+                <a:tc>
+                  <a:txBody>
+                    <a:bodyPr/>
+                    <a:lstStyle/>
+                    <a:p>
+                      <a:pPr algn="r" fontAlgn="b"/>
+                      <a:r>
+                        <a:rPr lang="en-US" sz="2100" b="0" i="0" u="none" strike="noStrike" dirty="0">
+                          <a:solidFill>
+                            <a:srgbClr val="000000"/>
+                          </a:solidFill>
+                          <a:latin typeface="Calibri"/>
+                        </a:rPr>
+                        <a:t>167,103</a:t>
+                      </a:r>
+                    </a:p>
+                  </a:txBody>
+                  <a:tcPr marL="8610" marR="8610" marT="8610" marB="0" anchor="b">
+                    <a:lnL w="6350" cap="flat" cmpd="sng" algn="ctr">
+                      <a:solidFill>
+                        <a:srgbClr val="000000"/>
+                      </a:solidFill>
+                      <a:prstDash val="solid"/>
+                      <a:round/>
+                      <a:headEnd type="none" w="med" len="med"/>
+                      <a:tailEnd type="none" w="med" len="med"/>
+                    </a:lnL>
+                    <a:lnR w="6350" cap="flat" cmpd="sng" algn="ctr">
+                      <a:solidFill>
+                        <a:srgbClr val="000000"/>
+                      </a:solidFill>
+                      <a:prstDash val="solid"/>
+                      <a:round/>
+                      <a:headEnd type="none" w="med" len="med"/>
+                      <a:tailEnd type="none" w="med" len="med"/>
+                    </a:lnR>
+                    <a:lnT w="6350" cap="flat" cmpd="sng" algn="ctr">
+                      <a:solidFill>
+                        <a:srgbClr val="000000"/>
+                      </a:solidFill>
+                      <a:prstDash val="solid"/>
+                      <a:round/>
+                      <a:headEnd type="none" w="med" len="med"/>
+                      <a:tailEnd type="none" w="med" len="med"/>
+                    </a:lnT>
+                    <a:lnB w="6350" cap="flat" cmpd="sng" algn="ctr">
+                      <a:solidFill>
+                        <a:srgbClr val="000000"/>
+                      </a:solidFill>
+                      <a:prstDash val="solid"/>
+                      <a:round/>
+                      <a:headEnd type="none" w="med" len="med"/>
+                      <a:tailEnd type="none" w="med" len="med"/>
+                    </a:lnB>
+                  </a:tcPr>
+                </a:tc>
+              </a:tr>
+            </a:tbl>
+          </a:graphicData>
+        </a:graphic>
+      </p:graphicFrame>
+      <p:graphicFrame>
+        <p:nvGraphicFramePr>
+          <p:cNvPr id="8" name="Table 7"/>
+          <p:cNvGraphicFramePr>
+            <a:graphicFrameLocks noGrp="1"/>
+          </p:cNvGraphicFramePr>
+          <p:nvPr/>
+        </p:nvGraphicFramePr>
+        <p:xfrm>
+          <a:off x="1176051" y="4224579"/>
+          <a:ext cx="6400800" cy="1033221"/>
+        </p:xfrm>
+        <a:graphic>
+          <a:graphicData uri="http://schemas.openxmlformats.org/drawingml/2006/table">
+            <a:tbl>
+              <a:tblPr/>
+              <a:tblGrid>
+                <a:gridCol w="1157207"/>
+                <a:gridCol w="1012556"/>
+                <a:gridCol w="1241586"/>
+                <a:gridCol w="1374183"/>
+                <a:gridCol w="1615268"/>
+              </a:tblGrid>
+              <a:tr h="344407">
+                <a:tc>
+                  <a:txBody>
+                    <a:bodyPr/>
+                    <a:lstStyle/>
+                    <a:p>
+                      <a:pPr algn="l" fontAlgn="b"/>
+                      <a:r>
+                        <a:rPr lang="en-US" sz="2100" b="0" i="0" u="none" strike="noStrike" dirty="0">
+                          <a:solidFill>
+                            <a:srgbClr val="000000"/>
+                          </a:solidFill>
+                          <a:latin typeface="Calibri"/>
+                        </a:rPr>
+                        <a:t> </a:t>
+                      </a:r>
+                    </a:p>
+                  </a:txBody>
+                  <a:tcPr marL="8610" marR="8610" marT="8610" marB="0" anchor="b">
+                    <a:lnL w="6350" cap="flat" cmpd="sng" algn="ctr">
+                      <a:solidFill>
+                        <a:srgbClr val="000000"/>
+                      </a:solidFill>
+                      <a:prstDash val="solid"/>
+                      <a:round/>
+                      <a:headEnd type="none" w="med" len="med"/>
+                      <a:tailEnd type="none" w="med" len="med"/>
+                    </a:lnL>
+                    <a:lnR w="6350" cap="flat" cmpd="sng" algn="ctr">
+                      <a:solidFill>
+                        <a:srgbClr val="000000"/>
+                      </a:solidFill>
+                      <a:prstDash val="solid"/>
+                      <a:round/>
+                      <a:headEnd type="none" w="med" len="med"/>
+                      <a:tailEnd type="none" w="med" len="med"/>
+                    </a:lnR>
+                    <a:lnT w="6350" cap="flat" cmpd="sng" algn="ctr">
+                      <a:solidFill>
+                        <a:srgbClr val="000000"/>
+                      </a:solidFill>
+                      <a:prstDash val="solid"/>
+                      <a:round/>
+                      <a:headEnd type="none" w="med" len="med"/>
+                      <a:tailEnd type="none" w="med" len="med"/>
+                    </a:lnT>
+                    <a:lnB w="6350" cap="flat" cmpd="sng" algn="ctr">
+                      <a:solidFill>
+                        <a:srgbClr val="000000"/>
+                      </a:solidFill>
+                      <a:prstDash val="solid"/>
+                      <a:round/>
+                      <a:headEnd type="none" w="med" len="med"/>
+                      <a:tailEnd type="none" w="med" len="med"/>
+                    </a:lnB>
+                  </a:tcPr>
+                </a:tc>
+                <a:tc>
+                  <a:txBody>
+                    <a:bodyPr/>
+                    <a:lstStyle/>
+                    <a:p>
+                      <a:pPr algn="l" fontAlgn="b"/>
+                      <a:r>
+                        <a:rPr lang="en-US" sz="2100" b="1" i="0" u="none" strike="noStrike">
+                          <a:solidFill>
+                            <a:srgbClr val="000000"/>
+                          </a:solidFill>
+                          <a:latin typeface="Calibri"/>
+                        </a:rPr>
+                        <a:t># of IPs </a:t>
+                      </a:r>
+                    </a:p>
+                  </a:txBody>
+                  <a:tcPr marL="8610" marR="8610" marT="8610" marB="0" anchor="b">
+                    <a:lnL w="6350" cap="flat" cmpd="sng" algn="ctr">
+                      <a:solidFill>
+                        <a:srgbClr val="000000"/>
+                      </a:solidFill>
+                      <a:prstDash val="solid"/>
+                      <a:round/>
+                      <a:headEnd type="none" w="med" len="med"/>
+                      <a:tailEnd type="none" w="med" len="med"/>
+                    </a:lnL>
+                    <a:lnR w="6350" cap="flat" cmpd="sng" algn="ctr">
+                      <a:solidFill>
+                        <a:srgbClr val="000000"/>
+                      </a:solidFill>
+                      <a:prstDash val="solid"/>
+                      <a:round/>
+                      <a:headEnd type="none" w="med" len="med"/>
+                      <a:tailEnd type="none" w="med" len="med"/>
+                    </a:lnR>
+                    <a:lnT w="6350" cap="flat" cmpd="sng" algn="ctr">
+                      <a:solidFill>
+                        <a:srgbClr val="000000"/>
+                      </a:solidFill>
+                      <a:prstDash val="solid"/>
+                      <a:round/>
+                      <a:headEnd type="none" w="med" len="med"/>
+                      <a:tailEnd type="none" w="med" len="med"/>
+                    </a:lnT>
+                    <a:lnB w="6350" cap="flat" cmpd="sng" algn="ctr">
+                      <a:solidFill>
+                        <a:srgbClr val="000000"/>
+                      </a:solidFill>
+                      <a:prstDash val="solid"/>
+                      <a:round/>
+                      <a:headEnd type="none" w="med" len="med"/>
+                      <a:tailEnd type="none" w="med" len="med"/>
+                    </a:lnB>
+                  </a:tcPr>
+                </a:tc>
+                <a:tc>
+                  <a:txBody>
+                    <a:bodyPr/>
+                    <a:lstStyle/>
+                    <a:p>
+                      <a:pPr algn="l" fontAlgn="b"/>
+                      <a:r>
+                        <a:rPr lang="en-US" sz="2100" b="1" i="0" u="none" strike="noStrike">
+                          <a:solidFill>
+                            <a:srgbClr val="000000"/>
+                          </a:solidFill>
+                          <a:latin typeface="Calibri"/>
+                        </a:rPr>
+                        <a:t># of users</a:t>
+                      </a:r>
+                    </a:p>
+                  </a:txBody>
+                  <a:tcPr marL="8610" marR="8610" marT="8610" marB="0" anchor="b">
+                    <a:lnL w="6350" cap="flat" cmpd="sng" algn="ctr">
+                      <a:solidFill>
+                        <a:srgbClr val="000000"/>
+                      </a:solidFill>
+                      <a:prstDash val="solid"/>
+                      <a:round/>
+                      <a:headEnd type="none" w="med" len="med"/>
+                      <a:tailEnd type="none" w="med" len="med"/>
+                    </a:lnL>
+                    <a:lnR w="6350" cap="flat" cmpd="sng" algn="ctr">
+                      <a:solidFill>
+                        <a:srgbClr val="000000"/>
+                      </a:solidFill>
+                      <a:prstDash val="solid"/>
+                      <a:round/>
+                      <a:headEnd type="none" w="med" len="med"/>
+                      <a:tailEnd type="none" w="med" len="med"/>
+                    </a:lnR>
+                    <a:lnT w="6350" cap="flat" cmpd="sng" algn="ctr">
+                      <a:solidFill>
+                        <a:srgbClr val="000000"/>
+                      </a:solidFill>
+                      <a:prstDash val="solid"/>
+                      <a:round/>
+                      <a:headEnd type="none" w="med" len="med"/>
+                      <a:tailEnd type="none" w="med" len="med"/>
+                    </a:lnT>
+                    <a:lnB w="6350" cap="flat" cmpd="sng" algn="ctr">
+                      <a:solidFill>
+                        <a:srgbClr val="000000"/>
+                      </a:solidFill>
+                      <a:prstDash val="solid"/>
+                      <a:round/>
+                      <a:headEnd type="none" w="med" len="med"/>
+                      <a:tailEnd type="none" w="med" len="med"/>
+                    </a:lnB>
+                  </a:tcPr>
+                </a:tc>
+                <a:tc>
+                  <a:txBody>
+                    <a:bodyPr/>
+                    <a:lstStyle/>
+                    <a:p>
+                      <a:pPr algn="l" fontAlgn="b"/>
+                      <a:r>
+                        <a:rPr lang="en-US" sz="2100" b="1" i="0" u="none" strike="noStrike">
+                          <a:solidFill>
+                            <a:srgbClr val="000000"/>
+                          </a:solidFill>
+                          <a:latin typeface="Calibri"/>
+                        </a:rPr>
+                        <a:t># of copies</a:t>
+                      </a:r>
+                    </a:p>
+                  </a:txBody>
+                  <a:tcPr marL="8610" marR="8610" marT="8610" marB="0" anchor="b">
+                    <a:lnL w="6350" cap="flat" cmpd="sng" algn="ctr">
+                      <a:solidFill>
+                        <a:srgbClr val="000000"/>
+                      </a:solidFill>
+                      <a:prstDash val="solid"/>
+                      <a:round/>
+                      <a:headEnd type="none" w="med" len="med"/>
+                      <a:tailEnd type="none" w="med" len="med"/>
+                    </a:lnL>
+                    <a:lnR w="6350" cap="flat" cmpd="sng" algn="ctr">
+                      <a:solidFill>
+                        <a:srgbClr val="000000"/>
+                      </a:solidFill>
+                      <a:prstDash val="solid"/>
+                      <a:round/>
+                      <a:headEnd type="none" w="med" len="med"/>
+                      <a:tailEnd type="none" w="med" len="med"/>
+                    </a:lnR>
+                    <a:lnT w="6350" cap="flat" cmpd="sng" algn="ctr">
+                      <a:solidFill>
+                        <a:srgbClr val="000000"/>
+                      </a:solidFill>
+                      <a:prstDash val="solid"/>
+                      <a:round/>
+                      <a:headEnd type="none" w="med" len="med"/>
+                      <a:tailEnd type="none" w="med" len="med"/>
+                    </a:lnT>
+                    <a:lnB w="6350" cap="flat" cmpd="sng" algn="ctr">
+                      <a:solidFill>
+                        <a:srgbClr val="000000"/>
+                      </a:solidFill>
+                      <a:prstDash val="solid"/>
+                      <a:round/>
+                      <a:headEnd type="none" w="med" len="med"/>
+                      <a:tailEnd type="none" w="med" len="med"/>
+                    </a:lnB>
+                  </a:tcPr>
+                </a:tc>
+                <a:tc>
+                  <a:txBody>
+                    <a:bodyPr/>
+                    <a:lstStyle/>
+                    <a:p>
+                      <a:pPr algn="l" fontAlgn="b"/>
+                      <a:r>
+                        <a:rPr lang="en-US" sz="2100" b="1" i="0" u="none" strike="noStrike" dirty="0">
+                          <a:solidFill>
+                            <a:srgbClr val="000000"/>
+                          </a:solidFill>
+                          <a:latin typeface="Calibri"/>
+                        </a:rPr>
+                        <a:t># of versions</a:t>
+                      </a:r>
+                    </a:p>
+                  </a:txBody>
+                  <a:tcPr marL="8610" marR="8610" marT="8610" marB="0" anchor="b">
+                    <a:lnL w="6350" cap="flat" cmpd="sng" algn="ctr">
+                      <a:solidFill>
+                        <a:srgbClr val="000000"/>
+                      </a:solidFill>
+                      <a:prstDash val="solid"/>
+                      <a:round/>
+                      <a:headEnd type="none" w="med" len="med"/>
+                      <a:tailEnd type="none" w="med" len="med"/>
+                    </a:lnL>
+                    <a:lnR w="6350" cap="flat" cmpd="sng" algn="ctr">
+                      <a:solidFill>
+                        <a:srgbClr val="000000"/>
+                      </a:solidFill>
+                      <a:prstDash val="solid"/>
+                      <a:round/>
+                      <a:headEnd type="none" w="med" len="med"/>
+                      <a:tailEnd type="none" w="med" len="med"/>
+                    </a:lnR>
+                    <a:lnT w="6350" cap="flat" cmpd="sng" algn="ctr">
+                      <a:solidFill>
+                        <a:srgbClr val="000000"/>
+                      </a:solidFill>
+                      <a:prstDash val="solid"/>
+                      <a:round/>
+                      <a:headEnd type="none" w="med" len="med"/>
+                      <a:tailEnd type="none" w="med" len="med"/>
+                    </a:lnT>
+                    <a:lnB w="6350" cap="flat" cmpd="sng" algn="ctr">
+                      <a:solidFill>
+                        <a:srgbClr val="000000"/>
+                      </a:solidFill>
+                      <a:prstDash val="solid"/>
+                      <a:round/>
+                      <a:headEnd type="none" w="med" len="med"/>
+                      <a:tailEnd type="none" w="med" len="med"/>
+                    </a:lnB>
+                  </a:tcPr>
+                </a:tc>
+              </a:tr>
+              <a:tr h="344407">
+                <a:tc>
+                  <a:txBody>
+                    <a:bodyPr/>
+                    <a:lstStyle/>
+                    <a:p>
+                      <a:pPr algn="l" fontAlgn="b"/>
+                      <a:r>
+                        <a:rPr lang="en-US" sz="2100" b="1" i="0" u="none" strike="noStrike" dirty="0">
+                          <a:solidFill>
+                            <a:srgbClr val="000000"/>
+                          </a:solidFill>
+                          <a:latin typeface="Calibri"/>
+                        </a:rPr>
+                        <a:t>Decoyer</a:t>
+                      </a:r>
+                    </a:p>
+                  </a:txBody>
+                  <a:tcPr marL="8610" marR="8610" marT="8610" marB="0" anchor="b">
+                    <a:lnL w="6350" cap="flat" cmpd="sng" algn="ctr">
+                      <a:solidFill>
+                        <a:srgbClr val="000000"/>
+                      </a:solidFill>
+                      <a:prstDash val="solid"/>
+                      <a:round/>
+                      <a:headEnd type="none" w="med" len="med"/>
+                      <a:tailEnd type="none" w="med" len="med"/>
+                    </a:lnL>
+                    <a:lnR w="6350" cap="flat" cmpd="sng" algn="ctr">
+                      <a:solidFill>
+                        <a:srgbClr val="000000"/>
+                      </a:solidFill>
+                      <a:prstDash val="solid"/>
+                      <a:round/>
+                      <a:headEnd type="none" w="med" len="med"/>
+                      <a:tailEnd type="none" w="med" len="med"/>
+                    </a:lnR>
+                    <a:lnT w="6350" cap="flat" cmpd="sng" algn="ctr">
+                      <a:solidFill>
+                        <a:srgbClr val="000000"/>
+                      </a:solidFill>
+                      <a:prstDash val="solid"/>
+                      <a:round/>
+                      <a:headEnd type="none" w="med" len="med"/>
+                      <a:tailEnd type="none" w="med" len="med"/>
+                    </a:lnT>
+                    <a:lnB w="6350" cap="flat" cmpd="sng" algn="ctr">
+                      <a:solidFill>
+                        <a:srgbClr val="000000"/>
+                      </a:solidFill>
+                      <a:prstDash val="solid"/>
+                      <a:round/>
+                      <a:headEnd type="none" w="med" len="med"/>
+                      <a:tailEnd type="none" w="med" len="med"/>
+                    </a:lnB>
+                  </a:tcPr>
+                </a:tc>
+                <a:tc>
+                  <a:txBody>
+                    <a:bodyPr/>
+                    <a:lstStyle/>
+                    <a:p>
+                      <a:pPr algn="r" fontAlgn="b"/>
+                      <a:r>
+                        <a:rPr lang="en-US" sz="2100" b="0" i="0" u="none" strike="noStrike">
+                          <a:solidFill>
+                            <a:srgbClr val="000000"/>
+                          </a:solidFill>
+                          <a:latin typeface="Calibri"/>
+                        </a:rPr>
+                        <a:t>26</a:t>
+                      </a:r>
+                    </a:p>
+                  </a:txBody>
+                  <a:tcPr marL="8610" marR="8610" marT="8610" marB="0" anchor="b">
+                    <a:lnL w="6350" cap="flat" cmpd="sng" algn="ctr">
+                      <a:solidFill>
+                        <a:srgbClr val="000000"/>
+                      </a:solidFill>
+                      <a:prstDash val="solid"/>
+                      <a:round/>
+                      <a:headEnd type="none" w="med" len="med"/>
+                      <a:tailEnd type="none" w="med" len="med"/>
+                    </a:lnL>
+                    <a:lnR w="6350" cap="flat" cmpd="sng" algn="ctr">
+                      <a:solidFill>
+                        <a:srgbClr val="000000"/>
+                      </a:solidFill>
+                      <a:prstDash val="solid"/>
+                      <a:round/>
+                      <a:headEnd type="none" w="med" len="med"/>
+                      <a:tailEnd type="none" w="med" len="med"/>
+                    </a:lnR>
+                    <a:lnT w="6350" cap="flat" cmpd="sng" algn="ctr">
+                      <a:solidFill>
+                        <a:srgbClr val="000000"/>
+                      </a:solidFill>
+                      <a:prstDash val="solid"/>
+                      <a:round/>
+                      <a:headEnd type="none" w="med" len="med"/>
+                      <a:tailEnd type="none" w="med" len="med"/>
+                    </a:lnT>
+                    <a:lnB w="6350" cap="flat" cmpd="sng" algn="ctr">
+                      <a:solidFill>
+                        <a:srgbClr val="000000"/>
+                      </a:solidFill>
+                      <a:prstDash val="solid"/>
+                      <a:round/>
+                      <a:headEnd type="none" w="med" len="med"/>
+                      <a:tailEnd type="none" w="med" len="med"/>
+                    </a:lnB>
+                  </a:tcPr>
+                </a:tc>
+                <a:tc>
+                  <a:txBody>
+                    <a:bodyPr/>
+                    <a:lstStyle/>
+                    <a:p>
+                      <a:pPr algn="r" fontAlgn="b"/>
+                      <a:r>
+                        <a:rPr lang="en-US" sz="2100" b="0" i="0" u="none" strike="noStrike">
+                          <a:solidFill>
+                            <a:srgbClr val="000000"/>
+                          </a:solidFill>
+                          <a:latin typeface="Calibri"/>
+                        </a:rPr>
+                        <a:t>27</a:t>
+                      </a:r>
+                    </a:p>
+                  </a:txBody>
+                  <a:tcPr marL="8610" marR="8610" marT="8610" marB="0" anchor="b">
+                    <a:lnL w="6350" cap="flat" cmpd="sng" algn="ctr">
+                      <a:solidFill>
+                        <a:srgbClr val="000000"/>
+                      </a:solidFill>
+                      <a:prstDash val="solid"/>
+                      <a:round/>
+                      <a:headEnd type="none" w="med" len="med"/>
+                      <a:tailEnd type="none" w="med" len="med"/>
+                    </a:lnL>
+                    <a:lnR w="6350" cap="flat" cmpd="sng" algn="ctr">
+                      <a:solidFill>
+                        <a:srgbClr val="000000"/>
+                      </a:solidFill>
+                      <a:prstDash val="solid"/>
+                      <a:round/>
+                      <a:headEnd type="none" w="med" len="med"/>
+                      <a:tailEnd type="none" w="med" len="med"/>
+                    </a:lnR>
+                    <a:lnT w="6350" cap="flat" cmpd="sng" algn="ctr">
+                      <a:solidFill>
+                        <a:srgbClr val="000000"/>
+                      </a:solidFill>
+                      <a:prstDash val="solid"/>
+                      <a:round/>
+                      <a:headEnd type="none" w="med" len="med"/>
+                      <a:tailEnd type="none" w="med" len="med"/>
+                    </a:lnT>
+                    <a:lnB w="6350" cap="flat" cmpd="sng" algn="ctr">
+                      <a:solidFill>
+                        <a:srgbClr val="000000"/>
+                      </a:solidFill>
+                      <a:prstDash val="solid"/>
+                      <a:round/>
+                      <a:headEnd type="none" w="med" len="med"/>
+                      <a:tailEnd type="none" w="med" len="med"/>
+                    </a:lnB>
+                  </a:tcPr>
+                </a:tc>
+                <a:tc>
+                  <a:txBody>
+                    <a:bodyPr/>
+                    <a:lstStyle/>
+                    <a:p>
+                      <a:pPr algn="r" fontAlgn="b"/>
+                      <a:r>
+                        <a:rPr lang="en-US" sz="2100" b="0" i="0" u="none" strike="noStrike">
+                          <a:solidFill>
+                            <a:srgbClr val="000000"/>
+                          </a:solidFill>
+                          <a:latin typeface="Calibri"/>
+                        </a:rPr>
+                        <a:t>23,771</a:t>
+                      </a:r>
+                    </a:p>
+                  </a:txBody>
+                  <a:tcPr marL="8610" marR="8610" marT="8610" marB="0" anchor="b">
+                    <a:lnL w="6350" cap="flat" cmpd="sng" algn="ctr">
+                      <a:solidFill>
+                        <a:srgbClr val="000000"/>
+                      </a:solidFill>
+                      <a:prstDash val="solid"/>
+                      <a:round/>
+                      <a:headEnd type="none" w="med" len="med"/>
+                      <a:tailEnd type="none" w="med" len="med"/>
+                    </a:lnL>
+                    <a:lnR w="6350" cap="flat" cmpd="sng" algn="ctr">
+                      <a:solidFill>
+                        <a:srgbClr val="000000"/>
+                      </a:solidFill>
+                      <a:prstDash val="solid"/>
+                      <a:round/>
+                      <a:headEnd type="none" w="med" len="med"/>
+                      <a:tailEnd type="none" w="med" len="med"/>
+                    </a:lnR>
+                    <a:lnT w="6350" cap="flat" cmpd="sng" algn="ctr">
+                      <a:solidFill>
+                        <a:srgbClr val="000000"/>
+                      </a:solidFill>
+                      <a:prstDash val="solid"/>
+                      <a:round/>
+                      <a:headEnd type="none" w="med" len="med"/>
+                      <a:tailEnd type="none" w="med" len="med"/>
+                    </a:lnT>
+                    <a:lnB w="6350" cap="flat" cmpd="sng" algn="ctr">
+                      <a:solidFill>
+                        <a:srgbClr val="000000"/>
+                      </a:solidFill>
+                      <a:prstDash val="solid"/>
+                      <a:round/>
+                      <a:headEnd type="none" w="med" len="med"/>
+                      <a:tailEnd type="none" w="med" len="med"/>
+                    </a:lnB>
+                  </a:tcPr>
+                </a:tc>
+                <a:tc>
+                  <a:txBody>
+                    <a:bodyPr/>
+                    <a:lstStyle/>
+                    <a:p>
+                      <a:pPr algn="r" fontAlgn="b"/>
+                      <a:r>
+                        <a:rPr lang="en-US" sz="2100" b="0" i="0" u="none" strike="noStrike">
+                          <a:solidFill>
+                            <a:srgbClr val="000000"/>
+                          </a:solidFill>
+                          <a:latin typeface="Calibri"/>
+                        </a:rPr>
+                        <a:t>22,678</a:t>
+                      </a:r>
+                    </a:p>
+                  </a:txBody>
+                  <a:tcPr marL="8610" marR="8610" marT="8610" marB="0" anchor="b">
+                    <a:lnL w="6350" cap="flat" cmpd="sng" algn="ctr">
+                      <a:solidFill>
+                        <a:srgbClr val="000000"/>
+                      </a:solidFill>
+                      <a:prstDash val="solid"/>
+                      <a:round/>
+                      <a:headEnd type="none" w="med" len="med"/>
+                      <a:tailEnd type="none" w="med" len="med"/>
+                    </a:lnL>
+                    <a:lnR w="6350" cap="flat" cmpd="sng" algn="ctr">
+                      <a:solidFill>
+                        <a:srgbClr val="000000"/>
+                      </a:solidFill>
+                      <a:prstDash val="solid"/>
+                      <a:round/>
+                      <a:headEnd type="none" w="med" len="med"/>
+                      <a:tailEnd type="none" w="med" len="med"/>
+                    </a:lnR>
+                    <a:lnT w="6350" cap="flat" cmpd="sng" algn="ctr">
+                      <a:solidFill>
+                        <a:srgbClr val="000000"/>
+                      </a:solidFill>
+                      <a:prstDash val="solid"/>
+                      <a:round/>
+                      <a:headEnd type="none" w="med" len="med"/>
+                      <a:tailEnd type="none" w="med" len="med"/>
+                    </a:lnT>
+                    <a:lnB w="6350" cap="flat" cmpd="sng" algn="ctr">
+                      <a:solidFill>
+                        <a:srgbClr val="000000"/>
+                      </a:solidFill>
+                      <a:prstDash val="solid"/>
+                      <a:round/>
+                      <a:headEnd type="none" w="med" len="med"/>
+                      <a:tailEnd type="none" w="med" len="med"/>
+                    </a:lnB>
+                  </a:tcPr>
+                </a:tc>
+              </a:tr>
+              <a:tr h="344407">
+                <a:tc>
+                  <a:txBody>
+                    <a:bodyPr/>
+                    <a:lstStyle/>
+                    <a:p>
+                      <a:pPr algn="l" fontAlgn="b"/>
+                      <a:r>
+                        <a:rPr lang="en-US" sz="2100" b="1" i="0" u="none" strike="noStrike">
+                          <a:solidFill>
+                            <a:srgbClr val="000000"/>
+                          </a:solidFill>
+                          <a:latin typeface="Calibri"/>
+                        </a:rPr>
+                        <a:t>Ordinary</a:t>
+                      </a:r>
+                    </a:p>
+                  </a:txBody>
+                  <a:tcPr marL="8610" marR="8610" marT="8610" marB="0" anchor="b">
+                    <a:lnL w="6350" cap="flat" cmpd="sng" algn="ctr">
+                      <a:solidFill>
+                        <a:srgbClr val="000000"/>
+                      </a:solidFill>
+                      <a:prstDash val="solid"/>
+                      <a:round/>
+                      <a:headEnd type="none" w="med" len="med"/>
+                      <a:tailEnd type="none" w="med" len="med"/>
+                    </a:lnL>
+                    <a:lnR w="6350" cap="flat" cmpd="sng" algn="ctr">
+                      <a:solidFill>
+                        <a:srgbClr val="000000"/>
+                      </a:solidFill>
+                      <a:prstDash val="solid"/>
+                      <a:round/>
+                      <a:headEnd type="none" w="med" len="med"/>
+                      <a:tailEnd type="none" w="med" len="med"/>
+                    </a:lnR>
+                    <a:lnT w="6350" cap="flat" cmpd="sng" algn="ctr">
+                      <a:solidFill>
+                        <a:srgbClr val="000000"/>
+                      </a:solidFill>
+                      <a:prstDash val="solid"/>
+                      <a:round/>
+                      <a:headEnd type="none" w="med" len="med"/>
+                      <a:tailEnd type="none" w="med" len="med"/>
+                    </a:lnT>
+                    <a:lnB w="6350" cap="flat" cmpd="sng" algn="ctr">
+                      <a:solidFill>
+                        <a:srgbClr val="000000"/>
+                      </a:solidFill>
+                      <a:prstDash val="solid"/>
+                      <a:round/>
+                      <a:headEnd type="none" w="med" len="med"/>
+                      <a:tailEnd type="none" w="med" len="med"/>
+                    </a:lnB>
+                  </a:tcPr>
+                </a:tc>
+                <a:tc>
+                  <a:txBody>
+                    <a:bodyPr/>
+                    <a:lstStyle/>
+                    <a:p>
+                      <a:pPr algn="r" fontAlgn="b"/>
+                      <a:r>
+                        <a:rPr lang="en-US" sz="2100" b="0" i="0" u="none" strike="noStrike" dirty="0">
+                          <a:solidFill>
+                            <a:srgbClr val="000000"/>
+                          </a:solidFill>
+                          <a:latin typeface="Calibri"/>
+                        </a:rPr>
+                        <a:t>12,135</a:t>
+                      </a:r>
+                    </a:p>
+                  </a:txBody>
+                  <a:tcPr marL="8610" marR="8610" marT="8610" marB="0" anchor="b">
+                    <a:lnL w="6350" cap="flat" cmpd="sng" algn="ctr">
+                      <a:solidFill>
+                        <a:srgbClr val="000000"/>
+                      </a:solidFill>
+                      <a:prstDash val="solid"/>
+                      <a:round/>
+                      <a:headEnd type="none" w="med" len="med"/>
+                      <a:tailEnd type="none" w="med" len="med"/>
+                    </a:lnL>
+                    <a:lnR w="6350" cap="flat" cmpd="sng" algn="ctr">
+                      <a:solidFill>
+                        <a:srgbClr val="000000"/>
+                      </a:solidFill>
+                      <a:prstDash val="solid"/>
+                      <a:round/>
+                      <a:headEnd type="none" w="med" len="med"/>
+                      <a:tailEnd type="none" w="med" len="med"/>
+                    </a:lnR>
+                    <a:lnT w="6350" cap="flat" cmpd="sng" algn="ctr">
+                      <a:solidFill>
+                        <a:srgbClr val="000000"/>
+                      </a:solidFill>
+                      <a:prstDash val="solid"/>
+                      <a:round/>
+                      <a:headEnd type="none" w="med" len="med"/>
+                      <a:tailEnd type="none" w="med" len="med"/>
+                    </a:lnT>
+                    <a:lnB w="6350" cap="flat" cmpd="sng" algn="ctr">
+                      <a:solidFill>
+                        <a:srgbClr val="000000"/>
+                      </a:solidFill>
+                      <a:prstDash val="solid"/>
+                      <a:round/>
+                      <a:headEnd type="none" w="med" len="med"/>
+                      <a:tailEnd type="none" w="med" len="med"/>
+                    </a:lnB>
+                  </a:tcPr>
+                </a:tc>
+                <a:tc>
+                  <a:txBody>
+                    <a:bodyPr/>
+                    <a:lstStyle/>
+                    <a:p>
+                      <a:pPr algn="r" fontAlgn="b"/>
+                      <a:r>
+                        <a:rPr lang="en-US" sz="2100" b="0" i="0" u="none" strike="noStrike">
+                          <a:solidFill>
+                            <a:srgbClr val="000000"/>
+                          </a:solidFill>
+                          <a:latin typeface="Calibri"/>
+                        </a:rPr>
+                        <a:t>12,545</a:t>
+                      </a:r>
+                    </a:p>
+                  </a:txBody>
+                  <a:tcPr marL="8610" marR="8610" marT="8610" marB="0" anchor="b">
+                    <a:lnL w="6350" cap="flat" cmpd="sng" algn="ctr">
+                      <a:solidFill>
+                        <a:srgbClr val="000000"/>
+                      </a:solidFill>
+                      <a:prstDash val="solid"/>
+                      <a:round/>
+                      <a:headEnd type="none" w="med" len="med"/>
+                      <a:tailEnd type="none" w="med" len="med"/>
+                    </a:lnL>
+                    <a:lnR w="6350" cap="flat" cmpd="sng" algn="ctr">
+                      <a:solidFill>
+                        <a:srgbClr val="000000"/>
+                      </a:solidFill>
+                      <a:prstDash val="solid"/>
+                      <a:round/>
+                      <a:headEnd type="none" w="med" len="med"/>
+                      <a:tailEnd type="none" w="med" len="med"/>
+                    </a:lnR>
+                    <a:lnT w="6350" cap="flat" cmpd="sng" algn="ctr">
+                      <a:solidFill>
+                        <a:srgbClr val="000000"/>
+                      </a:solidFill>
+                      <a:prstDash val="solid"/>
+                      <a:round/>
+                      <a:headEnd type="none" w="med" len="med"/>
+                      <a:tailEnd type="none" w="med" len="med"/>
+                    </a:lnT>
+                    <a:lnB w="6350" cap="flat" cmpd="sng" algn="ctr">
+                      <a:solidFill>
+                        <a:srgbClr val="000000"/>
+                      </a:solidFill>
+                      <a:prstDash val="solid"/>
+                      <a:round/>
+                      <a:headEnd type="none" w="med" len="med"/>
+                      <a:tailEnd type="none" w="med" len="med"/>
+                    </a:lnB>
+                  </a:tcPr>
+                </a:tc>
+                <a:tc>
+                  <a:txBody>
+                    <a:bodyPr/>
+                    <a:lstStyle/>
+                    <a:p>
+                      <a:pPr algn="r" fontAlgn="b"/>
+                      <a:r>
+                        <a:rPr lang="en-US" sz="2100" b="0" i="0" u="none" strike="noStrike">
+                          <a:solidFill>
+                            <a:srgbClr val="000000"/>
+                          </a:solidFill>
+                          <a:latin typeface="Calibri"/>
+                        </a:rPr>
+                        <a:t>17,104</a:t>
+                      </a:r>
+                    </a:p>
+                  </a:txBody>
+                  <a:tcPr marL="8610" marR="8610" marT="8610" marB="0" anchor="b">
+                    <a:lnL w="6350" cap="flat" cmpd="sng" algn="ctr">
+                      <a:solidFill>
+                        <a:srgbClr val="000000"/>
+                      </a:solidFill>
+                      <a:prstDash val="solid"/>
+                      <a:round/>
+                      <a:headEnd type="none" w="med" len="med"/>
+                      <a:tailEnd type="none" w="med" len="med"/>
+                    </a:lnL>
+                    <a:lnR w="6350" cap="flat" cmpd="sng" algn="ctr">
+                      <a:solidFill>
+                        <a:srgbClr val="000000"/>
+                      </a:solidFill>
+                      <a:prstDash val="solid"/>
+                      <a:round/>
+                      <a:headEnd type="none" w="med" len="med"/>
+                      <a:tailEnd type="none" w="med" len="med"/>
+                    </a:lnR>
+                    <a:lnT w="6350" cap="flat" cmpd="sng" algn="ctr">
+                      <a:solidFill>
+                        <a:srgbClr val="000000"/>
+                      </a:solidFill>
+                      <a:prstDash val="solid"/>
+                      <a:round/>
+                      <a:headEnd type="none" w="med" len="med"/>
+                      <a:tailEnd type="none" w="med" len="med"/>
+                    </a:lnT>
+                    <a:lnB w="6350" cap="flat" cmpd="sng" algn="ctr">
+                      <a:solidFill>
+                        <a:srgbClr val="000000"/>
+                      </a:solidFill>
+                      <a:prstDash val="solid"/>
+                      <a:round/>
+                      <a:headEnd type="none" w="med" len="med"/>
+                      <a:tailEnd type="none" w="med" len="med"/>
+                    </a:lnB>
+                  </a:tcPr>
+                </a:tc>
+                <a:tc>
+                  <a:txBody>
+                    <a:bodyPr/>
+                    <a:lstStyle/>
+                    <a:p>
+                      <a:pPr algn="r" fontAlgn="b"/>
+                      <a:r>
+                        <a:rPr lang="en-US" sz="2100" b="0" i="0" u="none" strike="noStrike" dirty="0">
+                          <a:solidFill>
+                            <a:srgbClr val="000000"/>
+                          </a:solidFill>
+                          <a:latin typeface="Calibri"/>
+                        </a:rPr>
+                        <a:t>3,907</a:t>
+                      </a:r>
+                    </a:p>
+                  </a:txBody>
+                  <a:tcPr marL="8610" marR="8610" marT="8610" marB="0" anchor="b">
+                    <a:lnL w="6350" cap="flat" cmpd="sng" algn="ctr">
+                      <a:solidFill>
+                        <a:srgbClr val="000000"/>
+                      </a:solidFill>
+                      <a:prstDash val="solid"/>
+                      <a:round/>
+                      <a:headEnd type="none" w="med" len="med"/>
+                      <a:tailEnd type="none" w="med" len="med"/>
+                    </a:lnL>
+                    <a:lnR w="6350" cap="flat" cmpd="sng" algn="ctr">
+                      <a:solidFill>
+                        <a:srgbClr val="000000"/>
+                      </a:solidFill>
+                      <a:prstDash val="solid"/>
+                      <a:round/>
+                      <a:headEnd type="none" w="med" len="med"/>
+                      <a:tailEnd type="none" w="med" len="med"/>
+                    </a:lnR>
+                    <a:lnT w="6350" cap="flat" cmpd="sng" algn="ctr">
+                      <a:solidFill>
+                        <a:srgbClr val="000000"/>
+                      </a:solidFill>
+                      <a:prstDash val="solid"/>
+                      <a:round/>
+                      <a:headEnd type="none" w="med" len="med"/>
+                      <a:tailEnd type="none" w="med" len="med"/>
+                    </a:lnT>
+                    <a:lnB w="6350" cap="flat" cmpd="sng" algn="ctr">
+                      <a:solidFill>
+                        <a:srgbClr val="000000"/>
+                      </a:solidFill>
+                      <a:prstDash val="solid"/>
+                      <a:round/>
+                      <a:headEnd type="none" w="med" len="med"/>
+                      <a:tailEnd type="none" w="med" len="med"/>
+                    </a:lnB>
+                  </a:tcPr>
+                </a:tc>
+              </a:tr>
+            </a:tbl>
+          </a:graphicData>
+        </a:graphic>
+      </p:graphicFrame>
+      <p:sp>
+        <p:nvSpPr>
+          <p:cNvPr id="13" name="Content Placeholder 1"/>
+          <p:cNvSpPr txBox="1">
+            <a:spLocks/>
+          </p:cNvSpPr>
+          <p:nvPr/>
+        </p:nvSpPr>
+        <p:spPr>
+          <a:xfrm>
+            <a:off x="457200" y="3886200"/>
+            <a:ext cx="8229600" cy="1947672"/>
+          </a:xfrm>
+          <a:prstGeom prst="rect">
+            <a:avLst/>
+          </a:prstGeom>
+        </p:spPr>
+        <p:txBody>
+          <a:bodyPr vert="horz">
+            <a:normAutofit fontScale="70000" lnSpcReduction="20000"/>
+          </a:bodyPr>
+          <a:lstStyle/>
+          <a:p>
+            <a:pPr marL="365760" lvl="0" indent="-256032">
+              <a:spcBef>
+                <a:spcPts val="400"/>
+              </a:spcBef>
+              <a:buClr>
+                <a:schemeClr val="accent1"/>
+              </a:buClr>
+              <a:buSzPct val="65000"/>
+              <a:buFont typeface="Wingdings 3"/>
+              <a:buChar char=""/>
+            </a:pPr>
+            <a:r>
+              <a:rPr lang="en-US" sz="2900" b="1" dirty="0" err="1" smtClean="0"/>
+              <a:t>Overnet</a:t>
+            </a:r>
+            <a:r>
+              <a:rPr lang="en-US" sz="2700" b="1" dirty="0" smtClean="0"/>
+              <a:t> </a:t>
+            </a:r>
+            <a:r>
+              <a:rPr lang="en-US" sz="2700" dirty="0" smtClean="0"/>
+              <a:t>(data set collected by the inserted </a:t>
+            </a:r>
+            <a:r>
+              <a:rPr lang="en-US" sz="2700" dirty="0" smtClean="0"/>
+              <a:t>nodes in June 2005)</a:t>
+            </a:r>
+            <a:r>
+              <a:rPr kumimoji="0" lang="en-US" sz="2700" b="0" i="0" u="none" strike="noStrike" kern="1200" cap="none" spc="0" normalizeH="0" baseline="0" noProof="0" dirty="0" smtClean="0">
+                <a:ln>
+                  <a:noFill/>
+                </a:ln>
+                <a:solidFill>
+                  <a:schemeClr val="tx1"/>
+                </a:solidFill>
+                <a:effectLst/>
+                <a:uLnTx/>
+                <a:uFillTx/>
+                <a:latin typeface="+mn-lt"/>
+                <a:ea typeface="+mn-ea"/>
+                <a:cs typeface="+mn-cs"/>
+              </a:rPr>
+              <a:t>:</a:t>
+            </a:r>
+          </a:p>
+          <a:p>
+            <a:pPr marL="621792" marR="0" lvl="1" indent="-228600" algn="l" defTabSz="914400" rtl="0" eaLnBrk="1" fontAlgn="auto" latinLnBrk="0" hangingPunct="1">
+              <a:lnSpc>
+                <a:spcPct val="100000"/>
+              </a:lnSpc>
+              <a:spcBef>
+                <a:spcPts val="324"/>
+              </a:spcBef>
+              <a:spcAft>
+                <a:spcPts val="0"/>
+              </a:spcAft>
+              <a:buClr>
+                <a:schemeClr val="accent1"/>
+              </a:buClr>
+              <a:buSzTx/>
+              <a:buFont typeface="Verdana"/>
+              <a:buChar char="◦"/>
+              <a:tabLst/>
+              <a:defRPr/>
+            </a:pPr>
+            <a:endParaRPr kumimoji="0" lang="en-US" sz="2300" b="0" i="0" u="none" strike="noStrike" kern="1200" cap="none" spc="0" normalizeH="0" baseline="0" noProof="0" dirty="0" smtClean="0">
+              <a:ln>
+                <a:noFill/>
+              </a:ln>
+              <a:solidFill>
+                <a:schemeClr val="tx1"/>
+              </a:solidFill>
+              <a:effectLst/>
+              <a:uLnTx/>
+              <a:uFillTx/>
+              <a:latin typeface="+mn-lt"/>
+              <a:ea typeface="+mn-ea"/>
+              <a:cs typeface="+mn-cs"/>
+            </a:endParaRPr>
+          </a:p>
+          <a:p>
+            <a:pPr marL="621792" marR="0" lvl="1" indent="-228600" algn="l" defTabSz="914400" rtl="0" eaLnBrk="1" fontAlgn="auto" latinLnBrk="0" hangingPunct="1">
+              <a:lnSpc>
+                <a:spcPct val="100000"/>
+              </a:lnSpc>
+              <a:spcBef>
+                <a:spcPts val="324"/>
+              </a:spcBef>
+              <a:spcAft>
+                <a:spcPts val="0"/>
+              </a:spcAft>
+              <a:buClr>
+                <a:schemeClr val="accent1"/>
+              </a:buClr>
+              <a:buSzTx/>
+              <a:buFont typeface="Verdana"/>
+              <a:buChar char="◦"/>
+              <a:tabLst/>
+              <a:defRPr/>
+            </a:pPr>
+            <a:endParaRPr kumimoji="0" lang="en-US" sz="2300" b="0" i="0" u="none" strike="noStrike" kern="1200" cap="none" spc="0" normalizeH="0" baseline="0" noProof="0" dirty="0" smtClean="0">
+              <a:ln>
+                <a:noFill/>
+              </a:ln>
+              <a:solidFill>
+                <a:schemeClr val="tx1"/>
+              </a:solidFill>
+              <a:effectLst/>
+              <a:uLnTx/>
+              <a:uFillTx/>
+              <a:latin typeface="+mn-lt"/>
+              <a:ea typeface="+mn-ea"/>
+              <a:cs typeface="+mn-cs"/>
+            </a:endParaRPr>
+          </a:p>
+          <a:p>
+            <a:pPr marL="621792" marR="0" lvl="1" indent="-228600" algn="l" defTabSz="914400" rtl="0" eaLnBrk="1" fontAlgn="auto" latinLnBrk="0" hangingPunct="1">
+              <a:lnSpc>
+                <a:spcPct val="100000"/>
+              </a:lnSpc>
+              <a:spcBef>
+                <a:spcPts val="324"/>
+              </a:spcBef>
+              <a:spcAft>
+                <a:spcPts val="0"/>
+              </a:spcAft>
+              <a:buClr>
+                <a:schemeClr val="accent1"/>
+              </a:buClr>
+              <a:buSzTx/>
+              <a:buFont typeface="Verdana"/>
+              <a:buChar char="◦"/>
+              <a:tabLst/>
+              <a:defRPr/>
+            </a:pPr>
+            <a:endParaRPr kumimoji="0" lang="en-US" sz="2300" b="0" i="0" u="none" strike="noStrike" kern="1200" cap="none" spc="0" normalizeH="0" baseline="0" noProof="0" dirty="0" smtClean="0">
+              <a:ln>
+                <a:noFill/>
+              </a:ln>
+              <a:solidFill>
+                <a:schemeClr val="tx1"/>
+              </a:solidFill>
+              <a:effectLst/>
+              <a:uLnTx/>
+              <a:uFillTx/>
+              <a:latin typeface="+mn-lt"/>
+              <a:ea typeface="+mn-ea"/>
+              <a:cs typeface="+mn-cs"/>
+            </a:endParaRPr>
+          </a:p>
+          <a:p>
+            <a:pPr marL="621792" marR="0" lvl="1" indent="-228600" algn="l" defTabSz="914400" rtl="0" eaLnBrk="1" fontAlgn="auto" latinLnBrk="0" hangingPunct="1">
+              <a:lnSpc>
+                <a:spcPct val="100000"/>
+              </a:lnSpc>
+              <a:spcBef>
+                <a:spcPts val="324"/>
+              </a:spcBef>
+              <a:spcAft>
+                <a:spcPts val="0"/>
+              </a:spcAft>
+              <a:buClr>
+                <a:schemeClr val="accent1"/>
+              </a:buClr>
+              <a:buSzTx/>
+              <a:buFont typeface="Verdana"/>
+              <a:buChar char="◦"/>
+              <a:tabLst/>
+              <a:defRPr/>
+            </a:pPr>
+            <a:endParaRPr kumimoji="0" lang="en-US" sz="2300" b="0" i="0" u="none" strike="noStrike" kern="1200" cap="none" spc="0" normalizeH="0" baseline="0" noProof="0" dirty="0" smtClean="0">
+              <a:ln>
+                <a:noFill/>
+              </a:ln>
+              <a:solidFill>
+                <a:schemeClr val="tx1"/>
+              </a:solidFill>
+              <a:effectLst/>
+              <a:uLnTx/>
+              <a:uFillTx/>
+              <a:latin typeface="+mn-lt"/>
+              <a:ea typeface="+mn-ea"/>
+              <a:cs typeface="+mn-cs"/>
+            </a:endParaRPr>
+          </a:p>
+          <a:p>
+            <a:pPr marL="621792" marR="0" lvl="1" indent="-228600" algn="l" defTabSz="914400" rtl="0" eaLnBrk="1" fontAlgn="auto" latinLnBrk="0" hangingPunct="1">
+              <a:lnSpc>
+                <a:spcPct val="100000"/>
+              </a:lnSpc>
+              <a:spcBef>
+                <a:spcPts val="324"/>
+              </a:spcBef>
+              <a:spcAft>
+                <a:spcPts val="0"/>
+              </a:spcAft>
+              <a:buClr>
+                <a:schemeClr val="accent1"/>
+              </a:buClr>
+              <a:buSzTx/>
+              <a:buFont typeface="Verdana"/>
+              <a:buChar char="◦"/>
+              <a:tabLst/>
+              <a:defRPr/>
+            </a:pPr>
+            <a:endParaRPr kumimoji="0" lang="en-US" sz="2300" b="0" i="0" u="none" strike="noStrike" kern="1200" cap="none" spc="0" normalizeH="0" baseline="0" noProof="0" dirty="0" smtClean="0">
+              <a:ln>
+                <a:noFill/>
+              </a:ln>
+              <a:solidFill>
+                <a:schemeClr val="tx1"/>
+              </a:solidFill>
+              <a:effectLst/>
+              <a:uLnTx/>
+              <a:uFillTx/>
+              <a:latin typeface="+mn-lt"/>
+              <a:ea typeface="+mn-ea"/>
+              <a:cs typeface="+mn-cs"/>
+            </a:endParaRPr>
+          </a:p>
+          <a:p>
+            <a:pPr marL="621792" lvl="1" indent="-228600">
+              <a:spcBef>
+                <a:spcPts val="324"/>
+              </a:spcBef>
+              <a:buClr>
+                <a:schemeClr val="accent1"/>
+              </a:buClr>
+              <a:buFont typeface="Verdana"/>
+              <a:buChar char="◦"/>
+            </a:pPr>
+            <a:r>
+              <a:rPr lang="en-US" sz="2300" dirty="0" smtClean="0"/>
+              <a:t>Decoyers are 0,2% of all users but provide 58% of all copies and 85% of all versions</a:t>
+            </a:r>
+            <a:endParaRPr kumimoji="0" lang="en-US" sz="2300" b="0" i="0" u="none" strike="noStrike" kern="1200" cap="none" spc="0" normalizeH="0" baseline="0" noProof="0" dirty="0" smtClean="0">
+              <a:ln>
+                <a:noFill/>
+              </a:ln>
+              <a:solidFill>
+                <a:schemeClr val="tx1"/>
+              </a:solidFill>
+              <a:effectLst/>
+              <a:uLnTx/>
+              <a:uFillTx/>
+              <a:latin typeface="+mn-lt"/>
+              <a:ea typeface="+mn-ea"/>
+              <a:cs typeface="+mn-cs"/>
+            </a:endParaRPr>
+          </a:p>
+          <a:p>
+            <a:pPr marL="621792" marR="0" lvl="1" indent="-228600" algn="l" defTabSz="914400" rtl="0" eaLnBrk="1" fontAlgn="auto" latinLnBrk="0" hangingPunct="1">
+              <a:lnSpc>
+                <a:spcPct val="100000"/>
+              </a:lnSpc>
+              <a:spcBef>
+                <a:spcPts val="324"/>
+              </a:spcBef>
+              <a:spcAft>
+                <a:spcPts val="0"/>
+              </a:spcAft>
+              <a:buClr>
+                <a:schemeClr val="accent1"/>
+              </a:buClr>
+              <a:buSzTx/>
+              <a:buFont typeface="Verdana"/>
+              <a:buChar char="◦"/>
+              <a:tabLst/>
+              <a:defRPr/>
+            </a:pPr>
+            <a:endParaRPr kumimoji="0" lang="en-US" sz="2300" b="0" i="0" u="none" strike="noStrike" kern="1200" cap="none" spc="0" normalizeH="0" baseline="0" noProof="0" dirty="0" smtClean="0">
+              <a:ln>
+                <a:noFill/>
+              </a:ln>
+              <a:solidFill>
+                <a:schemeClr val="tx1"/>
+              </a:solidFill>
+              <a:effectLst/>
+              <a:uLnTx/>
+              <a:uFillTx/>
+              <a:latin typeface="+mn-lt"/>
+              <a:ea typeface="+mn-ea"/>
+              <a:cs typeface="+mn-cs"/>
+            </a:endParaRPr>
           </a:p>
         </p:txBody>
       </p:sp>
@@ -8341,16 +10500,72 @@
           </a:p>
         </p:txBody>
       </p:sp>
+      <p:sp>
+        <p:nvSpPr>
+          <p:cNvPr id="13" name="Content Placeholder 1"/>
+          <p:cNvSpPr>
+            <a:spLocks noGrp="1"/>
+          </p:cNvSpPr>
+          <p:nvPr>
+            <p:ph idx="1"/>
+          </p:nvPr>
+        </p:nvSpPr>
+        <p:spPr>
+          <a:xfrm>
+            <a:off x="5029200" y="1295400"/>
+            <a:ext cx="3657600" cy="4559491"/>
+          </a:xfrm>
+        </p:spPr>
+        <p:txBody>
+          <a:bodyPr>
+            <a:normAutofit/>
+          </a:bodyPr>
+          <a:lstStyle/>
+          <a:p>
+            <a:r>
+              <a:rPr lang="en-US" dirty="0" smtClean="0"/>
+              <a:t>There are different companies and techniques</a:t>
+            </a:r>
+          </a:p>
+          <a:p>
+            <a:r>
+              <a:rPr lang="en-US" dirty="0" smtClean="0"/>
+              <a:t>Total decoy percentage is </a:t>
+            </a:r>
+            <a:r>
+              <a:rPr lang="en-US" dirty="0" smtClean="0"/>
+              <a:t>up</a:t>
+            </a:r>
+            <a:r>
+              <a:rPr lang="en-US" dirty="0" smtClean="0"/>
+              <a:t> </a:t>
+            </a:r>
+            <a:r>
+              <a:rPr lang="en-US" dirty="0" smtClean="0"/>
+              <a:t>to 95%</a:t>
+            </a:r>
+          </a:p>
+          <a:p>
+            <a:r>
+              <a:rPr lang="en-US" dirty="0" smtClean="0"/>
+              <a:t>Little pollution in Overnet</a:t>
+            </a:r>
+          </a:p>
+          <a:p>
+            <a:endParaRPr lang="en-US" dirty="0"/>
+          </a:p>
+        </p:txBody>
+      </p:sp>
       <p:pic>
         <p:nvPicPr>
-          <p:cNvPr id="8" name="Picture 4"/>
+          <p:cNvPr id="45057" name="Picture 1" descr="D:\KTH\Projects\P2P\labs\documents\presentation\pic1.png"/>
           <p:cNvPicPr>
             <a:picLocks noChangeAspect="1" noChangeArrowheads="1"/>
           </p:cNvPicPr>
           <p:nvPr/>
         </p:nvPicPr>
         <p:blipFill>
-          <a:blip r:embed="rId2"/>
+          <a:blip r:embed="rId2" cstate="print"/>
           <a:srcRect/>
           <a:stretch>
             <a:fillRect/>
@@ -8358,32 +10573,25 @@
         </p:blipFill>
         <p:spPr bwMode="auto">
           <a:xfrm>
-            <a:off x="1219200" y="990600"/>
-            <a:ext cx="3643313" cy="2681287"/>
+            <a:off x="1531556" y="1130300"/>
+            <a:ext cx="3132732" cy="2489200"/>
           </a:xfrm>
           <a:prstGeom prst="rect">
             <a:avLst/>
           </a:prstGeom>
           <a:noFill/>
-          <a:ln w="9525">
-            <a:noFill/>
-            <a:round/>
-            <a:headEnd/>
-            <a:tailEnd/>
-          </a:ln>
-          <a:effectLst/>
         </p:spPr>
       </p:pic>
       <p:pic>
         <p:nvPicPr>
-          <p:cNvPr id="9" name="Picture 5"/>
+          <p:cNvPr id="45058" name="Picture 2" descr="D:\KTH\Projects\P2P\labs\documents\presentation\pic2.png"/>
           <p:cNvPicPr>
             <a:picLocks noChangeAspect="1" noChangeArrowheads="1"/>
           </p:cNvPicPr>
           <p:nvPr/>
         </p:nvPicPr>
         <p:blipFill>
-          <a:blip r:embed="rId3"/>
+          <a:blip r:embed="rId3" cstate="print"/>
           <a:srcRect/>
           <a:stretch>
             <a:fillRect/>
@@ -8391,66 +10599,15 @@
         </p:blipFill>
         <p:spPr bwMode="auto">
           <a:xfrm>
-            <a:off x="1143000" y="3429000"/>
-            <a:ext cx="3757613" cy="2743200"/>
+            <a:off x="1524000" y="3657600"/>
+            <a:ext cx="3140722" cy="2495550"/>
           </a:xfrm>
           <a:prstGeom prst="rect">
             <a:avLst/>
           </a:prstGeom>
           <a:noFill/>
-          <a:ln w="9525">
-            <a:noFill/>
-            <a:round/>
-            <a:headEnd/>
-            <a:tailEnd/>
-          </a:ln>
-          <a:effectLst/>
         </p:spPr>
       </p:pic>
-      <p:sp>
-        <p:nvSpPr>
-          <p:cNvPr id="13" name="Content Placeholder 1"/>
-          <p:cNvSpPr>
-            <a:spLocks noGrp="1"/>
-          </p:cNvSpPr>
-          <p:nvPr>
-            <p:ph idx="1"/>
-          </p:nvPr>
-        </p:nvSpPr>
-        <p:spPr>
-          <a:xfrm>
-            <a:off x="5029200" y="1295400"/>
-            <a:ext cx="3657600" cy="4559491"/>
-          </a:xfrm>
-        </p:spPr>
-        <p:txBody>
-          <a:bodyPr>
-            <a:normAutofit/>
-          </a:bodyPr>
-          <a:lstStyle/>
-          <a:p>
-            <a:r>
-              <a:rPr lang="en-US" dirty="0" smtClean="0"/>
-              <a:t>There are different companies and techniques</a:t>
-            </a:r>
-          </a:p>
-          <a:p>
-            <a:r>
-              <a:rPr lang="en-US" dirty="0" smtClean="0"/>
-              <a:t>Total decoy percentage is from 50% to 95%</a:t>
-            </a:r>
-          </a:p>
-          <a:p>
-            <a:r>
-              <a:rPr lang="en-US" dirty="0" smtClean="0"/>
-              <a:t>Little pollution in Overnet</a:t>
-            </a:r>
-          </a:p>
-          <a:p>
-            <a:endParaRPr lang="en-US" dirty="0"/>
-          </a:p>
-        </p:txBody>
-      </p:sp>
     </p:spTree>
   </p:cSld>
   <p:clrMapOvr>
@@ -8770,7 +10927,7 @@
         <p:spPr>
           <a:xfrm>
             <a:off x="5029200" y="1295400"/>
-            <a:ext cx="3657600" cy="4559491"/>
+            <a:ext cx="3657600" cy="4953000"/>
           </a:xfrm>
         </p:spPr>
         <p:txBody>
@@ -8781,14 +10938,52 @@
           <a:p>
             <a:r>
               <a:rPr lang="en-US" dirty="0" smtClean="0"/>
-              <a:t>Majority of versions are poisoned</a:t>
-            </a:r>
-          </a:p>
-          <a:p>
-            <a:r>
-              <a:rPr lang="en-US" dirty="0" smtClean="0"/>
-              <a:t>Versions poison level is higher than copies poison level: decoyers make copies of polluted version, copies of poisoned versions do not circulate</a:t>
-            </a:r>
+              <a:t>Majority of versions are </a:t>
+            </a:r>
+            <a:r>
+              <a:rPr lang="en-US" dirty="0" smtClean="0"/>
+              <a:t>poisoned</a:t>
+            </a:r>
+          </a:p>
+          <a:p>
+            <a:r>
+              <a:rPr lang="en-US" dirty="0" smtClean="0"/>
+              <a:t>Poisoning level up to 90%</a:t>
+            </a:r>
+            <a:endParaRPr lang="en-US" dirty="0" smtClean="0"/>
+          </a:p>
+          <a:p>
+            <a:r>
+              <a:rPr lang="en-US" dirty="0" smtClean="0"/>
+              <a:t>Versions poison level is higher than copies poison level</a:t>
+            </a:r>
+            <a:r>
+              <a:rPr lang="en-US" dirty="0" smtClean="0"/>
+              <a:t>:</a:t>
+            </a:r>
+          </a:p>
+          <a:p>
+            <a:pPr lvl="1"/>
+            <a:r>
+              <a:rPr lang="en-US" dirty="0" smtClean="0"/>
+              <a:t>c</a:t>
+            </a:r>
+            <a:r>
+              <a:rPr lang="en-US" dirty="0" smtClean="0"/>
+              <a:t>opies of the poisoned versions do not circulate</a:t>
+            </a:r>
+          </a:p>
+          <a:p>
+            <a:pPr lvl="1"/>
+            <a:r>
+              <a:rPr lang="en-US" dirty="0" smtClean="0"/>
+              <a:t>d</a:t>
+            </a:r>
+            <a:r>
+              <a:rPr lang="en-US" dirty="0" smtClean="0"/>
+              <a:t>ecoyers make many copies of the same polluted version</a:t>
+            </a:r>
+            <a:endParaRPr lang="en-US" dirty="0" smtClean="0"/>
           </a:p>
           <a:p>
             <a:endParaRPr lang="en-US" dirty="0"/>
@@ -8797,14 +10992,14 @@
       </p:sp>
       <p:pic>
         <p:nvPicPr>
-          <p:cNvPr id="10" name="Picture 4"/>
+          <p:cNvPr id="44033" name="Picture 1" descr="D:\KTH\Projects\P2P\labs\documents\presentation\pic3.png"/>
           <p:cNvPicPr>
             <a:picLocks noChangeAspect="1" noChangeArrowheads="1"/>
           </p:cNvPicPr>
           <p:nvPr/>
         </p:nvPicPr>
         <p:blipFill>
-          <a:blip r:embed="rId2"/>
+          <a:blip r:embed="rId2" cstate="print"/>
           <a:srcRect/>
           <a:stretch>
             <a:fillRect/>
@@ -8812,32 +11007,25 @@
         </p:blipFill>
         <p:spPr bwMode="auto">
           <a:xfrm>
-            <a:off x="1096857" y="1154649"/>
-            <a:ext cx="3111712" cy="2343664"/>
+            <a:off x="1524001" y="1190833"/>
+            <a:ext cx="3124200" cy="2482421"/>
           </a:xfrm>
           <a:prstGeom prst="rect">
             <a:avLst/>
           </a:prstGeom>
           <a:noFill/>
-          <a:ln w="9525">
-            <a:noFill/>
-            <a:round/>
-            <a:headEnd/>
-            <a:tailEnd/>
-          </a:ln>
-          <a:effectLst/>
         </p:spPr>
       </p:pic>
       <p:pic>
         <p:nvPicPr>
-          <p:cNvPr id="11" name="Picture 5"/>
+          <p:cNvPr id="44034" name="Picture 2" descr="D:\KTH\Projects\P2P\labs\documents\presentation\pic4.png"/>
           <p:cNvPicPr>
             <a:picLocks noChangeAspect="1" noChangeArrowheads="1"/>
           </p:cNvPicPr>
           <p:nvPr/>
         </p:nvPicPr>
         <p:blipFill>
-          <a:blip r:embed="rId3"/>
+          <a:blip r:embed="rId3" cstate="print"/>
           <a:srcRect/>
           <a:stretch>
             <a:fillRect/>
@@ -8845,20 +11033,13 @@
         </p:blipFill>
         <p:spPr bwMode="auto">
           <a:xfrm>
-            <a:off x="1100638" y="3505200"/>
-            <a:ext cx="3148600" cy="2276476"/>
+            <a:off x="1524000" y="3657601"/>
+            <a:ext cx="3124200" cy="2482421"/>
           </a:xfrm>
           <a:prstGeom prst="rect">
             <a:avLst/>
           </a:prstGeom>
           <a:noFill/>
-          <a:ln w="9525">
-            <a:noFill/>
-            <a:round/>
-            <a:headEnd/>
-            <a:tailEnd/>
-          </a:ln>
-          <a:effectLst/>
         </p:spPr>
       </p:pic>
     </p:spTree>
@@ -8866,6 +11047,13 @@
   <p:clrMapOvr>
     <a:masterClrMapping/>
   </p:clrMapOvr>
+  <p:timing>
+    <p:tnLst>
+      <p:par>
+        <p:cTn id="1" dur="indefinite" restart="never" nodeType="tmRoot"/>
+      </p:par>
+    </p:tnLst>
+  </p:timing>
 </p:sld>
 </file>
 
@@ -8898,7 +11086,9 @@
         </p:nvSpPr>
         <p:spPr/>
         <p:txBody>
-          <a:bodyPr/>
+          <a:bodyPr>
+            <a:normAutofit fontScale="92500" lnSpcReduction="10000"/>
+          </a:bodyPr>
           <a:lstStyle/>
           <a:p>
             <a:r>
@@ -8907,8 +11097,37 @@
             </a:r>
             <a:r>
               <a:rPr lang="en-US" dirty="0" smtClean="0"/>
-              <a:t>: Overnet - can prevent users from finding clean versions</a:t>
-            </a:r>
+              <a:t>: </a:t>
+            </a:r>
+            <a:endParaRPr lang="en-US" dirty="0" smtClean="0"/>
+          </a:p>
+          <a:p>
+            <a:pPr lvl="1"/>
+            <a:r>
+              <a:rPr lang="en-US" dirty="0" smtClean="0"/>
+              <a:t>Not observed in </a:t>
+            </a:r>
+            <a:r>
+              <a:rPr lang="en-US" dirty="0" err="1" smtClean="0"/>
+              <a:t>FastTrack</a:t>
+            </a:r>
+            <a:endParaRPr lang="en-US" dirty="0" smtClean="0"/>
+          </a:p>
+          <a:p>
+            <a:pPr lvl="1"/>
+            <a:r>
+              <a:rPr lang="en-US" dirty="0" smtClean="0"/>
+              <a:t>Observed in </a:t>
+            </a:r>
+            <a:r>
+              <a:rPr lang="en-US" dirty="0" err="1" smtClean="0"/>
+              <a:t>Overnet</a:t>
+            </a:r>
+            <a:r>
+              <a:rPr lang="en-US" dirty="0" smtClean="0"/>
+              <a:t> – decoyers’ nodes return random identifiers, prevent users from finding clean versions</a:t>
+            </a:r>
+            <a:endParaRPr lang="en-US" dirty="0" smtClean="0"/>
           </a:p>
           <a:p>
             <a:endParaRPr lang="en-US" dirty="0" smtClean="0"/>
@@ -9044,6 +11263,13 @@
   <p:clrMapOvr>
     <a:masterClrMapping/>
   </p:clrMapOvr>
+  <p:timing>
+    <p:tnLst>
+      <p:par>
+        <p:cTn id="1" dur="indefinite" restart="never" nodeType="tmRoot"/>
+      </p:par>
+    </p:tnLst>
+  </p:timing>
 </p:sld>
 </file>
 
@@ -9200,6 +11426,13 @@
   <p:clrMapOvr>
     <a:masterClrMapping/>
   </p:clrMapOvr>
+  <p:timing>
+    <p:tnLst>
+      <p:par>
+        <p:cTn id="1" dur="indefinite" restart="never" nodeType="tmRoot"/>
+      </p:par>
+    </p:tnLst>
+  </p:timing>
 </p:sld>
 </file>
 
@@ -9876,15 +12109,7 @@
           <a:p>
             <a:r>
               <a:rPr lang="en-US" dirty="0" smtClean="0"/>
-              <a:t>Huge cost for the </a:t>
-            </a:r>
-            <a:r>
-              <a:rPr lang="en-US" dirty="0" smtClean="0"/>
-              <a:t>“copyright </a:t>
-            </a:r>
-            <a:r>
-              <a:rPr lang="en-US" dirty="0" smtClean="0"/>
-              <a:t>industry”</a:t>
+              <a:t>Huge cost for the “copyright industry”</a:t>
             </a:r>
           </a:p>
           <a:p>

--- a/trunk/P2P/labs/documents/presentation/The Index Poisoning Attack in P2P File Sharing.pptx
+++ b/trunk/P2P/labs/documents/presentation/The Index Poisoning Attack in P2P File Sharing.pptx
@@ -5,7 +5,7 @@
     <p:sldMasterId id="2147483658" r:id="rId1"/>
   </p:sldMasterIdLst>
   <p:notesMasterIdLst>
-    <p:notesMasterId r:id="rId28"/>
+    <p:notesMasterId r:id="rId29"/>
   </p:notesMasterIdLst>
   <p:sldIdLst>
     <p:sldId id="256" r:id="rId2"/>
@@ -13,27 +13,28 @@
     <p:sldId id="258" r:id="rId4"/>
     <p:sldId id="267" r:id="rId5"/>
     <p:sldId id="281" r:id="rId6"/>
-    <p:sldId id="266" r:id="rId7"/>
+    <p:sldId id="290" r:id="rId7"/>
     <p:sldId id="282" r:id="rId8"/>
-    <p:sldId id="264" r:id="rId9"/>
+    <p:sldId id="291" r:id="rId9"/>
     <p:sldId id="265" r:id="rId10"/>
-    <p:sldId id="268" r:id="rId11"/>
-    <p:sldId id="269" r:id="rId12"/>
+    <p:sldId id="288" r:id="rId11"/>
+    <p:sldId id="289" r:id="rId12"/>
     <p:sldId id="283" r:id="rId13"/>
     <p:sldId id="270" r:id="rId14"/>
     <p:sldId id="271" r:id="rId15"/>
-    <p:sldId id="286" r:id="rId16"/>
-    <p:sldId id="284" r:id="rId17"/>
-    <p:sldId id="272" r:id="rId18"/>
-    <p:sldId id="273" r:id="rId19"/>
-    <p:sldId id="274" r:id="rId20"/>
-    <p:sldId id="275" r:id="rId21"/>
-    <p:sldId id="277" r:id="rId22"/>
-    <p:sldId id="276" r:id="rId23"/>
-    <p:sldId id="285" r:id="rId24"/>
-    <p:sldId id="279" r:id="rId25"/>
-    <p:sldId id="287" r:id="rId26"/>
-    <p:sldId id="278" r:id="rId27"/>
+    <p:sldId id="293" r:id="rId16"/>
+    <p:sldId id="286" r:id="rId17"/>
+    <p:sldId id="284" r:id="rId18"/>
+    <p:sldId id="272" r:id="rId19"/>
+    <p:sldId id="273" r:id="rId20"/>
+    <p:sldId id="274" r:id="rId21"/>
+    <p:sldId id="275" r:id="rId22"/>
+    <p:sldId id="277" r:id="rId23"/>
+    <p:sldId id="276" r:id="rId24"/>
+    <p:sldId id="285" r:id="rId25"/>
+    <p:sldId id="292" r:id="rId26"/>
+    <p:sldId id="287" r:id="rId27"/>
+    <p:sldId id="278" r:id="rId28"/>
   </p:sldIdLst>
   <p:sldSz cx="9144000" cy="6858000" type="screen4x3"/>
   <p:notesSz cx="6858000" cy="9144000"/>
@@ -146,10 +147,10 @@
           <c:layoutTarget val="inner"/>
           <c:xMode val="edge"/>
           <c:yMode val="edge"/>
-          <c:x val="0.15371900826446294"/>
-          <c:y val="3.6269430051813489E-2"/>
-          <c:w val="0.66115702479338889"/>
-          <c:h val="0.76424870466321293"/>
+          <c:x val="0.15371900826446303"/>
+          <c:y val="3.6269430051813503E-2"/>
+          <c:w val="0.66115702479338911"/>
+          <c:h val="0.76424870466321315"/>
         </c:manualLayout>
       </c:layout>
       <c:barChart>
@@ -319,25 +320,25 @@
           </c:val>
         </c:ser>
         <c:overlap val="100"/>
-        <c:axId val="60979072"/>
-        <c:axId val="60980608"/>
+        <c:axId val="78237696"/>
+        <c:axId val="78239232"/>
       </c:barChart>
       <c:catAx>
-        <c:axId val="60979072"/>
+        <c:axId val="78237696"/>
         <c:scaling>
           <c:orientation val="minMax"/>
         </c:scaling>
         <c:axPos val="b"/>
         <c:numFmt formatCode="General" sourceLinked="1"/>
         <c:tickLblPos val="nextTo"/>
-        <c:crossAx val="60980608"/>
+        <c:crossAx val="78239232"/>
         <c:crosses val="autoZero"/>
         <c:auto val="1"/>
         <c:lblAlgn val="ctr"/>
         <c:lblOffset val="100"/>
       </c:catAx>
       <c:valAx>
-        <c:axId val="60980608"/>
+        <c:axId val="78239232"/>
         <c:scaling>
           <c:orientation val="minMax"/>
         </c:scaling>
@@ -368,7 +369,7 @@
         </c:title>
         <c:numFmt formatCode="General" sourceLinked="1"/>
         <c:tickLblPos val="nextTo"/>
-        <c:crossAx val="60979072"/>
+        <c:crossAx val="78237696"/>
         <c:crosses val="autoZero"/>
         <c:crossBetween val="between"/>
       </c:valAx>
@@ -387,6 +388,2870 @@
   </c:chart>
   <c:externalData r:id="rId1"/>
 </c:chartSpace>
+</file>
+
+<file path=ppt/diagrams/colors1.xml><?xml version="1.0" encoding="utf-8"?>
+<dgm:colorsDef xmlns:dgm="http://schemas.openxmlformats.org/drawingml/2006/diagram" xmlns:a="http://schemas.openxmlformats.org/drawingml/2006/main" uniqueId="urn:microsoft.com/office/officeart/2005/8/colors/accent1_2">
+  <dgm:title val=""/>
+  <dgm:desc val=""/>
+  <dgm:catLst>
+    <dgm:cat type="accent1" pri="11200"/>
+  </dgm:catLst>
+  <dgm:styleLbl name="node0">
+    <dgm:fillClrLst meth="repeat">
+      <a:schemeClr val="accent1"/>
+    </dgm:fillClrLst>
+    <dgm:linClrLst meth="repeat">
+      <a:schemeClr val="lt1"/>
+    </dgm:linClrLst>
+    <dgm:effectClrLst/>
+    <dgm:txLinClrLst/>
+    <dgm:txFillClrLst/>
+    <dgm:txEffectClrLst/>
+  </dgm:styleLbl>
+  <dgm:styleLbl name="alignNode1">
+    <dgm:fillClrLst meth="repeat">
+      <a:schemeClr val="accent1"/>
+    </dgm:fillClrLst>
+    <dgm:linClrLst meth="repeat">
+      <a:schemeClr val="accent1"/>
+    </dgm:linClrLst>
+    <dgm:effectClrLst/>
+    <dgm:txLinClrLst/>
+    <dgm:txFillClrLst/>
+    <dgm:txEffectClrLst/>
+  </dgm:styleLbl>
+  <dgm:styleLbl name="node1">
+    <dgm:fillClrLst meth="repeat">
+      <a:schemeClr val="accent1"/>
+    </dgm:fillClrLst>
+    <dgm:linClrLst meth="repeat">
+      <a:schemeClr val="lt1"/>
+    </dgm:linClrLst>
+    <dgm:effectClrLst/>
+    <dgm:txLinClrLst/>
+    <dgm:txFillClrLst/>
+    <dgm:txEffectClrLst/>
+  </dgm:styleLbl>
+  <dgm:styleLbl name="lnNode1">
+    <dgm:fillClrLst meth="repeat">
+      <a:schemeClr val="accent1"/>
+    </dgm:fillClrLst>
+    <dgm:linClrLst meth="repeat">
+      <a:schemeClr val="lt1"/>
+    </dgm:linClrLst>
+    <dgm:effectClrLst/>
+    <dgm:txLinClrLst/>
+    <dgm:txFillClrLst/>
+    <dgm:txEffectClrLst/>
+  </dgm:styleLbl>
+  <dgm:styleLbl name="vennNode1">
+    <dgm:fillClrLst meth="repeat">
+      <a:schemeClr val="accent1">
+        <a:alpha val="50000"/>
+      </a:schemeClr>
+    </dgm:fillClrLst>
+    <dgm:linClrLst meth="repeat">
+      <a:schemeClr val="lt1"/>
+    </dgm:linClrLst>
+    <dgm:effectClrLst/>
+    <dgm:txLinClrLst/>
+    <dgm:txFillClrLst/>
+    <dgm:txEffectClrLst/>
+  </dgm:styleLbl>
+  <dgm:styleLbl name="node2">
+    <dgm:fillClrLst meth="repeat">
+      <a:schemeClr val="accent1"/>
+    </dgm:fillClrLst>
+    <dgm:linClrLst meth="repeat">
+      <a:schemeClr val="lt1"/>
+    </dgm:linClrLst>
+    <dgm:effectClrLst/>
+    <dgm:txLinClrLst/>
+    <dgm:txFillClrLst/>
+    <dgm:txEffectClrLst/>
+  </dgm:styleLbl>
+  <dgm:styleLbl name="node3">
+    <dgm:fillClrLst meth="repeat">
+      <a:schemeClr val="accent1"/>
+    </dgm:fillClrLst>
+    <dgm:linClrLst meth="repeat">
+      <a:schemeClr val="lt1"/>
+    </dgm:linClrLst>
+    <dgm:effectClrLst/>
+    <dgm:txLinClrLst/>
+    <dgm:txFillClrLst/>
+    <dgm:txEffectClrLst/>
+  </dgm:styleLbl>
+  <dgm:styleLbl name="node4">
+    <dgm:fillClrLst meth="repeat">
+      <a:schemeClr val="accent1"/>
+    </dgm:fillClrLst>
+    <dgm:linClrLst meth="repeat">
+      <a:schemeClr val="lt1"/>
+    </dgm:linClrLst>
+    <dgm:effectClrLst/>
+    <dgm:txLinClrLst/>
+    <dgm:txFillClrLst/>
+    <dgm:txEffectClrLst/>
+  </dgm:styleLbl>
+  <dgm:styleLbl name="fgImgPlace1">
+    <dgm:fillClrLst meth="repeat">
+      <a:schemeClr val="accent1">
+        <a:tint val="50000"/>
+      </a:schemeClr>
+    </dgm:fillClrLst>
+    <dgm:linClrLst meth="repeat">
+      <a:schemeClr val="lt1"/>
+    </dgm:linClrLst>
+    <dgm:effectClrLst/>
+    <dgm:txLinClrLst/>
+    <dgm:txFillClrLst meth="repeat">
+      <a:schemeClr val="lt1"/>
+    </dgm:txFillClrLst>
+    <dgm:txEffectClrLst/>
+  </dgm:styleLbl>
+  <dgm:styleLbl name="alignImgPlace1">
+    <dgm:fillClrLst meth="repeat">
+      <a:schemeClr val="accent1">
+        <a:tint val="50000"/>
+      </a:schemeClr>
+    </dgm:fillClrLst>
+    <dgm:linClrLst meth="repeat">
+      <a:schemeClr val="lt1"/>
+    </dgm:linClrLst>
+    <dgm:effectClrLst/>
+    <dgm:txLinClrLst/>
+    <dgm:txFillClrLst meth="repeat">
+      <a:schemeClr val="lt1"/>
+    </dgm:txFillClrLst>
+    <dgm:txEffectClrLst/>
+  </dgm:styleLbl>
+  <dgm:styleLbl name="bgImgPlace1">
+    <dgm:fillClrLst meth="repeat">
+      <a:schemeClr val="accent1">
+        <a:tint val="50000"/>
+      </a:schemeClr>
+    </dgm:fillClrLst>
+    <dgm:linClrLst meth="repeat">
+      <a:schemeClr val="lt1"/>
+    </dgm:linClrLst>
+    <dgm:effectClrLst/>
+    <dgm:txLinClrLst/>
+    <dgm:txFillClrLst meth="repeat">
+      <a:schemeClr val="lt1"/>
+    </dgm:txFillClrLst>
+    <dgm:txEffectClrLst/>
+  </dgm:styleLbl>
+  <dgm:styleLbl name="sibTrans2D1">
+    <dgm:fillClrLst meth="repeat">
+      <a:schemeClr val="accent1">
+        <a:tint val="60000"/>
+      </a:schemeClr>
+    </dgm:fillClrLst>
+    <dgm:linClrLst meth="repeat">
+      <a:schemeClr val="accent1">
+        <a:tint val="60000"/>
+      </a:schemeClr>
+    </dgm:linClrLst>
+    <dgm:effectClrLst/>
+    <dgm:txLinClrLst/>
+    <dgm:txFillClrLst/>
+    <dgm:txEffectClrLst/>
+  </dgm:styleLbl>
+  <dgm:styleLbl name="fgSibTrans2D1">
+    <dgm:fillClrLst meth="repeat">
+      <a:schemeClr val="accent1">
+        <a:tint val="60000"/>
+      </a:schemeClr>
+    </dgm:fillClrLst>
+    <dgm:linClrLst meth="repeat">
+      <a:schemeClr val="accent1">
+        <a:tint val="60000"/>
+      </a:schemeClr>
+    </dgm:linClrLst>
+    <dgm:effectClrLst/>
+    <dgm:txLinClrLst/>
+    <dgm:txFillClrLst/>
+    <dgm:txEffectClrLst/>
+  </dgm:styleLbl>
+  <dgm:styleLbl name="bgSibTrans2D1">
+    <dgm:fillClrLst meth="repeat">
+      <a:schemeClr val="accent1">
+        <a:tint val="60000"/>
+      </a:schemeClr>
+    </dgm:fillClrLst>
+    <dgm:linClrLst meth="repeat">
+      <a:schemeClr val="accent1">
+        <a:tint val="60000"/>
+      </a:schemeClr>
+    </dgm:linClrLst>
+    <dgm:effectClrLst/>
+    <dgm:txLinClrLst/>
+    <dgm:txFillClrLst/>
+    <dgm:txEffectClrLst/>
+  </dgm:styleLbl>
+  <dgm:styleLbl name="sibTrans1D1">
+    <dgm:fillClrLst meth="repeat">
+      <a:schemeClr val="accent1"/>
+    </dgm:fillClrLst>
+    <dgm:linClrLst meth="repeat">
+      <a:schemeClr val="accent1"/>
+    </dgm:linClrLst>
+    <dgm:effectClrLst/>
+    <dgm:txLinClrLst/>
+    <dgm:txFillClrLst meth="repeat">
+      <a:schemeClr val="tx1"/>
+    </dgm:txFillClrLst>
+    <dgm:txEffectClrLst/>
+  </dgm:styleLbl>
+  <dgm:styleLbl name="callout">
+    <dgm:fillClrLst meth="repeat">
+      <a:schemeClr val="accent1"/>
+    </dgm:fillClrLst>
+    <dgm:linClrLst meth="repeat">
+      <a:schemeClr val="accent1">
+        <a:tint val="50000"/>
+      </a:schemeClr>
+    </dgm:linClrLst>
+    <dgm:effectClrLst/>
+    <dgm:txLinClrLst/>
+    <dgm:txFillClrLst meth="repeat">
+      <a:schemeClr val="tx1"/>
+    </dgm:txFillClrLst>
+    <dgm:txEffectClrLst/>
+  </dgm:styleLbl>
+  <dgm:styleLbl name="asst0">
+    <dgm:fillClrLst meth="repeat">
+      <a:schemeClr val="accent1"/>
+    </dgm:fillClrLst>
+    <dgm:linClrLst meth="repeat">
+      <a:schemeClr val="lt1"/>
+    </dgm:linClrLst>
+    <dgm:effectClrLst/>
+    <dgm:txLinClrLst/>
+    <dgm:txFillClrLst/>
+    <dgm:txEffectClrLst/>
+  </dgm:styleLbl>
+  <dgm:styleLbl name="asst1">
+    <dgm:fillClrLst meth="repeat">
+      <a:schemeClr val="accent1"/>
+    </dgm:fillClrLst>
+    <dgm:linClrLst meth="repeat">
+      <a:schemeClr val="lt1"/>
+    </dgm:linClrLst>
+    <dgm:effectClrLst/>
+    <dgm:txLinClrLst/>
+    <dgm:txFillClrLst/>
+    <dgm:txEffectClrLst/>
+  </dgm:styleLbl>
+  <dgm:styleLbl name="asst2">
+    <dgm:fillClrLst meth="repeat">
+      <a:schemeClr val="accent1"/>
+    </dgm:fillClrLst>
+    <dgm:linClrLst meth="repeat">
+      <a:schemeClr val="lt1"/>
+    </dgm:linClrLst>
+    <dgm:effectClrLst/>
+    <dgm:txLinClrLst/>
+    <dgm:txFillClrLst/>
+    <dgm:txEffectClrLst/>
+  </dgm:styleLbl>
+  <dgm:styleLbl name="asst3">
+    <dgm:fillClrLst meth="repeat">
+      <a:schemeClr val="accent1"/>
+    </dgm:fillClrLst>
+    <dgm:linClrLst meth="repeat">
+      <a:schemeClr val="lt1"/>
+    </dgm:linClrLst>
+    <dgm:effectClrLst/>
+    <dgm:txLinClrLst/>
+    <dgm:txFillClrLst/>
+    <dgm:txEffectClrLst/>
+  </dgm:styleLbl>
+  <dgm:styleLbl name="asst4">
+    <dgm:fillClrLst meth="repeat">
+      <a:schemeClr val="accent1"/>
+    </dgm:fillClrLst>
+    <dgm:linClrLst meth="repeat">
+      <a:schemeClr val="lt1"/>
+    </dgm:linClrLst>
+    <dgm:effectClrLst/>
+    <dgm:txLinClrLst/>
+    <dgm:txFillClrLst/>
+    <dgm:txEffectClrLst/>
+  </dgm:styleLbl>
+  <dgm:styleLbl name="parChTrans2D1">
+    <dgm:fillClrLst meth="repeat">
+      <a:schemeClr val="accent1">
+        <a:tint val="60000"/>
+      </a:schemeClr>
+    </dgm:fillClrLst>
+    <dgm:linClrLst meth="repeat">
+      <a:schemeClr val="accent1">
+        <a:tint val="60000"/>
+      </a:schemeClr>
+    </dgm:linClrLst>
+    <dgm:effectClrLst/>
+    <dgm:txLinClrLst/>
+    <dgm:txFillClrLst meth="repeat">
+      <a:schemeClr val="lt1"/>
+    </dgm:txFillClrLst>
+    <dgm:txEffectClrLst/>
+  </dgm:styleLbl>
+  <dgm:styleLbl name="parChTrans2D2">
+    <dgm:fillClrLst meth="repeat">
+      <a:schemeClr val="accent1"/>
+    </dgm:fillClrLst>
+    <dgm:linClrLst meth="repeat">
+      <a:schemeClr val="accent1"/>
+    </dgm:linClrLst>
+    <dgm:effectClrLst/>
+    <dgm:txLinClrLst/>
+    <dgm:txFillClrLst meth="repeat">
+      <a:schemeClr val="lt1"/>
+    </dgm:txFillClrLst>
+    <dgm:txEffectClrLst/>
+  </dgm:styleLbl>
+  <dgm:styleLbl name="parChTrans2D3">
+    <dgm:fillClrLst meth="repeat">
+      <a:schemeClr val="accent1"/>
+    </dgm:fillClrLst>
+    <dgm:linClrLst meth="repeat">
+      <a:schemeClr val="accent1"/>
+    </dgm:linClrLst>
+    <dgm:effectClrLst/>
+    <dgm:txLinClrLst/>
+    <dgm:txFillClrLst meth="repeat">
+      <a:schemeClr val="lt1"/>
+    </dgm:txFillClrLst>
+    <dgm:txEffectClrLst/>
+  </dgm:styleLbl>
+  <dgm:styleLbl name="parChTrans2D4">
+    <dgm:fillClrLst meth="repeat">
+      <a:schemeClr val="accent1"/>
+    </dgm:fillClrLst>
+    <dgm:linClrLst meth="repeat">
+      <a:schemeClr val="accent1"/>
+    </dgm:linClrLst>
+    <dgm:effectClrLst/>
+    <dgm:txLinClrLst/>
+    <dgm:txFillClrLst meth="repeat">
+      <a:schemeClr val="lt1"/>
+    </dgm:txFillClrLst>
+    <dgm:txEffectClrLst/>
+  </dgm:styleLbl>
+  <dgm:styleLbl name="parChTrans1D1">
+    <dgm:fillClrLst meth="repeat">
+      <a:schemeClr val="accent1"/>
+    </dgm:fillClrLst>
+    <dgm:linClrLst meth="repeat">
+      <a:schemeClr val="accent1">
+        <a:shade val="60000"/>
+      </a:schemeClr>
+    </dgm:linClrLst>
+    <dgm:effectClrLst/>
+    <dgm:txLinClrLst/>
+    <dgm:txFillClrLst meth="repeat">
+      <a:schemeClr val="tx1"/>
+    </dgm:txFillClrLst>
+    <dgm:txEffectClrLst/>
+  </dgm:styleLbl>
+  <dgm:styleLbl name="parChTrans1D2">
+    <dgm:fillClrLst meth="repeat">
+      <a:schemeClr val="accent1"/>
+    </dgm:fillClrLst>
+    <dgm:linClrLst meth="repeat">
+      <a:schemeClr val="accent1">
+        <a:shade val="60000"/>
+      </a:schemeClr>
+    </dgm:linClrLst>
+    <dgm:effectClrLst/>
+    <dgm:txLinClrLst/>
+    <dgm:txFillClrLst meth="repeat">
+      <a:schemeClr val="tx1"/>
+    </dgm:txFillClrLst>
+    <dgm:txEffectClrLst/>
+  </dgm:styleLbl>
+  <dgm:styleLbl name="parChTrans1D3">
+    <dgm:fillClrLst meth="repeat">
+      <a:schemeClr val="accent1"/>
+    </dgm:fillClrLst>
+    <dgm:linClrLst meth="repeat">
+      <a:schemeClr val="accent1">
+        <a:shade val="80000"/>
+      </a:schemeClr>
+    </dgm:linClrLst>
+    <dgm:effectClrLst/>
+    <dgm:txLinClrLst/>
+    <dgm:txFillClrLst meth="repeat">
+      <a:schemeClr val="tx1"/>
+    </dgm:txFillClrLst>
+    <dgm:txEffectClrLst/>
+  </dgm:styleLbl>
+  <dgm:styleLbl name="parChTrans1D4">
+    <dgm:fillClrLst meth="repeat">
+      <a:schemeClr val="accent1"/>
+    </dgm:fillClrLst>
+    <dgm:linClrLst meth="repeat">
+      <a:schemeClr val="accent1">
+        <a:shade val="80000"/>
+      </a:schemeClr>
+    </dgm:linClrLst>
+    <dgm:effectClrLst/>
+    <dgm:txLinClrLst/>
+    <dgm:txFillClrLst meth="repeat">
+      <a:schemeClr val="tx1"/>
+    </dgm:txFillClrLst>
+    <dgm:txEffectClrLst/>
+  </dgm:styleLbl>
+  <dgm:styleLbl name="fgAcc1">
+    <dgm:fillClrLst meth="repeat">
+      <a:schemeClr val="lt1">
+        <a:alpha val="90000"/>
+      </a:schemeClr>
+    </dgm:fillClrLst>
+    <dgm:linClrLst meth="repeat">
+      <a:schemeClr val="accent1"/>
+    </dgm:linClrLst>
+    <dgm:effectClrLst/>
+    <dgm:txLinClrLst/>
+    <dgm:txFillClrLst meth="repeat">
+      <a:schemeClr val="dk1"/>
+    </dgm:txFillClrLst>
+    <dgm:txEffectClrLst/>
+  </dgm:styleLbl>
+  <dgm:styleLbl name="conFgAcc1">
+    <dgm:fillClrLst meth="repeat">
+      <a:schemeClr val="lt1">
+        <a:alpha val="90000"/>
+      </a:schemeClr>
+    </dgm:fillClrLst>
+    <dgm:linClrLst meth="repeat">
+      <a:schemeClr val="accent1"/>
+    </dgm:linClrLst>
+    <dgm:effectClrLst/>
+    <dgm:txLinClrLst/>
+    <dgm:txFillClrLst meth="repeat">
+      <a:schemeClr val="dk1"/>
+    </dgm:txFillClrLst>
+    <dgm:txEffectClrLst/>
+  </dgm:styleLbl>
+  <dgm:styleLbl name="alignAcc1">
+    <dgm:fillClrLst meth="repeat">
+      <a:schemeClr val="lt1">
+        <a:alpha val="90000"/>
+      </a:schemeClr>
+    </dgm:fillClrLst>
+    <dgm:linClrLst meth="repeat">
+      <a:schemeClr val="accent1"/>
+    </dgm:linClrLst>
+    <dgm:effectClrLst/>
+    <dgm:txLinClrLst/>
+    <dgm:txFillClrLst meth="repeat">
+      <a:schemeClr val="dk1"/>
+    </dgm:txFillClrLst>
+    <dgm:txEffectClrLst/>
+  </dgm:styleLbl>
+  <dgm:styleLbl name="trAlignAcc1">
+    <dgm:fillClrLst meth="repeat">
+      <a:schemeClr val="lt1">
+        <a:alpha val="40000"/>
+      </a:schemeClr>
+    </dgm:fillClrLst>
+    <dgm:linClrLst meth="repeat">
+      <a:schemeClr val="accent1"/>
+    </dgm:linClrLst>
+    <dgm:effectClrLst/>
+    <dgm:txLinClrLst/>
+    <dgm:txFillClrLst meth="repeat">
+      <a:schemeClr val="dk1"/>
+    </dgm:txFillClrLst>
+    <dgm:txEffectClrLst/>
+  </dgm:styleLbl>
+  <dgm:styleLbl name="bgAcc1">
+    <dgm:fillClrLst meth="repeat">
+      <a:schemeClr val="lt1">
+        <a:alpha val="90000"/>
+      </a:schemeClr>
+    </dgm:fillClrLst>
+    <dgm:linClrLst meth="repeat">
+      <a:schemeClr val="accent1"/>
+    </dgm:linClrLst>
+    <dgm:effectClrLst/>
+    <dgm:txLinClrLst/>
+    <dgm:txFillClrLst meth="repeat">
+      <a:schemeClr val="dk1"/>
+    </dgm:txFillClrLst>
+    <dgm:txEffectClrLst/>
+  </dgm:styleLbl>
+  <dgm:styleLbl name="solidFgAcc1">
+    <dgm:fillClrLst meth="repeat">
+      <a:schemeClr val="lt1"/>
+    </dgm:fillClrLst>
+    <dgm:linClrLst meth="repeat">
+      <a:schemeClr val="accent1"/>
+    </dgm:linClrLst>
+    <dgm:effectClrLst/>
+    <dgm:txLinClrLst/>
+    <dgm:txFillClrLst meth="repeat">
+      <a:schemeClr val="dk1"/>
+    </dgm:txFillClrLst>
+    <dgm:txEffectClrLst/>
+  </dgm:styleLbl>
+  <dgm:styleLbl name="solidAlignAcc1">
+    <dgm:fillClrLst meth="repeat">
+      <a:schemeClr val="lt1"/>
+    </dgm:fillClrLst>
+    <dgm:linClrLst meth="repeat">
+      <a:schemeClr val="accent1"/>
+    </dgm:linClrLst>
+    <dgm:effectClrLst/>
+    <dgm:txLinClrLst/>
+    <dgm:txFillClrLst meth="repeat">
+      <a:schemeClr val="dk1"/>
+    </dgm:txFillClrLst>
+    <dgm:txEffectClrLst/>
+  </dgm:styleLbl>
+  <dgm:styleLbl name="solidBgAcc1">
+    <dgm:fillClrLst meth="repeat">
+      <a:schemeClr val="lt1"/>
+    </dgm:fillClrLst>
+    <dgm:linClrLst meth="repeat">
+      <a:schemeClr val="accent1"/>
+    </dgm:linClrLst>
+    <dgm:effectClrLst/>
+    <dgm:txLinClrLst/>
+    <dgm:txFillClrLst meth="repeat">
+      <a:schemeClr val="dk1"/>
+    </dgm:txFillClrLst>
+    <dgm:txEffectClrLst/>
+  </dgm:styleLbl>
+  <dgm:styleLbl name="fgAccFollowNode1">
+    <dgm:fillClrLst meth="repeat">
+      <a:schemeClr val="accent1">
+        <a:alpha val="90000"/>
+        <a:tint val="40000"/>
+      </a:schemeClr>
+    </dgm:fillClrLst>
+    <dgm:linClrLst meth="repeat">
+      <a:schemeClr val="accent1">
+        <a:alpha val="90000"/>
+        <a:tint val="40000"/>
+      </a:schemeClr>
+    </dgm:linClrLst>
+    <dgm:effectClrLst/>
+    <dgm:txLinClrLst/>
+    <dgm:txFillClrLst meth="repeat">
+      <a:schemeClr val="dk1"/>
+    </dgm:txFillClrLst>
+    <dgm:txEffectClrLst/>
+  </dgm:styleLbl>
+  <dgm:styleLbl name="alignAccFollowNode1">
+    <dgm:fillClrLst meth="repeat">
+      <a:schemeClr val="accent1">
+        <a:alpha val="90000"/>
+        <a:tint val="40000"/>
+      </a:schemeClr>
+    </dgm:fillClrLst>
+    <dgm:linClrLst meth="repeat">
+      <a:schemeClr val="accent1">
+        <a:alpha val="90000"/>
+        <a:tint val="40000"/>
+      </a:schemeClr>
+    </dgm:linClrLst>
+    <dgm:effectClrLst/>
+    <dgm:txLinClrLst/>
+    <dgm:txFillClrLst meth="repeat">
+      <a:schemeClr val="dk1"/>
+    </dgm:txFillClrLst>
+    <dgm:txEffectClrLst/>
+  </dgm:styleLbl>
+  <dgm:styleLbl name="bgAccFollowNode1">
+    <dgm:fillClrLst meth="repeat">
+      <a:schemeClr val="accent1">
+        <a:alpha val="90000"/>
+        <a:tint val="40000"/>
+      </a:schemeClr>
+    </dgm:fillClrLst>
+    <dgm:linClrLst meth="repeat">
+      <a:schemeClr val="accent1">
+        <a:alpha val="90000"/>
+        <a:tint val="40000"/>
+      </a:schemeClr>
+    </dgm:linClrLst>
+    <dgm:effectClrLst/>
+    <dgm:txLinClrLst/>
+    <dgm:txFillClrLst meth="repeat">
+      <a:schemeClr val="dk1"/>
+    </dgm:txFillClrLst>
+    <dgm:txEffectClrLst/>
+  </dgm:styleLbl>
+  <dgm:styleLbl name="fgAcc0">
+    <dgm:fillClrLst meth="repeat">
+      <a:schemeClr val="lt1">
+        <a:alpha val="90000"/>
+      </a:schemeClr>
+    </dgm:fillClrLst>
+    <dgm:linClrLst meth="repeat">
+      <a:schemeClr val="accent1"/>
+    </dgm:linClrLst>
+    <dgm:effectClrLst/>
+    <dgm:txLinClrLst/>
+    <dgm:txFillClrLst meth="repeat">
+      <a:schemeClr val="dk1"/>
+    </dgm:txFillClrLst>
+    <dgm:txEffectClrLst/>
+  </dgm:styleLbl>
+  <dgm:styleLbl name="fgAcc2">
+    <dgm:fillClrLst meth="repeat">
+      <a:schemeClr val="lt1">
+        <a:alpha val="90000"/>
+      </a:schemeClr>
+    </dgm:fillClrLst>
+    <dgm:linClrLst meth="repeat">
+      <a:schemeClr val="accent1"/>
+    </dgm:linClrLst>
+    <dgm:effectClrLst/>
+    <dgm:txLinClrLst/>
+    <dgm:txFillClrLst meth="repeat">
+      <a:schemeClr val="dk1"/>
+    </dgm:txFillClrLst>
+    <dgm:txEffectClrLst/>
+  </dgm:styleLbl>
+  <dgm:styleLbl name="fgAcc3">
+    <dgm:fillClrLst meth="repeat">
+      <a:schemeClr val="lt1">
+        <a:alpha val="90000"/>
+      </a:schemeClr>
+    </dgm:fillClrLst>
+    <dgm:linClrLst meth="repeat">
+      <a:schemeClr val="accent1"/>
+    </dgm:linClrLst>
+    <dgm:effectClrLst/>
+    <dgm:txLinClrLst/>
+    <dgm:txFillClrLst meth="repeat">
+      <a:schemeClr val="dk1"/>
+    </dgm:txFillClrLst>
+    <dgm:txEffectClrLst/>
+  </dgm:styleLbl>
+  <dgm:styleLbl name="fgAcc4">
+    <dgm:fillClrLst meth="repeat">
+      <a:schemeClr val="lt1">
+        <a:alpha val="90000"/>
+      </a:schemeClr>
+    </dgm:fillClrLst>
+    <dgm:linClrLst meth="repeat">
+      <a:schemeClr val="accent1"/>
+    </dgm:linClrLst>
+    <dgm:effectClrLst/>
+    <dgm:txLinClrLst/>
+    <dgm:txFillClrLst meth="repeat">
+      <a:schemeClr val="dk1"/>
+    </dgm:txFillClrLst>
+    <dgm:txEffectClrLst/>
+  </dgm:styleLbl>
+  <dgm:styleLbl name="bgShp">
+    <dgm:fillClrLst meth="repeat">
+      <a:schemeClr val="accent1">
+        <a:tint val="40000"/>
+      </a:schemeClr>
+    </dgm:fillClrLst>
+    <dgm:linClrLst meth="repeat">
+      <a:schemeClr val="accent1"/>
+    </dgm:linClrLst>
+    <dgm:effectClrLst/>
+    <dgm:txLinClrLst/>
+    <dgm:txFillClrLst meth="repeat">
+      <a:schemeClr val="dk1"/>
+    </dgm:txFillClrLst>
+    <dgm:txEffectClrLst/>
+  </dgm:styleLbl>
+  <dgm:styleLbl name="dkBgShp">
+    <dgm:fillClrLst meth="repeat">
+      <a:schemeClr val="accent1">
+        <a:shade val="80000"/>
+      </a:schemeClr>
+    </dgm:fillClrLst>
+    <dgm:linClrLst meth="repeat">
+      <a:schemeClr val="accent1"/>
+    </dgm:linClrLst>
+    <dgm:effectClrLst/>
+    <dgm:txLinClrLst/>
+    <dgm:txFillClrLst meth="repeat">
+      <a:schemeClr val="lt1"/>
+    </dgm:txFillClrLst>
+    <dgm:txEffectClrLst/>
+  </dgm:styleLbl>
+  <dgm:styleLbl name="trBgShp">
+    <dgm:fillClrLst meth="repeat">
+      <a:schemeClr val="accent1">
+        <a:tint val="50000"/>
+        <a:alpha val="40000"/>
+      </a:schemeClr>
+    </dgm:fillClrLst>
+    <dgm:linClrLst meth="repeat">
+      <a:schemeClr val="accent1"/>
+    </dgm:linClrLst>
+    <dgm:effectClrLst/>
+    <dgm:txLinClrLst/>
+    <dgm:txFillClrLst meth="repeat">
+      <a:schemeClr val="lt1"/>
+    </dgm:txFillClrLst>
+    <dgm:txEffectClrLst/>
+  </dgm:styleLbl>
+  <dgm:styleLbl name="fgShp">
+    <dgm:fillClrLst meth="repeat">
+      <a:schemeClr val="accent1">
+        <a:tint val="60000"/>
+      </a:schemeClr>
+    </dgm:fillClrLst>
+    <dgm:linClrLst meth="repeat">
+      <a:schemeClr val="lt1"/>
+    </dgm:linClrLst>
+    <dgm:effectClrLst/>
+    <dgm:txLinClrLst/>
+    <dgm:txFillClrLst meth="repeat">
+      <a:schemeClr val="dk1"/>
+    </dgm:txFillClrLst>
+    <dgm:txEffectClrLst/>
+  </dgm:styleLbl>
+  <dgm:styleLbl name="revTx">
+    <dgm:fillClrLst meth="repeat">
+      <a:schemeClr val="lt1">
+        <a:alpha val="0"/>
+      </a:schemeClr>
+    </dgm:fillClrLst>
+    <dgm:linClrLst meth="repeat">
+      <a:schemeClr val="dk1">
+        <a:alpha val="0"/>
+      </a:schemeClr>
+    </dgm:linClrLst>
+    <dgm:effectClrLst/>
+    <dgm:txLinClrLst/>
+    <dgm:txFillClrLst meth="repeat">
+      <a:schemeClr val="tx1"/>
+    </dgm:txFillClrLst>
+    <dgm:txEffectClrLst/>
+  </dgm:styleLbl>
+</dgm:colorsDef>
+</file>
+
+<file path=ppt/diagrams/data1.xml><?xml version="1.0" encoding="utf-8"?>
+<dgm:dataModel xmlns:dgm="http://schemas.openxmlformats.org/drawingml/2006/diagram" xmlns:a="http://schemas.openxmlformats.org/drawingml/2006/main">
+  <dgm:ptLst>
+    <dgm:pt modelId="{C8416545-97B7-4C39-8B32-52214A5DBA4E}" type="doc">
+      <dgm:prSet loTypeId="urn:microsoft.com/office/officeart/2005/8/layout/venn1" loCatId="relationship" qsTypeId="urn:microsoft.com/office/officeart/2005/8/quickstyle/simple3" qsCatId="simple" csTypeId="urn:microsoft.com/office/officeart/2005/8/colors/accent1_2" csCatId="accent1" phldr="1"/>
+      <dgm:spPr/>
+    </dgm:pt>
+    <dgm:pt modelId="{E0C1D8EA-E515-4B08-80D6-5914BD5F9330}">
+      <dgm:prSet phldrT="[Text]" custT="1"/>
+      <dgm:spPr/>
+      <dgm:t>
+        <a:bodyPr/>
+        <a:lstStyle/>
+        <a:p>
+          <a:r>
+            <a:rPr lang="en-US" sz="2200" dirty="0" smtClean="0"/>
+            <a:t>V</a:t>
+          </a:r>
+          <a:r>
+            <a:rPr lang="en-US" sz="2200" baseline="-25000" dirty="0" smtClean="0"/>
+            <a:t>H</a:t>
+          </a:r>
+          <a:r>
+            <a:rPr lang="en-US" sz="2200" baseline="30000" dirty="0" smtClean="0"/>
+            <a:t>*</a:t>
+          </a:r>
+          <a:endParaRPr lang="en-US" sz="2200" dirty="0"/>
+        </a:p>
+      </dgm:t>
+    </dgm:pt>
+    <dgm:pt modelId="{8692E6B7-29DB-4DB9-82FB-23F6B223BF7A}" type="parTrans" cxnId="{AF3376EE-56FD-4854-88C5-4DA1C7ED120A}">
+      <dgm:prSet/>
+      <dgm:spPr/>
+      <dgm:t>
+        <a:bodyPr/>
+        <a:lstStyle/>
+        <a:p>
+          <a:endParaRPr lang="en-US"/>
+        </a:p>
+      </dgm:t>
+    </dgm:pt>
+    <dgm:pt modelId="{FB646F19-22F8-4F53-9C7A-761FCF7B10ED}" type="sibTrans" cxnId="{AF3376EE-56FD-4854-88C5-4DA1C7ED120A}">
+      <dgm:prSet/>
+      <dgm:spPr/>
+      <dgm:t>
+        <a:bodyPr/>
+        <a:lstStyle/>
+        <a:p>
+          <a:endParaRPr lang="en-US"/>
+        </a:p>
+      </dgm:t>
+    </dgm:pt>
+    <dgm:pt modelId="{4916F1D1-4FA2-4871-A2F2-57CC88311DEE}">
+      <dgm:prSet phldrT="[Text]" custT="1"/>
+      <dgm:spPr/>
+      <dgm:t>
+        <a:bodyPr/>
+        <a:lstStyle/>
+        <a:p>
+          <a:r>
+            <a:rPr lang="en-US" sz="2200" dirty="0" smtClean="0"/>
+            <a:t>V</a:t>
+          </a:r>
+          <a:r>
+            <a:rPr lang="en-US" sz="2200" baseline="-25000" dirty="0" smtClean="0"/>
+            <a:t>L</a:t>
+          </a:r>
+          <a:r>
+            <a:rPr lang="en-US" sz="2200" baseline="30000" dirty="0" smtClean="0"/>
+            <a:t>*</a:t>
+          </a:r>
+          <a:endParaRPr lang="en-US" sz="2200" dirty="0"/>
+        </a:p>
+      </dgm:t>
+    </dgm:pt>
+    <dgm:pt modelId="{0CEC3AC6-29A6-4BED-B8C4-9F9D1EB4F7E3}" type="parTrans" cxnId="{2D0A4F07-47F9-43A9-9794-18A838E49BC1}">
+      <dgm:prSet/>
+      <dgm:spPr/>
+      <dgm:t>
+        <a:bodyPr/>
+        <a:lstStyle/>
+        <a:p>
+          <a:endParaRPr lang="en-US"/>
+        </a:p>
+      </dgm:t>
+    </dgm:pt>
+    <dgm:pt modelId="{7636C5D3-3516-4B43-914A-D69B9115F33B}" type="sibTrans" cxnId="{2D0A4F07-47F9-43A9-9794-18A838E49BC1}">
+      <dgm:prSet/>
+      <dgm:spPr/>
+      <dgm:t>
+        <a:bodyPr/>
+        <a:lstStyle/>
+        <a:p>
+          <a:endParaRPr lang="en-US"/>
+        </a:p>
+      </dgm:t>
+    </dgm:pt>
+    <dgm:pt modelId="{9FB5E251-4278-4876-962D-20D5C98C273E}" type="pres">
+      <dgm:prSet presAssocID="{C8416545-97B7-4C39-8B32-52214A5DBA4E}" presName="compositeShape" presStyleCnt="0">
+        <dgm:presLayoutVars>
+          <dgm:chMax val="7"/>
+          <dgm:dir/>
+          <dgm:resizeHandles val="exact"/>
+        </dgm:presLayoutVars>
+      </dgm:prSet>
+      <dgm:spPr/>
+    </dgm:pt>
+    <dgm:pt modelId="{242098ED-1F79-4DE1-ADA4-F0B62D8A03BE}" type="pres">
+      <dgm:prSet presAssocID="{E0C1D8EA-E515-4B08-80D6-5914BD5F9330}" presName="circ1" presStyleLbl="vennNode1" presStyleIdx="0" presStyleCnt="2"/>
+      <dgm:spPr/>
+      <dgm:t>
+        <a:bodyPr/>
+        <a:lstStyle/>
+        <a:p>
+          <a:endParaRPr lang="en-US"/>
+        </a:p>
+      </dgm:t>
+    </dgm:pt>
+    <dgm:pt modelId="{0BE0BB94-990A-42B3-86A5-49445DA7AC04}" type="pres">
+      <dgm:prSet presAssocID="{E0C1D8EA-E515-4B08-80D6-5914BD5F9330}" presName="circ1Tx" presStyleLbl="revTx" presStyleIdx="0" presStyleCnt="0">
+        <dgm:presLayoutVars>
+          <dgm:chMax val="0"/>
+          <dgm:chPref val="0"/>
+          <dgm:bulletEnabled val="1"/>
+        </dgm:presLayoutVars>
+      </dgm:prSet>
+      <dgm:spPr/>
+      <dgm:t>
+        <a:bodyPr/>
+        <a:lstStyle/>
+        <a:p>
+          <a:endParaRPr lang="en-US"/>
+        </a:p>
+      </dgm:t>
+    </dgm:pt>
+    <dgm:pt modelId="{21D4E6EC-EAF6-48D8-BC92-C81E65F79DB5}" type="pres">
+      <dgm:prSet presAssocID="{4916F1D1-4FA2-4871-A2F2-57CC88311DEE}" presName="circ2" presStyleLbl="vennNode1" presStyleIdx="1" presStyleCnt="2"/>
+      <dgm:spPr/>
+      <dgm:t>
+        <a:bodyPr/>
+        <a:lstStyle/>
+        <a:p>
+          <a:endParaRPr lang="en-US"/>
+        </a:p>
+      </dgm:t>
+    </dgm:pt>
+    <dgm:pt modelId="{1D65432E-6001-4F72-ABA8-4ECE9C166484}" type="pres">
+      <dgm:prSet presAssocID="{4916F1D1-4FA2-4871-A2F2-57CC88311DEE}" presName="circ2Tx" presStyleLbl="revTx" presStyleIdx="0" presStyleCnt="0">
+        <dgm:presLayoutVars>
+          <dgm:chMax val="0"/>
+          <dgm:chPref val="0"/>
+          <dgm:bulletEnabled val="1"/>
+        </dgm:presLayoutVars>
+      </dgm:prSet>
+      <dgm:spPr/>
+      <dgm:t>
+        <a:bodyPr/>
+        <a:lstStyle/>
+        <a:p>
+          <a:endParaRPr lang="en-US"/>
+        </a:p>
+      </dgm:t>
+    </dgm:pt>
+  </dgm:ptLst>
+  <dgm:cxnLst>
+    <dgm:cxn modelId="{AF3376EE-56FD-4854-88C5-4DA1C7ED120A}" srcId="{C8416545-97B7-4C39-8B32-52214A5DBA4E}" destId="{E0C1D8EA-E515-4B08-80D6-5914BD5F9330}" srcOrd="0" destOrd="0" parTransId="{8692E6B7-29DB-4DB9-82FB-23F6B223BF7A}" sibTransId="{FB646F19-22F8-4F53-9C7A-761FCF7B10ED}"/>
+    <dgm:cxn modelId="{FE1F1183-1C1C-4742-9A83-2E312816A1EA}" type="presOf" srcId="{4916F1D1-4FA2-4871-A2F2-57CC88311DEE}" destId="{1D65432E-6001-4F72-ABA8-4ECE9C166484}" srcOrd="1" destOrd="0" presId="urn:microsoft.com/office/officeart/2005/8/layout/venn1"/>
+    <dgm:cxn modelId="{2D0A4F07-47F9-43A9-9794-18A838E49BC1}" srcId="{C8416545-97B7-4C39-8B32-52214A5DBA4E}" destId="{4916F1D1-4FA2-4871-A2F2-57CC88311DEE}" srcOrd="1" destOrd="0" parTransId="{0CEC3AC6-29A6-4BED-B8C4-9F9D1EB4F7E3}" sibTransId="{7636C5D3-3516-4B43-914A-D69B9115F33B}"/>
+    <dgm:cxn modelId="{9E5E2A26-2ECC-4AB2-9CF5-B9406424266E}" type="presOf" srcId="{E0C1D8EA-E515-4B08-80D6-5914BD5F9330}" destId="{242098ED-1F79-4DE1-ADA4-F0B62D8A03BE}" srcOrd="0" destOrd="0" presId="urn:microsoft.com/office/officeart/2005/8/layout/venn1"/>
+    <dgm:cxn modelId="{BCBA182A-E523-4143-A050-DCA479EE6662}" type="presOf" srcId="{4916F1D1-4FA2-4871-A2F2-57CC88311DEE}" destId="{21D4E6EC-EAF6-48D8-BC92-C81E65F79DB5}" srcOrd="0" destOrd="0" presId="urn:microsoft.com/office/officeart/2005/8/layout/venn1"/>
+    <dgm:cxn modelId="{AA6B5A0F-9BC9-4A9C-A7A1-293646F6616D}" type="presOf" srcId="{C8416545-97B7-4C39-8B32-52214A5DBA4E}" destId="{9FB5E251-4278-4876-962D-20D5C98C273E}" srcOrd="0" destOrd="0" presId="urn:microsoft.com/office/officeart/2005/8/layout/venn1"/>
+    <dgm:cxn modelId="{787B607C-2D7E-4C65-80A7-A4DF873FB7A4}" type="presOf" srcId="{E0C1D8EA-E515-4B08-80D6-5914BD5F9330}" destId="{0BE0BB94-990A-42B3-86A5-49445DA7AC04}" srcOrd="1" destOrd="0" presId="urn:microsoft.com/office/officeart/2005/8/layout/venn1"/>
+    <dgm:cxn modelId="{DD8CF851-E9A3-4C00-BD1A-C81F45EC0934}" type="presParOf" srcId="{9FB5E251-4278-4876-962D-20D5C98C273E}" destId="{242098ED-1F79-4DE1-ADA4-F0B62D8A03BE}" srcOrd="0" destOrd="0" presId="urn:microsoft.com/office/officeart/2005/8/layout/venn1"/>
+    <dgm:cxn modelId="{3AC74087-B8C7-406D-8D58-95B35F028928}" type="presParOf" srcId="{9FB5E251-4278-4876-962D-20D5C98C273E}" destId="{0BE0BB94-990A-42B3-86A5-49445DA7AC04}" srcOrd="1" destOrd="0" presId="urn:microsoft.com/office/officeart/2005/8/layout/venn1"/>
+    <dgm:cxn modelId="{DEEFAC91-4829-49C0-BF66-160EB16D9735}" type="presParOf" srcId="{9FB5E251-4278-4876-962D-20D5C98C273E}" destId="{21D4E6EC-EAF6-48D8-BC92-C81E65F79DB5}" srcOrd="2" destOrd="0" presId="urn:microsoft.com/office/officeart/2005/8/layout/venn1"/>
+    <dgm:cxn modelId="{25B45ABF-974D-454E-A817-6F22F4490C44}" type="presParOf" srcId="{9FB5E251-4278-4876-962D-20D5C98C273E}" destId="{1D65432E-6001-4F72-ABA8-4ECE9C166484}" srcOrd="3" destOrd="0" presId="urn:microsoft.com/office/officeart/2005/8/layout/venn1"/>
+  </dgm:cxnLst>
+  <dgm:bg/>
+  <dgm:whole/>
+</dgm:dataModel>
+</file>
+
+<file path=ppt/diagrams/layout1.xml><?xml version="1.0" encoding="utf-8"?>
+<dgm:layoutDef xmlns:dgm="http://schemas.openxmlformats.org/drawingml/2006/diagram" xmlns:a="http://schemas.openxmlformats.org/drawingml/2006/main" uniqueId="urn:microsoft.com/office/officeart/2005/8/layout/venn1">
+  <dgm:title val=""/>
+  <dgm:desc val=""/>
+  <dgm:catLst>
+    <dgm:cat type="relationship" pri="28000"/>
+    <dgm:cat type="convert" pri="19000"/>
+  </dgm:catLst>
+  <dgm:sampData useDef="1">
+    <dgm:dataModel>
+      <dgm:ptLst/>
+      <dgm:bg/>
+      <dgm:whole/>
+    </dgm:dataModel>
+  </dgm:sampData>
+  <dgm:styleData useDef="1">
+    <dgm:dataModel>
+      <dgm:ptLst/>
+      <dgm:bg/>
+      <dgm:whole/>
+    </dgm:dataModel>
+  </dgm:styleData>
+  <dgm:clrData>
+    <dgm:dataModel>
+      <dgm:ptLst>
+        <dgm:pt modelId="0" type="doc"/>
+        <dgm:pt modelId="1"/>
+        <dgm:pt modelId="2"/>
+        <dgm:pt modelId="3"/>
+        <dgm:pt modelId="4"/>
+      </dgm:ptLst>
+      <dgm:cxnLst>
+        <dgm:cxn modelId="7" srcId="0" destId="1" srcOrd="0" destOrd="0"/>
+        <dgm:cxn modelId="8" srcId="0" destId="2" srcOrd="1" destOrd="0"/>
+        <dgm:cxn modelId="9" srcId="0" destId="3" srcOrd="2" destOrd="0"/>
+        <dgm:cxn modelId="10" srcId="0" destId="4" srcOrd="3" destOrd="0"/>
+      </dgm:cxnLst>
+      <dgm:bg/>
+      <dgm:whole/>
+    </dgm:dataModel>
+  </dgm:clrData>
+  <dgm:layoutNode name="compositeShape">
+    <dgm:varLst>
+      <dgm:chMax val="7"/>
+      <dgm:dir/>
+      <dgm:resizeHandles val="exact"/>
+    </dgm:varLst>
+    <dgm:choose name="Name0">
+      <dgm:if name="Name1" axis="ch" ptType="node" func="cnt" op="equ" val="1">
+        <dgm:alg type="composite">
+          <dgm:param type="ar" val="1"/>
+        </dgm:alg>
+      </dgm:if>
+      <dgm:if name="Name2" axis="ch" ptType="node" func="cnt" op="equ" val="2">
+        <dgm:alg type="composite">
+          <dgm:param type="ar" val="1.792"/>
+        </dgm:alg>
+      </dgm:if>
+      <dgm:if name="Name3" axis="ch" ptType="node" func="cnt" op="equ" val="3">
+        <dgm:alg type="composite">
+          <dgm:param type="ar" val="1"/>
+        </dgm:alg>
+      </dgm:if>
+      <dgm:if name="Name4" axis="ch" ptType="node" func="cnt" op="equ" val="4">
+        <dgm:alg type="composite">
+          <dgm:param type="ar" val="1"/>
+        </dgm:alg>
+      </dgm:if>
+      <dgm:if name="Name5" axis="ch" ptType="node" func="cnt" op="equ" val="5">
+        <dgm:alg type="composite">
+          <dgm:param type="ar" val="1.4"/>
+        </dgm:alg>
+      </dgm:if>
+      <dgm:if name="Name6" axis="ch" ptType="node" func="cnt" op="equ" val="6">
+        <dgm:alg type="composite">
+          <dgm:param type="ar" val="1.285"/>
+        </dgm:alg>
+      </dgm:if>
+      <dgm:if name="Name7" axis="ch" ptType="node" func="cnt" op="equ" val="7">
+        <dgm:alg type="composite">
+          <dgm:param type="ar" val="1.359"/>
+        </dgm:alg>
+      </dgm:if>
+      <dgm:else name="Name8">
+        <dgm:alg type="composite">
+          <dgm:param type="ar" val="1.359"/>
+        </dgm:alg>
+      </dgm:else>
+    </dgm:choose>
+    <dgm:shape xmlns:r="http://schemas.openxmlformats.org/officeDocument/2006/relationships" r:blip="">
+      <dgm:adjLst/>
+    </dgm:shape>
+    <dgm:presOf/>
+    <dgm:choose name="Name9">
+      <dgm:if name="Name10" axis="ch" ptType="node" func="cnt" op="equ" val="1">
+        <dgm:constrLst>
+          <dgm:constr type="ctrX" for="ch" forName="circ1TxSh" refType="w" fact="0.5"/>
+          <dgm:constr type="ctrY" for="ch" forName="circ1TxSh" refType="h" fact="0.5"/>
+          <dgm:constr type="w" for="ch" forName="circ1TxSh" refType="w"/>
+          <dgm:constr type="h" for="ch" forName="circ1TxSh" refType="h"/>
+          <dgm:constr type="primFontSz" for="ch" ptType="node" op="equ"/>
+        </dgm:constrLst>
+      </dgm:if>
+      <dgm:if name="Name11" axis="ch" ptType="node" func="cnt" op="equ" val="2">
+        <dgm:constrLst>
+          <dgm:constr type="ctrX" for="ch" forName="circ1" refType="w" fact="0.3"/>
+          <dgm:constr type="ctrY" for="ch" forName="circ1" refType="h" fact="0.5"/>
+          <dgm:constr type="w" for="ch" forName="circ1" refType="w" fact="0.555"/>
+          <dgm:constr type="h" for="ch" forName="circ1" refType="h" fact="0.99456"/>
+          <dgm:constr type="l" for="ch" forName="circ1Tx" refType="w" fact="0.1"/>
+          <dgm:constr type="t" for="ch" forName="circ1Tx" refType="h" fact="0.12"/>
+          <dgm:constr type="w" for="ch" forName="circ1Tx" refType="w" fact="0.32"/>
+          <dgm:constr type="h" for="ch" forName="circ1Tx" refType="h" fact="0.76"/>
+          <dgm:constr type="ctrX" for="ch" forName="circ2" refType="w" fact="0.7"/>
+          <dgm:constr type="ctrY" for="ch" forName="circ2" refType="h" fact="0.5"/>
+          <dgm:constr type="w" for="ch" forName="circ2" refType="w" fact="0.555"/>
+          <dgm:constr type="h" for="ch" forName="circ2" refType="h" fact="0.99456"/>
+          <dgm:constr type="l" for="ch" forName="circ2Tx" refType="w" fact="0.58"/>
+          <dgm:constr type="t" for="ch" forName="circ2Tx" refType="h" fact="0.12"/>
+          <dgm:constr type="w" for="ch" forName="circ2Tx" refType="w" fact="0.32"/>
+          <dgm:constr type="h" for="ch" forName="circ2Tx" refType="h" fact="0.76"/>
+          <dgm:constr type="primFontSz" for="ch" ptType="node" op="equ"/>
+        </dgm:constrLst>
+      </dgm:if>
+      <dgm:if name="Name12" axis="ch" ptType="node" func="cnt" op="equ" val="3">
+        <dgm:constrLst>
+          <dgm:constr type="ctrX" for="ch" forName="circ1" refType="w" fact="0.5"/>
+          <dgm:constr type="ctrY" for="ch" forName="circ1" refType="w" fact="0.25"/>
+          <dgm:constr type="w" for="ch" forName="circ1" refType="w" fact="0.6"/>
+          <dgm:constr type="h" for="ch" forName="circ1" refType="h" fact="0.6"/>
+          <dgm:constr type="l" for="ch" forName="circ1Tx" refType="w" fact="0.28"/>
+          <dgm:constr type="t" for="ch" forName="circ1Tx" refType="h" fact="0.055"/>
+          <dgm:constr type="w" for="ch" forName="circ1Tx" refType="w" fact="0.44"/>
+          <dgm:constr type="h" for="ch" forName="circ1Tx" refType="h" fact="0.27"/>
+          <dgm:constr type="ctrX" for="ch" forName="circ2" refType="w" fact="0.7165"/>
+          <dgm:constr type="ctrY" for="ch" forName="circ2" refType="w" fact="0.625"/>
+          <dgm:constr type="w" for="ch" forName="circ2" refType="w" fact="0.6"/>
+          <dgm:constr type="h" for="ch" forName="circ2" refType="h" fact="0.6"/>
+          <dgm:constr type="l" for="ch" forName="circ2Tx" refType="w" fact="0.6"/>
+          <dgm:constr type="t" for="ch" forName="circ2Tx" refType="h" fact="0.48"/>
+          <dgm:constr type="w" for="ch" forName="circ2Tx" refType="w" fact="0.36"/>
+          <dgm:constr type="h" for="ch" forName="circ2Tx" refType="h" fact="0.33"/>
+          <dgm:constr type="ctrX" for="ch" forName="circ3" refType="w" fact="0.2835"/>
+          <dgm:constr type="ctrY" for="ch" forName="circ3" refType="w" fact="0.625"/>
+          <dgm:constr type="w" for="ch" forName="circ3" refType="w" fact="0.6"/>
+          <dgm:constr type="h" for="ch" forName="circ3" refType="h" fact="0.6"/>
+          <dgm:constr type="l" for="ch" forName="circ3Tx" refType="w" fact="0.04"/>
+          <dgm:constr type="t" for="ch" forName="circ3Tx" refType="h" fact="0.48"/>
+          <dgm:constr type="w" for="ch" forName="circ3Tx" refType="w" fact="0.36"/>
+          <dgm:constr type="h" for="ch" forName="circ3Tx" refType="h" fact="0.33"/>
+          <dgm:constr type="primFontSz" for="ch" ptType="node" op="equ"/>
+        </dgm:constrLst>
+      </dgm:if>
+      <dgm:if name="Name13" axis="ch" ptType="node" func="cnt" op="equ" val="4">
+        <dgm:constrLst>
+          <dgm:constr type="ctrX" for="ch" forName="circ1" refType="w" fact="0.5"/>
+          <dgm:constr type="ctrY" for="ch" forName="circ1" refType="w" fact="0.27"/>
+          <dgm:constr type="w" for="ch" forName="circ1" refType="w" fact="0.52"/>
+          <dgm:constr type="h" for="ch" forName="circ1" refType="h" fact="0.52"/>
+          <dgm:constr type="l" for="ch" forName="circ1Tx" refType="w" fact="0.3"/>
+          <dgm:constr type="t" for="ch" forName="circ1Tx" refType="h" fact="0.08"/>
+          <dgm:constr type="w" for="ch" forName="circ1Tx" refType="w" fact="0.4"/>
+          <dgm:constr type="h" for="ch" forName="circ1Tx" refType="h" fact="0.165"/>
+          <dgm:constr type="ctrX" for="ch" forName="circ2" refType="w" fact="0.73"/>
+          <dgm:constr type="ctrY" for="ch" forName="circ2" refType="w" fact="0.5"/>
+          <dgm:constr type="w" for="ch" forName="circ2" refType="w" fact="0.52"/>
+          <dgm:constr type="h" for="ch" forName="circ2" refType="h" fact="0.52"/>
+          <dgm:constr type="r" for="ch" forName="circ2Tx" refType="w" fact="0.95"/>
+          <dgm:constr type="t" for="ch" forName="circ2Tx" refType="h" fact="0.3"/>
+          <dgm:constr type="w" for="ch" forName="circ2Tx" refType="w" fact="0.2"/>
+          <dgm:constr type="h" for="ch" forName="circ2Tx" refType="h" fact="0.4"/>
+          <dgm:constr type="ctrX" for="ch" forName="circ3" refType="w" fact="0.5"/>
+          <dgm:constr type="ctrY" for="ch" forName="circ3" refType="w" fact="0.73"/>
+          <dgm:constr type="w" for="ch" forName="circ3" refType="w" fact="0.52"/>
+          <dgm:constr type="h" for="ch" forName="circ3" refType="h" fact="0.52"/>
+          <dgm:constr type="l" for="ch" forName="circ3Tx" refType="w" fact="0.3"/>
+          <dgm:constr type="b" for="ch" forName="circ3Tx" refType="h" fact="0.92"/>
+          <dgm:constr type="w" for="ch" forName="circ3Tx" refType="w" fact="0.4"/>
+          <dgm:constr type="h" for="ch" forName="circ3Tx" refType="h" fact="0.165"/>
+          <dgm:constr type="ctrX" for="ch" forName="circ4" refType="w" fact="0.27"/>
+          <dgm:constr type="ctrY" for="ch" forName="circ4" refType="h" fact="0.5"/>
+          <dgm:constr type="w" for="ch" forName="circ4" refType="w" fact="0.52"/>
+          <dgm:constr type="h" for="ch" forName="circ4" refType="h" fact="0.52"/>
+          <dgm:constr type="l" for="ch" forName="circ4Tx" refType="w" fact="0.05"/>
+          <dgm:constr type="t" for="ch" forName="circ4Tx" refType="h" fact="0.3"/>
+          <dgm:constr type="w" for="ch" forName="circ4Tx" refType="w" fact="0.2"/>
+          <dgm:constr type="h" for="ch" forName="circ4Tx" refType="h" fact="0.4"/>
+          <dgm:constr type="primFontSz" for="ch" ptType="node" op="equ"/>
+        </dgm:constrLst>
+      </dgm:if>
+      <dgm:if name="Name14" axis="ch" ptType="node" func="cnt" op="equ" val="5">
+        <dgm:constrLst>
+          <dgm:constr type="ctrX" for="ch" forName="circ1" refType="w" fact="0.5"/>
+          <dgm:constr type="ctrY" for="ch" forName="circ1" refType="h" fact="0.46"/>
+          <dgm:constr type="w" for="ch" forName="circ1" refType="w" fact="0.25"/>
+          <dgm:constr type="h" for="ch" forName="circ1" refType="h" fact="0.35"/>
+          <dgm:constr type="l" for="ch" forName="circ1Tx" refType="w" fact="0.355"/>
+          <dgm:constr type="t" for="ch" forName="circ1Tx"/>
+          <dgm:constr type="w" for="ch" forName="circ1Tx" refType="w" fact="0.29"/>
+          <dgm:constr type="h" for="ch" forName="circ1Tx" refType="h" fact="0.235"/>
+          <dgm:constr type="ctrX" for="ch" forName="circ2" refType="w" fact="0.5951"/>
+          <dgm:constr type="ctrY" for="ch" forName="circ2" refType="h" fact="0.5567"/>
+          <dgm:constr type="w" for="ch" forName="circ2" refType="w" fact="0.25"/>
+          <dgm:constr type="h" for="ch" forName="circ2" refType="h" fact="0.35"/>
+          <dgm:constr type="l" for="ch" forName="circ2Tx" refType="w" fact="0.74"/>
+          <dgm:constr type="t" for="ch" forName="circ2Tx" refType="h" fact="0.31"/>
+          <dgm:constr type="w" for="ch" forName="circ2Tx" refType="w" fact="0.26"/>
+          <dgm:constr type="h" for="ch" forName="circ2Tx" refType="h" fact="0.255"/>
+          <dgm:constr type="ctrX" for="ch" forName="circ3" refType="w" fact="0.5588"/>
+          <dgm:constr type="ctrY" for="ch" forName="circ3" refType="h" fact="0.7133"/>
+          <dgm:constr type="w" for="ch" forName="circ3" refType="w" fact="0.25"/>
+          <dgm:constr type="h" for="ch" forName="circ3" refType="h" fact="0.35"/>
+          <dgm:constr type="l" for="ch" forName="circ3Tx" refType="w" fact="0.7"/>
+          <dgm:constr type="t" for="ch" forName="circ3Tx" refType="h" fact="0.745"/>
+          <dgm:constr type="w" for="ch" forName="circ3Tx" refType="w" fact="0.26"/>
+          <dgm:constr type="h" for="ch" forName="circ3Tx" refType="h" fact="0.255"/>
+          <dgm:constr type="ctrX" for="ch" forName="circ4" refType="w" fact="0.4412"/>
+          <dgm:constr type="ctrY" for="ch" forName="circ4" refType="h" fact="0.7133"/>
+          <dgm:constr type="w" for="ch" forName="circ4" refType="w" fact="0.25"/>
+          <dgm:constr type="h" for="ch" forName="circ4" refType="h" fact="0.35"/>
+          <dgm:constr type="l" for="ch" forName="circ4Tx" refType="w" fact="0.04"/>
+          <dgm:constr type="t" for="ch" forName="circ4Tx" refType="h" fact="0.745"/>
+          <dgm:constr type="w" for="ch" forName="circ4Tx" refType="w" fact="0.26"/>
+          <dgm:constr type="h" for="ch" forName="circ4Tx" refType="h" fact="0.255"/>
+          <dgm:constr type="ctrX" for="ch" forName="circ5" refType="w" fact="0.4049"/>
+          <dgm:constr type="ctrY" for="ch" forName="circ5" refType="h" fact="0.5567"/>
+          <dgm:constr type="w" for="ch" forName="circ5" refType="w" fact="0.25"/>
+          <dgm:constr type="h" for="ch" forName="circ5" refType="h" fact="0.35"/>
+          <dgm:constr type="l" for="ch" forName="circ5Tx"/>
+          <dgm:constr type="t" for="ch" forName="circ5Tx" refType="h" fact="0.31"/>
+          <dgm:constr type="w" for="ch" forName="circ5Tx" refType="w" fact="0.26"/>
+          <dgm:constr type="h" for="ch" forName="circ5Tx" refType="h" fact="0.255"/>
+          <dgm:constr type="primFontSz" for="ch" ptType="node" op="equ"/>
+        </dgm:constrLst>
+      </dgm:if>
+      <dgm:if name="Name15" axis="ch" ptType="node" func="cnt" op="equ" val="6">
+        <dgm:constrLst>
+          <dgm:constr type="ctrX" for="ch" forName="circ1" refType="w" fact="0.5"/>
+          <dgm:constr type="ctrY" for="ch" forName="circ1" refType="h" fact="0.3844"/>
+          <dgm:constr type="w" for="ch" forName="circ1" refType="w" fact="0.24"/>
+          <dgm:constr type="h" for="ch" forName="circ1" refType="h" fact="0.3084"/>
+          <dgm:constr type="l" for="ch" forName="circ1Tx" refType="w" fact="0.35"/>
+          <dgm:constr type="t" for="ch" forName="circ1Tx"/>
+          <dgm:constr type="w" for="ch" forName="circ1Tx" refType="w" fact="0.3"/>
+          <dgm:constr type="h" for="ch" forName="circ1Tx" refType="h" fact="0.21"/>
+          <dgm:constr type="ctrX" for="ch" forName="circ2" refType="w" fact="0.5779"/>
+          <dgm:constr type="ctrY" for="ch" forName="circ2" refType="h" fact="0.4422"/>
+          <dgm:constr type="w" for="ch" forName="circ2" refType="w" fact="0.24"/>
+          <dgm:constr type="h" for="ch" forName="circ2" refType="h" fact="0.3084"/>
+          <dgm:constr type="l" for="ch" forName="circ2Tx" refType="w" fact="0.7157"/>
+          <dgm:constr type="t" for="ch" forName="circ2Tx" refType="h" fact="0.2"/>
+          <dgm:constr type="w" for="ch" forName="circ2Tx" refType="w" fact="0.2843"/>
+          <dgm:constr type="h" for="ch" forName="circ2Tx" refType="h" fact="0.23"/>
+          <dgm:constr type="ctrX" for="ch" forName="circ3" refType="w" fact="0.5779"/>
+          <dgm:constr type="ctrY" for="ch" forName="circ3" refType="h" fact="0.5578"/>
+          <dgm:constr type="w" for="ch" forName="circ3" refType="w" fact="0.24"/>
+          <dgm:constr type="h" for="ch" forName="circ3" refType="h" fact="0.3084"/>
+          <dgm:constr type="l" for="ch" forName="circ3Tx" refType="w" fact="0.7157"/>
+          <dgm:constr type="t" for="ch" forName="circ3Tx" refType="h" fact="0.543"/>
+          <dgm:constr type="w" for="ch" forName="circ3Tx" refType="w" fact="0.2843"/>
+          <dgm:constr type="h" for="ch" forName="circ3Tx" refType="h" fact="0.257"/>
+          <dgm:constr type="ctrX" for="ch" forName="circ4" refType="w" fact="0.5"/>
+          <dgm:constr type="ctrY" for="ch" forName="circ4" refType="h" fact="0.6157"/>
+          <dgm:constr type="w" for="ch" forName="circ4" refType="w" fact="0.24"/>
+          <dgm:constr type="h" for="ch" forName="circ4" refType="h" fact="0.3084"/>
+          <dgm:constr type="l" for="ch" forName="circ4Tx" refType="w" fact="0.35"/>
+          <dgm:constr type="t" for="ch" forName="circ4Tx" refType="h" fact="0.79"/>
+          <dgm:constr type="w" for="ch" forName="circ4Tx" refType="w" fact="0.3"/>
+          <dgm:constr type="h" for="ch" forName="circ4Tx" refType="h" fact="0.21"/>
+          <dgm:constr type="ctrX" for="ch" forName="circ5" refType="w" fact="0.4221"/>
+          <dgm:constr type="ctrY" for="ch" forName="circ5" refType="h" fact="0.5578"/>
+          <dgm:constr type="w" for="ch" forName="circ5" refType="w" fact="0.24"/>
+          <dgm:constr type="h" for="ch" forName="circ5" refType="h" fact="0.3084"/>
+          <dgm:constr type="l" for="ch" forName="circ5Tx" refType="w" fact="0"/>
+          <dgm:constr type="t" for="ch" forName="circ5Tx" refType="h" fact="0.543"/>
+          <dgm:constr type="w" for="ch" forName="circ5Tx" refType="w" fact="0.2843"/>
+          <dgm:constr type="h" for="ch" forName="circ5Tx" refType="h" fact="0.257"/>
+          <dgm:constr type="ctrX" for="ch" forName="circ6" refType="w" fact="0.4221"/>
+          <dgm:constr type="ctrY" for="ch" forName="circ6" refType="h" fact="0.4422"/>
+          <dgm:constr type="w" for="ch" forName="circ6" refType="w" fact="0.24"/>
+          <dgm:constr type="h" for="ch" forName="circ6" refType="h" fact="0.3084"/>
+          <dgm:constr type="l" for="ch" forName="circ6Tx" refType="w" fact="0"/>
+          <dgm:constr type="t" for="ch" forName="circ6Tx" refType="h" fact="0.2"/>
+          <dgm:constr type="w" for="ch" forName="circ6Tx" refType="w" fact="0.2843"/>
+          <dgm:constr type="h" for="ch" forName="circ6Tx" refType="h" fact="0.257"/>
+          <dgm:constr type="primFontSz" for="ch" ptType="node" op="equ"/>
+        </dgm:constrLst>
+      </dgm:if>
+      <dgm:else name="Name16">
+        <dgm:constrLst>
+          <dgm:constr type="ctrX" for="ch" forName="circ1" refType="w" fact="0.5"/>
+          <dgm:constr type="ctrY" for="ch" forName="circ1" refType="h" fact="0.4177"/>
+          <dgm:constr type="w" for="ch" forName="circ1" refType="w" fact="0.24"/>
+          <dgm:constr type="h" for="ch" forName="circ1" refType="h" fact="0.3262"/>
+          <dgm:constr type="l" for="ch" forName="circ1Tx" refType="w" fact="0.3625"/>
+          <dgm:constr type="t" for="ch" forName="circ1Tx"/>
+          <dgm:constr type="w" for="ch" forName="circ1Tx" refType="w" fact="0.275"/>
+          <dgm:constr type="h" for="ch" forName="circ1Tx" refType="h" fact="0.2"/>
+          <dgm:constr type="ctrX" for="ch" forName="circ2" refType="w" fact="0.5704"/>
+          <dgm:constr type="ctrY" for="ch" forName="circ2" refType="h" fact="0.4637"/>
+          <dgm:constr type="w" for="ch" forName="circ2" refType="w" fact="0.24"/>
+          <dgm:constr type="h" for="ch" forName="circ2" refType="h" fact="0.3262"/>
+          <dgm:constr type="l" for="ch" forName="circ2Tx" refType="w" fact="0.72"/>
+          <dgm:constr type="t" for="ch" forName="circ2Tx" refType="h" fact="0.19"/>
+          <dgm:constr type="w" for="ch" forName="circ2Tx" refType="w" fact="0.26"/>
+          <dgm:constr type="h" for="ch" forName="circ2Tx" refType="h" fact="0.22"/>
+          <dgm:constr type="ctrX" for="ch" forName="circ3" refType="w" fact="0.5877"/>
+          <dgm:constr type="ctrY" for="ch" forName="circ3" refType="h" fact="0.5672"/>
+          <dgm:constr type="w" for="ch" forName="circ3" refType="w" fact="0.24"/>
+          <dgm:constr type="h" for="ch" forName="circ3" refType="h" fact="0.3262"/>
+          <dgm:constr type="l" for="ch" forName="circ3Tx" refType="w" fact="0.745"/>
+          <dgm:constr type="t" for="ch" forName="circ3Tx" refType="h" fact="0.47"/>
+          <dgm:constr type="w" for="ch" forName="circ3Tx" refType="w" fact="0.255"/>
+          <dgm:constr type="h" for="ch" forName="circ3Tx" refType="h" fact="0.235"/>
+          <dgm:constr type="ctrX" for="ch" forName="circ4" refType="w" fact="0.539"/>
+          <dgm:constr type="ctrY" for="ch" forName="circ4" refType="h" fact="0.6502"/>
+          <dgm:constr type="w" for="ch" forName="circ4" refType="w" fact="0.24"/>
+          <dgm:constr type="h" for="ch" forName="circ4" refType="h" fact="0.3262"/>
+          <dgm:constr type="l" for="ch" forName="circ4Tx" refType="w" fact="0.635"/>
+          <dgm:constr type="t" for="ch" forName="circ4Tx" refType="h" fact="0.785"/>
+          <dgm:constr type="w" for="ch" forName="circ4Tx" refType="w" fact="0.275"/>
+          <dgm:constr type="h" for="ch" forName="circ4Tx" refType="h" fact="0.215"/>
+          <dgm:constr type="ctrX" for="ch" forName="circ5" refType="w" fact="0.461"/>
+          <dgm:constr type="ctrY" for="ch" forName="circ5" refType="h" fact="0.6502"/>
+          <dgm:constr type="w" for="ch" forName="circ5" refType="w" fact="0.24"/>
+          <dgm:constr type="h" for="ch" forName="circ5" refType="h" fact="0.3262"/>
+          <dgm:constr type="l" for="ch" forName="circ5Tx" refType="w" fact="0.09"/>
+          <dgm:constr type="t" for="ch" forName="circ5Tx" refType="h" fact="0.785"/>
+          <dgm:constr type="w" for="ch" forName="circ5Tx" refType="w" fact="0.275"/>
+          <dgm:constr type="h" for="ch" forName="circ5Tx" refType="h" fact="0.215"/>
+          <dgm:constr type="ctrX" for="ch" forName="circ6" refType="w" fact="0.4123"/>
+          <dgm:constr type="ctrY" for="ch" forName="circ6" refType="h" fact="0.5672"/>
+          <dgm:constr type="w" for="ch" forName="circ6" refType="w" fact="0.24"/>
+          <dgm:constr type="h" for="ch" forName="circ6" refType="h" fact="0.3262"/>
+          <dgm:constr type="l" for="ch" forName="circ6Tx"/>
+          <dgm:constr type="t" for="ch" forName="circ6Tx" refType="h" fact="0.47"/>
+          <dgm:constr type="w" for="ch" forName="circ6Tx" refType="w" fact="0.255"/>
+          <dgm:constr type="h" for="ch" forName="circ6Tx" refType="h" fact="0.235"/>
+          <dgm:constr type="ctrX" for="ch" forName="circ7" refType="w" fact="0.4296"/>
+          <dgm:constr type="ctrY" for="ch" forName="circ7" refType="h" fact="0.4637"/>
+          <dgm:constr type="w" for="ch" forName="circ7" refType="w" fact="0.24"/>
+          <dgm:constr type="h" for="ch" forName="circ7" refType="h" fact="0.3262"/>
+          <dgm:constr type="l" for="ch" forName="circ7Tx" refType="w" fact="0.02"/>
+          <dgm:constr type="t" for="ch" forName="circ7Tx" refType="h" fact="0.19"/>
+          <dgm:constr type="w" for="ch" forName="circ7Tx" refType="w" fact="0.26"/>
+          <dgm:constr type="h" for="ch" forName="circ7Tx" refType="h" fact="0.22"/>
+          <dgm:constr type="primFontSz" for="ch" ptType="node" op="equ"/>
+        </dgm:constrLst>
+      </dgm:else>
+    </dgm:choose>
+    <dgm:ruleLst/>
+    <dgm:forEach name="Name17" axis="ch" ptType="node" cnt="1">
+      <dgm:choose name="Name18">
+        <dgm:if name="Name19" axis="root ch" ptType="all node" func="cnt" op="equ" val="1">
+          <dgm:layoutNode name="circ1TxSh" styleLbl="vennNode1">
+            <dgm:alg type="tx">
+              <dgm:param type="txAnchorHorzCh" val="ctr"/>
+              <dgm:param type="txAnchorVertCh" val="mid"/>
+            </dgm:alg>
+            <dgm:shape xmlns:r="http://schemas.openxmlformats.org/officeDocument/2006/relationships" type="ellipse" r:blip="">
+              <dgm:adjLst/>
+            </dgm:shape>
+            <dgm:choose name="Name20">
+              <dgm:if name="Name21" func="var" arg="dir" op="equ" val="norm">
+                <dgm:choose name="Name22">
+                  <dgm:if name="Name23" axis="root ch" ptType="all node" func="cnt" op="lte" val="4">
+                    <dgm:presOf axis="desOrSelf" ptType="node"/>
+                  </dgm:if>
+                  <dgm:else name="Name24">
+                    <dgm:presOf/>
+                  </dgm:else>
+                </dgm:choose>
+              </dgm:if>
+              <dgm:else name="Name25">
+                <dgm:choose name="Name26">
+                  <dgm:if name="Name27" axis="root ch" ptType="all node" func="cnt" op="equ" val="2">
+                    <dgm:presOf axis="root ch desOrSelf" ptType="all node node" st="1 2 1" cnt="1 1 0"/>
+                  </dgm:if>
+                  <dgm:else name="Name28">
+                    <dgm:presOf axis="desOrSelf" ptType="node"/>
+                  </dgm:else>
+                </dgm:choose>
+              </dgm:else>
+            </dgm:choose>
+            <dgm:constrLst>
+              <dgm:constr type="tMarg"/>
+              <dgm:constr type="bMarg"/>
+              <dgm:constr type="lMarg"/>
+              <dgm:constr type="rMarg"/>
+              <dgm:constr type="primFontSz" val="65"/>
+            </dgm:constrLst>
+            <dgm:ruleLst>
+              <dgm:rule type="primFontSz" val="5" fact="NaN" max="NaN"/>
+            </dgm:ruleLst>
+          </dgm:layoutNode>
+        </dgm:if>
+        <dgm:else name="Name29">
+          <dgm:layoutNode name="circ1" styleLbl="vennNode1">
+            <dgm:alg type="sp"/>
+            <dgm:shape xmlns:r="http://schemas.openxmlformats.org/officeDocument/2006/relationships" type="ellipse" r:blip="">
+              <dgm:adjLst/>
+            </dgm:shape>
+            <dgm:choose name="Name30">
+              <dgm:if name="Name31" func="var" arg="dir" op="equ" val="norm">
+                <dgm:choose name="Name32">
+                  <dgm:if name="Name33" axis="root ch" ptType="all node" func="cnt" op="lte" val="4">
+                    <dgm:presOf axis="desOrSelf" ptType="node"/>
+                  </dgm:if>
+                  <dgm:else name="Name34">
+                    <dgm:presOf/>
+                  </dgm:else>
+                </dgm:choose>
+              </dgm:if>
+              <dgm:else name="Name35">
+                <dgm:choose name="Name36">
+                  <dgm:if name="Name37" axis="root ch" ptType="all node" func="cnt" op="equ" val="2">
+                    <dgm:presOf axis="root ch desOrSelf" ptType="all node node" st="1 2 1" cnt="1 1 0"/>
+                  </dgm:if>
+                  <dgm:else name="Name38">
+                    <dgm:choose name="Name39">
+                      <dgm:if name="Name40" axis="root ch" ptType="all node" func="cnt" op="lte" val="4">
+                        <dgm:presOf axis="desOrSelf" ptType="node"/>
+                      </dgm:if>
+                      <dgm:else name="Name41">
+                        <dgm:presOf/>
+                      </dgm:else>
+                    </dgm:choose>
+                  </dgm:else>
+                </dgm:choose>
+              </dgm:else>
+            </dgm:choose>
+            <dgm:constrLst/>
+            <dgm:ruleLst/>
+          </dgm:layoutNode>
+          <dgm:layoutNode name="circ1Tx" styleLbl="revTx">
+            <dgm:varLst>
+              <dgm:chMax val="0"/>
+              <dgm:chPref val="0"/>
+              <dgm:bulletEnabled val="1"/>
+            </dgm:varLst>
+            <dgm:alg type="tx">
+              <dgm:param type="txAnchorHorzCh" val="ctr"/>
+              <dgm:param type="txAnchorVertCh" val="mid"/>
+            </dgm:alg>
+            <dgm:shape xmlns:r="http://schemas.openxmlformats.org/officeDocument/2006/relationships" type="rect" r:blip="" hideGeom="1">
+              <dgm:adjLst/>
+            </dgm:shape>
+            <dgm:choose name="Name42">
+              <dgm:if name="Name43" func="var" arg="dir" op="equ" val="norm">
+                <dgm:presOf axis="desOrSelf" ptType="node"/>
+              </dgm:if>
+              <dgm:else name="Name44">
+                <dgm:choose name="Name45">
+                  <dgm:if name="Name46" axis="root ch" ptType="all node" func="cnt" op="equ" val="2">
+                    <dgm:presOf axis="root ch desOrSelf" ptType="all node node" st="1 2 1" cnt="1 1 0"/>
+                  </dgm:if>
+                  <dgm:else name="Name47">
+                    <dgm:presOf axis="desOrSelf" ptType="node"/>
+                  </dgm:else>
+                </dgm:choose>
+              </dgm:else>
+            </dgm:choose>
+            <dgm:constrLst>
+              <dgm:constr type="tMarg"/>
+              <dgm:constr type="bMarg"/>
+              <dgm:constr type="lMarg"/>
+              <dgm:constr type="rMarg"/>
+              <dgm:constr type="primFontSz" val="65"/>
+            </dgm:constrLst>
+            <dgm:ruleLst>
+              <dgm:rule type="primFontSz" val="5" fact="NaN" max="NaN"/>
+            </dgm:ruleLst>
+          </dgm:layoutNode>
+        </dgm:else>
+      </dgm:choose>
+    </dgm:forEach>
+    <dgm:forEach name="Name48" axis="ch" ptType="node" st="2" cnt="1">
+      <dgm:layoutNode name="circ2" styleLbl="vennNode1">
+        <dgm:alg type="sp"/>
+        <dgm:shape xmlns:r="http://schemas.openxmlformats.org/officeDocument/2006/relationships" type="ellipse" r:blip="">
+          <dgm:adjLst/>
+        </dgm:shape>
+        <dgm:choose name="Name49">
+          <dgm:if name="Name50" func="var" arg="dir" op="equ" val="norm">
+            <dgm:choose name="Name51">
+              <dgm:if name="Name52" axis="root ch" ptType="all node" func="cnt" op="lte" val="4">
+                <dgm:presOf axis="desOrSelf" ptType="node"/>
+              </dgm:if>
+              <dgm:else name="Name53">
+                <dgm:presOf/>
+              </dgm:else>
+            </dgm:choose>
+          </dgm:if>
+          <dgm:else name="Name54">
+            <dgm:choose name="Name55">
+              <dgm:if name="Name56" axis="root ch" ptType="all node" func="cnt" op="equ" val="2">
+                <dgm:presOf axis="root ch desOrSelf" ptType="all node node" st="1 1 1" cnt="1 1 0"/>
+              </dgm:if>
+              <dgm:if name="Name57" axis="root ch" ptType="all node" func="cnt" op="equ" val="3">
+                <dgm:presOf axis="root ch desOrSelf" ptType="all node node" st="1 3 1" cnt="1 1 0"/>
+              </dgm:if>
+              <dgm:if name="Name58" axis="root ch" ptType="all node" func="cnt" op="equ" val="4">
+                <dgm:presOf axis="root ch desOrSelf" ptType="all node node" st="1 4 1" cnt="1 1 0"/>
+              </dgm:if>
+              <dgm:else name="Name59">
+                <dgm:presOf/>
+              </dgm:else>
+            </dgm:choose>
+          </dgm:else>
+        </dgm:choose>
+        <dgm:constrLst/>
+        <dgm:ruleLst/>
+      </dgm:layoutNode>
+      <dgm:layoutNode name="circ2Tx" styleLbl="revTx">
+        <dgm:varLst>
+          <dgm:chMax val="0"/>
+          <dgm:chPref val="0"/>
+          <dgm:bulletEnabled val="1"/>
+        </dgm:varLst>
+        <dgm:alg type="tx">
+          <dgm:param type="txAnchorHorzCh" val="ctr"/>
+          <dgm:param type="txAnchorVertCh" val="mid"/>
+        </dgm:alg>
+        <dgm:shape xmlns:r="http://schemas.openxmlformats.org/officeDocument/2006/relationships" type="rect" r:blip="" hideGeom="1">
+          <dgm:adjLst/>
+        </dgm:shape>
+        <dgm:choose name="Name60">
+          <dgm:if name="Name61" func="var" arg="dir" op="equ" val="norm">
+            <dgm:presOf axis="desOrSelf" ptType="node"/>
+          </dgm:if>
+          <dgm:else name="Name62">
+            <dgm:choose name="Name63">
+              <dgm:if name="Name64" axis="root ch" ptType="all node" func="cnt" op="equ" val="2">
+                <dgm:presOf axis="root ch desOrSelf" ptType="all node node" st="1 1 1" cnt="1 1 0"/>
+              </dgm:if>
+              <dgm:if name="Name65" axis="root ch" ptType="all node" func="cnt" op="equ" val="3">
+                <dgm:presOf axis="root ch desOrSelf" ptType="all node node" st="1 3 1" cnt="1 1 0"/>
+              </dgm:if>
+              <dgm:if name="Name66" axis="root ch" ptType="all node" func="cnt" op="equ" val="4">
+                <dgm:presOf axis="root ch desOrSelf" ptType="all node node" st="1 4 1" cnt="1 1 0"/>
+              </dgm:if>
+              <dgm:if name="Name67" axis="root ch" ptType="all node" func="cnt" op="equ" val="5">
+                <dgm:presOf axis="root ch desOrSelf" ptType="all node node" st="1 5 1" cnt="1 1 0"/>
+              </dgm:if>
+              <dgm:if name="Name68" axis="root ch" ptType="all node" func="cnt" op="equ" val="6">
+                <dgm:presOf axis="root ch desOrSelf" ptType="all node node" st="1 6 1" cnt="1 1 0"/>
+              </dgm:if>
+              <dgm:else name="Name69">
+                <dgm:presOf axis="root ch desOrSelf" ptType="all node node" st="1 7 1" cnt="1 1 0"/>
+              </dgm:else>
+            </dgm:choose>
+          </dgm:else>
+        </dgm:choose>
+        <dgm:constrLst>
+          <dgm:constr type="tMarg"/>
+          <dgm:constr type="bMarg"/>
+          <dgm:constr type="lMarg"/>
+          <dgm:constr type="rMarg"/>
+          <dgm:constr type="primFontSz" val="65"/>
+        </dgm:constrLst>
+        <dgm:ruleLst>
+          <dgm:rule type="primFontSz" val="5" fact="NaN" max="NaN"/>
+        </dgm:ruleLst>
+      </dgm:layoutNode>
+    </dgm:forEach>
+    <dgm:forEach name="Name70" axis="ch" ptType="node" st="3" cnt="1">
+      <dgm:layoutNode name="circ3" styleLbl="vennNode1">
+        <dgm:alg type="sp"/>
+        <dgm:shape xmlns:r="http://schemas.openxmlformats.org/officeDocument/2006/relationships" type="ellipse" r:blip="">
+          <dgm:adjLst/>
+        </dgm:shape>
+        <dgm:choose name="Name71">
+          <dgm:if name="Name72" func="var" arg="dir" op="equ" val="norm">
+            <dgm:choose name="Name73">
+              <dgm:if name="Name74" axis="root ch" ptType="all node" func="cnt" op="lte" val="4">
+                <dgm:presOf axis="desOrSelf" ptType="node"/>
+              </dgm:if>
+              <dgm:else name="Name75">
+                <dgm:presOf/>
+              </dgm:else>
+            </dgm:choose>
+          </dgm:if>
+          <dgm:else name="Name76">
+            <dgm:choose name="Name77">
+              <dgm:if name="Name78" axis="root ch" ptType="all node" func="cnt" op="equ" val="3">
+                <dgm:presOf axis="root ch desOrSelf" ptType="all node node" st="1 2 1" cnt="1 1 0"/>
+              </dgm:if>
+              <dgm:if name="Name79" axis="root ch" ptType="all node" func="cnt" op="equ" val="4">
+                <dgm:presOf axis="root ch desOrSelf" ptType="all node node" st="1 3 1" cnt="1 1 0"/>
+              </dgm:if>
+              <dgm:else name="Name80">
+                <dgm:presOf/>
+              </dgm:else>
+            </dgm:choose>
+          </dgm:else>
+        </dgm:choose>
+        <dgm:constrLst/>
+        <dgm:ruleLst/>
+      </dgm:layoutNode>
+      <dgm:layoutNode name="circ3Tx" styleLbl="revTx">
+        <dgm:varLst>
+          <dgm:chMax val="0"/>
+          <dgm:chPref val="0"/>
+          <dgm:bulletEnabled val="1"/>
+        </dgm:varLst>
+        <dgm:alg type="tx">
+          <dgm:param type="txAnchorHorzCh" val="ctr"/>
+          <dgm:param type="txAnchorVertCh" val="mid"/>
+        </dgm:alg>
+        <dgm:shape xmlns:r="http://schemas.openxmlformats.org/officeDocument/2006/relationships" type="rect" r:blip="" hideGeom="1">
+          <dgm:adjLst/>
+        </dgm:shape>
+        <dgm:choose name="Name81">
+          <dgm:if name="Name82" func="var" arg="dir" op="equ" val="norm">
+            <dgm:presOf axis="desOrSelf" ptType="node"/>
+          </dgm:if>
+          <dgm:else name="Name83">
+            <dgm:choose name="Name84">
+              <dgm:if name="Name85" axis="root ch" ptType="all node" func="cnt" op="equ" val="3">
+                <dgm:presOf axis="root ch desOrSelf" ptType="all node node" st="1 2 1" cnt="1 1 0"/>
+              </dgm:if>
+              <dgm:if name="Name86" axis="root ch" ptType="all node" func="cnt" op="equ" val="4">
+                <dgm:presOf axis="root ch desOrSelf" ptType="all node node" st="1 3 1" cnt="1 1 0"/>
+              </dgm:if>
+              <dgm:if name="Name87" axis="root ch" ptType="all node" func="cnt" op="equ" val="5">
+                <dgm:presOf axis="root ch desOrSelf" ptType="all node node" st="1 4 1" cnt="1 1 0"/>
+              </dgm:if>
+              <dgm:if name="Name88" axis="root ch" ptType="all node" func="cnt" op="equ" val="6">
+                <dgm:presOf axis="root ch desOrSelf" ptType="all node node" st="1 5 1" cnt="1 1 0"/>
+              </dgm:if>
+              <dgm:else name="Name89">
+                <dgm:presOf axis="root ch desOrSelf" ptType="all node node" st="1 6 1" cnt="1 1 0"/>
+              </dgm:else>
+            </dgm:choose>
+          </dgm:else>
+        </dgm:choose>
+        <dgm:constrLst>
+          <dgm:constr type="tMarg"/>
+          <dgm:constr type="bMarg"/>
+          <dgm:constr type="lMarg"/>
+          <dgm:constr type="rMarg"/>
+          <dgm:constr type="primFontSz" val="65"/>
+        </dgm:constrLst>
+        <dgm:ruleLst>
+          <dgm:rule type="primFontSz" val="5" fact="NaN" max="NaN"/>
+        </dgm:ruleLst>
+      </dgm:layoutNode>
+    </dgm:forEach>
+    <dgm:forEach name="Name90" axis="ch" ptType="node" st="4" cnt="1">
+      <dgm:layoutNode name="circ4" styleLbl="vennNode1">
+        <dgm:alg type="sp"/>
+        <dgm:shape xmlns:r="http://schemas.openxmlformats.org/officeDocument/2006/relationships" type="ellipse" r:blip="">
+          <dgm:adjLst/>
+        </dgm:shape>
+        <dgm:choose name="Name91">
+          <dgm:if name="Name92" func="var" arg="dir" op="equ" val="norm">
+            <dgm:choose name="Name93">
+              <dgm:if name="Name94" axis="root ch" ptType="all node" func="cnt" op="lte" val="4">
+                <dgm:presOf axis="desOrSelf" ptType="node"/>
+              </dgm:if>
+              <dgm:else name="Name95">
+                <dgm:presOf/>
+              </dgm:else>
+            </dgm:choose>
+          </dgm:if>
+          <dgm:else name="Name96">
+            <dgm:choose name="Name97">
+              <dgm:if name="Name98" axis="root ch" ptType="all node" func="cnt" op="equ" val="4">
+                <dgm:presOf axis="root ch desOrSelf" ptType="all node node" st="1 2 1" cnt="1 1 0"/>
+              </dgm:if>
+              <dgm:else name="Name99">
+                <dgm:presOf/>
+              </dgm:else>
+            </dgm:choose>
+          </dgm:else>
+        </dgm:choose>
+        <dgm:constrLst/>
+        <dgm:ruleLst/>
+      </dgm:layoutNode>
+      <dgm:layoutNode name="circ4Tx" styleLbl="revTx">
+        <dgm:varLst>
+          <dgm:chMax val="0"/>
+          <dgm:chPref val="0"/>
+          <dgm:bulletEnabled val="1"/>
+        </dgm:varLst>
+        <dgm:alg type="tx">
+          <dgm:param type="txAnchorHorzCh" val="ctr"/>
+          <dgm:param type="txAnchorVertCh" val="mid"/>
+        </dgm:alg>
+        <dgm:shape xmlns:r="http://schemas.openxmlformats.org/officeDocument/2006/relationships" type="rect" r:blip="" hideGeom="1">
+          <dgm:adjLst/>
+        </dgm:shape>
+        <dgm:choose name="Name100">
+          <dgm:if name="Name101" func="var" arg="dir" op="equ" val="norm">
+            <dgm:presOf axis="desOrSelf" ptType="node"/>
+          </dgm:if>
+          <dgm:else name="Name102">
+            <dgm:choose name="Name103">
+              <dgm:if name="Name104" axis="root ch" ptType="all node" func="cnt" op="equ" val="4">
+                <dgm:presOf axis="root ch desOrSelf" ptType="all node node" st="1 2 1" cnt="1 1 0"/>
+              </dgm:if>
+              <dgm:if name="Name105" axis="root ch" ptType="all node" func="cnt" op="equ" val="5">
+                <dgm:presOf axis="root ch desOrSelf" ptType="all node node" st="1 3 1" cnt="1 1 0"/>
+              </dgm:if>
+              <dgm:if name="Name106" axis="root ch" ptType="all node" func="cnt" op="equ" val="6">
+                <dgm:presOf axis="root ch desOrSelf" ptType="all node node" st="1 4 1" cnt="1 1 0"/>
+              </dgm:if>
+              <dgm:else name="Name107">
+                <dgm:presOf axis="root ch desOrSelf" ptType="all node node" st="1 5 1" cnt="1 1 0"/>
+              </dgm:else>
+            </dgm:choose>
+          </dgm:else>
+        </dgm:choose>
+        <dgm:constrLst>
+          <dgm:constr type="tMarg"/>
+          <dgm:constr type="bMarg"/>
+          <dgm:constr type="lMarg"/>
+          <dgm:constr type="rMarg"/>
+          <dgm:constr type="primFontSz" val="65"/>
+        </dgm:constrLst>
+        <dgm:ruleLst>
+          <dgm:rule type="primFontSz" val="5" fact="NaN" max="NaN"/>
+        </dgm:ruleLst>
+      </dgm:layoutNode>
+    </dgm:forEach>
+    <dgm:forEach name="Name108" axis="ch" ptType="node" st="5" cnt="1">
+      <dgm:layoutNode name="circ5" styleLbl="vennNode1">
+        <dgm:alg type="sp"/>
+        <dgm:shape xmlns:r="http://schemas.openxmlformats.org/officeDocument/2006/relationships" type="ellipse" r:blip="">
+          <dgm:adjLst/>
+        </dgm:shape>
+        <dgm:presOf/>
+        <dgm:constrLst/>
+        <dgm:ruleLst/>
+      </dgm:layoutNode>
+      <dgm:layoutNode name="circ5Tx" styleLbl="revTx">
+        <dgm:varLst>
+          <dgm:chMax val="0"/>
+          <dgm:chPref val="0"/>
+          <dgm:bulletEnabled val="1"/>
+        </dgm:varLst>
+        <dgm:alg type="tx">
+          <dgm:param type="txAnchorHorzCh" val="ctr"/>
+          <dgm:param type="txAnchorVertCh" val="mid"/>
+        </dgm:alg>
+        <dgm:shape xmlns:r="http://schemas.openxmlformats.org/officeDocument/2006/relationships" type="rect" r:blip="" hideGeom="1">
+          <dgm:adjLst/>
+        </dgm:shape>
+        <dgm:choose name="Name109">
+          <dgm:if name="Name110" func="var" arg="dir" op="equ" val="norm">
+            <dgm:presOf axis="desOrSelf" ptType="node"/>
+          </dgm:if>
+          <dgm:else name="Name111">
+            <dgm:choose name="Name112">
+              <dgm:if name="Name113" axis="root ch" ptType="all node" func="cnt" op="equ" val="5">
+                <dgm:presOf axis="root ch desOrSelf" ptType="all node node" st="1 2 1" cnt="1 1 0"/>
+              </dgm:if>
+              <dgm:if name="Name114" axis="root ch" ptType="all node" func="cnt" op="equ" val="6">
+                <dgm:presOf axis="root ch desOrSelf" ptType="all node node" st="1 3 1" cnt="1 1 0"/>
+              </dgm:if>
+              <dgm:else name="Name115">
+                <dgm:presOf axis="root ch desOrSelf" ptType="all node node" st="1 4 1" cnt="1 1 0"/>
+              </dgm:else>
+            </dgm:choose>
+          </dgm:else>
+        </dgm:choose>
+        <dgm:constrLst>
+          <dgm:constr type="tMarg"/>
+          <dgm:constr type="bMarg"/>
+          <dgm:constr type="lMarg"/>
+          <dgm:constr type="rMarg"/>
+          <dgm:constr type="primFontSz" val="65"/>
+        </dgm:constrLst>
+        <dgm:ruleLst>
+          <dgm:rule type="primFontSz" val="5" fact="NaN" max="NaN"/>
+        </dgm:ruleLst>
+      </dgm:layoutNode>
+    </dgm:forEach>
+    <dgm:forEach name="Name116" axis="ch" ptType="node" st="6" cnt="1">
+      <dgm:layoutNode name="circ6" styleLbl="vennNode1">
+        <dgm:alg type="sp"/>
+        <dgm:shape xmlns:r="http://schemas.openxmlformats.org/officeDocument/2006/relationships" type="ellipse" r:blip="">
+          <dgm:adjLst/>
+        </dgm:shape>
+        <dgm:presOf/>
+        <dgm:constrLst/>
+        <dgm:ruleLst/>
+      </dgm:layoutNode>
+      <dgm:layoutNode name="circ6Tx" styleLbl="revTx">
+        <dgm:varLst>
+          <dgm:chMax val="0"/>
+          <dgm:chPref val="0"/>
+          <dgm:bulletEnabled val="1"/>
+        </dgm:varLst>
+        <dgm:alg type="tx">
+          <dgm:param type="txAnchorHorzCh" val="ctr"/>
+          <dgm:param type="txAnchorVertCh" val="mid"/>
+        </dgm:alg>
+        <dgm:shape xmlns:r="http://schemas.openxmlformats.org/officeDocument/2006/relationships" type="rect" r:blip="" hideGeom="1">
+          <dgm:adjLst/>
+        </dgm:shape>
+        <dgm:choose name="Name117">
+          <dgm:if name="Name118" func="var" arg="dir" op="equ" val="norm">
+            <dgm:presOf axis="desOrSelf" ptType="node"/>
+          </dgm:if>
+          <dgm:else name="Name119">
+            <dgm:choose name="Name120">
+              <dgm:if name="Name121" axis="root ch" ptType="all node" func="cnt" op="equ" val="6">
+                <dgm:presOf axis="root ch desOrSelf" ptType="all node node" st="1 2 1" cnt="1 1 0"/>
+              </dgm:if>
+              <dgm:else name="Name122">
+                <dgm:presOf axis="root ch desOrSelf" ptType="all node node" st="1 3 1" cnt="1 1 0"/>
+              </dgm:else>
+            </dgm:choose>
+          </dgm:else>
+        </dgm:choose>
+        <dgm:constrLst>
+          <dgm:constr type="tMarg"/>
+          <dgm:constr type="bMarg"/>
+          <dgm:constr type="lMarg"/>
+          <dgm:constr type="rMarg"/>
+          <dgm:constr type="primFontSz" val="65"/>
+        </dgm:constrLst>
+        <dgm:ruleLst>
+          <dgm:rule type="primFontSz" val="5" fact="NaN" max="NaN"/>
+        </dgm:ruleLst>
+      </dgm:layoutNode>
+    </dgm:forEach>
+    <dgm:forEach name="Name123" axis="ch" ptType="node" st="7" cnt="1">
+      <dgm:layoutNode name="circ7" styleLbl="vennNode1">
+        <dgm:alg type="sp"/>
+        <dgm:shape xmlns:r="http://schemas.openxmlformats.org/officeDocument/2006/relationships" type="ellipse" r:blip="">
+          <dgm:adjLst/>
+        </dgm:shape>
+        <dgm:presOf/>
+        <dgm:constrLst/>
+        <dgm:ruleLst/>
+      </dgm:layoutNode>
+      <dgm:layoutNode name="circ7Tx" styleLbl="revTx">
+        <dgm:varLst>
+          <dgm:chMax val="0"/>
+          <dgm:chPref val="0"/>
+          <dgm:bulletEnabled val="1"/>
+        </dgm:varLst>
+        <dgm:alg type="tx">
+          <dgm:param type="txAnchorHorzCh" val="ctr"/>
+          <dgm:param type="txAnchorVertCh" val="mid"/>
+        </dgm:alg>
+        <dgm:shape xmlns:r="http://schemas.openxmlformats.org/officeDocument/2006/relationships" type="rect" r:blip="" hideGeom="1">
+          <dgm:adjLst/>
+        </dgm:shape>
+        <dgm:choose name="Name124">
+          <dgm:if name="Name125" func="var" arg="dir" op="equ" val="norm">
+            <dgm:presOf axis="desOrSelf" ptType="node"/>
+          </dgm:if>
+          <dgm:else name="Name126">
+            <dgm:presOf axis="root ch desOrSelf" ptType="all node node" st="1 2 1" cnt="1 1 0"/>
+          </dgm:else>
+        </dgm:choose>
+        <dgm:constrLst>
+          <dgm:constr type="tMarg"/>
+          <dgm:constr type="bMarg"/>
+          <dgm:constr type="lMarg"/>
+          <dgm:constr type="rMarg"/>
+          <dgm:constr type="primFontSz" val="65"/>
+        </dgm:constrLst>
+        <dgm:ruleLst>
+          <dgm:rule type="primFontSz" val="5" fact="NaN" max="NaN"/>
+        </dgm:ruleLst>
+      </dgm:layoutNode>
+    </dgm:forEach>
+  </dgm:layoutNode>
+</dgm:layoutDef>
+</file>
+
+<file path=ppt/diagrams/quickStyle1.xml><?xml version="1.0" encoding="utf-8"?>
+<dgm:styleDef xmlns:dgm="http://schemas.openxmlformats.org/drawingml/2006/diagram" xmlns:a="http://schemas.openxmlformats.org/drawingml/2006/main" uniqueId="urn:microsoft.com/office/officeart/2005/8/quickstyle/simple3">
+  <dgm:title val=""/>
+  <dgm:desc val=""/>
+  <dgm:catLst>
+    <dgm:cat type="simple" pri="10300"/>
+  </dgm:catLst>
+  <dgm:scene3d>
+    <a:camera prst="orthographicFront"/>
+    <a:lightRig rig="threePt" dir="t"/>
+  </dgm:scene3d>
+  <dgm:styleLbl name="node0">
+    <dgm:scene3d>
+      <a:camera prst="orthographicFront"/>
+      <a:lightRig rig="flat" dir="t"/>
+    </dgm:scene3d>
+    <dgm:sp3d prstMaterial="dkEdge">
+      <a:bevelT w="8200" h="38100"/>
+    </dgm:sp3d>
+    <dgm:txPr/>
+    <dgm:style>
+      <a:lnRef idx="0">
+        <a:scrgbClr r="0" g="0" b="0"/>
+      </a:lnRef>
+      <a:fillRef idx="2">
+        <a:scrgbClr r="0" g="0" b="0"/>
+      </a:fillRef>
+      <a:effectRef idx="1">
+        <a:scrgbClr r="0" g="0" b="0"/>
+      </a:effectRef>
+      <a:fontRef idx="minor">
+        <a:schemeClr val="dk1"/>
+      </a:fontRef>
+    </dgm:style>
+  </dgm:styleLbl>
+  <dgm:styleLbl name="lnNode1">
+    <dgm:scene3d>
+      <a:camera prst="orthographicFront"/>
+      <a:lightRig rig="flat" dir="t"/>
+    </dgm:scene3d>
+    <dgm:sp3d prstMaterial="dkEdge">
+      <a:bevelT w="8200" h="38100"/>
+    </dgm:sp3d>
+    <dgm:txPr/>
+    <dgm:style>
+      <a:lnRef idx="1">
+        <a:scrgbClr r="0" g="0" b="0"/>
+      </a:lnRef>
+      <a:fillRef idx="2">
+        <a:scrgbClr r="0" g="0" b="0"/>
+      </a:fillRef>
+      <a:effectRef idx="0">
+        <a:scrgbClr r="0" g="0" b="0"/>
+      </a:effectRef>
+      <a:fontRef idx="minor">
+        <a:schemeClr val="dk1"/>
+      </a:fontRef>
+    </dgm:style>
+  </dgm:styleLbl>
+  <dgm:styleLbl name="vennNode1">
+    <dgm:scene3d>
+      <a:camera prst="orthographicFront"/>
+      <a:lightRig rig="flat" dir="t"/>
+    </dgm:scene3d>
+    <dgm:sp3d prstMaterial="dkEdge">
+      <a:bevelT w="8200" h="38100"/>
+    </dgm:sp3d>
+    <dgm:txPr/>
+    <dgm:style>
+      <a:lnRef idx="0">
+        <a:scrgbClr r="0" g="0" b="0"/>
+      </a:lnRef>
+      <a:fillRef idx="2">
+        <a:scrgbClr r="0" g="0" b="0"/>
+      </a:fillRef>
+      <a:effectRef idx="0">
+        <a:scrgbClr r="0" g="0" b="0"/>
+      </a:effectRef>
+      <a:fontRef idx="minor">
+        <a:schemeClr val="tx1"/>
+      </a:fontRef>
+    </dgm:style>
+  </dgm:styleLbl>
+  <dgm:styleLbl name="alignNode1">
+    <dgm:scene3d>
+      <a:camera prst="orthographicFront"/>
+      <a:lightRig rig="threePt" dir="t"/>
+    </dgm:scene3d>
+    <dgm:sp3d/>
+    <dgm:txPr/>
+    <dgm:style>
+      <a:lnRef idx="1">
+        <a:scrgbClr r="0" g="0" b="0"/>
+      </a:lnRef>
+      <a:fillRef idx="2">
+        <a:scrgbClr r="0" g="0" b="0"/>
+      </a:fillRef>
+      <a:effectRef idx="1">
+        <a:scrgbClr r="0" g="0" b="0"/>
+      </a:effectRef>
+      <a:fontRef idx="minor">
+        <a:schemeClr val="dk1"/>
+      </a:fontRef>
+    </dgm:style>
+  </dgm:styleLbl>
+  <dgm:styleLbl name="node1">
+    <dgm:scene3d>
+      <a:camera prst="orthographicFront"/>
+      <a:lightRig rig="flat" dir="t"/>
+    </dgm:scene3d>
+    <dgm:sp3d prstMaterial="dkEdge">
+      <a:bevelT w="8200" h="38100"/>
+    </dgm:sp3d>
+    <dgm:txPr/>
+    <dgm:style>
+      <a:lnRef idx="0">
+        <a:scrgbClr r="0" g="0" b="0"/>
+      </a:lnRef>
+      <a:fillRef idx="2">
+        <a:scrgbClr r="0" g="0" b="0"/>
+      </a:fillRef>
+      <a:effectRef idx="1">
+        <a:scrgbClr r="0" g="0" b="0"/>
+      </a:effectRef>
+      <a:fontRef idx="minor">
+        <a:schemeClr val="dk1"/>
+      </a:fontRef>
+    </dgm:style>
+  </dgm:styleLbl>
+  <dgm:styleLbl name="node2">
+    <dgm:scene3d>
+      <a:camera prst="orthographicFront"/>
+      <a:lightRig rig="flat" dir="t"/>
+    </dgm:scene3d>
+    <dgm:sp3d prstMaterial="dkEdge">
+      <a:bevelT w="8200" h="38100"/>
+    </dgm:sp3d>
+    <dgm:txPr/>
+    <dgm:style>
+      <a:lnRef idx="0">
+        <a:scrgbClr r="0" g="0" b="0"/>
+      </a:lnRef>
+      <a:fillRef idx="2">
+        <a:scrgbClr r="0" g="0" b="0"/>
+      </a:fillRef>
+      <a:effectRef idx="1">
+        <a:scrgbClr r="0" g="0" b="0"/>
+      </a:effectRef>
+      <a:fontRef idx="minor">
+        <a:schemeClr val="dk1"/>
+      </a:fontRef>
+    </dgm:style>
+  </dgm:styleLbl>
+  <dgm:styleLbl name="node3">
+    <dgm:scene3d>
+      <a:camera prst="orthographicFront"/>
+      <a:lightRig rig="flat" dir="t"/>
+    </dgm:scene3d>
+    <dgm:sp3d prstMaterial="dkEdge">
+      <a:bevelT w="8200" h="38100"/>
+    </dgm:sp3d>
+    <dgm:txPr/>
+    <dgm:style>
+      <a:lnRef idx="0">
+        <a:scrgbClr r="0" g="0" b="0"/>
+      </a:lnRef>
+      <a:fillRef idx="2">
+        <a:scrgbClr r="0" g="0" b="0"/>
+      </a:fillRef>
+      <a:effectRef idx="1">
+        <a:scrgbClr r="0" g="0" b="0"/>
+      </a:effectRef>
+      <a:fontRef idx="minor">
+        <a:schemeClr val="dk1"/>
+      </a:fontRef>
+    </dgm:style>
+  </dgm:styleLbl>
+  <dgm:styleLbl name="node4">
+    <dgm:scene3d>
+      <a:camera prst="orthographicFront"/>
+      <a:lightRig rig="flat" dir="t"/>
+    </dgm:scene3d>
+    <dgm:sp3d prstMaterial="dkEdge">
+      <a:bevelT w="8200" h="38100"/>
+    </dgm:sp3d>
+    <dgm:txPr/>
+    <dgm:style>
+      <a:lnRef idx="0">
+        <a:scrgbClr r="0" g="0" b="0"/>
+      </a:lnRef>
+      <a:fillRef idx="2">
+        <a:scrgbClr r="0" g="0" b="0"/>
+      </a:fillRef>
+      <a:effectRef idx="1">
+        <a:scrgbClr r="0" g="0" b="0"/>
+      </a:effectRef>
+      <a:fontRef idx="minor">
+        <a:schemeClr val="dk1"/>
+      </a:fontRef>
+    </dgm:style>
+  </dgm:styleLbl>
+  <dgm:styleLbl name="fgImgPlace1">
+    <dgm:scene3d>
+      <a:camera prst="orthographicFront"/>
+      <a:lightRig rig="threePt" dir="t"/>
+    </dgm:scene3d>
+    <dgm:sp3d/>
+    <dgm:txPr/>
+    <dgm:style>
+      <a:lnRef idx="1">
+        <a:scrgbClr r="0" g="0" b="0"/>
+      </a:lnRef>
+      <a:fillRef idx="1">
+        <a:scrgbClr r="0" g="0" b="0"/>
+      </a:fillRef>
+      <a:effectRef idx="1">
+        <a:scrgbClr r="0" g="0" b="0"/>
+      </a:effectRef>
+      <a:fontRef idx="minor"/>
+    </dgm:style>
+  </dgm:styleLbl>
+  <dgm:styleLbl name="alignImgPlace1">
+    <dgm:scene3d>
+      <a:camera prst="orthographicFront"/>
+      <a:lightRig rig="threePt" dir="t"/>
+    </dgm:scene3d>
+    <dgm:sp3d/>
+    <dgm:txPr/>
+    <dgm:style>
+      <a:lnRef idx="1">
+        <a:scrgbClr r="0" g="0" b="0"/>
+      </a:lnRef>
+      <a:fillRef idx="1">
+        <a:scrgbClr r="0" g="0" b="0"/>
+      </a:fillRef>
+      <a:effectRef idx="1">
+        <a:scrgbClr r="0" g="0" b="0"/>
+      </a:effectRef>
+      <a:fontRef idx="minor"/>
+    </dgm:style>
+  </dgm:styleLbl>
+  <dgm:styleLbl name="bgImgPlace1">
+    <dgm:scene3d>
+      <a:camera prst="orthographicFront"/>
+      <a:lightRig rig="threePt" dir="t"/>
+    </dgm:scene3d>
+    <dgm:sp3d/>
+    <dgm:txPr/>
+    <dgm:style>
+      <a:lnRef idx="1">
+        <a:scrgbClr r="0" g="0" b="0"/>
+      </a:lnRef>
+      <a:fillRef idx="1">
+        <a:scrgbClr r="0" g="0" b="0"/>
+      </a:fillRef>
+      <a:effectRef idx="1">
+        <a:scrgbClr r="0" g="0" b="0"/>
+      </a:effectRef>
+      <a:fontRef idx="minor"/>
+    </dgm:style>
+  </dgm:styleLbl>
+  <dgm:styleLbl name="sibTrans2D1">
+    <dgm:scene3d>
+      <a:camera prst="orthographicFront"/>
+      <a:lightRig rig="threePt" dir="t"/>
+    </dgm:scene3d>
+    <dgm:sp3d/>
+    <dgm:txPr/>
+    <dgm:style>
+      <a:lnRef idx="0">
+        <a:scrgbClr r="0" g="0" b="0"/>
+      </a:lnRef>
+      <a:fillRef idx="2">
+        <a:scrgbClr r="0" g="0" b="0"/>
+      </a:fillRef>
+      <a:effectRef idx="1">
+        <a:scrgbClr r="0" g="0" b="0"/>
+      </a:effectRef>
+      <a:fontRef idx="minor">
+        <a:schemeClr val="dk1"/>
+      </a:fontRef>
+    </dgm:style>
+  </dgm:styleLbl>
+  <dgm:styleLbl name="fgSibTrans2D1">
+    <dgm:scene3d>
+      <a:camera prst="orthographicFront"/>
+      <a:lightRig rig="threePt" dir="t"/>
+    </dgm:scene3d>
+    <dgm:sp3d/>
+    <dgm:txPr/>
+    <dgm:style>
+      <a:lnRef idx="0">
+        <a:scrgbClr r="0" g="0" b="0"/>
+      </a:lnRef>
+      <a:fillRef idx="2">
+        <a:scrgbClr r="0" g="0" b="0"/>
+      </a:fillRef>
+      <a:effectRef idx="1">
+        <a:scrgbClr r="0" g="0" b="0"/>
+      </a:effectRef>
+      <a:fontRef idx="minor">
+        <a:schemeClr val="dk1"/>
+      </a:fontRef>
+    </dgm:style>
+  </dgm:styleLbl>
+  <dgm:styleLbl name="bgSibTrans2D1">
+    <dgm:scene3d>
+      <a:camera prst="orthographicFront"/>
+      <a:lightRig rig="threePt" dir="t"/>
+    </dgm:scene3d>
+    <dgm:sp3d/>
+    <dgm:txPr/>
+    <dgm:style>
+      <a:lnRef idx="0">
+        <a:scrgbClr r="0" g="0" b="0"/>
+      </a:lnRef>
+      <a:fillRef idx="2">
+        <a:scrgbClr r="0" g="0" b="0"/>
+      </a:fillRef>
+      <a:effectRef idx="1">
+        <a:scrgbClr r="0" g="0" b="0"/>
+      </a:effectRef>
+      <a:fontRef idx="minor">
+        <a:schemeClr val="dk1"/>
+      </a:fontRef>
+    </dgm:style>
+  </dgm:styleLbl>
+  <dgm:styleLbl name="sibTrans1D1">
+    <dgm:scene3d>
+      <a:camera prst="orthographicFront"/>
+      <a:lightRig rig="threePt" dir="t"/>
+    </dgm:scene3d>
+    <dgm:sp3d/>
+    <dgm:txPr/>
+    <dgm:style>
+      <a:lnRef idx="1">
+        <a:scrgbClr r="0" g="0" b="0"/>
+      </a:lnRef>
+      <a:fillRef idx="0">
+        <a:scrgbClr r="0" g="0" b="0"/>
+      </a:fillRef>
+      <a:effectRef idx="0">
+        <a:scrgbClr r="0" g="0" b="0"/>
+      </a:effectRef>
+      <a:fontRef idx="minor"/>
+    </dgm:style>
+  </dgm:styleLbl>
+  <dgm:styleLbl name="callout">
+    <dgm:scene3d>
+      <a:camera prst="orthographicFront"/>
+      <a:lightRig rig="threePt" dir="t"/>
+    </dgm:scene3d>
+    <dgm:sp3d/>
+    <dgm:txPr/>
+    <dgm:style>
+      <a:lnRef idx="1">
+        <a:scrgbClr r="0" g="0" b="0"/>
+      </a:lnRef>
+      <a:fillRef idx="2">
+        <a:scrgbClr r="0" g="0" b="0"/>
+      </a:fillRef>
+      <a:effectRef idx="1">
+        <a:scrgbClr r="0" g="0" b="0"/>
+      </a:effectRef>
+      <a:fontRef idx="minor"/>
+    </dgm:style>
+  </dgm:styleLbl>
+  <dgm:styleLbl name="asst0">
+    <dgm:scene3d>
+      <a:camera prst="orthographicFront"/>
+      <a:lightRig rig="flat" dir="t"/>
+    </dgm:scene3d>
+    <dgm:sp3d prstMaterial="dkEdge">
+      <a:bevelT w="8200" h="38100"/>
+    </dgm:sp3d>
+    <dgm:txPr/>
+    <dgm:style>
+      <a:lnRef idx="0">
+        <a:scrgbClr r="0" g="0" b="0"/>
+      </a:lnRef>
+      <a:fillRef idx="2">
+        <a:scrgbClr r="0" g="0" b="0"/>
+      </a:fillRef>
+      <a:effectRef idx="1">
+        <a:scrgbClr r="0" g="0" b="0"/>
+      </a:effectRef>
+      <a:fontRef idx="minor">
+        <a:schemeClr val="dk1"/>
+      </a:fontRef>
+    </dgm:style>
+  </dgm:styleLbl>
+  <dgm:styleLbl name="asst1">
+    <dgm:scene3d>
+      <a:camera prst="orthographicFront"/>
+      <a:lightRig rig="flat" dir="t"/>
+    </dgm:scene3d>
+    <dgm:sp3d prstMaterial="dkEdge">
+      <a:bevelT w="8200" h="38100"/>
+    </dgm:sp3d>
+    <dgm:txPr/>
+    <dgm:style>
+      <a:lnRef idx="0">
+        <a:scrgbClr r="0" g="0" b="0"/>
+      </a:lnRef>
+      <a:fillRef idx="2">
+        <a:scrgbClr r="0" g="0" b="0"/>
+      </a:fillRef>
+      <a:effectRef idx="1">
+        <a:scrgbClr r="0" g="0" b="0"/>
+      </a:effectRef>
+      <a:fontRef idx="minor">
+        <a:schemeClr val="dk1"/>
+      </a:fontRef>
+    </dgm:style>
+  </dgm:styleLbl>
+  <dgm:styleLbl name="asst2">
+    <dgm:scene3d>
+      <a:camera prst="orthographicFront"/>
+      <a:lightRig rig="flat" dir="t"/>
+    </dgm:scene3d>
+    <dgm:sp3d prstMaterial="dkEdge">
+      <a:bevelT w="8200" h="38100"/>
+    </dgm:sp3d>
+    <dgm:txPr/>
+    <dgm:style>
+      <a:lnRef idx="0">
+        <a:scrgbClr r="0" g="0" b="0"/>
+      </a:lnRef>
+      <a:fillRef idx="2">
+        <a:scrgbClr r="0" g="0" b="0"/>
+      </a:fillRef>
+      <a:effectRef idx="1">
+        <a:scrgbClr r="0" g="0" b="0"/>
+      </a:effectRef>
+      <a:fontRef idx="minor">
+        <a:schemeClr val="dk1"/>
+      </a:fontRef>
+    </dgm:style>
+  </dgm:styleLbl>
+  <dgm:styleLbl name="asst3">
+    <dgm:scene3d>
+      <a:camera prst="orthographicFront"/>
+      <a:lightRig rig="flat" dir="t"/>
+    </dgm:scene3d>
+    <dgm:sp3d prstMaterial="dkEdge">
+      <a:bevelT w="8200" h="38100"/>
+    </dgm:sp3d>
+    <dgm:txPr/>
+    <dgm:style>
+      <a:lnRef idx="0">
+        <a:scrgbClr r="0" g="0" b="0"/>
+      </a:lnRef>
+      <a:fillRef idx="2">
+        <a:scrgbClr r="0" g="0" b="0"/>
+      </a:fillRef>
+      <a:effectRef idx="1">
+        <a:scrgbClr r="0" g="0" b="0"/>
+      </a:effectRef>
+      <a:fontRef idx="minor">
+        <a:schemeClr val="dk1"/>
+      </a:fontRef>
+    </dgm:style>
+  </dgm:styleLbl>
+  <dgm:styleLbl name="asst4">
+    <dgm:scene3d>
+      <a:camera prst="orthographicFront"/>
+      <a:lightRig rig="flat" dir="t"/>
+    </dgm:scene3d>
+    <dgm:sp3d prstMaterial="dkEdge">
+      <a:bevelT w="8200" h="38100"/>
+    </dgm:sp3d>
+    <dgm:txPr/>
+    <dgm:style>
+      <a:lnRef idx="0">
+        <a:scrgbClr r="0" g="0" b="0"/>
+      </a:lnRef>
+      <a:fillRef idx="2">
+        <a:scrgbClr r="0" g="0" b="0"/>
+      </a:fillRef>
+      <a:effectRef idx="1">
+        <a:scrgbClr r="0" g="0" b="0"/>
+      </a:effectRef>
+      <a:fontRef idx="minor">
+        <a:schemeClr val="dk1"/>
+      </a:fontRef>
+    </dgm:style>
+  </dgm:styleLbl>
+  <dgm:styleLbl name="parChTrans2D1">
+    <dgm:scene3d>
+      <a:camera prst="orthographicFront"/>
+      <a:lightRig rig="threePt" dir="t"/>
+    </dgm:scene3d>
+    <dgm:sp3d/>
+    <dgm:txPr/>
+    <dgm:style>
+      <a:lnRef idx="1">
+        <a:scrgbClr r="0" g="0" b="0"/>
+      </a:lnRef>
+      <a:fillRef idx="2">
+        <a:scrgbClr r="0" g="0" b="0"/>
+      </a:fillRef>
+      <a:effectRef idx="1">
+        <a:scrgbClr r="0" g="0" b="0"/>
+      </a:effectRef>
+      <a:fontRef idx="minor">
+        <a:schemeClr val="dk1"/>
+      </a:fontRef>
+    </dgm:style>
+  </dgm:styleLbl>
+  <dgm:styleLbl name="parChTrans2D2">
+    <dgm:scene3d>
+      <a:camera prst="orthographicFront"/>
+      <a:lightRig rig="threePt" dir="t"/>
+    </dgm:scene3d>
+    <dgm:sp3d/>
+    <dgm:txPr/>
+    <dgm:style>
+      <a:lnRef idx="1">
+        <a:scrgbClr r="0" g="0" b="0"/>
+      </a:lnRef>
+      <a:fillRef idx="2">
+        <a:scrgbClr r="0" g="0" b="0"/>
+      </a:fillRef>
+      <a:effectRef idx="1">
+        <a:scrgbClr r="0" g="0" b="0"/>
+      </a:effectRef>
+      <a:fontRef idx="minor">
+        <a:schemeClr val="dk1"/>
+      </a:fontRef>
+    </dgm:style>
+  </dgm:styleLbl>
+  <dgm:styleLbl name="parChTrans2D3">
+    <dgm:scene3d>
+      <a:camera prst="orthographicFront"/>
+      <a:lightRig rig="threePt" dir="t"/>
+    </dgm:scene3d>
+    <dgm:sp3d/>
+    <dgm:txPr/>
+    <dgm:style>
+      <a:lnRef idx="1">
+        <a:scrgbClr r="0" g="0" b="0"/>
+      </a:lnRef>
+      <a:fillRef idx="2">
+        <a:scrgbClr r="0" g="0" b="0"/>
+      </a:fillRef>
+      <a:effectRef idx="1">
+        <a:scrgbClr r="0" g="0" b="0"/>
+      </a:effectRef>
+      <a:fontRef idx="minor">
+        <a:schemeClr val="dk1"/>
+      </a:fontRef>
+    </dgm:style>
+  </dgm:styleLbl>
+  <dgm:styleLbl name="parChTrans2D4">
+    <dgm:scene3d>
+      <a:camera prst="orthographicFront"/>
+      <a:lightRig rig="threePt" dir="t"/>
+    </dgm:scene3d>
+    <dgm:sp3d/>
+    <dgm:txPr/>
+    <dgm:style>
+      <a:lnRef idx="1">
+        <a:scrgbClr r="0" g="0" b="0"/>
+      </a:lnRef>
+      <a:fillRef idx="2">
+        <a:scrgbClr r="0" g="0" b="0"/>
+      </a:fillRef>
+      <a:effectRef idx="1">
+        <a:scrgbClr r="0" g="0" b="0"/>
+      </a:effectRef>
+      <a:fontRef idx="minor">
+        <a:schemeClr val="dk1"/>
+      </a:fontRef>
+    </dgm:style>
+  </dgm:styleLbl>
+  <dgm:styleLbl name="parChTrans1D1">
+    <dgm:scene3d>
+      <a:camera prst="orthographicFront"/>
+      <a:lightRig rig="threePt" dir="t"/>
+    </dgm:scene3d>
+    <dgm:sp3d/>
+    <dgm:txPr/>
+    <dgm:style>
+      <a:lnRef idx="2">
+        <a:scrgbClr r="0" g="0" b="0"/>
+      </a:lnRef>
+      <a:fillRef idx="0">
+        <a:scrgbClr r="0" g="0" b="0"/>
+      </a:fillRef>
+      <a:effectRef idx="0">
+        <a:scrgbClr r="0" g="0" b="0"/>
+      </a:effectRef>
+      <a:fontRef idx="minor"/>
+    </dgm:style>
+  </dgm:styleLbl>
+  <dgm:styleLbl name="parChTrans1D2">
+    <dgm:scene3d>
+      <a:camera prst="orthographicFront"/>
+      <a:lightRig rig="threePt" dir="t"/>
+    </dgm:scene3d>
+    <dgm:sp3d/>
+    <dgm:txPr/>
+    <dgm:style>
+      <a:lnRef idx="2">
+        <a:scrgbClr r="0" g="0" b="0"/>
+      </a:lnRef>
+      <a:fillRef idx="0">
+        <a:scrgbClr r="0" g="0" b="0"/>
+      </a:fillRef>
+      <a:effectRef idx="0">
+        <a:scrgbClr r="0" g="0" b="0"/>
+      </a:effectRef>
+      <a:fontRef idx="minor"/>
+    </dgm:style>
+  </dgm:styleLbl>
+  <dgm:styleLbl name="parChTrans1D3">
+    <dgm:scene3d>
+      <a:camera prst="orthographicFront"/>
+      <a:lightRig rig="threePt" dir="t"/>
+    </dgm:scene3d>
+    <dgm:sp3d/>
+    <dgm:txPr/>
+    <dgm:style>
+      <a:lnRef idx="2">
+        <a:scrgbClr r="0" g="0" b="0"/>
+      </a:lnRef>
+      <a:fillRef idx="0">
+        <a:scrgbClr r="0" g="0" b="0"/>
+      </a:fillRef>
+      <a:effectRef idx="0">
+        <a:scrgbClr r="0" g="0" b="0"/>
+      </a:effectRef>
+      <a:fontRef idx="minor"/>
+    </dgm:style>
+  </dgm:styleLbl>
+  <dgm:styleLbl name="parChTrans1D4">
+    <dgm:scene3d>
+      <a:camera prst="orthographicFront"/>
+      <a:lightRig rig="threePt" dir="t"/>
+    </dgm:scene3d>
+    <dgm:sp3d/>
+    <dgm:txPr/>
+    <dgm:style>
+      <a:lnRef idx="2">
+        <a:scrgbClr r="0" g="0" b="0"/>
+      </a:lnRef>
+      <a:fillRef idx="0">
+        <a:scrgbClr r="0" g="0" b="0"/>
+      </a:fillRef>
+      <a:effectRef idx="0">
+        <a:scrgbClr r="0" g="0" b="0"/>
+      </a:effectRef>
+      <a:fontRef idx="minor"/>
+    </dgm:style>
+  </dgm:styleLbl>
+  <dgm:styleLbl name="fgAcc1">
+    <dgm:scene3d>
+      <a:camera prst="orthographicFront"/>
+      <a:lightRig rig="threePt" dir="t"/>
+    </dgm:scene3d>
+    <dgm:sp3d/>
+    <dgm:txPr/>
+    <dgm:style>
+      <a:lnRef idx="1">
+        <a:scrgbClr r="0" g="0" b="0"/>
+      </a:lnRef>
+      <a:fillRef idx="1">
+        <a:scrgbClr r="0" g="0" b="0"/>
+      </a:fillRef>
+      <a:effectRef idx="0">
+        <a:scrgbClr r="0" g="0" b="0"/>
+      </a:effectRef>
+      <a:fontRef idx="minor"/>
+    </dgm:style>
+  </dgm:styleLbl>
+  <dgm:styleLbl name="conFgAcc1">
+    <dgm:scene3d>
+      <a:camera prst="orthographicFront"/>
+      <a:lightRig rig="threePt" dir="t"/>
+    </dgm:scene3d>
+    <dgm:sp3d/>
+    <dgm:txPr/>
+    <dgm:style>
+      <a:lnRef idx="1">
+        <a:scrgbClr r="0" g="0" b="0"/>
+      </a:lnRef>
+      <a:fillRef idx="1">
+        <a:scrgbClr r="0" g="0" b="0"/>
+      </a:fillRef>
+      <a:effectRef idx="0">
+        <a:scrgbClr r="0" g="0" b="0"/>
+      </a:effectRef>
+      <a:fontRef idx="minor"/>
+    </dgm:style>
+  </dgm:styleLbl>
+  <dgm:styleLbl name="alignAcc1">
+    <dgm:scene3d>
+      <a:camera prst="orthographicFront"/>
+      <a:lightRig rig="threePt" dir="t"/>
+    </dgm:scene3d>
+    <dgm:sp3d/>
+    <dgm:txPr/>
+    <dgm:style>
+      <a:lnRef idx="1">
+        <a:scrgbClr r="0" g="0" b="0"/>
+      </a:lnRef>
+      <a:fillRef idx="1">
+        <a:scrgbClr r="0" g="0" b="0"/>
+      </a:fillRef>
+      <a:effectRef idx="0">
+        <a:scrgbClr r="0" g="0" b="0"/>
+      </a:effectRef>
+      <a:fontRef idx="minor"/>
+    </dgm:style>
+  </dgm:styleLbl>
+  <dgm:styleLbl name="trAlignAcc1">
+    <dgm:scene3d>
+      <a:camera prst="orthographicFront"/>
+      <a:lightRig rig="threePt" dir="t"/>
+    </dgm:scene3d>
+    <dgm:sp3d/>
+    <dgm:txPr/>
+    <dgm:style>
+      <a:lnRef idx="1">
+        <a:scrgbClr r="0" g="0" b="0"/>
+      </a:lnRef>
+      <a:fillRef idx="1">
+        <a:scrgbClr r="0" g="0" b="0"/>
+      </a:fillRef>
+      <a:effectRef idx="0">
+        <a:scrgbClr r="0" g="0" b="0"/>
+      </a:effectRef>
+      <a:fontRef idx="minor"/>
+    </dgm:style>
+  </dgm:styleLbl>
+  <dgm:styleLbl name="bgAcc1">
+    <dgm:scene3d>
+      <a:camera prst="orthographicFront"/>
+      <a:lightRig rig="threePt" dir="t"/>
+    </dgm:scene3d>
+    <dgm:sp3d/>
+    <dgm:txPr/>
+    <dgm:style>
+      <a:lnRef idx="1">
+        <a:scrgbClr r="0" g="0" b="0"/>
+      </a:lnRef>
+      <a:fillRef idx="1">
+        <a:scrgbClr r="0" g="0" b="0"/>
+      </a:fillRef>
+      <a:effectRef idx="0">
+        <a:scrgbClr r="0" g="0" b="0"/>
+      </a:effectRef>
+      <a:fontRef idx="minor"/>
+    </dgm:style>
+  </dgm:styleLbl>
+  <dgm:styleLbl name="solidFgAcc1">
+    <dgm:scene3d>
+      <a:camera prst="orthographicFront"/>
+      <a:lightRig rig="threePt" dir="t"/>
+    </dgm:scene3d>
+    <dgm:sp3d/>
+    <dgm:txPr/>
+    <dgm:style>
+      <a:lnRef idx="1">
+        <a:scrgbClr r="0" g="0" b="0"/>
+      </a:lnRef>
+      <a:fillRef idx="2">
+        <a:scrgbClr r="0" g="0" b="0"/>
+      </a:fillRef>
+      <a:effectRef idx="0">
+        <a:scrgbClr r="0" g="0" b="0"/>
+      </a:effectRef>
+      <a:fontRef idx="minor"/>
+    </dgm:style>
+  </dgm:styleLbl>
+  <dgm:styleLbl name="solidAlignAcc1">
+    <dgm:scene3d>
+      <a:camera prst="orthographicFront"/>
+      <a:lightRig rig="threePt" dir="t"/>
+    </dgm:scene3d>
+    <dgm:sp3d/>
+    <dgm:txPr/>
+    <dgm:style>
+      <a:lnRef idx="1">
+        <a:scrgbClr r="0" g="0" b="0"/>
+      </a:lnRef>
+      <a:fillRef idx="1">
+        <a:scrgbClr r="0" g="0" b="0"/>
+      </a:fillRef>
+      <a:effectRef idx="0">
+        <a:scrgbClr r="0" g="0" b="0"/>
+      </a:effectRef>
+      <a:fontRef idx="minor"/>
+    </dgm:style>
+  </dgm:styleLbl>
+  <dgm:styleLbl name="solidBgAcc1">
+    <dgm:scene3d>
+      <a:camera prst="orthographicFront"/>
+      <a:lightRig rig="threePt" dir="t"/>
+    </dgm:scene3d>
+    <dgm:sp3d/>
+    <dgm:txPr/>
+    <dgm:style>
+      <a:lnRef idx="1">
+        <a:scrgbClr r="0" g="0" b="0"/>
+      </a:lnRef>
+      <a:fillRef idx="1">
+        <a:scrgbClr r="0" g="0" b="0"/>
+      </a:fillRef>
+      <a:effectRef idx="0">
+        <a:scrgbClr r="0" g="0" b="0"/>
+      </a:effectRef>
+      <a:fontRef idx="minor"/>
+    </dgm:style>
+  </dgm:styleLbl>
+  <dgm:styleLbl name="fgAccFollowNode1">
+    <dgm:scene3d>
+      <a:camera prst="orthographicFront"/>
+      <a:lightRig rig="threePt" dir="t"/>
+    </dgm:scene3d>
+    <dgm:sp3d/>
+    <dgm:txPr/>
+    <dgm:style>
+      <a:lnRef idx="1">
+        <a:scrgbClr r="0" g="0" b="0"/>
+      </a:lnRef>
+      <a:fillRef idx="1">
+        <a:scrgbClr r="0" g="0" b="0"/>
+      </a:fillRef>
+      <a:effectRef idx="0">
+        <a:scrgbClr r="0" g="0" b="0"/>
+      </a:effectRef>
+      <a:fontRef idx="minor"/>
+    </dgm:style>
+  </dgm:styleLbl>
+  <dgm:styleLbl name="alignAccFollowNode1">
+    <dgm:scene3d>
+      <a:camera prst="orthographicFront"/>
+      <a:lightRig rig="threePt" dir="t"/>
+    </dgm:scene3d>
+    <dgm:sp3d/>
+    <dgm:txPr/>
+    <dgm:style>
+      <a:lnRef idx="1">
+        <a:scrgbClr r="0" g="0" b="0"/>
+      </a:lnRef>
+      <a:fillRef idx="1">
+        <a:scrgbClr r="0" g="0" b="0"/>
+      </a:fillRef>
+      <a:effectRef idx="0">
+        <a:scrgbClr r="0" g="0" b="0"/>
+      </a:effectRef>
+      <a:fontRef idx="minor"/>
+    </dgm:style>
+  </dgm:styleLbl>
+  <dgm:styleLbl name="bgAccFollowNode1">
+    <dgm:scene3d>
+      <a:camera prst="orthographicFront"/>
+      <a:lightRig rig="threePt" dir="t"/>
+    </dgm:scene3d>
+    <dgm:sp3d/>
+    <dgm:txPr/>
+    <dgm:style>
+      <a:lnRef idx="1">
+        <a:scrgbClr r="0" g="0" b="0"/>
+      </a:lnRef>
+      <a:fillRef idx="1">
+        <a:scrgbClr r="0" g="0" b="0"/>
+      </a:fillRef>
+      <a:effectRef idx="0">
+        <a:scrgbClr r="0" g="0" b="0"/>
+      </a:effectRef>
+      <a:fontRef idx="minor"/>
+    </dgm:style>
+  </dgm:styleLbl>
+  <dgm:styleLbl name="fgAcc0">
+    <dgm:scene3d>
+      <a:camera prst="orthographicFront"/>
+      <a:lightRig rig="threePt" dir="t"/>
+    </dgm:scene3d>
+    <dgm:sp3d/>
+    <dgm:txPr/>
+    <dgm:style>
+      <a:lnRef idx="1">
+        <a:scrgbClr r="0" g="0" b="0"/>
+      </a:lnRef>
+      <a:fillRef idx="1">
+        <a:scrgbClr r="0" g="0" b="0"/>
+      </a:fillRef>
+      <a:effectRef idx="0">
+        <a:scrgbClr r="0" g="0" b="0"/>
+      </a:effectRef>
+      <a:fontRef idx="minor"/>
+    </dgm:style>
+  </dgm:styleLbl>
+  <dgm:styleLbl name="fgAcc2">
+    <dgm:scene3d>
+      <a:camera prst="orthographicFront"/>
+      <a:lightRig rig="threePt" dir="t"/>
+    </dgm:scene3d>
+    <dgm:sp3d/>
+    <dgm:txPr/>
+    <dgm:style>
+      <a:lnRef idx="1">
+        <a:scrgbClr r="0" g="0" b="0"/>
+      </a:lnRef>
+      <a:fillRef idx="1">
+        <a:scrgbClr r="0" g="0" b="0"/>
+      </a:fillRef>
+      <a:effectRef idx="0">
+        <a:scrgbClr r="0" g="0" b="0"/>
+      </a:effectRef>
+      <a:fontRef idx="minor"/>
+    </dgm:style>
+  </dgm:styleLbl>
+  <dgm:styleLbl name="fgAcc3">
+    <dgm:scene3d>
+      <a:camera prst="orthographicFront"/>
+      <a:lightRig rig="threePt" dir="t"/>
+    </dgm:scene3d>
+    <dgm:sp3d/>
+    <dgm:txPr/>
+    <dgm:style>
+      <a:lnRef idx="1">
+        <a:scrgbClr r="0" g="0" b="0"/>
+      </a:lnRef>
+      <a:fillRef idx="1">
+        <a:scrgbClr r="0" g="0" b="0"/>
+      </a:fillRef>
+      <a:effectRef idx="0">
+        <a:scrgbClr r="0" g="0" b="0"/>
+      </a:effectRef>
+      <a:fontRef idx="minor"/>
+    </dgm:style>
+  </dgm:styleLbl>
+  <dgm:styleLbl name="fgAcc4">
+    <dgm:scene3d>
+      <a:camera prst="orthographicFront"/>
+      <a:lightRig rig="threePt" dir="t"/>
+    </dgm:scene3d>
+    <dgm:sp3d/>
+    <dgm:txPr/>
+    <dgm:style>
+      <a:lnRef idx="1">
+        <a:scrgbClr r="0" g="0" b="0"/>
+      </a:lnRef>
+      <a:fillRef idx="1">
+        <a:scrgbClr r="0" g="0" b="0"/>
+      </a:fillRef>
+      <a:effectRef idx="0">
+        <a:scrgbClr r="0" g="0" b="0"/>
+      </a:effectRef>
+      <a:fontRef idx="minor"/>
+    </dgm:style>
+  </dgm:styleLbl>
+  <dgm:styleLbl name="bgShp">
+    <dgm:scene3d>
+      <a:camera prst="orthographicFront"/>
+      <a:lightRig rig="threePt" dir="t"/>
+    </dgm:scene3d>
+    <dgm:sp3d/>
+    <dgm:txPr/>
+    <dgm:style>
+      <a:lnRef idx="0">
+        <a:scrgbClr r="0" g="0" b="0"/>
+      </a:lnRef>
+      <a:fillRef idx="1">
+        <a:scrgbClr r="0" g="0" b="0"/>
+      </a:fillRef>
+      <a:effectRef idx="1">
+        <a:scrgbClr r="0" g="0" b="0"/>
+      </a:effectRef>
+      <a:fontRef idx="minor"/>
+    </dgm:style>
+  </dgm:styleLbl>
+  <dgm:styleLbl name="dkBgShp">
+    <dgm:scene3d>
+      <a:camera prst="orthographicFront"/>
+      <a:lightRig rig="threePt" dir="t"/>
+    </dgm:scene3d>
+    <dgm:sp3d/>
+    <dgm:txPr/>
+    <dgm:style>
+      <a:lnRef idx="0">
+        <a:scrgbClr r="0" g="0" b="0"/>
+      </a:lnRef>
+      <a:fillRef idx="1">
+        <a:scrgbClr r="0" g="0" b="0"/>
+      </a:fillRef>
+      <a:effectRef idx="1">
+        <a:scrgbClr r="0" g="0" b="0"/>
+      </a:effectRef>
+      <a:fontRef idx="minor"/>
+    </dgm:style>
+  </dgm:styleLbl>
+  <dgm:styleLbl name="trBgShp">
+    <dgm:scene3d>
+      <a:camera prst="orthographicFront"/>
+      <a:lightRig rig="threePt" dir="t"/>
+    </dgm:scene3d>
+    <dgm:sp3d/>
+    <dgm:txPr/>
+    <dgm:style>
+      <a:lnRef idx="0">
+        <a:scrgbClr r="0" g="0" b="0"/>
+      </a:lnRef>
+      <a:fillRef idx="1">
+        <a:scrgbClr r="0" g="0" b="0"/>
+      </a:fillRef>
+      <a:effectRef idx="0">
+        <a:scrgbClr r="0" g="0" b="0"/>
+      </a:effectRef>
+      <a:fontRef idx="minor"/>
+    </dgm:style>
+  </dgm:styleLbl>
+  <dgm:styleLbl name="fgShp">
+    <dgm:scene3d>
+      <a:camera prst="orthographicFront"/>
+      <a:lightRig rig="flat" dir="t"/>
+    </dgm:scene3d>
+    <dgm:sp3d prstMaterial="dkEdge">
+      <a:bevelT w="8200" h="38100"/>
+    </dgm:sp3d>
+    <dgm:txPr/>
+    <dgm:style>
+      <a:lnRef idx="1">
+        <a:scrgbClr r="0" g="0" b="0"/>
+      </a:lnRef>
+      <a:fillRef idx="2">
+        <a:scrgbClr r="0" g="0" b="0"/>
+      </a:fillRef>
+      <a:effectRef idx="1">
+        <a:scrgbClr r="0" g="0" b="0"/>
+      </a:effectRef>
+      <a:fontRef idx="minor"/>
+    </dgm:style>
+  </dgm:styleLbl>
+  <dgm:styleLbl name="revTx">
+    <dgm:scene3d>
+      <a:camera prst="orthographicFront"/>
+      <a:lightRig rig="threePt" dir="t"/>
+    </dgm:scene3d>
+    <dgm:sp3d/>
+    <dgm:txPr/>
+    <dgm:style>
+      <a:lnRef idx="0">
+        <a:scrgbClr r="0" g="0" b="0"/>
+      </a:lnRef>
+      <a:fillRef idx="0">
+        <a:scrgbClr r="0" g="0" b="0"/>
+      </a:fillRef>
+      <a:effectRef idx="0">
+        <a:scrgbClr r="0" g="0" b="0"/>
+      </a:effectRef>
+      <a:fontRef idx="minor"/>
+    </dgm:style>
+  </dgm:styleLbl>
+</dgm:styleDef>
 </file>
 
 <file path=ppt/notesMasters/notesMaster1.xml><?xml version="1.0" encoding="utf-8"?>
@@ -1299,7 +4164,7 @@
             <a:fld id="{1D76769E-C829-4283-B80E-CB90D995C291}" type="slidenum">
               <a:rPr lang="en-US" smtClean="0"/>
               <a:pPr/>
-              <a:t>16</a:t>
+              <a:t>17</a:t>
             </a:fld>
             <a:endParaRPr lang="en-US"/>
           </a:p>
@@ -1381,7 +4246,7 @@
             <a:fld id="{1D76769E-C829-4283-B80E-CB90D995C291}" type="slidenum">
               <a:rPr lang="en-US" smtClean="0"/>
               <a:pPr/>
-              <a:t>23</a:t>
+              <a:t>24</a:t>
             </a:fld>
             <a:endParaRPr lang="en-US"/>
           </a:p>
@@ -6124,7 +8989,9 @@
         </p:nvSpPr>
         <p:spPr/>
         <p:txBody>
-          <a:bodyPr/>
+          <a:bodyPr>
+            <a:normAutofit/>
+          </a:bodyPr>
           <a:lstStyle/>
           <a:p>
             <a:pPr>
@@ -6146,8 +9013,13 @@
             </a:r>
             <a:r>
               <a:rPr lang="en-US" dirty="0" smtClean="0"/>
-              <a:t> (two-tier)</a:t>
-            </a:r>
+              <a:t> (</a:t>
+            </a:r>
+            <a:r>
+              <a:rPr lang="en-US" dirty="0" smtClean="0"/>
+              <a:t>two-tier)</a:t>
+            </a:r>
+            <a:endParaRPr lang="en-US" dirty="0" smtClean="0"/>
           </a:p>
           <a:p>
             <a:pPr>
@@ -6164,7 +9036,11 @@
             <a:pPr lvl="1"/>
             <a:r>
               <a:rPr lang="en-US" dirty="0" smtClean="0"/>
-              <a:t>Ordinary Nodes (ONs)</a:t>
+              <a:t>Ordinary-Nodes </a:t>
+            </a:r>
+            <a:r>
+              <a:rPr lang="en-US" dirty="0" smtClean="0"/>
+              <a:t>(ONs)</a:t>
             </a:r>
           </a:p>
           <a:p>
@@ -6182,7 +9058,11 @@
             </a:pPr>
             <a:r>
               <a:rPr lang="en-US" dirty="0" smtClean="0"/>
-              <a:t>SN overlay - long-lived TCP connections</a:t>
+              <a:t>SN </a:t>
+            </a:r>
+            <a:r>
+              <a:rPr lang="en-US" dirty="0" smtClean="0"/>
+              <a:t>overlay, keeps the index</a:t>
             </a:r>
           </a:p>
           <a:p>
@@ -6191,12 +9071,6 @@
                 <a:spcPts val="1000"/>
               </a:spcBef>
             </a:pPr>
-            <a:r>
-              <a:rPr lang="en-US" dirty="0" smtClean="0"/>
-              <a:t>Index kept by the SNs</a:t>
-            </a:r>
-          </a:p>
-          <a:p>
             <a:endParaRPr lang="en-US" dirty="0" smtClean="0"/>
           </a:p>
           <a:p>
@@ -6214,6 +9088,13 @@
             <a:r>
               <a:rPr lang="en-US" dirty="0" smtClean="0"/>
               <a:t>inserting bogus records into the indexes of the SNs</a:t>
+            </a:r>
+          </a:p>
+          <a:p>
+            <a:pPr lvl="1"/>
+            <a:r>
+              <a:rPr lang="en-US" dirty="0" smtClean="0"/>
+              <a:t>TCP connection to a SN → publish bogus id/IP/port</a:t>
             </a:r>
           </a:p>
           <a:p>
@@ -6293,7 +9174,7 @@
             <a:pPr algn="ctr"/>
             <a:r>
               <a:rPr lang="fi-FI" dirty="0" smtClean="0"/>
-              <a:t>Index poisoning attack in FastTrack</a:t>
+              <a:t>FastTrack &amp; Index Poisoning Attack </a:t>
             </a:r>
             <a:endParaRPr lang="en-US" dirty="0"/>
           </a:p>
@@ -6343,8 +9224,89 @@
         </p:nvSpPr>
         <p:spPr/>
         <p:txBody>
-          <a:bodyPr/>
+          <a:bodyPr>
+            <a:normAutofit lnSpcReduction="10000"/>
+          </a:bodyPr>
           <a:lstStyle/>
+          <a:p>
+            <a:pPr>
+              <a:spcBef>
+                <a:spcPts val="600"/>
+              </a:spcBef>
+            </a:pPr>
+            <a:r>
+              <a:rPr lang="en-US" dirty="0" smtClean="0"/>
+              <a:t>Based on </a:t>
+            </a:r>
+            <a:r>
+              <a:rPr lang="en-US" b="1" dirty="0" err="1" smtClean="0"/>
+              <a:t>Kademlia</a:t>
+            </a:r>
+            <a:r>
+              <a:rPr lang="en-US" dirty="0" smtClean="0"/>
+              <a:t>,</a:t>
+            </a:r>
+            <a:r>
+              <a:rPr lang="en-US" b="1" dirty="0" smtClean="0"/>
+              <a:t> </a:t>
+            </a:r>
+            <a:r>
+              <a:rPr lang="en-US" dirty="0" smtClean="0"/>
+              <a:t>all nodes equal</a:t>
+            </a:r>
+          </a:p>
+          <a:p>
+            <a:pPr>
+              <a:spcBef>
+                <a:spcPts val="600"/>
+              </a:spcBef>
+            </a:pPr>
+            <a:r>
+              <a:rPr lang="en-US" dirty="0" smtClean="0"/>
+              <a:t>UDP messages</a:t>
+            </a:r>
+          </a:p>
+          <a:p>
+            <a:pPr>
+              <a:spcBef>
+                <a:spcPts val="600"/>
+              </a:spcBef>
+            </a:pPr>
+            <a:r>
+              <a:rPr lang="en-US" dirty="0" smtClean="0"/>
+              <a:t>Two-step publishing:</a:t>
+            </a:r>
+          </a:p>
+          <a:p>
+            <a:pPr lvl="1">
+              <a:spcBef>
+                <a:spcPts val="0"/>
+              </a:spcBef>
+            </a:pPr>
+            <a:r>
+              <a:rPr lang="en-US" dirty="0" smtClean="0"/>
+              <a:t>Version ids</a:t>
+            </a:r>
+          </a:p>
+          <a:p>
+            <a:pPr lvl="1">
+              <a:spcBef>
+                <a:spcPts val="0"/>
+              </a:spcBef>
+            </a:pPr>
+            <a:r>
+              <a:rPr lang="en-US" dirty="0" smtClean="0"/>
+              <a:t>K</a:t>
+            </a:r>
+            <a:r>
+              <a:rPr lang="en-US" dirty="0" smtClean="0"/>
+              <a:t>eyword </a:t>
+            </a:r>
+            <a:r>
+              <a:rPr lang="en-US" dirty="0" smtClean="0"/>
+              <a:t>hashes</a:t>
+            </a:r>
+          </a:p>
           <a:p>
             <a:pPr>
               <a:spcBef>
@@ -6352,53 +9314,6 @@
               </a:spcBef>
             </a:pPr>
             <a:r>
-              <a:rPr lang="en-US" dirty="0" smtClean="0"/>
-              <a:t>Based on </a:t>
-            </a:r>
-            <a:r>
-              <a:rPr lang="en-US" b="1" dirty="0" err="1" smtClean="0"/>
-              <a:t>Kademlia</a:t>
-            </a:r>
-            <a:endParaRPr lang="en-US" dirty="0" smtClean="0"/>
-          </a:p>
-          <a:p>
-            <a:pPr>
-              <a:spcBef>
-                <a:spcPts val="1000"/>
-              </a:spcBef>
-            </a:pPr>
-            <a:r>
-              <a:rPr lang="en-US" dirty="0" smtClean="0"/>
-              <a:t>All nodes equal</a:t>
-            </a:r>
-          </a:p>
-          <a:p>
-            <a:pPr>
-              <a:spcBef>
-                <a:spcPts val="1000"/>
-              </a:spcBef>
-            </a:pPr>
-            <a:r>
-              <a:rPr lang="en-US" dirty="0" smtClean="0"/>
-              <a:t>UDP messages</a:t>
-            </a:r>
-          </a:p>
-          <a:p>
-            <a:pPr>
-              <a:spcBef>
-                <a:spcPts val="1000"/>
-              </a:spcBef>
-            </a:pPr>
-            <a:r>
-              <a:rPr lang="en-US" dirty="0" smtClean="0"/>
-              <a:t>Version ids &amp; keyword hashes stored</a:t>
-            </a:r>
-          </a:p>
-          <a:p>
-            <a:endParaRPr lang="en-US" dirty="0" smtClean="0"/>
-          </a:p>
-          <a:p>
-            <a:r>
               <a:rPr lang="en-US" b="1" dirty="0" smtClean="0"/>
               <a:t>Attack by</a:t>
             </a:r>
@@ -6424,8 +9339,57 @@
             </a:pPr>
             <a:r>
               <a:rPr lang="en-US" dirty="0" smtClean="0"/>
-              <a:t>random id, not derived by some existing file</a:t>
-            </a:r>
+              <a:t>random </a:t>
+            </a:r>
+            <a:r>
+              <a:rPr lang="en-US" dirty="0" smtClean="0"/>
+              <a:t>id, </a:t>
+            </a:r>
+            <a:r>
+              <a:rPr lang="en-US" dirty="0" smtClean="0"/>
+              <a:t>not derived by some existing file, </a:t>
+            </a:r>
+            <a:r>
+              <a:rPr lang="en-US" b="1" u="sng" dirty="0" smtClean="0"/>
+              <a:t>OR</a:t>
+            </a:r>
+            <a:r>
+              <a:rPr lang="en-US" b="1" dirty="0" smtClean="0"/>
+              <a:t> </a:t>
+            </a:r>
+            <a:r>
+              <a:rPr lang="en-US" dirty="0" smtClean="0"/>
+              <a:t>publish &lt;key, </a:t>
+            </a:r>
+            <a:r>
+              <a:rPr lang="en-US" dirty="0" smtClean="0">
+                <a:solidFill>
+                  <a:schemeClr val="bg2">
+                    <a:lumMod val="50000"/>
+                  </a:schemeClr>
+                </a:solidFill>
+              </a:rPr>
+              <a:t>value</a:t>
+            </a:r>
+            <a:r>
+              <a:rPr lang="en-US" dirty="0" smtClean="0"/>
+              <a:t>&gt; and then &lt;</a:t>
+            </a:r>
+            <a:r>
+              <a:rPr lang="en-US" dirty="0" smtClean="0">
+                <a:solidFill>
+                  <a:schemeClr val="bg2">
+                    <a:lumMod val="50000"/>
+                  </a:schemeClr>
+                </a:solidFill>
+              </a:rPr>
+              <a:t>value</a:t>
+            </a:r>
+            <a:r>
+              <a:rPr lang="en-US" dirty="0" smtClean="0"/>
+              <a:t>, location&gt;, where location is bogus</a:t>
+            </a:r>
+            <a:endParaRPr lang="en-US" b="1" dirty="0" smtClean="0"/>
           </a:p>
           <a:p>
             <a:pPr marL="907542" lvl="1" indent="-514350">
@@ -6509,7 +9473,7 @@
             <a:pPr algn="ctr"/>
             <a:r>
               <a:rPr lang="en-US" dirty="0" smtClean="0"/>
-              <a:t>Index poisoning attack in Overnet</a:t>
+              <a:t>Overnet &amp; Index Poisoning Attack</a:t>
             </a:r>
             <a:endParaRPr lang="en-US" dirty="0"/>
           </a:p>
@@ -6632,7 +9596,7 @@
                   </a:schemeClr>
                 </a:solidFill>
               </a:rPr>
-              <a:t>Data Gathering Methodology</a:t>
+              <a:t>Solution</a:t>
             </a:r>
           </a:p>
           <a:p>
@@ -6929,7 +9893,7 @@
           <a:p>
             <a:r>
               <a:rPr lang="en-US" dirty="0" smtClean="0"/>
-              <a:t>Data Gathering Methodology</a:t>
+              <a:t>Solution - Methodology</a:t>
             </a:r>
             <a:endParaRPr lang="en-US" dirty="0"/>
           </a:p>
@@ -6969,6 +9933,44 @@
       </p:grpSpPr>
       <p:sp>
         <p:nvSpPr>
+          <p:cNvPr id="9" name="Rounded Rectangle 8"/>
+          <p:cNvSpPr/>
+          <p:nvPr/>
+        </p:nvSpPr>
+        <p:spPr>
+          <a:xfrm>
+            <a:off x="3590925" y="4991100"/>
+            <a:ext cx="4905375" cy="838200"/>
+          </a:xfrm>
+          <a:prstGeom prst="roundRect">
+            <a:avLst/>
+          </a:prstGeom>
+        </p:spPr>
+        <p:style>
+          <a:lnRef idx="2">
+            <a:schemeClr val="accent1"/>
+          </a:lnRef>
+          <a:fillRef idx="1">
+            <a:schemeClr val="lt1"/>
+          </a:fillRef>
+          <a:effectRef idx="0">
+            <a:schemeClr val="accent1"/>
+          </a:effectRef>
+          <a:fontRef idx="minor">
+            <a:schemeClr val="dk1"/>
+          </a:fontRef>
+        </p:style>
+        <p:txBody>
+          <a:bodyPr rtlCol="0" anchor="ctr"/>
+          <a:lstStyle/>
+          <a:p>
+            <a:pPr algn="ctr"/>
+            <a:endParaRPr lang="en-US"/>
+          </a:p>
+        </p:txBody>
+      </p:sp>
+      <p:sp>
+        <p:nvSpPr>
           <p:cNvPr id="2" name="Content Placeholder 1"/>
           <p:cNvSpPr>
             <a:spLocks noGrp="1"/>
@@ -7003,7 +10005,39 @@
             </a:r>
             <a:r>
               <a:rPr lang="en-US" sz="2200" i="1" dirty="0" smtClean="0"/>
-              <a:t>Among the users that have at least one version of the title, the large majority of users advertise at most a few versions </a:t>
+              <a:t>Among the </a:t>
+            </a:r>
+            <a:r>
+              <a:rPr lang="en-US" sz="2200" i="1" dirty="0" smtClean="0"/>
+              <a:t>users (with at </a:t>
+            </a:r>
+            <a:r>
+              <a:rPr lang="en-US" sz="2200" i="1" dirty="0" smtClean="0"/>
+              <a:t>least one </a:t>
+            </a:r>
+            <a:r>
+              <a:rPr lang="en-US" sz="2200" i="1" dirty="0" smtClean="0"/>
+              <a:t>version) </a:t>
+            </a:r>
+            <a:r>
+              <a:rPr lang="en-US" sz="2200" i="1" dirty="0" smtClean="0"/>
+              <a:t>the </a:t>
+            </a:r>
+            <a:r>
+              <a:rPr lang="en-US" sz="2200" i="1" dirty="0" smtClean="0"/>
+              <a:t>majority </a:t>
+            </a:r>
+            <a:r>
+              <a:rPr lang="en-US" sz="2200" i="1" dirty="0" smtClean="0"/>
+              <a:t>of users </a:t>
+            </a:r>
+            <a:r>
+              <a:rPr lang="en-US" sz="2200" i="1" dirty="0" smtClean="0"/>
+              <a:t>advertise a </a:t>
+            </a:r>
+            <a:r>
+              <a:rPr lang="en-US" sz="2200" i="1" dirty="0" smtClean="0"/>
+              <a:t>few versions </a:t>
             </a:r>
             <a:r>
               <a:rPr lang="en-US" sz="2200" dirty="0" smtClean="0"/>
@@ -7037,6 +10071,92 @@
               <a:rPr lang="en-US" sz="2200" i="1" dirty="0" smtClean="0"/>
               <a:t>.”</a:t>
             </a:r>
+          </a:p>
+          <a:p>
+            <a:pPr>
+              <a:spcBef>
+                <a:spcPts val="1200"/>
+              </a:spcBef>
+            </a:pPr>
+            <a:r>
+              <a:rPr lang="en-US" sz="2200" b="1" dirty="0" smtClean="0"/>
+              <a:t>U</a:t>
+            </a:r>
+            <a:r>
+              <a:rPr lang="en-US" sz="2200" dirty="0" smtClean="0"/>
+              <a:t>: set of users advertised at least one version of a title</a:t>
+            </a:r>
+          </a:p>
+          <a:p>
+            <a:pPr>
+              <a:spcAft>
+                <a:spcPts val="600"/>
+              </a:spcAft>
+            </a:pPr>
+            <a:r>
+              <a:rPr lang="en-US" sz="2200" b="1" dirty="0" smtClean="0"/>
+              <a:t>V</a:t>
+            </a:r>
+            <a:r>
+              <a:rPr lang="en-US" sz="2200" b="1" baseline="-25000" dirty="0" smtClean="0"/>
+              <a:t>u</a:t>
+            </a:r>
+            <a:r>
+              <a:rPr lang="en-US" sz="2200" b="1" baseline="30000" dirty="0" smtClean="0"/>
+              <a:t>t</a:t>
+            </a:r>
+            <a:r>
+              <a:rPr lang="en-US" sz="2200" dirty="0" smtClean="0"/>
+              <a:t>: for u </a:t>
+            </a:r>
+            <a:r>
+              <a:rPr lang="el-GR" sz="2200" dirty="0" smtClean="0"/>
+              <a:t>ε</a:t>
+            </a:r>
+            <a:r>
+              <a:rPr lang="en-US" sz="2200" dirty="0" smtClean="0"/>
+              <a:t> U, the # of versions of title t from user u</a:t>
+            </a:r>
+          </a:p>
+          <a:p>
+            <a:r>
+              <a:rPr lang="en-US" sz="2200" baseline="30000" dirty="0" smtClean="0"/>
+              <a:t>                                            </a:t>
+            </a:r>
+            <a:r>
+              <a:rPr lang="en-US" sz="2200" dirty="0" smtClean="0"/>
+              <a:t>: max # of versions for user u</a:t>
+            </a:r>
+          </a:p>
+          <a:p>
+            <a:endParaRPr lang="en-US" sz="2200" dirty="0" smtClean="0"/>
+          </a:p>
+          <a:p>
+            <a:r>
+              <a:rPr lang="en-US" sz="2200" dirty="0" smtClean="0"/>
+              <a:t> </a:t>
+            </a:r>
+            <a:r>
+              <a:rPr lang="en-US" sz="2200" dirty="0" smtClean="0"/>
+              <a:t>                          : the mean across all users</a:t>
+            </a:r>
+          </a:p>
+          <a:p>
+            <a:endParaRPr lang="en-US" sz="2200" baseline="30000" dirty="0" smtClean="0"/>
+          </a:p>
+          <a:p>
+            <a:endParaRPr lang="en-US" sz="2200" baseline="30000" dirty="0" smtClean="0"/>
+          </a:p>
+          <a:p>
+            <a:r>
+              <a:rPr lang="en-US" sz="2200" dirty="0" smtClean="0"/>
+              <a:t>K: constant so that: u is </a:t>
+            </a:r>
+            <a:r>
+              <a:rPr lang="en-US" sz="2200" b="1" dirty="0" smtClean="0"/>
+              <a:t>Heavy user ⇔ </a:t>
+            </a:r>
+            <a:endParaRPr lang="en-US" sz="2200" dirty="0" smtClean="0"/>
           </a:p>
           <a:p>
             <a:pPr>
@@ -7044,165 +10164,7 @@
                 <a:spcPts val="1000"/>
               </a:spcBef>
             </a:pPr>
-            <a:r>
-              <a:rPr lang="en-US" b="1" dirty="0" smtClean="0"/>
-              <a:t>Heuristic</a:t>
-            </a:r>
-            <a:r>
-              <a:rPr lang="en-US" dirty="0" smtClean="0"/>
-              <a:t>: </a:t>
-            </a:r>
-          </a:p>
-          <a:p>
-            <a:pPr lvl="1"/>
-            <a:r>
-              <a:rPr lang="en-US" dirty="0" smtClean="0"/>
-              <a:t>V	→ set of all the advertised versions</a:t>
-            </a:r>
-          </a:p>
-          <a:p>
-            <a:pPr lvl="1"/>
-            <a:r>
-              <a:rPr lang="en-US" dirty="0" smtClean="0"/>
-              <a:t>V</a:t>
-            </a:r>
-            <a:r>
-              <a:rPr lang="en-US" baseline="-25000" dirty="0" smtClean="0"/>
-              <a:t>H</a:t>
-            </a:r>
-            <a:r>
-              <a:rPr lang="en-US" dirty="0" smtClean="0"/>
-              <a:t> → by heavy users</a:t>
-            </a:r>
-          </a:p>
-          <a:p>
-            <a:pPr lvl="1"/>
-            <a:r>
-              <a:rPr lang="en-US" dirty="0" smtClean="0"/>
-              <a:t>V</a:t>
-            </a:r>
-            <a:r>
-              <a:rPr lang="en-US" baseline="-25000" dirty="0" smtClean="0"/>
-              <a:t>L</a:t>
-            </a:r>
-            <a:r>
-              <a:rPr lang="en-US" dirty="0" smtClean="0"/>
-              <a:t> → by light users</a:t>
-            </a:r>
-          </a:p>
-          <a:p>
-            <a:pPr lvl="1"/>
-            <a:r>
-              <a:rPr lang="en-US" dirty="0" smtClean="0"/>
-              <a:t>V</a:t>
-            </a:r>
-            <a:r>
-              <a:rPr lang="en-US" baseline="-25000" dirty="0" smtClean="0"/>
-              <a:t>X</a:t>
-            </a:r>
-            <a:r>
-              <a:rPr lang="en-US" dirty="0" smtClean="0"/>
-              <a:t> = V</a:t>
-            </a:r>
-            <a:r>
-              <a:rPr lang="en-US" baseline="-25000" dirty="0" smtClean="0"/>
-              <a:t>H</a:t>
-            </a:r>
-            <a:r>
-              <a:rPr lang="en-US" dirty="0" smtClean="0"/>
-              <a:t> ∩ V</a:t>
-            </a:r>
-            <a:r>
-              <a:rPr lang="en-US" baseline="-25000" dirty="0" smtClean="0"/>
-              <a:t>L	</a:t>
-            </a:r>
-            <a:r>
-              <a:rPr lang="en-US" dirty="0" smtClean="0"/>
-              <a:t>→ </a:t>
-            </a:r>
-            <a:r>
-              <a:rPr lang="en-US" b="1" dirty="0" smtClean="0"/>
-              <a:t>polluted versions</a:t>
-            </a:r>
-          </a:p>
-          <a:p>
-            <a:pPr lvl="1"/>
-            <a:r>
-              <a:rPr lang="en-US" dirty="0" smtClean="0"/>
-              <a:t>V</a:t>
-            </a:r>
-            <a:r>
-              <a:rPr lang="en-US" baseline="-25000" dirty="0" smtClean="0"/>
-              <a:t>H</a:t>
-            </a:r>
-            <a:r>
-              <a:rPr lang="en-US" baseline="30000" dirty="0" smtClean="0"/>
-              <a:t>*</a:t>
-            </a:r>
-            <a:r>
-              <a:rPr lang="en-US" dirty="0" smtClean="0"/>
-              <a:t> = V</a:t>
-            </a:r>
-            <a:r>
-              <a:rPr lang="en-US" baseline="-25000" dirty="0" smtClean="0"/>
-              <a:t>H</a:t>
-            </a:r>
-            <a:r>
-              <a:rPr lang="en-US" dirty="0" smtClean="0"/>
-              <a:t> – V</a:t>
-            </a:r>
-            <a:r>
-              <a:rPr lang="en-US" baseline="-25000" dirty="0" smtClean="0"/>
-              <a:t>X</a:t>
-            </a:r>
-            <a:r>
-              <a:rPr lang="en-US" dirty="0" smtClean="0"/>
-              <a:t>	→ </a:t>
-            </a:r>
-            <a:r>
-              <a:rPr lang="en-US" b="1" dirty="0" smtClean="0"/>
-              <a:t>poisoned versions</a:t>
-            </a:r>
-          </a:p>
-          <a:p>
-            <a:pPr lvl="1"/>
-            <a:r>
-              <a:rPr lang="en-US" dirty="0" smtClean="0"/>
-              <a:t>V</a:t>
-            </a:r>
-            <a:r>
-              <a:rPr lang="en-US" baseline="-25000" dirty="0" smtClean="0"/>
-              <a:t>L</a:t>
-            </a:r>
-            <a:r>
-              <a:rPr lang="en-US" baseline="30000" dirty="0" smtClean="0"/>
-              <a:t>*</a:t>
-            </a:r>
-            <a:r>
-              <a:rPr lang="en-US" dirty="0" smtClean="0"/>
-              <a:t> = V</a:t>
-            </a:r>
-            <a:r>
-              <a:rPr lang="en-US" baseline="-25000" dirty="0" smtClean="0"/>
-              <a:t>L</a:t>
-            </a:r>
-            <a:r>
-              <a:rPr lang="en-US" dirty="0" smtClean="0"/>
-              <a:t> – V</a:t>
-            </a:r>
-            <a:r>
-              <a:rPr lang="en-US" baseline="-25000" dirty="0" smtClean="0"/>
-              <a:t>X</a:t>
-            </a:r>
-            <a:r>
-              <a:rPr lang="en-US" dirty="0" smtClean="0"/>
-              <a:t>	→ </a:t>
-            </a:r>
-            <a:r>
-              <a:rPr lang="en-US" b="1" dirty="0" smtClean="0"/>
-              <a:t>clean versions</a:t>
-            </a:r>
-            <a:endParaRPr lang="en-US" b="1" dirty="0"/>
+            <a:endParaRPr lang="en-US" sz="2200" i="1" dirty="0" smtClean="0"/>
           </a:p>
         </p:txBody>
       </p:sp>
@@ -7265,17 +10227,79 @@
         </p:nvSpPr>
         <p:spPr/>
         <p:txBody>
-          <a:bodyPr/>
+          <a:bodyPr>
+            <a:normAutofit/>
+          </a:bodyPr>
           <a:lstStyle/>
           <a:p>
             <a:r>
               <a:rPr lang="en-US" dirty="0" smtClean="0"/>
-              <a:t>Classifying the Versions</a:t>
+              <a:t>Solution - Classifying the Users</a:t>
             </a:r>
             <a:endParaRPr lang="en-US" dirty="0"/>
           </a:p>
         </p:txBody>
       </p:sp>
+      <p:graphicFrame>
+        <p:nvGraphicFramePr>
+          <p:cNvPr id="6" name="Object 5"/>
+          <p:cNvGraphicFramePr>
+            <a:graphicFrameLocks noChangeAspect="1"/>
+          </p:cNvGraphicFramePr>
+          <p:nvPr/>
+        </p:nvGraphicFramePr>
+        <p:xfrm>
+          <a:off x="844550" y="3581400"/>
+          <a:ext cx="2571750" cy="581705"/>
+        </p:xfrm>
+        <a:graphic>
+          <a:graphicData uri="http://schemas.openxmlformats.org/presentationml/2006/ole">
+            <p:oleObj spid="_x0000_s3073" name="Equation" r:id="rId3" imgW="1066680" imgH="241200" progId="Equation.3">
+              <p:embed/>
+            </p:oleObj>
+          </a:graphicData>
+        </a:graphic>
+      </p:graphicFrame>
+      <p:graphicFrame>
+        <p:nvGraphicFramePr>
+          <p:cNvPr id="7" name="Object 6"/>
+          <p:cNvGraphicFramePr>
+            <a:graphicFrameLocks noChangeAspect="1"/>
+          </p:cNvGraphicFramePr>
+          <p:nvPr/>
+        </p:nvGraphicFramePr>
+        <p:xfrm>
+          <a:off x="838200" y="4124325"/>
+          <a:ext cx="2386052" cy="917712"/>
+        </p:xfrm>
+        <a:graphic>
+          <a:graphicData uri="http://schemas.openxmlformats.org/presentationml/2006/ole">
+            <p:oleObj spid="_x0000_s3074" name="Equation" r:id="rId4" imgW="1155600" imgH="444240" progId="Equation.3">
+              <p:embed/>
+            </p:oleObj>
+          </a:graphicData>
+        </a:graphic>
+      </p:graphicFrame>
+      <p:graphicFrame>
+        <p:nvGraphicFramePr>
+          <p:cNvPr id="3075" name="Object 3"/>
+          <p:cNvGraphicFramePr>
+            <a:graphicFrameLocks noChangeAspect="1"/>
+          </p:cNvGraphicFramePr>
+          <p:nvPr/>
+        </p:nvGraphicFramePr>
+        <p:xfrm>
+          <a:off x="6324600" y="5153025"/>
+          <a:ext cx="2097087" cy="585788"/>
+        </p:xfrm>
+        <a:graphic>
+          <a:graphicData uri="http://schemas.openxmlformats.org/presentationml/2006/ole">
+            <p:oleObj spid="_x0000_s3075" name="Equation" r:id="rId5" imgW="863280" imgH="241200" progId="Equation.3">
+              <p:embed/>
+            </p:oleObj>
+          </a:graphicData>
+        </a:graphic>
+      </p:graphicFrame>
     </p:spTree>
   </p:cSld>
   <p:clrMapOvr>
@@ -7310,6 +10334,403 @@
       </p:grpSpPr>
       <p:sp>
         <p:nvSpPr>
+          <p:cNvPr id="2" name="Content Placeholder 1"/>
+          <p:cNvSpPr>
+            <a:spLocks noGrp="1"/>
+          </p:cNvSpPr>
+          <p:nvPr>
+            <p:ph idx="1"/>
+          </p:nvPr>
+        </p:nvSpPr>
+        <p:spPr/>
+        <p:txBody>
+          <a:bodyPr>
+            <a:normAutofit/>
+          </a:bodyPr>
+          <a:lstStyle/>
+          <a:p>
+            <a:pPr>
+              <a:spcBef>
+                <a:spcPts val="1000"/>
+              </a:spcBef>
+            </a:pPr>
+            <a:r>
+              <a:rPr lang="en-US" b="1" dirty="0" smtClean="0"/>
+              <a:t>Heuristic</a:t>
+            </a:r>
+            <a:r>
+              <a:rPr lang="en-US" dirty="0" smtClean="0"/>
+              <a:t>: </a:t>
+            </a:r>
+          </a:p>
+          <a:p>
+            <a:pPr lvl="1">
+              <a:spcBef>
+                <a:spcPts val="600"/>
+              </a:spcBef>
+            </a:pPr>
+            <a:r>
+              <a:rPr lang="en-US" dirty="0" smtClean="0"/>
+              <a:t>V	→ set of all the advertised versions</a:t>
+            </a:r>
+          </a:p>
+          <a:p>
+            <a:pPr lvl="1">
+              <a:spcBef>
+                <a:spcPts val="600"/>
+              </a:spcBef>
+            </a:pPr>
+            <a:r>
+              <a:rPr lang="en-US" dirty="0" smtClean="0"/>
+              <a:t>V</a:t>
+            </a:r>
+            <a:r>
+              <a:rPr lang="en-US" baseline="-25000" dirty="0" smtClean="0"/>
+              <a:t>H</a:t>
+            </a:r>
+            <a:r>
+              <a:rPr lang="en-US" dirty="0" smtClean="0"/>
+              <a:t> → by heavy users</a:t>
+            </a:r>
+          </a:p>
+          <a:p>
+            <a:pPr lvl="1">
+              <a:spcBef>
+                <a:spcPts val="600"/>
+              </a:spcBef>
+            </a:pPr>
+            <a:r>
+              <a:rPr lang="en-US" dirty="0" smtClean="0"/>
+              <a:t>V</a:t>
+            </a:r>
+            <a:r>
+              <a:rPr lang="en-US" baseline="-25000" dirty="0" smtClean="0"/>
+              <a:t>L</a:t>
+            </a:r>
+            <a:r>
+              <a:rPr lang="en-US" dirty="0" smtClean="0"/>
+              <a:t> → by light users</a:t>
+            </a:r>
+          </a:p>
+          <a:p>
+            <a:pPr lvl="1">
+              <a:spcBef>
+                <a:spcPts val="600"/>
+              </a:spcBef>
+            </a:pPr>
+            <a:r>
+              <a:rPr lang="en-US" dirty="0" smtClean="0"/>
+              <a:t>V</a:t>
+            </a:r>
+            <a:r>
+              <a:rPr lang="en-US" baseline="-25000" dirty="0" smtClean="0"/>
+              <a:t>X</a:t>
+            </a:r>
+            <a:r>
+              <a:rPr lang="en-US" dirty="0" smtClean="0"/>
+              <a:t> = V</a:t>
+            </a:r>
+            <a:r>
+              <a:rPr lang="en-US" baseline="-25000" dirty="0" smtClean="0"/>
+              <a:t>H</a:t>
+            </a:r>
+            <a:r>
+              <a:rPr lang="en-US" dirty="0" smtClean="0"/>
+              <a:t> ∩ </a:t>
+            </a:r>
+            <a:r>
+              <a:rPr lang="en-US" dirty="0" smtClean="0"/>
+              <a:t>V</a:t>
+            </a:r>
+            <a:r>
+              <a:rPr lang="en-US" baseline="-25000" dirty="0" smtClean="0"/>
+              <a:t>L </a:t>
+            </a:r>
+            <a:r>
+              <a:rPr lang="en-US" dirty="0" smtClean="0"/>
+              <a:t>→ </a:t>
+            </a:r>
+            <a:r>
+              <a:rPr lang="en-US" b="1" dirty="0" smtClean="0"/>
+              <a:t>polluted versions</a:t>
+            </a:r>
+          </a:p>
+          <a:p>
+            <a:pPr lvl="1">
+              <a:spcBef>
+                <a:spcPts val="600"/>
+              </a:spcBef>
+            </a:pPr>
+            <a:r>
+              <a:rPr lang="en-US" dirty="0" smtClean="0"/>
+              <a:t>V</a:t>
+            </a:r>
+            <a:r>
+              <a:rPr lang="en-US" baseline="-25000" dirty="0" smtClean="0"/>
+              <a:t>H</a:t>
+            </a:r>
+            <a:r>
+              <a:rPr lang="en-US" baseline="30000" dirty="0" smtClean="0"/>
+              <a:t>*</a:t>
+            </a:r>
+            <a:r>
+              <a:rPr lang="en-US" dirty="0" smtClean="0"/>
+              <a:t> = V</a:t>
+            </a:r>
+            <a:r>
+              <a:rPr lang="en-US" baseline="-25000" dirty="0" smtClean="0"/>
+              <a:t>H</a:t>
+            </a:r>
+            <a:r>
+              <a:rPr lang="en-US" dirty="0" smtClean="0"/>
+              <a:t> – </a:t>
+            </a:r>
+            <a:r>
+              <a:rPr lang="en-US" dirty="0" smtClean="0"/>
+              <a:t>V</a:t>
+            </a:r>
+            <a:r>
+              <a:rPr lang="en-US" baseline="-25000" dirty="0" smtClean="0"/>
+              <a:t>X</a:t>
+            </a:r>
+            <a:r>
+              <a:rPr lang="en-US" dirty="0" smtClean="0"/>
+              <a:t> </a:t>
+            </a:r>
+            <a:r>
+              <a:rPr lang="en-US" dirty="0" smtClean="0"/>
+              <a:t>→ </a:t>
+            </a:r>
+            <a:r>
+              <a:rPr lang="en-US" b="1" dirty="0" smtClean="0"/>
+              <a:t>poisoned versions</a:t>
+            </a:r>
+          </a:p>
+          <a:p>
+            <a:pPr lvl="1">
+              <a:spcBef>
+                <a:spcPts val="600"/>
+              </a:spcBef>
+            </a:pPr>
+            <a:r>
+              <a:rPr lang="en-US" dirty="0" smtClean="0"/>
+              <a:t>V</a:t>
+            </a:r>
+            <a:r>
+              <a:rPr lang="en-US" baseline="-25000" dirty="0" smtClean="0"/>
+              <a:t>L</a:t>
+            </a:r>
+            <a:r>
+              <a:rPr lang="en-US" baseline="30000" dirty="0" smtClean="0"/>
+              <a:t>*</a:t>
+            </a:r>
+            <a:r>
+              <a:rPr lang="en-US" dirty="0" smtClean="0"/>
+              <a:t> = V</a:t>
+            </a:r>
+            <a:r>
+              <a:rPr lang="en-US" baseline="-25000" dirty="0" smtClean="0"/>
+              <a:t>L</a:t>
+            </a:r>
+            <a:r>
+              <a:rPr lang="en-US" dirty="0" smtClean="0"/>
+              <a:t> – V</a:t>
+            </a:r>
+            <a:r>
+              <a:rPr lang="en-US" baseline="-25000" dirty="0" smtClean="0"/>
+              <a:t>X</a:t>
+            </a:r>
+            <a:r>
+              <a:rPr lang="en-US" dirty="0" smtClean="0"/>
+              <a:t> </a:t>
+            </a:r>
+            <a:r>
+              <a:rPr lang="en-US" dirty="0" smtClean="0"/>
+              <a:t>→ </a:t>
+            </a:r>
+            <a:r>
+              <a:rPr lang="en-US" b="1" dirty="0" smtClean="0"/>
+              <a:t>clean versions</a:t>
+            </a:r>
+          </a:p>
+          <a:p>
+            <a:pPr lvl="1">
+              <a:spcBef>
+                <a:spcPts val="600"/>
+              </a:spcBef>
+            </a:pPr>
+            <a:endParaRPr lang="en-US" b="1" dirty="0" smtClean="0"/>
+          </a:p>
+          <a:p>
+            <a:pPr>
+              <a:spcBef>
+                <a:spcPts val="600"/>
+              </a:spcBef>
+            </a:pPr>
+            <a:r>
+              <a:rPr lang="en-US" dirty="0" smtClean="0"/>
+              <a:t>A normal user would advertise a small number of versions.</a:t>
+            </a:r>
+            <a:endParaRPr lang="en-US" dirty="0"/>
+          </a:p>
+        </p:txBody>
+      </p:sp>
+      <p:sp>
+        <p:nvSpPr>
+          <p:cNvPr id="3" name="Footer Placeholder 2"/>
+          <p:cNvSpPr>
+            <a:spLocks noGrp="1"/>
+          </p:cNvSpPr>
+          <p:nvPr>
+            <p:ph type="ftr" sz="quarter" idx="11"/>
+          </p:nvPr>
+        </p:nvSpPr>
+        <p:spPr/>
+        <p:txBody>
+          <a:bodyPr/>
+          <a:lstStyle/>
+          <a:p>
+            <a:r>
+              <a:rPr lang="en-US" smtClean="0"/>
+              <a:t>A. Shumanski &amp; V. Trigonakis</a:t>
+            </a:r>
+            <a:endParaRPr lang="en-US"/>
+          </a:p>
+        </p:txBody>
+      </p:sp>
+      <p:sp>
+        <p:nvSpPr>
+          <p:cNvPr id="4" name="Slide Number Placeholder 3"/>
+          <p:cNvSpPr>
+            <a:spLocks noGrp="1"/>
+          </p:cNvSpPr>
+          <p:nvPr>
+            <p:ph type="sldNum" sz="quarter" idx="12"/>
+          </p:nvPr>
+        </p:nvSpPr>
+        <p:spPr/>
+        <p:txBody>
+          <a:bodyPr/>
+          <a:lstStyle/>
+          <a:p>
+            <a:fld id="{BC410EEA-824F-4D46-AFE7-60426C8C06B0}" type="slidenum">
+              <a:rPr lang="en-US" smtClean="0"/>
+              <a:pPr/>
+              <a:t>15</a:t>
+            </a:fld>
+            <a:endParaRPr lang="en-US"/>
+          </a:p>
+        </p:txBody>
+      </p:sp>
+      <p:sp>
+        <p:nvSpPr>
+          <p:cNvPr id="5" name="Title 4"/>
+          <p:cNvSpPr>
+            <a:spLocks noGrp="1"/>
+          </p:cNvSpPr>
+          <p:nvPr>
+            <p:ph type="title"/>
+          </p:nvPr>
+        </p:nvSpPr>
+        <p:spPr/>
+        <p:txBody>
+          <a:bodyPr>
+            <a:normAutofit fontScale="90000"/>
+          </a:bodyPr>
+          <a:lstStyle/>
+          <a:p>
+            <a:r>
+              <a:rPr lang="en-US" dirty="0" smtClean="0"/>
+              <a:t>Solution - Classifying the Versions</a:t>
+            </a:r>
+            <a:endParaRPr lang="en-US" dirty="0"/>
+          </a:p>
+        </p:txBody>
+      </p:sp>
+      <p:graphicFrame>
+        <p:nvGraphicFramePr>
+          <p:cNvPr id="6" name="Diagram 5"/>
+          <p:cNvGraphicFramePr/>
+          <p:nvPr/>
+        </p:nvGraphicFramePr>
+        <p:xfrm>
+          <a:off x="6019800" y="2870200"/>
+          <a:ext cx="3048000" cy="2057400"/>
+        </p:xfrm>
+        <a:graphic>
+          <a:graphicData uri="http://schemas.openxmlformats.org/drawingml/2006/diagram">
+            <dgm:relIds xmlns:dgm="http://schemas.openxmlformats.org/drawingml/2006/diagram" xmlns:r="http://schemas.openxmlformats.org/officeDocument/2006/relationships" r:dm="rId2" r:lo="rId3" r:qs="rId4" r:cs="rId5"/>
+          </a:graphicData>
+        </a:graphic>
+      </p:graphicFrame>
+      <p:sp>
+        <p:nvSpPr>
+          <p:cNvPr id="7" name="TextBox 6"/>
+          <p:cNvSpPr txBox="1"/>
+          <p:nvPr/>
+        </p:nvSpPr>
+        <p:spPr>
+          <a:xfrm>
+            <a:off x="7353300" y="3683913"/>
+            <a:ext cx="685800" cy="430887"/>
+          </a:xfrm>
+          <a:prstGeom prst="rect">
+            <a:avLst/>
+          </a:prstGeom>
+          <a:noFill/>
+        </p:spPr>
+        <p:txBody>
+          <a:bodyPr wrap="square" rtlCol="0">
+            <a:spAutoFit/>
+          </a:bodyPr>
+          <a:lstStyle/>
+          <a:p>
+            <a:r>
+              <a:rPr lang="en-US" sz="2200" dirty="0" smtClean="0"/>
+              <a:t>V</a:t>
+            </a:r>
+            <a:r>
+              <a:rPr lang="en-US" sz="2200" baseline="-25000" dirty="0" smtClean="0"/>
+              <a:t>X</a:t>
+            </a:r>
+            <a:endParaRPr lang="en-US" sz="2200" dirty="0"/>
+          </a:p>
+        </p:txBody>
+      </p:sp>
+    </p:spTree>
+  </p:cSld>
+  <p:clrMapOvr>
+    <a:masterClrMapping/>
+  </p:clrMapOvr>
+  <p:timing>
+    <p:tnLst>
+      <p:par>
+        <p:cTn id="1" dur="indefinite" restart="never" nodeType="tmRoot"/>
+      </p:par>
+    </p:tnLst>
+  </p:timing>
+</p:sld>
+</file>
+
+<file path=ppt/slides/slide16.xml><?xml version="1.0" encoding="utf-8"?>
+<p:sld xmlns:a="http://schemas.openxmlformats.org/drawingml/2006/main" xmlns:r="http://schemas.openxmlformats.org/officeDocument/2006/relationships" xmlns:p="http://schemas.openxmlformats.org/presentationml/2006/main">
+  <p:cSld>
+    <p:spTree>
+      <p:nvGrpSpPr>
+        <p:cNvPr id="1" name=""/>
+        <p:cNvGrpSpPr/>
+        <p:nvPr/>
+      </p:nvGrpSpPr>
+      <p:grpSpPr>
+        <a:xfrm>
+          <a:off x="0" y="0"/>
+          <a:ext cx="0" cy="0"/>
+          <a:chOff x="0" y="0"/>
+          <a:chExt cx="0" cy="0"/>
+        </a:xfrm>
+      </p:grpSpPr>
+      <p:sp>
+        <p:nvSpPr>
           <p:cNvPr id="5" name="Title 4"/>
           <p:cNvSpPr>
             <a:spLocks noGrp="1"/>
@@ -7633,7 +11054,7 @@
             <a:fld id="{BC410EEA-824F-4D46-AFE7-60426C8C06B0}" type="slidenum">
               <a:rPr lang="en-US" smtClean="0"/>
               <a:pPr/>
-              <a:t>15</a:t>
+              <a:t>16</a:t>
             </a:fld>
             <a:endParaRPr lang="en-US"/>
           </a:p>
@@ -7752,197 +11173,6 @@
 </p:sld>
 </file>
 
-<file path=ppt/slides/slide16.xml><?xml version="1.0" encoding="utf-8"?>
-<p:sld xmlns:a="http://schemas.openxmlformats.org/drawingml/2006/main" xmlns:r="http://schemas.openxmlformats.org/officeDocument/2006/relationships" xmlns:p="http://schemas.openxmlformats.org/presentationml/2006/main">
-  <p:cSld>
-    <p:spTree>
-      <p:nvGrpSpPr>
-        <p:cNvPr id="1" name=""/>
-        <p:cNvGrpSpPr/>
-        <p:nvPr/>
-      </p:nvGrpSpPr>
-      <p:grpSpPr>
-        <a:xfrm>
-          <a:off x="0" y="0"/>
-          <a:ext cx="0" cy="0"/>
-          <a:chOff x="0" y="0"/>
-          <a:chExt cx="0" cy="0"/>
-        </a:xfrm>
-      </p:grpSpPr>
-      <p:sp>
-        <p:nvSpPr>
-          <p:cNvPr id="2" name="Rectangle 1"/>
-          <p:cNvSpPr>
-            <a:spLocks noGrp="1"/>
-          </p:cNvSpPr>
-          <p:nvPr>
-            <p:ph type="title"/>
-          </p:nvPr>
-        </p:nvSpPr>
-        <p:spPr/>
-        <p:txBody>
-          <a:bodyPr/>
-          <a:lstStyle/>
-          <a:p>
-            <a:r>
-              <a:rPr lang="en-US" dirty="0" smtClean="0"/>
-              <a:t>Agenda</a:t>
-            </a:r>
-            <a:endParaRPr lang="en-US" dirty="0"/>
-          </a:p>
-        </p:txBody>
-      </p:sp>
-      <p:sp>
-        <p:nvSpPr>
-          <p:cNvPr id="3" name="Rectangle 2"/>
-          <p:cNvSpPr>
-            <a:spLocks noGrp="1"/>
-          </p:cNvSpPr>
-          <p:nvPr>
-            <p:ph idx="1"/>
-          </p:nvPr>
-        </p:nvSpPr>
-        <p:spPr/>
-        <p:txBody>
-          <a:bodyPr/>
-          <a:lstStyle/>
-          <a:p>
-            <a:pPr>
-              <a:spcBef>
-                <a:spcPts val="1000"/>
-              </a:spcBef>
-            </a:pPr>
-            <a:r>
-              <a:rPr lang="en-US" dirty="0" smtClean="0"/>
-              <a:t>P2P File Sharing</a:t>
-            </a:r>
-            <a:endParaRPr lang="en-US" dirty="0"/>
-          </a:p>
-          <a:p>
-            <a:pPr>
-              <a:spcBef>
-                <a:spcPts val="1000"/>
-              </a:spcBef>
-            </a:pPr>
-            <a:r>
-              <a:rPr lang="fi-FI" dirty="0" smtClean="0"/>
-              <a:t>Systems under Evaluation</a:t>
-            </a:r>
-          </a:p>
-          <a:p>
-            <a:pPr>
-              <a:spcBef>
-                <a:spcPts val="1000"/>
-              </a:spcBef>
-            </a:pPr>
-            <a:r>
-              <a:rPr lang="en-US" dirty="0" smtClean="0"/>
-              <a:t>Types of Attacks</a:t>
-            </a:r>
-          </a:p>
-          <a:p>
-            <a:pPr>
-              <a:spcBef>
-                <a:spcPts val="1000"/>
-              </a:spcBef>
-            </a:pPr>
-            <a:r>
-              <a:rPr lang="en-US" dirty="0" smtClean="0"/>
-              <a:t>Data Gathering Methodology</a:t>
-            </a:r>
-          </a:p>
-          <a:p>
-            <a:pPr>
-              <a:spcBef>
-                <a:spcPts val="1000"/>
-              </a:spcBef>
-            </a:pPr>
-            <a:r>
-              <a:rPr lang="fi-FI" sz="2800" b="1" dirty="0" smtClean="0">
-                <a:solidFill>
-                  <a:schemeClr val="bg2">
-                    <a:lumMod val="50000"/>
-                  </a:schemeClr>
-                </a:solidFill>
-              </a:rPr>
-              <a:t>Measurements &amp; Results</a:t>
-            </a:r>
-          </a:p>
-          <a:p>
-            <a:pPr>
-              <a:spcBef>
-                <a:spcPts val="1000"/>
-              </a:spcBef>
-            </a:pPr>
-            <a:r>
-              <a:rPr lang="fi-FI" dirty="0" smtClean="0"/>
-              <a:t>Conclusions</a:t>
-            </a:r>
-          </a:p>
-        </p:txBody>
-      </p:sp>
-      <p:sp>
-        <p:nvSpPr>
-          <p:cNvPr id="5" name="Slide Number Placeholder 4"/>
-          <p:cNvSpPr>
-            <a:spLocks noGrp="1"/>
-          </p:cNvSpPr>
-          <p:nvPr>
-            <p:ph type="sldNum" sz="quarter" idx="12"/>
-          </p:nvPr>
-        </p:nvSpPr>
-        <p:spPr/>
-        <p:txBody>
-          <a:bodyPr/>
-          <a:lstStyle/>
-          <a:p>
-            <a:fld id="{BC410EEA-824F-4D46-AFE7-60426C8C06B0}" type="slidenum">
-              <a:rPr lang="en-US" smtClean="0"/>
-              <a:pPr/>
-              <a:t>16</a:t>
-            </a:fld>
-            <a:endParaRPr lang="en-US"/>
-          </a:p>
-        </p:txBody>
-      </p:sp>
-      <p:sp>
-        <p:nvSpPr>
-          <p:cNvPr id="6" name="Footer Placeholder 5"/>
-          <p:cNvSpPr>
-            <a:spLocks noGrp="1"/>
-          </p:cNvSpPr>
-          <p:nvPr>
-            <p:ph type="ftr" sz="quarter" idx="11"/>
-          </p:nvPr>
-        </p:nvSpPr>
-        <p:spPr/>
-        <p:txBody>
-          <a:bodyPr/>
-          <a:lstStyle/>
-          <a:p>
-            <a:r>
-              <a:rPr lang="en-US" smtClean="0"/>
-              <a:t>A. Shumanski &amp; V. Trigonakis</a:t>
-            </a:r>
-            <a:endParaRPr lang="en-US"/>
-          </a:p>
-        </p:txBody>
-      </p:sp>
-    </p:spTree>
-  </p:cSld>
-  <p:clrMapOvr>
-    <a:masterClrMapping/>
-  </p:clrMapOvr>
-  <p:timing>
-    <p:tnLst>
-      <p:par>
-        <p:cTn id="1" dur="indefinite" restart="never" nodeType="tmRoot"/>
-      </p:par>
-    </p:tnLst>
-  </p:timing>
-</p:sld>
-</file>
-
 <file path=ppt/slides/slide17.xml><?xml version="1.0" encoding="utf-8"?>
 <p:sld xmlns:a="http://schemas.openxmlformats.org/drawingml/2006/main" xmlns:r="http://schemas.openxmlformats.org/officeDocument/2006/relationships" xmlns:p="http://schemas.openxmlformats.org/presentationml/2006/main">
   <p:cSld>
@@ -7962,12 +11192,12 @@
       </p:grpSpPr>
       <p:sp>
         <p:nvSpPr>
-          <p:cNvPr id="3" name="Footer Placeholder 2"/>
-          <p:cNvSpPr>
-            <a:spLocks noGrp="1"/>
-          </p:cNvSpPr>
-          <p:nvPr>
-            <p:ph type="ftr" sz="quarter" idx="11"/>
+          <p:cNvPr id="2" name="Rectangle 1"/>
+          <p:cNvSpPr>
+            <a:spLocks noGrp="1"/>
+          </p:cNvSpPr>
+          <p:nvPr>
+            <p:ph type="title"/>
           </p:nvPr>
         </p:nvSpPr>
         <p:spPr/>
@@ -7976,16 +11206,105 @@
           <a:lstStyle/>
           <a:p>
             <a:r>
-              <a:rPr lang="en-US" smtClean="0"/>
-              <a:t>A. Shumanski &amp; V. Trigonakis</a:t>
-            </a:r>
-            <a:endParaRPr lang="en-US"/>
-          </a:p>
-        </p:txBody>
-      </p:sp>
-      <p:sp>
-        <p:nvSpPr>
-          <p:cNvPr id="4" name="Slide Number Placeholder 3"/>
+              <a:rPr lang="en-US" dirty="0" smtClean="0"/>
+              <a:t>Agenda</a:t>
+            </a:r>
+            <a:endParaRPr lang="en-US" dirty="0"/>
+          </a:p>
+        </p:txBody>
+      </p:sp>
+      <p:sp>
+        <p:nvSpPr>
+          <p:cNvPr id="3" name="Rectangle 2"/>
+          <p:cNvSpPr>
+            <a:spLocks noGrp="1"/>
+          </p:cNvSpPr>
+          <p:nvPr>
+            <p:ph idx="1"/>
+          </p:nvPr>
+        </p:nvSpPr>
+        <p:spPr/>
+        <p:txBody>
+          <a:bodyPr/>
+          <a:lstStyle/>
+          <a:p>
+            <a:pPr>
+              <a:spcBef>
+                <a:spcPts val="1000"/>
+              </a:spcBef>
+            </a:pPr>
+            <a:r>
+              <a:rPr lang="en-US" dirty="0" smtClean="0"/>
+              <a:t>P2P File Sharing</a:t>
+            </a:r>
+            <a:endParaRPr lang="en-US" dirty="0"/>
+          </a:p>
+          <a:p>
+            <a:pPr>
+              <a:spcBef>
+                <a:spcPts val="1000"/>
+              </a:spcBef>
+            </a:pPr>
+            <a:r>
+              <a:rPr lang="fi-FI" dirty="0" smtClean="0"/>
+              <a:t>Systems under Evaluation</a:t>
+            </a:r>
+          </a:p>
+          <a:p>
+            <a:pPr>
+              <a:spcBef>
+                <a:spcPts val="1000"/>
+              </a:spcBef>
+            </a:pPr>
+            <a:r>
+              <a:rPr lang="en-US" dirty="0" smtClean="0"/>
+              <a:t>Types of Attacks</a:t>
+            </a:r>
+          </a:p>
+          <a:p>
+            <a:pPr>
+              <a:spcBef>
+                <a:spcPts val="1000"/>
+              </a:spcBef>
+            </a:pPr>
+            <a:r>
+              <a:rPr lang="en-US" dirty="0" smtClean="0"/>
+              <a:t>Solution</a:t>
+            </a:r>
+          </a:p>
+          <a:p>
+            <a:pPr>
+              <a:spcBef>
+                <a:spcPts val="1000"/>
+              </a:spcBef>
+            </a:pPr>
+            <a:r>
+              <a:rPr lang="fi-FI" sz="2800" b="1" dirty="0" smtClean="0">
+                <a:solidFill>
+                  <a:schemeClr val="bg2">
+                    <a:lumMod val="50000"/>
+                  </a:schemeClr>
+                </a:solidFill>
+              </a:rPr>
+              <a:t>Measurements &amp; Results</a:t>
+            </a:r>
+          </a:p>
+          <a:p>
+            <a:pPr>
+              <a:spcBef>
+                <a:spcPts val="1000"/>
+              </a:spcBef>
+            </a:pPr>
+            <a:r>
+              <a:rPr lang="fi-FI" dirty="0" smtClean="0"/>
+              <a:t>Conclusions</a:t>
+            </a:r>
+          </a:p>
+        </p:txBody>
+      </p:sp>
+      <p:sp>
+        <p:nvSpPr>
+          <p:cNvPr id="5" name="Slide Number Placeholder 4"/>
           <p:cNvSpPr>
             <a:spLocks noGrp="1"/>
           </p:cNvSpPr>
@@ -8009,12 +11328,12 @@
       </p:sp>
       <p:sp>
         <p:nvSpPr>
-          <p:cNvPr id="5" name="Title 4"/>
-          <p:cNvSpPr>
-            <a:spLocks noGrp="1"/>
-          </p:cNvSpPr>
-          <p:nvPr>
-            <p:ph type="title"/>
+          <p:cNvPr id="6" name="Footer Placeholder 5"/>
+          <p:cNvSpPr>
+            <a:spLocks noGrp="1"/>
+          </p:cNvSpPr>
+          <p:nvPr>
+            <p:ph type="ftr" sz="quarter" idx="11"/>
           </p:nvPr>
         </p:nvSpPr>
         <p:spPr/>
@@ -8023,78 +11342,10 @@
           <a:lstStyle/>
           <a:p>
             <a:r>
-              <a:rPr lang="en-US" dirty="0" smtClean="0"/>
-              <a:t>Evaluation of the Heuristic</a:t>
-            </a:r>
-            <a:endParaRPr lang="en-US" dirty="0"/>
-          </a:p>
-        </p:txBody>
-      </p:sp>
-      <p:graphicFrame>
-        <p:nvGraphicFramePr>
-          <p:cNvPr id="8" name="Content Placeholder 7"/>
-          <p:cNvGraphicFramePr>
-            <a:graphicFrameLocks noGrp="1"/>
-          </p:cNvGraphicFramePr>
-          <p:nvPr>
-            <p:ph idx="1"/>
-          </p:nvPr>
-        </p:nvGraphicFramePr>
-        <p:xfrm>
-          <a:off x="609600" y="1447800"/>
-          <a:ext cx="7010400" cy="3471862"/>
-        </p:xfrm>
-        <a:graphic>
-          <a:graphicData uri="http://schemas.openxmlformats.org/drawingml/2006/chart">
-            <c:chart xmlns:c="http://schemas.openxmlformats.org/drawingml/2006/chart" xmlns:r="http://schemas.openxmlformats.org/officeDocument/2006/relationships" r:id="rId2"/>
-          </a:graphicData>
-        </a:graphic>
-      </p:graphicFrame>
-      <p:sp>
-        <p:nvSpPr>
-          <p:cNvPr id="6" name="TextBox 5"/>
-          <p:cNvSpPr txBox="1"/>
-          <p:nvPr/>
-        </p:nvSpPr>
-        <p:spPr>
-          <a:xfrm>
-            <a:off x="685800" y="5257800"/>
-            <a:ext cx="7151317" cy="646331"/>
-          </a:xfrm>
-          <a:prstGeom prst="rect">
-            <a:avLst/>
-          </a:prstGeom>
-          <a:noFill/>
-        </p:spPr>
-        <p:txBody>
-          <a:bodyPr wrap="none" rtlCol="0">
-            <a:spAutoFit/>
-          </a:bodyPr>
-          <a:lstStyle/>
-          <a:p>
-            <a:r>
-              <a:rPr lang="en-US" dirty="0" smtClean="0"/>
-              <a:t>Overall, the </a:t>
-            </a:r>
-            <a:r>
-              <a:rPr lang="en-US" dirty="0" smtClean="0"/>
-              <a:t>scheme correctly </a:t>
-            </a:r>
-            <a:r>
-              <a:rPr lang="en-US" dirty="0" smtClean="0"/>
-              <a:t>classified </a:t>
-            </a:r>
-            <a:r>
-              <a:rPr lang="en-US" dirty="0" smtClean="0"/>
-              <a:t>more than 96% of the</a:t>
-            </a:r>
-          </a:p>
-          <a:p>
-            <a:r>
-              <a:rPr lang="en-US" dirty="0" smtClean="0"/>
-              <a:t>versions.</a:t>
-            </a:r>
-            <a:endParaRPr lang="en-US" dirty="0"/>
+              <a:rPr lang="en-US" smtClean="0"/>
+              <a:t>A. Shumanski &amp; V. Trigonakis</a:t>
+            </a:r>
+            <a:endParaRPr lang="en-US"/>
           </a:p>
         </p:txBody>
       </p:sp>
@@ -8132,6 +11383,202 @@
       </p:grpSpPr>
       <p:sp>
         <p:nvSpPr>
+          <p:cNvPr id="3" name="Footer Placeholder 2"/>
+          <p:cNvSpPr>
+            <a:spLocks noGrp="1"/>
+          </p:cNvSpPr>
+          <p:nvPr>
+            <p:ph type="ftr" sz="quarter" idx="11"/>
+          </p:nvPr>
+        </p:nvSpPr>
+        <p:spPr/>
+        <p:txBody>
+          <a:bodyPr/>
+          <a:lstStyle/>
+          <a:p>
+            <a:r>
+              <a:rPr lang="en-US" smtClean="0"/>
+              <a:t>A. Shumanski &amp; V. Trigonakis</a:t>
+            </a:r>
+            <a:endParaRPr lang="en-US"/>
+          </a:p>
+        </p:txBody>
+      </p:sp>
+      <p:sp>
+        <p:nvSpPr>
+          <p:cNvPr id="4" name="Slide Number Placeholder 3"/>
+          <p:cNvSpPr>
+            <a:spLocks noGrp="1"/>
+          </p:cNvSpPr>
+          <p:nvPr>
+            <p:ph type="sldNum" sz="quarter" idx="12"/>
+          </p:nvPr>
+        </p:nvSpPr>
+        <p:spPr/>
+        <p:txBody>
+          <a:bodyPr/>
+          <a:lstStyle/>
+          <a:p>
+            <a:fld id="{BC410EEA-824F-4D46-AFE7-60426C8C06B0}" type="slidenum">
+              <a:rPr lang="en-US" smtClean="0"/>
+              <a:pPr/>
+              <a:t>18</a:t>
+            </a:fld>
+            <a:endParaRPr lang="en-US"/>
+          </a:p>
+        </p:txBody>
+      </p:sp>
+      <p:sp>
+        <p:nvSpPr>
+          <p:cNvPr id="5" name="Title 4"/>
+          <p:cNvSpPr>
+            <a:spLocks noGrp="1"/>
+          </p:cNvSpPr>
+          <p:nvPr>
+            <p:ph type="title"/>
+          </p:nvPr>
+        </p:nvSpPr>
+        <p:spPr/>
+        <p:txBody>
+          <a:bodyPr/>
+          <a:lstStyle/>
+          <a:p>
+            <a:r>
+              <a:rPr lang="en-US" dirty="0" smtClean="0"/>
+              <a:t>Evaluation of the Heuristic</a:t>
+            </a:r>
+            <a:endParaRPr lang="en-US" dirty="0"/>
+          </a:p>
+        </p:txBody>
+      </p:sp>
+      <p:graphicFrame>
+        <p:nvGraphicFramePr>
+          <p:cNvPr id="8" name="Content Placeholder 7"/>
+          <p:cNvGraphicFramePr>
+            <a:graphicFrameLocks noGrp="1"/>
+          </p:cNvGraphicFramePr>
+          <p:nvPr>
+            <p:ph idx="1"/>
+          </p:nvPr>
+        </p:nvGraphicFramePr>
+        <p:xfrm>
+          <a:off x="609600" y="1447800"/>
+          <a:ext cx="7010400" cy="3471862"/>
+        </p:xfrm>
+        <a:graphic>
+          <a:graphicData uri="http://schemas.openxmlformats.org/drawingml/2006/chart">
+            <c:chart xmlns:c="http://schemas.openxmlformats.org/drawingml/2006/chart" xmlns:r="http://schemas.openxmlformats.org/officeDocument/2006/relationships" r:id="rId2"/>
+          </a:graphicData>
+        </a:graphic>
+      </p:graphicFrame>
+      <p:sp>
+        <p:nvSpPr>
+          <p:cNvPr id="6" name="TextBox 5"/>
+          <p:cNvSpPr txBox="1"/>
+          <p:nvPr/>
+        </p:nvSpPr>
+        <p:spPr>
+          <a:xfrm>
+            <a:off x="685800" y="5257800"/>
+            <a:ext cx="7151317" cy="646331"/>
+          </a:xfrm>
+          <a:prstGeom prst="rect">
+            <a:avLst/>
+          </a:prstGeom>
+          <a:noFill/>
+        </p:spPr>
+        <p:txBody>
+          <a:bodyPr wrap="none" rtlCol="0">
+            <a:spAutoFit/>
+          </a:bodyPr>
+          <a:lstStyle/>
+          <a:p>
+            <a:r>
+              <a:rPr lang="en-US" dirty="0" smtClean="0"/>
+              <a:t>Overall, the scheme correctly classified more than </a:t>
+            </a:r>
+            <a:r>
+              <a:rPr lang="en-US" b="1" dirty="0" smtClean="0"/>
+              <a:t>96%</a:t>
+            </a:r>
+            <a:r>
+              <a:rPr lang="en-US" dirty="0" smtClean="0"/>
+              <a:t> of the</a:t>
+            </a:r>
+          </a:p>
+          <a:p>
+            <a:r>
+              <a:rPr lang="en-US" dirty="0" smtClean="0"/>
+              <a:t>versions.</a:t>
+            </a:r>
+            <a:endParaRPr lang="en-US" dirty="0"/>
+          </a:p>
+        </p:txBody>
+      </p:sp>
+      <p:sp>
+        <p:nvSpPr>
+          <p:cNvPr id="7" name="TextBox 6"/>
+          <p:cNvSpPr txBox="1"/>
+          <p:nvPr/>
+        </p:nvSpPr>
+        <p:spPr>
+          <a:xfrm>
+            <a:off x="6705600" y="1371600"/>
+            <a:ext cx="2209800" cy="369332"/>
+          </a:xfrm>
+          <a:prstGeom prst="rect">
+            <a:avLst/>
+          </a:prstGeom>
+          <a:noFill/>
+        </p:spPr>
+        <p:txBody>
+          <a:bodyPr wrap="square" rtlCol="0">
+            <a:spAutoFit/>
+          </a:bodyPr>
+          <a:lstStyle/>
+          <a:p>
+            <a:r>
+              <a:rPr lang="en-US" dirty="0" smtClean="0"/>
+              <a:t>Only in FastTrack</a:t>
+            </a:r>
+            <a:endParaRPr lang="en-US" dirty="0"/>
+          </a:p>
+        </p:txBody>
+      </p:sp>
+    </p:spTree>
+  </p:cSld>
+  <p:clrMapOvr>
+    <a:masterClrMapping/>
+  </p:clrMapOvr>
+  <p:timing>
+    <p:tnLst>
+      <p:par>
+        <p:cTn id="1" dur="indefinite" restart="never" nodeType="tmRoot"/>
+      </p:par>
+    </p:tnLst>
+  </p:timing>
+</p:sld>
+</file>
+
+<file path=ppt/slides/slide19.xml><?xml version="1.0" encoding="utf-8"?>
+<p:sld xmlns:a="http://schemas.openxmlformats.org/drawingml/2006/main" xmlns:r="http://schemas.openxmlformats.org/officeDocument/2006/relationships" xmlns:p="http://schemas.openxmlformats.org/presentationml/2006/main">
+  <p:cSld>
+    <p:spTree>
+      <p:nvGrpSpPr>
+        <p:cNvPr id="1" name=""/>
+        <p:cNvGrpSpPr/>
+        <p:nvPr/>
+      </p:nvGrpSpPr>
+      <p:grpSpPr>
+        <a:xfrm>
+          <a:off x="0" y="0"/>
+          <a:ext cx="0" cy="0"/>
+          <a:chOff x="0" y="0"/>
+          <a:chExt cx="0" cy="0"/>
+        </a:xfrm>
+      </p:grpSpPr>
+      <p:sp>
+        <p:nvSpPr>
           <p:cNvPr id="2" name="Content Placeholder 1"/>
           <p:cNvSpPr>
             <a:spLocks noGrp="1"/>
@@ -8162,25 +11609,8 @@
             </a:r>
             <a:r>
               <a:rPr lang="en-US" dirty="0" smtClean="0"/>
-              <a:t>(data </a:t>
-            </a:r>
-            <a:r>
-              <a:rPr lang="en-US" dirty="0" smtClean="0"/>
-              <a:t>set collected by </a:t>
-            </a:r>
-            <a:r>
-              <a:rPr lang="en-US" dirty="0" smtClean="0"/>
-              <a:t>the crawler </a:t>
-            </a:r>
-            <a:r>
-              <a:rPr lang="en-US" dirty="0" smtClean="0"/>
-              <a:t>in April 2005)</a:t>
-            </a:r>
-            <a:r>
-              <a:rPr lang="en-US" dirty="0" smtClean="0"/>
-              <a:t>:</a:t>
-            </a:r>
-            <a:endParaRPr lang="en-US" dirty="0" smtClean="0"/>
+              <a:t>(data set collected by the crawler in April 2005):</a:t>
+            </a:r>
           </a:p>
           <a:p>
             <a:pPr lvl="1"/>
@@ -8256,7 +11686,7 @@
             <a:fld id="{BC410EEA-824F-4D46-AFE7-60426C8C06B0}" type="slidenum">
               <a:rPr lang="en-US" smtClean="0"/>
               <a:pPr/>
-              <a:t>18</a:t>
+              <a:t>19</a:t>
             </a:fld>
             <a:endParaRPr lang="en-US"/>
           </a:p>
@@ -8279,11 +11709,7 @@
           <a:p>
             <a:r>
               <a:rPr lang="fi-FI" dirty="0" smtClean="0"/>
-              <a:t>Measurements </a:t>
-            </a:r>
-            <a:r>
-              <a:rPr lang="fi-FI" dirty="0" smtClean="0"/>
-              <a:t>&amp; Results</a:t>
+              <a:t>Measurements &amp; Results</a:t>
             </a:r>
             <a:endParaRPr lang="en-US" dirty="0"/>
           </a:p>
@@ -10130,11 +13556,7 @@
             </a:r>
             <a:r>
               <a:rPr lang="en-US" sz="2700" dirty="0" smtClean="0"/>
-              <a:t>(data set collected by the inserted </a:t>
-            </a:r>
-            <a:r>
-              <a:rPr lang="en-US" sz="2700" dirty="0" smtClean="0"/>
-              <a:t>nodes in June 2005)</a:t>
+              <a:t>(data set collected by the inserted nodes in June 2005)</a:t>
             </a:r>
             <a:r>
               <a:rPr kumimoji="0" lang="en-US" sz="2700" b="0" i="0" u="none" strike="noStrike" kern="1200" cap="none" spc="0" normalizeH="0" baseline="0" noProof="0" dirty="0" smtClean="0">
@@ -10411,7 +13833,7 @@
 </p:sld>
 </file>
 
-<file path=ppt/slides/slide19.xml><?xml version="1.0" encoding="utf-8"?>
+<file path=ppt/slides/slide2.xml><?xml version="1.0" encoding="utf-8"?>
 <p:sld xmlns:a="http://schemas.openxmlformats.org/drawingml/2006/main" xmlns:r="http://schemas.openxmlformats.org/officeDocument/2006/relationships" xmlns:p="http://schemas.openxmlformats.org/presentationml/2006/main">
   <p:cSld>
     <p:spTree>
@@ -10430,12 +13852,12 @@
       </p:grpSpPr>
       <p:sp>
         <p:nvSpPr>
-          <p:cNvPr id="3" name="Footer Placeholder 2"/>
-          <p:cNvSpPr>
-            <a:spLocks noGrp="1"/>
-          </p:cNvSpPr>
-          <p:nvPr>
-            <p:ph type="ftr" sz="quarter" idx="11"/>
+          <p:cNvPr id="2" name="Rectangle 1"/>
+          <p:cNvSpPr>
+            <a:spLocks noGrp="1"/>
+          </p:cNvSpPr>
+          <p:nvPr>
+            <p:ph type="title"/>
           </p:nvPr>
         </p:nvSpPr>
         <p:spPr/>
@@ -10444,16 +13866,111 @@
           <a:lstStyle/>
           <a:p>
             <a:r>
-              <a:rPr lang="en-US" smtClean="0"/>
-              <a:t>A. Shumanski &amp; V. Trigonakis</a:t>
-            </a:r>
-            <a:endParaRPr lang="en-US"/>
-          </a:p>
-        </p:txBody>
-      </p:sp>
-      <p:sp>
-        <p:nvSpPr>
-          <p:cNvPr id="4" name="Slide Number Placeholder 3"/>
+              <a:rPr lang="en-US" dirty="0" smtClean="0"/>
+              <a:t>Agenda</a:t>
+            </a:r>
+            <a:endParaRPr lang="en-US" dirty="0"/>
+          </a:p>
+        </p:txBody>
+      </p:sp>
+      <p:sp>
+        <p:nvSpPr>
+          <p:cNvPr id="3" name="Rectangle 2"/>
+          <p:cNvSpPr>
+            <a:spLocks noGrp="1"/>
+          </p:cNvSpPr>
+          <p:nvPr>
+            <p:ph idx="1"/>
+          </p:nvPr>
+        </p:nvSpPr>
+        <p:spPr/>
+        <p:txBody>
+          <a:bodyPr/>
+          <a:lstStyle/>
+          <a:p>
+            <a:pPr>
+              <a:spcBef>
+                <a:spcPts val="1000"/>
+              </a:spcBef>
+            </a:pPr>
+            <a:r>
+              <a:rPr lang="en-US" sz="2800" b="1" dirty="0" smtClean="0">
+                <a:solidFill>
+                  <a:schemeClr val="bg2">
+                    <a:lumMod val="50000"/>
+                  </a:schemeClr>
+                </a:solidFill>
+              </a:rPr>
+              <a:t>P2P File Sharing</a:t>
+            </a:r>
+            <a:endParaRPr lang="en-US" sz="2800" b="1" dirty="0">
+              <a:solidFill>
+                <a:schemeClr val="bg2">
+                  <a:lumMod val="50000"/>
+                </a:schemeClr>
+              </a:solidFill>
+            </a:endParaRPr>
+          </a:p>
+          <a:p>
+            <a:pPr>
+              <a:spcBef>
+                <a:spcPts val="1000"/>
+              </a:spcBef>
+            </a:pPr>
+            <a:r>
+              <a:rPr lang="fi-FI" dirty="0" smtClean="0"/>
+              <a:t>Systems under Evaluation</a:t>
+            </a:r>
+          </a:p>
+          <a:p>
+            <a:pPr>
+              <a:spcBef>
+                <a:spcPts val="1000"/>
+              </a:spcBef>
+            </a:pPr>
+            <a:r>
+              <a:rPr lang="en-US" dirty="0" smtClean="0"/>
+              <a:t>Types of Attacks</a:t>
+            </a:r>
+          </a:p>
+          <a:p>
+            <a:pPr>
+              <a:spcBef>
+                <a:spcPts val="1000"/>
+              </a:spcBef>
+            </a:pPr>
+            <a:r>
+              <a:rPr lang="en-US" dirty="0" smtClean="0"/>
+              <a:t>Solution</a:t>
+            </a:r>
+          </a:p>
+          <a:p>
+            <a:pPr>
+              <a:spcBef>
+                <a:spcPts val="1000"/>
+              </a:spcBef>
+            </a:pPr>
+            <a:r>
+              <a:rPr lang="fi-FI" dirty="0" smtClean="0"/>
+              <a:t>Measurements &amp; Results</a:t>
+            </a:r>
+          </a:p>
+          <a:p>
+            <a:pPr>
+              <a:spcBef>
+                <a:spcPts val="1000"/>
+              </a:spcBef>
+            </a:pPr>
+            <a:r>
+              <a:rPr lang="fi-FI" dirty="0" smtClean="0"/>
+              <a:t>Conclusions</a:t>
+            </a:r>
+          </a:p>
+        </p:txBody>
+      </p:sp>
+      <p:sp>
+        <p:nvSpPr>
+          <p:cNvPr id="5" name="Slide Number Placeholder 4"/>
           <p:cNvSpPr>
             <a:spLocks noGrp="1"/>
           </p:cNvSpPr>
@@ -10469,7 +13986,109 @@
             <a:fld id="{BC410EEA-824F-4D46-AFE7-60426C8C06B0}" type="slidenum">
               <a:rPr lang="en-US" smtClean="0"/>
               <a:pPr/>
-              <a:t>19</a:t>
+              <a:t>2</a:t>
+            </a:fld>
+            <a:endParaRPr lang="en-US"/>
+          </a:p>
+        </p:txBody>
+      </p:sp>
+      <p:sp>
+        <p:nvSpPr>
+          <p:cNvPr id="6" name="Footer Placeholder 5"/>
+          <p:cNvSpPr>
+            <a:spLocks noGrp="1"/>
+          </p:cNvSpPr>
+          <p:nvPr>
+            <p:ph type="ftr" sz="quarter" idx="11"/>
+          </p:nvPr>
+        </p:nvSpPr>
+        <p:spPr/>
+        <p:txBody>
+          <a:bodyPr/>
+          <a:lstStyle/>
+          <a:p>
+            <a:r>
+              <a:rPr lang="en-US" smtClean="0"/>
+              <a:t>A. Shumanski &amp; V. Trigonakis</a:t>
+            </a:r>
+            <a:endParaRPr lang="en-US"/>
+          </a:p>
+        </p:txBody>
+      </p:sp>
+    </p:spTree>
+  </p:cSld>
+  <p:clrMapOvr>
+    <a:masterClrMapping/>
+  </p:clrMapOvr>
+  <p:timing>
+    <p:tnLst>
+      <p:par>
+        <p:cTn id="1" dur="indefinite" restart="never" nodeType="tmRoot"/>
+      </p:par>
+    </p:tnLst>
+  </p:timing>
+</p:sld>
+</file>
+
+<file path=ppt/slides/slide20.xml><?xml version="1.0" encoding="utf-8"?>
+<p:sld xmlns:a="http://schemas.openxmlformats.org/drawingml/2006/main" xmlns:r="http://schemas.openxmlformats.org/officeDocument/2006/relationships" xmlns:p="http://schemas.openxmlformats.org/presentationml/2006/main">
+  <p:cSld>
+    <p:spTree>
+      <p:nvGrpSpPr>
+        <p:cNvPr id="1" name=""/>
+        <p:cNvGrpSpPr/>
+        <p:nvPr/>
+      </p:nvGrpSpPr>
+      <p:grpSpPr>
+        <a:xfrm>
+          <a:off x="0" y="0"/>
+          <a:ext cx="0" cy="0"/>
+          <a:chOff x="0" y="0"/>
+          <a:chExt cx="0" cy="0"/>
+        </a:xfrm>
+      </p:grpSpPr>
+      <p:sp>
+        <p:nvSpPr>
+          <p:cNvPr id="3" name="Footer Placeholder 2"/>
+          <p:cNvSpPr>
+            <a:spLocks noGrp="1"/>
+          </p:cNvSpPr>
+          <p:nvPr>
+            <p:ph type="ftr" sz="quarter" idx="11"/>
+          </p:nvPr>
+        </p:nvSpPr>
+        <p:spPr/>
+        <p:txBody>
+          <a:bodyPr/>
+          <a:lstStyle/>
+          <a:p>
+            <a:r>
+              <a:rPr lang="en-US" smtClean="0"/>
+              <a:t>A. Shumanski &amp; V. Trigonakis</a:t>
+            </a:r>
+            <a:endParaRPr lang="en-US"/>
+          </a:p>
+        </p:txBody>
+      </p:sp>
+      <p:sp>
+        <p:nvSpPr>
+          <p:cNvPr id="4" name="Slide Number Placeholder 3"/>
+          <p:cNvSpPr>
+            <a:spLocks noGrp="1"/>
+          </p:cNvSpPr>
+          <p:nvPr>
+            <p:ph type="sldNum" sz="quarter" idx="12"/>
+          </p:nvPr>
+        </p:nvSpPr>
+        <p:spPr/>
+        <p:txBody>
+          <a:bodyPr/>
+          <a:lstStyle/>
+          <a:p>
+            <a:fld id="{BC410EEA-824F-4D46-AFE7-60426C8C06B0}" type="slidenum">
+              <a:rPr lang="en-US" smtClean="0"/>
+              <a:pPr/>
+              <a:t>20</a:t>
             </a:fld>
             <a:endParaRPr lang="en-US"/>
           </a:p>
@@ -10530,19 +14149,7 @@
           <a:p>
             <a:r>
               <a:rPr lang="en-US" dirty="0" smtClean="0"/>
-              <a:t>Total decoy percentage is </a:t>
-            </a:r>
-            <a:r>
-              <a:rPr lang="en-US" dirty="0" smtClean="0"/>
-              <a:t>up</a:t>
-            </a:r>
-            <a:r>
-              <a:rPr lang="en-US" dirty="0" smtClean="0"/>
-              <a:t> </a:t>
-            </a:r>
-            <a:r>
-              <a:rPr lang="en-US" dirty="0" smtClean="0"/>
-              <a:t>to 95%</a:t>
+              <a:t>Total decoy percentage is up to 95%</a:t>
             </a:r>
           </a:p>
           <a:p>
@@ -10623,7 +14230,7 @@
 </p:sld>
 </file>
 
-<file path=ppt/slides/slide2.xml><?xml version="1.0" encoding="utf-8"?>
+<file path=ppt/slides/slide21.xml><?xml version="1.0" encoding="utf-8"?>
 <p:sld xmlns:a="http://schemas.openxmlformats.org/drawingml/2006/main" xmlns:r="http://schemas.openxmlformats.org/officeDocument/2006/relationships" xmlns:p="http://schemas.openxmlformats.org/presentationml/2006/main">
   <p:cSld>
     <p:spTree>
@@ -10642,12 +14249,12 @@
       </p:grpSpPr>
       <p:sp>
         <p:nvSpPr>
-          <p:cNvPr id="2" name="Rectangle 1"/>
-          <p:cNvSpPr>
-            <a:spLocks noGrp="1"/>
-          </p:cNvSpPr>
-          <p:nvPr>
-            <p:ph type="title"/>
+          <p:cNvPr id="3" name="Footer Placeholder 2"/>
+          <p:cNvSpPr>
+            <a:spLocks noGrp="1"/>
+          </p:cNvSpPr>
+          <p:nvPr>
+            <p:ph type="ftr" sz="quarter" idx="11"/>
           </p:nvPr>
         </p:nvSpPr>
         <p:spPr/>
@@ -10656,111 +14263,16 @@
           <a:lstStyle/>
           <a:p>
             <a:r>
-              <a:rPr lang="en-US" dirty="0" smtClean="0"/>
-              <a:t>Agenda</a:t>
-            </a:r>
-            <a:endParaRPr lang="en-US" dirty="0"/>
-          </a:p>
-        </p:txBody>
-      </p:sp>
-      <p:sp>
-        <p:nvSpPr>
-          <p:cNvPr id="3" name="Rectangle 2"/>
-          <p:cNvSpPr>
-            <a:spLocks noGrp="1"/>
-          </p:cNvSpPr>
-          <p:nvPr>
-            <p:ph idx="1"/>
-          </p:nvPr>
-        </p:nvSpPr>
-        <p:spPr/>
-        <p:txBody>
-          <a:bodyPr/>
-          <a:lstStyle/>
-          <a:p>
-            <a:pPr>
-              <a:spcBef>
-                <a:spcPts val="1000"/>
-              </a:spcBef>
-            </a:pPr>
-            <a:r>
-              <a:rPr lang="en-US" sz="2800" b="1" dirty="0" smtClean="0">
-                <a:solidFill>
-                  <a:schemeClr val="bg2">
-                    <a:lumMod val="50000"/>
-                  </a:schemeClr>
-                </a:solidFill>
-              </a:rPr>
-              <a:t>P2P File Sharing</a:t>
-            </a:r>
-            <a:endParaRPr lang="en-US" sz="2800" b="1" dirty="0">
-              <a:solidFill>
-                <a:schemeClr val="bg2">
-                  <a:lumMod val="50000"/>
-                </a:schemeClr>
-              </a:solidFill>
-            </a:endParaRPr>
-          </a:p>
-          <a:p>
-            <a:pPr>
-              <a:spcBef>
-                <a:spcPts val="1000"/>
-              </a:spcBef>
-            </a:pPr>
-            <a:r>
-              <a:rPr lang="fi-FI" dirty="0" smtClean="0"/>
-              <a:t>Systems under Evaluation</a:t>
-            </a:r>
-          </a:p>
-          <a:p>
-            <a:pPr>
-              <a:spcBef>
-                <a:spcPts val="1000"/>
-              </a:spcBef>
-            </a:pPr>
-            <a:r>
-              <a:rPr lang="en-US" dirty="0" smtClean="0"/>
-              <a:t>Types of Attacks</a:t>
-            </a:r>
-          </a:p>
-          <a:p>
-            <a:pPr>
-              <a:spcBef>
-                <a:spcPts val="1000"/>
-              </a:spcBef>
-            </a:pPr>
-            <a:r>
-              <a:rPr lang="en-US" dirty="0" smtClean="0"/>
-              <a:t>Data Gathering Methodology</a:t>
-            </a:r>
-          </a:p>
-          <a:p>
-            <a:pPr>
-              <a:spcBef>
-                <a:spcPts val="1000"/>
-              </a:spcBef>
-            </a:pPr>
-            <a:r>
-              <a:rPr lang="fi-FI" dirty="0" smtClean="0"/>
-              <a:t>Measurements &amp; Results</a:t>
-            </a:r>
-          </a:p>
-          <a:p>
-            <a:pPr>
-              <a:spcBef>
-                <a:spcPts val="1000"/>
-              </a:spcBef>
-            </a:pPr>
-            <a:r>
-              <a:rPr lang="fi-FI" dirty="0" smtClean="0"/>
-              <a:t>Conclusions</a:t>
-            </a:r>
-          </a:p>
-        </p:txBody>
-      </p:sp>
-      <p:sp>
-        <p:nvSpPr>
-          <p:cNvPr id="5" name="Slide Number Placeholder 4"/>
+              <a:rPr lang="en-US" smtClean="0"/>
+              <a:t>A. Shumanski &amp; V. Trigonakis</a:t>
+            </a:r>
+            <a:endParaRPr lang="en-US"/>
+          </a:p>
+        </p:txBody>
+      </p:sp>
+      <p:sp>
+        <p:nvSpPr>
+          <p:cNvPr id="4" name="Slide Number Placeholder 3"/>
           <p:cNvSpPr>
             <a:spLocks noGrp="1"/>
           </p:cNvSpPr>
@@ -10776,109 +14288,7 @@
             <a:fld id="{BC410EEA-824F-4D46-AFE7-60426C8C06B0}" type="slidenum">
               <a:rPr lang="en-US" smtClean="0"/>
               <a:pPr/>
-              <a:t>2</a:t>
-            </a:fld>
-            <a:endParaRPr lang="en-US"/>
-          </a:p>
-        </p:txBody>
-      </p:sp>
-      <p:sp>
-        <p:nvSpPr>
-          <p:cNvPr id="6" name="Footer Placeholder 5"/>
-          <p:cNvSpPr>
-            <a:spLocks noGrp="1"/>
-          </p:cNvSpPr>
-          <p:nvPr>
-            <p:ph type="ftr" sz="quarter" idx="11"/>
-          </p:nvPr>
-        </p:nvSpPr>
-        <p:spPr/>
-        <p:txBody>
-          <a:bodyPr/>
-          <a:lstStyle/>
-          <a:p>
-            <a:r>
-              <a:rPr lang="en-US" smtClean="0"/>
-              <a:t>A. Shumanski &amp; V. Trigonakis</a:t>
-            </a:r>
-            <a:endParaRPr lang="en-US"/>
-          </a:p>
-        </p:txBody>
-      </p:sp>
-    </p:spTree>
-  </p:cSld>
-  <p:clrMapOvr>
-    <a:masterClrMapping/>
-  </p:clrMapOvr>
-  <p:timing>
-    <p:tnLst>
-      <p:par>
-        <p:cTn id="1" dur="indefinite" restart="never" nodeType="tmRoot"/>
-      </p:par>
-    </p:tnLst>
-  </p:timing>
-</p:sld>
-</file>
-
-<file path=ppt/slides/slide20.xml><?xml version="1.0" encoding="utf-8"?>
-<p:sld xmlns:a="http://schemas.openxmlformats.org/drawingml/2006/main" xmlns:r="http://schemas.openxmlformats.org/officeDocument/2006/relationships" xmlns:p="http://schemas.openxmlformats.org/presentationml/2006/main">
-  <p:cSld>
-    <p:spTree>
-      <p:nvGrpSpPr>
-        <p:cNvPr id="1" name=""/>
-        <p:cNvGrpSpPr/>
-        <p:nvPr/>
-      </p:nvGrpSpPr>
-      <p:grpSpPr>
-        <a:xfrm>
-          <a:off x="0" y="0"/>
-          <a:ext cx="0" cy="0"/>
-          <a:chOff x="0" y="0"/>
-          <a:chExt cx="0" cy="0"/>
-        </a:xfrm>
-      </p:grpSpPr>
-      <p:sp>
-        <p:nvSpPr>
-          <p:cNvPr id="3" name="Footer Placeholder 2"/>
-          <p:cNvSpPr>
-            <a:spLocks noGrp="1"/>
-          </p:cNvSpPr>
-          <p:nvPr>
-            <p:ph type="ftr" sz="quarter" idx="11"/>
-          </p:nvPr>
-        </p:nvSpPr>
-        <p:spPr/>
-        <p:txBody>
-          <a:bodyPr/>
-          <a:lstStyle/>
-          <a:p>
-            <a:r>
-              <a:rPr lang="en-US" smtClean="0"/>
-              <a:t>A. Shumanski &amp; V. Trigonakis</a:t>
-            </a:r>
-            <a:endParaRPr lang="en-US"/>
-          </a:p>
-        </p:txBody>
-      </p:sp>
-      <p:sp>
-        <p:nvSpPr>
-          <p:cNvPr id="4" name="Slide Number Placeholder 3"/>
-          <p:cNvSpPr>
-            <a:spLocks noGrp="1"/>
-          </p:cNvSpPr>
-          <p:nvPr>
-            <p:ph type="sldNum" sz="quarter" idx="12"/>
-          </p:nvPr>
-        </p:nvSpPr>
-        <p:spPr/>
-        <p:txBody>
-          <a:bodyPr/>
-          <a:lstStyle/>
-          <a:p>
-            <a:fld id="{BC410EEA-824F-4D46-AFE7-60426C8C06B0}" type="slidenum">
-              <a:rPr lang="en-US" smtClean="0"/>
-              <a:pPr/>
-              <a:t>20</a:t>
+              <a:t>21</a:t>
             </a:fld>
             <a:endParaRPr lang="en-US"/>
           </a:p>
@@ -10932,17 +14342,13 @@
         </p:spPr>
         <p:txBody>
           <a:bodyPr>
-            <a:normAutofit fontScale="92500"/>
+            <a:normAutofit fontScale="92500" lnSpcReduction="20000"/>
           </a:bodyPr>
           <a:lstStyle/>
           <a:p>
             <a:r>
               <a:rPr lang="en-US" dirty="0" smtClean="0"/>
-              <a:t>Majority of versions are </a:t>
-            </a:r>
-            <a:r>
-              <a:rPr lang="en-US" dirty="0" smtClean="0"/>
-              <a:t>poisoned</a:t>
+              <a:t>Majority of versions are poisoned</a:t>
             </a:r>
           </a:p>
           <a:p>
@@ -10950,40 +14356,27 @@
               <a:rPr lang="en-US" dirty="0" smtClean="0"/>
               <a:t>Poisoning level up to 90%</a:t>
             </a:r>
+          </a:p>
+          <a:p>
+            <a:r>
+              <a:rPr lang="en-US" dirty="0" smtClean="0"/>
+              <a:t>Differences in poison and pollution levels between versions and copies:</a:t>
+            </a:r>
             <a:endParaRPr lang="en-US" dirty="0" smtClean="0"/>
           </a:p>
           <a:p>
-            <a:r>
-              <a:rPr lang="en-US" dirty="0" smtClean="0"/>
-              <a:t>Versions poison level is higher than copies poison level</a:t>
-            </a:r>
-            <a:r>
-              <a:rPr lang="en-US" dirty="0" smtClean="0"/>
-              <a:t>:</a:t>
-            </a:r>
-          </a:p>
-          <a:p>
             <a:pPr lvl="1"/>
             <a:r>
               <a:rPr lang="en-US" dirty="0" smtClean="0"/>
-              <a:t>c</a:t>
-            </a:r>
-            <a:r>
-              <a:rPr lang="en-US" dirty="0" smtClean="0"/>
-              <a:t>opies of the poisoned versions do not circulate</a:t>
+              <a:t>copies of the poisoned versions do not circulate</a:t>
             </a:r>
           </a:p>
           <a:p>
             <a:pPr lvl="1"/>
             <a:r>
               <a:rPr lang="en-US" dirty="0" smtClean="0"/>
-              <a:t>d</a:t>
-            </a:r>
-            <a:r>
-              <a:rPr lang="en-US" dirty="0" smtClean="0"/>
-              <a:t>ecoyers make many copies of the same polluted version</a:t>
-            </a:r>
-            <a:endParaRPr lang="en-US" dirty="0" smtClean="0"/>
+              <a:t>decoyers make many copies of the same polluted version</a:t>
+            </a:r>
           </a:p>
           <a:p>
             <a:endParaRPr lang="en-US" dirty="0"/>
@@ -11057,222 +14450,6 @@
 </p:sld>
 </file>
 
-<file path=ppt/slides/slide21.xml><?xml version="1.0" encoding="utf-8"?>
-<p:sld xmlns:a="http://schemas.openxmlformats.org/drawingml/2006/main" xmlns:r="http://schemas.openxmlformats.org/officeDocument/2006/relationships" xmlns:p="http://schemas.openxmlformats.org/presentationml/2006/main">
-  <p:cSld>
-    <p:spTree>
-      <p:nvGrpSpPr>
-        <p:cNvPr id="1" name=""/>
-        <p:cNvGrpSpPr/>
-        <p:nvPr/>
-      </p:nvGrpSpPr>
-      <p:grpSpPr>
-        <a:xfrm>
-          <a:off x="0" y="0"/>
-          <a:ext cx="0" cy="0"/>
-          <a:chOff x="0" y="0"/>
-          <a:chExt cx="0" cy="0"/>
-        </a:xfrm>
-      </p:grpSpPr>
-      <p:sp>
-        <p:nvSpPr>
-          <p:cNvPr id="2" name="Content Placeholder 1"/>
-          <p:cNvSpPr>
-            <a:spLocks noGrp="1"/>
-          </p:cNvSpPr>
-          <p:nvPr>
-            <p:ph idx="1"/>
-          </p:nvPr>
-        </p:nvSpPr>
-        <p:spPr/>
-        <p:txBody>
-          <a:bodyPr>
-            <a:normAutofit fontScale="92500" lnSpcReduction="10000"/>
-          </a:bodyPr>
-          <a:lstStyle/>
-          <a:p>
-            <a:r>
-              <a:rPr lang="en-US" b="1" dirty="0" smtClean="0"/>
-              <a:t>Node insertion attack</a:t>
-            </a:r>
-            <a:r>
-              <a:rPr lang="en-US" dirty="0" smtClean="0"/>
-              <a:t>: </a:t>
-            </a:r>
-            <a:endParaRPr lang="en-US" dirty="0" smtClean="0"/>
-          </a:p>
-          <a:p>
-            <a:pPr lvl="1"/>
-            <a:r>
-              <a:rPr lang="en-US" dirty="0" smtClean="0"/>
-              <a:t>Not observed in </a:t>
-            </a:r>
-            <a:r>
-              <a:rPr lang="en-US" dirty="0" err="1" smtClean="0"/>
-              <a:t>FastTrack</a:t>
-            </a:r>
-            <a:endParaRPr lang="en-US" dirty="0" smtClean="0"/>
-          </a:p>
-          <a:p>
-            <a:pPr lvl="1"/>
-            <a:r>
-              <a:rPr lang="en-US" dirty="0" smtClean="0"/>
-              <a:t>Observed in </a:t>
-            </a:r>
-            <a:r>
-              <a:rPr lang="en-US" dirty="0" err="1" smtClean="0"/>
-              <a:t>Overnet</a:t>
-            </a:r>
-            <a:r>
-              <a:rPr lang="en-US" dirty="0" smtClean="0"/>
-              <a:t> – decoyers’ nodes return random identifiers, prevent users from finding clean versions</a:t>
-            </a:r>
-            <a:endParaRPr lang="en-US" dirty="0" smtClean="0"/>
-          </a:p>
-          <a:p>
-            <a:endParaRPr lang="en-US" dirty="0" smtClean="0"/>
-          </a:p>
-          <a:p>
-            <a:r>
-              <a:rPr lang="en-US" b="1" dirty="0" smtClean="0"/>
-              <a:t>Poisoning</a:t>
-            </a:r>
-            <a:r>
-              <a:rPr lang="en-US" dirty="0" smtClean="0"/>
-              <a:t>: DHT vs. Unstructured</a:t>
-            </a:r>
-          </a:p>
-          <a:p>
-            <a:pPr lvl="1"/>
-            <a:r>
-              <a:rPr lang="en-US" dirty="0" smtClean="0"/>
-              <a:t>Small # of titles → DHT requires less resources</a:t>
-            </a:r>
-          </a:p>
-          <a:p>
-            <a:pPr lvl="1"/>
-            <a:r>
-              <a:rPr lang="en-US" dirty="0" smtClean="0"/>
-              <a:t>Increasing # of titles → eventually, DHT requires more resources</a:t>
-            </a:r>
-          </a:p>
-          <a:p>
-            <a:pPr lvl="1"/>
-            <a:endParaRPr lang="en-US" dirty="0" smtClean="0"/>
-          </a:p>
-          <a:p>
-            <a:r>
-              <a:rPr lang="en-US" b="1" dirty="0" err="1" smtClean="0"/>
-              <a:t>DDoS</a:t>
-            </a:r>
-            <a:r>
-              <a:rPr lang="en-US" b="1" dirty="0" smtClean="0"/>
-              <a:t> attack</a:t>
-            </a:r>
-            <a:r>
-              <a:rPr lang="en-US" dirty="0" smtClean="0"/>
-              <a:t> by exploiting DHT</a:t>
-            </a:r>
-          </a:p>
-          <a:p>
-            <a:pPr lvl="1"/>
-            <a:r>
-              <a:rPr lang="en-US" dirty="0" smtClean="0"/>
-              <a:t>pointing one node</a:t>
-            </a:r>
-          </a:p>
-          <a:p>
-            <a:endParaRPr lang="en-US" dirty="0"/>
-          </a:p>
-        </p:txBody>
-      </p:sp>
-      <p:sp>
-        <p:nvSpPr>
-          <p:cNvPr id="3" name="Footer Placeholder 2"/>
-          <p:cNvSpPr>
-            <a:spLocks noGrp="1"/>
-          </p:cNvSpPr>
-          <p:nvPr>
-            <p:ph type="ftr" sz="quarter" idx="11"/>
-          </p:nvPr>
-        </p:nvSpPr>
-        <p:spPr/>
-        <p:txBody>
-          <a:bodyPr/>
-          <a:lstStyle/>
-          <a:p>
-            <a:r>
-              <a:rPr lang="en-US" smtClean="0"/>
-              <a:t>A. Shumanski &amp; V. Trigonakis</a:t>
-            </a:r>
-            <a:endParaRPr lang="en-US"/>
-          </a:p>
-        </p:txBody>
-      </p:sp>
-      <p:sp>
-        <p:nvSpPr>
-          <p:cNvPr id="4" name="Slide Number Placeholder 3"/>
-          <p:cNvSpPr>
-            <a:spLocks noGrp="1"/>
-          </p:cNvSpPr>
-          <p:nvPr>
-            <p:ph type="sldNum" sz="quarter" idx="12"/>
-          </p:nvPr>
-        </p:nvSpPr>
-        <p:spPr/>
-        <p:txBody>
-          <a:bodyPr/>
-          <a:lstStyle/>
-          <a:p>
-            <a:fld id="{BC410EEA-824F-4D46-AFE7-60426C8C06B0}" type="slidenum">
-              <a:rPr lang="en-US" smtClean="0"/>
-              <a:pPr/>
-              <a:t>21</a:t>
-            </a:fld>
-            <a:endParaRPr lang="en-US"/>
-          </a:p>
-        </p:txBody>
-      </p:sp>
-      <p:sp>
-        <p:nvSpPr>
-          <p:cNvPr id="5" name="Title 4"/>
-          <p:cNvSpPr>
-            <a:spLocks noGrp="1"/>
-          </p:cNvSpPr>
-          <p:nvPr>
-            <p:ph type="title"/>
-          </p:nvPr>
-        </p:nvSpPr>
-        <p:spPr/>
-        <p:txBody>
-          <a:bodyPr>
-            <a:normAutofit fontScale="90000"/>
-          </a:bodyPr>
-          <a:lstStyle/>
-          <a:p>
-            <a:r>
-              <a:rPr lang="fi-FI" dirty="0" smtClean="0"/>
-              <a:t>DHT Vulnerabilities to Poisoning</a:t>
-            </a:r>
-            <a:endParaRPr lang="en-US" dirty="0"/>
-          </a:p>
-        </p:txBody>
-      </p:sp>
-    </p:spTree>
-  </p:cSld>
-  <p:clrMapOvr>
-    <a:masterClrMapping/>
-  </p:clrMapOvr>
-  <p:timing>
-    <p:tnLst>
-      <p:par>
-        <p:cTn id="1" dur="indefinite" restart="never" nodeType="tmRoot"/>
-      </p:par>
-    </p:tnLst>
-  </p:timing>
-</p:sld>
-</file>
-
 <file path=ppt/slides/slide22.xml><?xml version="1.0" encoding="utf-8"?>
 <p:sld xmlns:a="http://schemas.openxmlformats.org/drawingml/2006/main" xmlns:r="http://schemas.openxmlformats.org/officeDocument/2006/relationships" xmlns:p="http://schemas.openxmlformats.org/presentationml/2006/main">
   <p:cSld>
@@ -11303,44 +14480,100 @@
         <p:spPr/>
         <p:txBody>
           <a:bodyPr>
-            <a:normAutofit/>
+            <a:normAutofit fontScale="92500" lnSpcReduction="10000"/>
           </a:bodyPr>
           <a:lstStyle/>
           <a:p>
             <a:r>
               <a:rPr lang="en-US" b="1" dirty="0" smtClean="0"/>
-              <a:t>Overview of Solutions</a:t>
-            </a:r>
-            <a:r>
-              <a:rPr lang="en-US" dirty="0" smtClean="0"/>
-              <a:t>:</a:t>
+              <a:t>Node insertion attack</a:t>
+            </a:r>
+            <a:r>
+              <a:rPr lang="en-US" dirty="0" smtClean="0"/>
+              <a:t>: </a:t>
             </a:r>
           </a:p>
           <a:p>
             <a:pPr lvl="1"/>
             <a:r>
               <a:rPr lang="en-US" dirty="0" smtClean="0"/>
-              <a:t>Rating versions and advertisements - </a:t>
-            </a:r>
+              <a:t>Not observed in </a:t>
+            </a:r>
+            <a:r>
+              <a:rPr lang="en-US" dirty="0" err="1" smtClean="0"/>
+              <a:t>FastTrack</a:t>
+            </a:r>
+            <a:endParaRPr lang="en-US" dirty="0" smtClean="0"/>
+          </a:p>
+          <a:p>
+            <a:pPr lvl="1"/>
+            <a:r>
+              <a:rPr lang="en-US" dirty="0" smtClean="0"/>
+              <a:t>Observed in </a:t>
+            </a:r>
+            <a:r>
+              <a:rPr lang="en-US" dirty="0" err="1" smtClean="0"/>
+              <a:t>Overnet</a:t>
+            </a:r>
+            <a:r>
+              <a:rPr lang="en-US" dirty="0" smtClean="0"/>
+              <a:t> – decoyers’ nodes return random identifiers, prevent users from finding clean versions</a:t>
+            </a:r>
+          </a:p>
+          <a:p>
+            <a:endParaRPr lang="en-US" dirty="0" smtClean="0"/>
+          </a:p>
+          <a:p>
             <a:r>
               <a:rPr lang="en-US" b="1" dirty="0" smtClean="0"/>
-              <a:t>forums</a:t>
+              <a:t>Poisoning</a:t>
+            </a:r>
+            <a:r>
+              <a:rPr lang="en-US" dirty="0" smtClean="0"/>
+              <a:t>: DHT vs. Unstructured</a:t>
             </a:r>
           </a:p>
           <a:p>
             <a:pPr lvl="1"/>
             <a:r>
               <a:rPr lang="en-US" dirty="0" smtClean="0"/>
-              <a:t>Rating sources - </a:t>
+              <a:t>Small # of titles → DHT requires less resources</a:t>
+            </a:r>
+          </a:p>
+          <a:p>
+            <a:pPr lvl="1"/>
+            <a:r>
+              <a:rPr lang="en-US" dirty="0" smtClean="0"/>
+              <a:t>Increasing # of titles → eventually, DHT requires more resources</a:t>
+            </a:r>
+          </a:p>
+          <a:p>
+            <a:pPr lvl="1"/>
+            <a:endParaRPr lang="en-US" dirty="0" smtClean="0"/>
+          </a:p>
+          <a:p>
+            <a:r>
+              <a:rPr lang="en-US" b="1" dirty="0" err="1" smtClean="0"/>
+              <a:t>DDoS</a:t>
             </a:r>
             <a:r>
               <a:rPr lang="en-US" b="1" dirty="0" smtClean="0"/>
-              <a:t>blacklists</a:t>
-            </a:r>
-            <a:r>
-              <a:rPr lang="en-US" dirty="0" smtClean="0"/>
-              <a:t> of IP ranges based on reputation</a:t>
-            </a:r>
+              <a:t> attack</a:t>
+            </a:r>
+            <a:r>
+              <a:rPr lang="en-US" dirty="0" smtClean="0"/>
+              <a:t> by exploiting DHT</a:t>
+            </a:r>
+          </a:p>
+          <a:p>
+            <a:pPr lvl="1"/>
+            <a:r>
+              <a:rPr lang="en-US" dirty="0" smtClean="0"/>
+              <a:t>pointing one node</a:t>
+            </a:r>
+          </a:p>
+          <a:p>
+            <a:endParaRPr lang="en-US" dirty="0"/>
           </a:p>
         </p:txBody>
       </p:sp>
@@ -11401,12 +14634,7 @@
             <p:ph type="title"/>
           </p:nvPr>
         </p:nvSpPr>
-        <p:spPr>
-          <a:xfrm>
-            <a:off x="457200" y="274638"/>
-            <a:ext cx="8534400" cy="1143000"/>
-          </a:xfrm>
-        </p:spPr>
+        <p:spPr/>
         <p:txBody>
           <a:bodyPr>
             <a:normAutofit fontScale="90000"/>
@@ -11415,7 +14643,7 @@
           <a:p>
             <a:r>
               <a:rPr lang="fi-FI" dirty="0" smtClean="0"/>
-              <a:t>Defending against Poisoning Attack</a:t>
+              <a:t>DHT Vulnerabilities to Poisoning</a:t>
             </a:r>
             <a:endParaRPr lang="en-US" dirty="0"/>
           </a:p>
@@ -11455,12 +14683,87 @@
       </p:grpSpPr>
       <p:sp>
         <p:nvSpPr>
-          <p:cNvPr id="2" name="Rectangle 1"/>
-          <p:cNvSpPr>
-            <a:spLocks noGrp="1"/>
-          </p:cNvSpPr>
-          <p:nvPr>
-            <p:ph type="title"/>
+          <p:cNvPr id="2" name="Content Placeholder 1"/>
+          <p:cNvSpPr>
+            <a:spLocks noGrp="1"/>
+          </p:cNvSpPr>
+          <p:nvPr>
+            <p:ph idx="1"/>
+          </p:nvPr>
+        </p:nvSpPr>
+        <p:spPr/>
+        <p:txBody>
+          <a:bodyPr>
+            <a:normAutofit/>
+          </a:bodyPr>
+          <a:lstStyle/>
+          <a:p>
+            <a:r>
+              <a:rPr lang="en-US" b="1" dirty="0" smtClean="0"/>
+              <a:t>Rating versions and advertisements</a:t>
+            </a:r>
+            <a:r>
+              <a:rPr lang="en-US" dirty="0" smtClean="0"/>
+              <a:t> - forums</a:t>
+            </a:r>
+          </a:p>
+          <a:p>
+            <a:endParaRPr lang="en-US" dirty="0" smtClean="0"/>
+          </a:p>
+          <a:p>
+            <a:r>
+              <a:rPr lang="en-US" b="1" dirty="0" smtClean="0"/>
+              <a:t>Rating sources</a:t>
+            </a:r>
+            <a:r>
+              <a:rPr lang="en-US" dirty="0" smtClean="0"/>
+              <a:t>:</a:t>
+            </a:r>
+          </a:p>
+          <a:p>
+            <a:pPr lvl="1"/>
+            <a:r>
+              <a:rPr lang="en-US" dirty="0" smtClean="0"/>
+              <a:t>Reputation </a:t>
+            </a:r>
+            <a:r>
+              <a:rPr lang="en-US" dirty="0" smtClean="0"/>
+              <a:t>for range of IPs </a:t>
+            </a:r>
+          </a:p>
+          <a:p>
+            <a:pPr lvl="1"/>
+            <a:r>
+              <a:rPr lang="en-US" dirty="0" smtClean="0"/>
+              <a:t>Reputation </a:t>
+            </a:r>
+            <a:r>
+              <a:rPr lang="en-US" dirty="0" smtClean="0"/>
+              <a:t>based on number of copies per title</a:t>
+            </a:r>
+          </a:p>
+          <a:p>
+            <a:pPr lvl="1"/>
+            <a:r>
+              <a:rPr lang="en-US" dirty="0" smtClean="0"/>
+              <a:t>Nodes </a:t>
+            </a:r>
+            <a:r>
+              <a:rPr lang="en-US" dirty="0" smtClean="0"/>
+              <a:t>exchange reputation lists</a:t>
+            </a:r>
+            <a:endParaRPr lang="en-US" dirty="0" smtClean="0"/>
+          </a:p>
+        </p:txBody>
+      </p:sp>
+      <p:sp>
+        <p:nvSpPr>
+          <p:cNvPr id="3" name="Footer Placeholder 2"/>
+          <p:cNvSpPr>
+            <a:spLocks noGrp="1"/>
+          </p:cNvSpPr>
+          <p:nvPr>
+            <p:ph type="ftr" sz="quarter" idx="11"/>
           </p:nvPr>
         </p:nvSpPr>
         <p:spPr/>
@@ -11469,112 +14772,16 @@
           <a:lstStyle/>
           <a:p>
             <a:r>
-              <a:rPr lang="en-US" dirty="0" smtClean="0"/>
-              <a:t>Agenda</a:t>
-            </a:r>
-            <a:endParaRPr lang="en-US" dirty="0"/>
-          </a:p>
-        </p:txBody>
-      </p:sp>
-      <p:sp>
-        <p:nvSpPr>
-          <p:cNvPr id="3" name="Rectangle 2"/>
-          <p:cNvSpPr>
-            <a:spLocks noGrp="1"/>
-          </p:cNvSpPr>
-          <p:nvPr>
-            <p:ph idx="1"/>
-          </p:nvPr>
-        </p:nvSpPr>
-        <p:spPr/>
-        <p:txBody>
-          <a:bodyPr/>
-          <a:lstStyle/>
-          <a:p>
-            <a:pPr>
-              <a:spcBef>
-                <a:spcPts val="1000"/>
-              </a:spcBef>
-            </a:pPr>
-            <a:r>
-              <a:rPr lang="en-US" dirty="0" smtClean="0"/>
-              <a:t>P2P File Sharing</a:t>
-            </a:r>
-            <a:endParaRPr lang="en-US" dirty="0"/>
-          </a:p>
-          <a:p>
-            <a:pPr>
-              <a:spcBef>
-                <a:spcPts val="1000"/>
-              </a:spcBef>
-            </a:pPr>
-            <a:r>
-              <a:rPr lang="fi-FI" dirty="0" smtClean="0"/>
-              <a:t>Systems under Evaluation</a:t>
-            </a:r>
-          </a:p>
-          <a:p>
-            <a:pPr>
-              <a:spcBef>
-                <a:spcPts val="1000"/>
-              </a:spcBef>
-            </a:pPr>
-            <a:r>
-              <a:rPr lang="en-US" dirty="0" smtClean="0"/>
-              <a:t>Types of Attacks</a:t>
-            </a:r>
-          </a:p>
-          <a:p>
-            <a:pPr>
-              <a:spcBef>
-                <a:spcPts val="1000"/>
-              </a:spcBef>
-            </a:pPr>
-            <a:r>
-              <a:rPr lang="en-US" dirty="0" smtClean="0"/>
-              <a:t>Data Gathering Methodology</a:t>
-            </a:r>
-          </a:p>
-          <a:p>
-            <a:pPr>
-              <a:spcBef>
-                <a:spcPts val="1000"/>
-              </a:spcBef>
-            </a:pPr>
-            <a:r>
-              <a:rPr lang="fi-FI" dirty="0" smtClean="0"/>
-              <a:t>Measurements &amp; Results</a:t>
-            </a:r>
-          </a:p>
-          <a:p>
-            <a:pPr>
-              <a:spcBef>
-                <a:spcPts val="1000"/>
-              </a:spcBef>
-            </a:pPr>
-            <a:r>
-              <a:rPr lang="fi-FI" sz="2800" b="1" dirty="0" smtClean="0">
-                <a:solidFill>
-                  <a:schemeClr val="bg2">
-                    <a:lumMod val="50000"/>
-                  </a:schemeClr>
-                </a:solidFill>
-              </a:rPr>
-              <a:t>Conclusions</a:t>
-            </a:r>
-            <a:endParaRPr lang="fi-FI" b="1" dirty="0" smtClean="0">
-              <a:solidFill>
-                <a:schemeClr val="bg2">
-                  <a:lumMod val="50000"/>
-                </a:schemeClr>
-              </a:solidFill>
-            </a:endParaRPr>
-          </a:p>
-        </p:txBody>
-      </p:sp>
-      <p:sp>
-        <p:nvSpPr>
-          <p:cNvPr id="5" name="Slide Number Placeholder 4"/>
+              <a:rPr lang="en-US" smtClean="0"/>
+              <a:t>A. Shumanski &amp; V. Trigonakis</a:t>
+            </a:r>
+            <a:endParaRPr lang="en-US"/>
+          </a:p>
+        </p:txBody>
+      </p:sp>
+      <p:sp>
+        <p:nvSpPr>
+          <p:cNvPr id="4" name="Slide Number Placeholder 3"/>
           <p:cNvSpPr>
             <a:spLocks noGrp="1"/>
           </p:cNvSpPr>
@@ -11598,24 +14805,31 @@
       </p:sp>
       <p:sp>
         <p:nvSpPr>
-          <p:cNvPr id="6" name="Footer Placeholder 5"/>
-          <p:cNvSpPr>
-            <a:spLocks noGrp="1"/>
-          </p:cNvSpPr>
-          <p:nvPr>
-            <p:ph type="ftr" sz="quarter" idx="11"/>
-          </p:nvPr>
-        </p:nvSpPr>
-        <p:spPr/>
-        <p:txBody>
-          <a:bodyPr/>
+          <p:cNvPr id="5" name="Title 4"/>
+          <p:cNvSpPr>
+            <a:spLocks noGrp="1"/>
+          </p:cNvSpPr>
+          <p:nvPr>
+            <p:ph type="title"/>
+          </p:nvPr>
+        </p:nvSpPr>
+        <p:spPr>
+          <a:xfrm>
+            <a:off x="457200" y="274638"/>
+            <a:ext cx="8534400" cy="1143000"/>
+          </a:xfrm>
+        </p:spPr>
+        <p:txBody>
+          <a:bodyPr>
+            <a:normAutofit fontScale="90000"/>
+          </a:bodyPr>
           <a:lstStyle/>
           <a:p>
             <a:r>
-              <a:rPr lang="en-US" smtClean="0"/>
-              <a:t>A. Shumanski &amp; V. Trigonakis</a:t>
-            </a:r>
-            <a:endParaRPr lang="en-US"/>
+              <a:rPr lang="fi-FI" dirty="0" smtClean="0"/>
+              <a:t>Defending against Poisoning Attack</a:t>
+            </a:r>
+            <a:endParaRPr lang="en-US" dirty="0"/>
           </a:p>
         </p:txBody>
       </p:sp>
@@ -11653,12 +14867,12 @@
       </p:grpSpPr>
       <p:sp>
         <p:nvSpPr>
-          <p:cNvPr id="2" name="Content Placeholder 1"/>
-          <p:cNvSpPr>
-            <a:spLocks noGrp="1"/>
-          </p:cNvSpPr>
-          <p:nvPr>
-            <p:ph idx="1"/>
+          <p:cNvPr id="2" name="Rectangle 1"/>
+          <p:cNvSpPr>
+            <a:spLocks noGrp="1"/>
+          </p:cNvSpPr>
+          <p:nvPr>
+            <p:ph type="title"/>
           </p:nvPr>
         </p:nvSpPr>
         <p:spPr/>
@@ -11668,34 +14882,20 @@
           <a:p>
             <a:r>
               <a:rPr lang="en-US" dirty="0" smtClean="0"/>
-              <a:t>Both structured &amp; unstructured overlays are vulnerable</a:t>
-            </a:r>
-          </a:p>
-          <a:p>
-            <a:endParaRPr lang="en-US" dirty="0" smtClean="0"/>
-          </a:p>
-          <a:p>
-            <a:r>
-              <a:rPr lang="en-US" dirty="0" smtClean="0"/>
-              <a:t>Proposed solution can detect the polluted and poisoned versions-copies with a good approximation</a:t>
-            </a:r>
-          </a:p>
-          <a:p>
-            <a:pPr>
-              <a:buNone/>
-            </a:pPr>
+              <a:t>Agenda</a:t>
+            </a:r>
             <a:endParaRPr lang="en-US" dirty="0"/>
           </a:p>
         </p:txBody>
       </p:sp>
       <p:sp>
         <p:nvSpPr>
-          <p:cNvPr id="3" name="Footer Placeholder 2"/>
-          <p:cNvSpPr>
-            <a:spLocks noGrp="1"/>
-          </p:cNvSpPr>
-          <p:nvPr>
-            <p:ph type="ftr" sz="quarter" idx="11"/>
+          <p:cNvPr id="3" name="Rectangle 2"/>
+          <p:cNvSpPr>
+            <a:spLocks noGrp="1"/>
+          </p:cNvSpPr>
+          <p:nvPr>
+            <p:ph idx="1"/>
           </p:nvPr>
         </p:nvSpPr>
         <p:spPr/>
@@ -11703,17 +14903,90 @@
           <a:bodyPr/>
           <a:lstStyle/>
           <a:p>
-            <a:r>
-              <a:rPr lang="en-US" smtClean="0"/>
-              <a:t>A. Shumanski &amp; V. Trigonakis</a:t>
-            </a:r>
-            <a:endParaRPr lang="en-US"/>
-          </a:p>
-        </p:txBody>
-      </p:sp>
-      <p:sp>
-        <p:nvSpPr>
-          <p:cNvPr id="4" name="Slide Number Placeholder 3"/>
+            <a:pPr>
+              <a:spcBef>
+                <a:spcPts val="1000"/>
+              </a:spcBef>
+            </a:pPr>
+            <a:r>
+              <a:rPr lang="en-US" dirty="0" smtClean="0"/>
+              <a:t>P2P File Sharing</a:t>
+            </a:r>
+            <a:endParaRPr lang="en-US" dirty="0"/>
+          </a:p>
+          <a:p>
+            <a:pPr>
+              <a:spcBef>
+                <a:spcPts val="1000"/>
+              </a:spcBef>
+            </a:pPr>
+            <a:r>
+              <a:rPr lang="fi-FI" dirty="0" smtClean="0"/>
+              <a:t>Systems under Evaluation</a:t>
+            </a:r>
+          </a:p>
+          <a:p>
+            <a:pPr>
+              <a:spcBef>
+                <a:spcPts val="1000"/>
+              </a:spcBef>
+            </a:pPr>
+            <a:r>
+              <a:rPr lang="en-US" dirty="0" smtClean="0"/>
+              <a:t>Types of Attacks</a:t>
+            </a:r>
+          </a:p>
+          <a:p>
+            <a:pPr>
+              <a:spcBef>
+                <a:spcPts val="1000"/>
+              </a:spcBef>
+            </a:pPr>
+            <a:r>
+              <a:rPr lang="en-US" dirty="0" smtClean="0"/>
+              <a:t>Solution</a:t>
+            </a:r>
+          </a:p>
+          <a:p>
+            <a:pPr>
+              <a:spcBef>
+                <a:spcPts val="1000"/>
+              </a:spcBef>
+            </a:pPr>
+            <a:r>
+              <a:rPr lang="fi-FI" dirty="0" smtClean="0"/>
+              <a:t>Measurements &amp; Results</a:t>
+            </a:r>
+          </a:p>
+          <a:p>
+            <a:pPr>
+              <a:spcBef>
+                <a:spcPts val="1000"/>
+              </a:spcBef>
+            </a:pPr>
+            <a:r>
+              <a:rPr lang="fi-FI" sz="2800" b="1" dirty="0" smtClean="0">
+                <a:solidFill>
+                  <a:schemeClr val="bg2">
+                    <a:lumMod val="50000"/>
+                  </a:schemeClr>
+                </a:solidFill>
+              </a:rPr>
+              <a:t>Conclusions</a:t>
+            </a:r>
+            <a:endParaRPr lang="fi-FI" b="1" dirty="0" smtClean="0">
+              <a:solidFill>
+                <a:schemeClr val="bg2">
+                  <a:lumMod val="50000"/>
+                </a:schemeClr>
+              </a:solidFill>
+            </a:endParaRPr>
+          </a:p>
+        </p:txBody>
+      </p:sp>
+      <p:sp>
+        <p:nvSpPr>
+          <p:cNvPr id="5" name="Slide Number Placeholder 4"/>
           <p:cNvSpPr>
             <a:spLocks noGrp="1"/>
           </p:cNvSpPr>
@@ -11737,12 +15010,12 @@
       </p:sp>
       <p:sp>
         <p:nvSpPr>
-          <p:cNvPr id="5" name="Title 4"/>
-          <p:cNvSpPr>
-            <a:spLocks noGrp="1"/>
-          </p:cNvSpPr>
-          <p:nvPr>
-            <p:ph type="title"/>
+          <p:cNvPr id="6" name="Footer Placeholder 5"/>
+          <p:cNvSpPr>
+            <a:spLocks noGrp="1"/>
+          </p:cNvSpPr>
+          <p:nvPr>
+            <p:ph type="ftr" sz="quarter" idx="11"/>
           </p:nvPr>
         </p:nvSpPr>
         <p:spPr/>
@@ -11751,10 +15024,10 @@
           <a:lstStyle/>
           <a:p>
             <a:r>
-              <a:rPr lang="en-US" dirty="0" smtClean="0"/>
-              <a:t>Conclusions</a:t>
-            </a:r>
-            <a:endParaRPr lang="en-US" dirty="0"/>
+              <a:rPr lang="en-US" smtClean="0"/>
+              <a:t>A. Shumanski &amp; V. Trigonakis</a:t>
+            </a:r>
+            <a:endParaRPr lang="en-US"/>
           </a:p>
         </p:txBody>
       </p:sp>
@@ -11763,6 +15036,13 @@
   <p:clrMapOvr>
     <a:masterClrMapping/>
   </p:clrMapOvr>
+  <p:timing>
+    <p:tnLst>
+      <p:par>
+        <p:cTn id="1" dur="indefinite" restart="never" nodeType="tmRoot"/>
+      </p:par>
+    </p:tnLst>
+  </p:timing>
 </p:sld>
 </file>
 
@@ -11798,26 +15078,66 @@
           <a:bodyPr/>
           <a:lstStyle/>
           <a:p>
-            <a:r>
-              <a:rPr lang="en-US" dirty="0" smtClean="0"/>
-              <a:t>J. Liang, N. </a:t>
-            </a:r>
+            <a:pPr>
+              <a:spcBef>
+                <a:spcPts val="1000"/>
+              </a:spcBef>
+            </a:pPr>
+            <a:r>
+              <a:rPr lang="en-US" dirty="0" smtClean="0"/>
+              <a:t>Both structured &amp; unstructured overlays are vulnerable</a:t>
+            </a:r>
+          </a:p>
+          <a:p>
+            <a:pPr>
+              <a:spcBef>
+                <a:spcPts val="1000"/>
+              </a:spcBef>
+            </a:pPr>
+            <a:r>
+              <a:rPr lang="en-US" dirty="0" smtClean="0"/>
+              <a:t>Heuristic to detect the polluted and poisoned versions/copies with a good approximation</a:t>
+            </a:r>
+          </a:p>
+          <a:p>
+            <a:pPr>
+              <a:spcBef>
+                <a:spcPts val="1000"/>
+              </a:spcBef>
+            </a:pPr>
+            <a:r>
+              <a:rPr lang="en-US" dirty="0" smtClean="0"/>
+              <a:t>Defend by rating versions &amp; sources</a:t>
+            </a:r>
+          </a:p>
+          <a:p>
+            <a:pPr>
+              <a:spcBef>
+                <a:spcPts val="1000"/>
+              </a:spcBef>
+            </a:pPr>
             <a:r>
               <a:rPr lang="en-US" dirty="0" err="1" smtClean="0"/>
-              <a:t>Naoumov</a:t>
-            </a:r>
-            <a:r>
-              <a:rPr lang="en-US" dirty="0" smtClean="0"/>
-              <a:t>, KW. Ross, </a:t>
-            </a:r>
-            <a:r>
-              <a:rPr lang="en-US" i="1" dirty="0" smtClean="0"/>
-              <a:t>The index poisoning attack in p2p file sharing systems</a:t>
-            </a:r>
-            <a:r>
-              <a:rPr lang="en-US" dirty="0" smtClean="0"/>
-              <a:t>, IEEE INFOCOM, 2006.</a:t>
-            </a:r>
+              <a:t>DDoS</a:t>
+            </a:r>
+            <a:r>
+              <a:rPr lang="en-US" dirty="0" smtClean="0"/>
+              <a:t> attack possible in a DHT</a:t>
+            </a:r>
+          </a:p>
+          <a:p>
+            <a:endParaRPr lang="en-US" dirty="0" smtClean="0"/>
+          </a:p>
+          <a:p>
+            <a:endParaRPr lang="en-US" dirty="0" smtClean="0"/>
+          </a:p>
+          <a:p>
+            <a:endParaRPr lang="en-US" dirty="0" smtClean="0"/>
+          </a:p>
+          <a:p>
+            <a:pPr>
+              <a:buNone/>
+            </a:pPr>
             <a:endParaRPr lang="en-US" dirty="0"/>
           </a:p>
         </p:txBody>
@@ -11886,7 +15206,7 @@
           <a:p>
             <a:r>
               <a:rPr lang="en-US" dirty="0" smtClean="0"/>
-              <a:t>References</a:t>
+              <a:t>Conclusions</a:t>
             </a:r>
             <a:endParaRPr lang="en-US" dirty="0"/>
           </a:p>
@@ -11897,6 +15217,13 @@
   <p:clrMapOvr>
     <a:masterClrMapping/>
   </p:clrMapOvr>
+  <p:timing>
+    <p:tnLst>
+      <p:par>
+        <p:cTn id="1" dur="indefinite" restart="never" nodeType="tmRoot"/>
+      </p:par>
+    </p:tnLst>
+  </p:timing>
 </p:sld>
 </file>
 
@@ -11932,32 +15259,27 @@
           <a:bodyPr/>
           <a:lstStyle/>
           <a:p>
-            <a:endParaRPr lang="en-US" dirty="0" smtClean="0"/>
-          </a:p>
-          <a:p>
-            <a:endParaRPr lang="en-US" dirty="0" smtClean="0"/>
-          </a:p>
-          <a:p>
-            <a:endParaRPr lang="en-US" dirty="0" smtClean="0"/>
-          </a:p>
-          <a:p>
-            <a:endParaRPr lang="en-US" dirty="0" smtClean="0"/>
-          </a:p>
-          <a:p>
-            <a:pPr algn="ctr">
-              <a:buNone/>
-            </a:pPr>
-            <a:r>
-              <a:rPr lang="en-US" sz="3200" dirty="0" smtClean="0"/>
-              <a:t>Thank you </a:t>
-            </a:r>
-            <a:r>
-              <a:rPr lang="en-US" sz="4000" dirty="0" smtClean="0">
-                <a:sym typeface="Wingdings" pitchFamily="2" charset="2"/>
-              </a:rPr>
-              <a:t></a:t>
-            </a:r>
-            <a:endParaRPr lang="en-US" sz="4000" dirty="0"/>
+            <a:r>
+              <a:rPr lang="en-US" dirty="0" smtClean="0"/>
+              <a:t>J. Liang, N. </a:t>
+            </a:r>
+            <a:r>
+              <a:rPr lang="en-US" dirty="0" err="1" smtClean="0"/>
+              <a:t>Naoumov</a:t>
+            </a:r>
+            <a:r>
+              <a:rPr lang="en-US" dirty="0" smtClean="0"/>
+              <a:t>, KW. Ross, </a:t>
+            </a:r>
+            <a:r>
+              <a:rPr lang="en-US" i="1" dirty="0" smtClean="0"/>
+              <a:t>The index poisoning attack in p2p file sharing systems</a:t>
+            </a:r>
+            <a:r>
+              <a:rPr lang="en-US" dirty="0" smtClean="0"/>
+              <a:t>, IEEE INFOCOM, 2006.</a:t>
+            </a:r>
+            <a:endParaRPr lang="en-US" dirty="0"/>
           </a:p>
         </p:txBody>
       </p:sp>
@@ -12023,10 +15345,9 @@
           <a:bodyPr/>
           <a:lstStyle/>
           <a:p>
-            <a:pPr algn="ctr"/>
-            <a:r>
-              <a:rPr lang="en-US" dirty="0" smtClean="0"/>
-              <a:t>The end..</a:t>
+            <a:r>
+              <a:rPr lang="en-US" dirty="0" smtClean="0"/>
+              <a:t>References</a:t>
             </a:r>
             <a:endParaRPr lang="en-US" dirty="0"/>
           </a:p>
@@ -12037,6 +15358,160 @@
   <p:clrMapOvr>
     <a:masterClrMapping/>
   </p:clrMapOvr>
+  <p:timing>
+    <p:tnLst>
+      <p:par>
+        <p:cTn id="1" dur="indefinite" restart="never" nodeType="tmRoot"/>
+      </p:par>
+    </p:tnLst>
+  </p:timing>
+</p:sld>
+</file>
+
+<file path=ppt/slides/slide27.xml><?xml version="1.0" encoding="utf-8"?>
+<p:sld xmlns:a="http://schemas.openxmlformats.org/drawingml/2006/main" xmlns:r="http://schemas.openxmlformats.org/officeDocument/2006/relationships" xmlns:p="http://schemas.openxmlformats.org/presentationml/2006/main">
+  <p:cSld>
+    <p:spTree>
+      <p:nvGrpSpPr>
+        <p:cNvPr id="1" name=""/>
+        <p:cNvGrpSpPr/>
+        <p:nvPr/>
+      </p:nvGrpSpPr>
+      <p:grpSpPr>
+        <a:xfrm>
+          <a:off x="0" y="0"/>
+          <a:ext cx="0" cy="0"/>
+          <a:chOff x="0" y="0"/>
+          <a:chExt cx="0" cy="0"/>
+        </a:xfrm>
+      </p:grpSpPr>
+      <p:sp>
+        <p:nvSpPr>
+          <p:cNvPr id="2" name="Content Placeholder 1"/>
+          <p:cNvSpPr>
+            <a:spLocks noGrp="1"/>
+          </p:cNvSpPr>
+          <p:nvPr>
+            <p:ph idx="1"/>
+          </p:nvPr>
+        </p:nvSpPr>
+        <p:spPr/>
+        <p:txBody>
+          <a:bodyPr/>
+          <a:lstStyle/>
+          <a:p>
+            <a:endParaRPr lang="en-US" dirty="0" smtClean="0"/>
+          </a:p>
+          <a:p>
+            <a:endParaRPr lang="en-US" dirty="0" smtClean="0"/>
+          </a:p>
+          <a:p>
+            <a:endParaRPr lang="en-US" dirty="0" smtClean="0"/>
+          </a:p>
+          <a:p>
+            <a:endParaRPr lang="en-US" dirty="0" smtClean="0"/>
+          </a:p>
+          <a:p>
+            <a:pPr algn="ctr">
+              <a:buNone/>
+            </a:pPr>
+            <a:r>
+              <a:rPr lang="en-US" sz="3200" dirty="0" smtClean="0"/>
+              <a:t>Thank you </a:t>
+            </a:r>
+            <a:r>
+              <a:rPr lang="en-US" sz="4000" dirty="0" smtClean="0">
+                <a:sym typeface="Wingdings" pitchFamily="2" charset="2"/>
+              </a:rPr>
+              <a:t></a:t>
+            </a:r>
+            <a:endParaRPr lang="en-US" sz="4000" dirty="0"/>
+          </a:p>
+        </p:txBody>
+      </p:sp>
+      <p:sp>
+        <p:nvSpPr>
+          <p:cNvPr id="3" name="Footer Placeholder 2"/>
+          <p:cNvSpPr>
+            <a:spLocks noGrp="1"/>
+          </p:cNvSpPr>
+          <p:nvPr>
+            <p:ph type="ftr" sz="quarter" idx="11"/>
+          </p:nvPr>
+        </p:nvSpPr>
+        <p:spPr/>
+        <p:txBody>
+          <a:bodyPr/>
+          <a:lstStyle/>
+          <a:p>
+            <a:r>
+              <a:rPr lang="en-US" smtClean="0"/>
+              <a:t>A. Shumanski &amp; V. Trigonakis</a:t>
+            </a:r>
+            <a:endParaRPr lang="en-US"/>
+          </a:p>
+        </p:txBody>
+      </p:sp>
+      <p:sp>
+        <p:nvSpPr>
+          <p:cNvPr id="4" name="Slide Number Placeholder 3"/>
+          <p:cNvSpPr>
+            <a:spLocks noGrp="1"/>
+          </p:cNvSpPr>
+          <p:nvPr>
+            <p:ph type="sldNum" sz="quarter" idx="12"/>
+          </p:nvPr>
+        </p:nvSpPr>
+        <p:spPr/>
+        <p:txBody>
+          <a:bodyPr/>
+          <a:lstStyle/>
+          <a:p>
+            <a:fld id="{BC410EEA-824F-4D46-AFE7-60426C8C06B0}" type="slidenum">
+              <a:rPr lang="en-US" smtClean="0"/>
+              <a:pPr/>
+              <a:t>27</a:t>
+            </a:fld>
+            <a:endParaRPr lang="en-US"/>
+          </a:p>
+        </p:txBody>
+      </p:sp>
+      <p:sp>
+        <p:nvSpPr>
+          <p:cNvPr id="5" name="Title 4"/>
+          <p:cNvSpPr>
+            <a:spLocks noGrp="1"/>
+          </p:cNvSpPr>
+          <p:nvPr>
+            <p:ph type="title"/>
+          </p:nvPr>
+        </p:nvSpPr>
+        <p:spPr/>
+        <p:txBody>
+          <a:bodyPr/>
+          <a:lstStyle/>
+          <a:p>
+            <a:pPr algn="ctr"/>
+            <a:r>
+              <a:rPr lang="en-US" dirty="0" smtClean="0"/>
+              <a:t>The end..</a:t>
+            </a:r>
+            <a:endParaRPr lang="en-US" dirty="0"/>
+          </a:p>
+        </p:txBody>
+      </p:sp>
+    </p:spTree>
+  </p:cSld>
+  <p:clrMapOvr>
+    <a:masterClrMapping/>
+  </p:clrMapOvr>
+  <p:timing>
+    <p:tnLst>
+      <p:par>
+        <p:cTn id="1" dur="indefinite" restart="never" nodeType="tmRoot"/>
+      </p:par>
+    </p:tnLst>
+  </p:timing>
 </p:sld>
 </file>
 
@@ -12309,7 +15784,13 @@
               </a:spcBef>
             </a:pPr>
             <a:r>
-              <a:rPr lang="en-US" b="1" dirty="0" smtClean="0"/>
+              <a:rPr lang="en-US" b="1" dirty="0" smtClean="0">
+                <a:solidFill>
+                  <a:schemeClr val="bg2">
+                    <a:lumMod val="50000"/>
+                  </a:schemeClr>
+                </a:solidFill>
+              </a:rPr>
               <a:t>Title</a:t>
             </a:r>
             <a:r>
@@ -12328,10 +15809,22 @@
               <a:t>A given title can have many different </a:t>
             </a:r>
             <a:r>
-              <a:rPr lang="en-US" b="1" dirty="0" smtClean="0"/>
+              <a:rPr lang="en-US" b="1" dirty="0" smtClean="0">
+                <a:solidFill>
+                  <a:schemeClr val="bg2">
+                    <a:lumMod val="50000"/>
+                  </a:schemeClr>
+                </a:solidFill>
+              </a:rPr>
               <a:t>versions</a:t>
             </a:r>
-            <a:endParaRPr lang="en-US" dirty="0" smtClean="0"/>
+            <a:endParaRPr lang="en-US" dirty="0" smtClean="0">
+              <a:solidFill>
+                <a:schemeClr val="bg2">
+                  <a:lumMod val="50000"/>
+                </a:schemeClr>
+              </a:solidFill>
+            </a:endParaRPr>
           </a:p>
           <a:p>
             <a:pPr>
@@ -12344,7 +15837,13 @@
               <a:t>Each version has one </a:t>
             </a:r>
             <a:r>
-              <a:rPr lang="en-US" b="1" dirty="0" smtClean="0"/>
+              <a:rPr lang="en-US" b="1" dirty="0" smtClean="0">
+                <a:solidFill>
+                  <a:schemeClr val="bg2">
+                    <a:lumMod val="50000"/>
+                  </a:schemeClr>
+                </a:solidFill>
+              </a:rPr>
               <a:t>identifier</a:t>
             </a:r>
             <a:r>
@@ -12363,7 +15862,13 @@
               <a:t>Multiple </a:t>
             </a:r>
             <a:r>
-              <a:rPr lang="en-US" b="1" dirty="0" smtClean="0"/>
+              <a:rPr lang="en-US" b="1" dirty="0" smtClean="0">
+                <a:solidFill>
+                  <a:schemeClr val="bg2">
+                    <a:lumMod val="50000"/>
+                  </a:schemeClr>
+                </a:solidFill>
+              </a:rPr>
               <a:t>copies</a:t>
             </a:r>
             <a:r>
@@ -12378,7 +15883,13 @@
               </a:spcBef>
             </a:pPr>
             <a:r>
-              <a:rPr lang="en-US" b="1" dirty="0" smtClean="0"/>
+              <a:rPr lang="en-US" b="1" dirty="0" smtClean="0">
+                <a:solidFill>
+                  <a:schemeClr val="bg2">
+                    <a:lumMod val="50000"/>
+                  </a:schemeClr>
+                </a:solidFill>
+              </a:rPr>
               <a:t>Advertisements</a:t>
             </a:r>
             <a:r>
@@ -12393,12 +15904,28 @@
               </a:spcBef>
             </a:pPr>
             <a:r>
-              <a:rPr lang="en-US" b="1" dirty="0" smtClean="0"/>
+              <a:rPr lang="en-US" b="1" dirty="0" smtClean="0">
+                <a:solidFill>
+                  <a:schemeClr val="bg2">
+                    <a:lumMod val="50000"/>
+                  </a:schemeClr>
+                </a:solidFill>
+              </a:rPr>
               <a:t>Keyword search</a:t>
             </a:r>
             <a:r>
-              <a:rPr lang="en-US" dirty="0" smtClean="0"/>
-              <a:t> is used</a:t>
+              <a:rPr lang="en-US" dirty="0" smtClean="0">
+                <a:solidFill>
+                  <a:schemeClr val="bg2">
+                    <a:lumMod val="50000"/>
+                  </a:schemeClr>
+                </a:solidFill>
+              </a:rPr>
+              <a:t> </a:t>
+            </a:r>
+            <a:r>
+              <a:rPr lang="en-US" dirty="0" smtClean="0"/>
+              <a:t>is used</a:t>
             </a:r>
           </a:p>
           <a:p>
@@ -12598,7 +16125,7 @@
             </a:pPr>
             <a:r>
               <a:rPr lang="en-US" dirty="0" smtClean="0"/>
-              <a:t>Data Gathering Methodology</a:t>
+              <a:t>Solution</a:t>
             </a:r>
           </a:p>
           <a:p>
@@ -12732,15 +16259,28 @@
             <a:pPr lvl="1"/>
             <a:r>
               <a:rPr lang="en-US" dirty="0" smtClean="0"/>
-              <a:t>used in eDonkey2000</a:t>
+              <a:t>DHT-based file sharing system</a:t>
             </a:r>
           </a:p>
           <a:p>
             <a:pPr lvl="1"/>
             <a:r>
               <a:rPr lang="en-US" dirty="0" smtClean="0"/>
-              <a:t>DHT-based file sharing system</a:t>
-            </a:r>
+              <a:t>used in eDonkey2000 </a:t>
+            </a:r>
+            <a:r>
+              <a:rPr lang="en-US" dirty="0" smtClean="0"/>
+              <a:t>and </a:t>
+            </a:r>
+            <a:r>
+              <a:rPr lang="en-US" dirty="0" err="1" smtClean="0"/>
+              <a:t>eMule</a:t>
+            </a:r>
+            <a:endParaRPr lang="en-US" dirty="0" smtClean="0"/>
+          </a:p>
+          <a:p>
+            <a:pPr lvl="1"/>
+            <a:endParaRPr lang="en-US" dirty="0" smtClean="0"/>
           </a:p>
           <a:p>
             <a:endParaRPr lang="en-US" dirty="0" smtClean="0"/>
@@ -12761,15 +16301,34 @@
               <a:rPr lang="en-US" dirty="0" smtClean="0"/>
               <a:t>two-tier unstructured file sharing system </a:t>
             </a:r>
+            <a:endParaRPr lang="en-US" dirty="0" smtClean="0"/>
           </a:p>
           <a:p>
             <a:pPr lvl="1"/>
             <a:r>
               <a:rPr lang="en-US" dirty="0" smtClean="0"/>
-              <a:t>index distributed over a small fraction of the nodes</a:t>
-            </a:r>
-          </a:p>
-          <a:p>
+              <a:t>used in </a:t>
+            </a:r>
+            <a:r>
+              <a:rPr lang="en-US" dirty="0" err="1" smtClean="0"/>
+              <a:t>Kazaa</a:t>
+            </a:r>
+            <a:r>
+              <a:rPr lang="en-US" dirty="0" smtClean="0"/>
+              <a:t>, </a:t>
+            </a:r>
+            <a:r>
+              <a:rPr lang="en-US" dirty="0" err="1" smtClean="0"/>
+              <a:t>Grokster</a:t>
+            </a:r>
+            <a:r>
+              <a:rPr lang="en-US" dirty="0" smtClean="0"/>
+              <a:t> and </a:t>
+            </a:r>
+            <a:r>
+              <a:rPr lang="en-US" dirty="0" err="1" smtClean="0"/>
+              <a:t>iMesh</a:t>
+            </a:r>
             <a:endParaRPr lang="en-US" dirty="0" smtClean="0"/>
           </a:p>
           <a:p>
@@ -12970,7 +16529,7 @@
             </a:pPr>
             <a:r>
               <a:rPr lang="en-US" dirty="0" smtClean="0"/>
-              <a:t>Data Gathering Methodology</a:t>
+              <a:t>Solution</a:t>
             </a:r>
           </a:p>
           <a:p>
@@ -13089,7 +16648,7 @@
         <p:spPr/>
         <p:txBody>
           <a:bodyPr>
-            <a:normAutofit lnSpcReduction="10000"/>
+            <a:normAutofit/>
           </a:bodyPr>
           <a:lstStyle/>
           <a:p>
@@ -13099,14 +16658,23 @@
             </a:r>
             <a:r>
               <a:rPr lang="en-US" dirty="0" smtClean="0"/>
-              <a:t>: corrupting the targeted content, rendering it unusable, and then making this polluted content available for sharing in large volumes.</a:t>
-            </a:r>
+              <a:t>: </a:t>
+            </a:r>
+            <a:r>
+              <a:rPr lang="en-US" dirty="0" smtClean="0"/>
+              <a:t>making available corrupted content</a:t>
+            </a:r>
+            <a:endParaRPr lang="en-US" dirty="0" smtClean="0"/>
           </a:p>
           <a:p>
             <a:pPr lvl="1"/>
             <a:r>
               <a:rPr lang="en-US" dirty="0" smtClean="0"/>
-              <a:t>Resource intensive attack</a:t>
+              <a:t>Resource intensive </a:t>
+            </a:r>
+            <a:r>
+              <a:rPr lang="en-US" dirty="0" smtClean="0"/>
+              <a:t>attack</a:t>
             </a:r>
           </a:p>
           <a:p>
@@ -13114,14 +16682,24 @@
             <a:endParaRPr lang="en-US" dirty="0" smtClean="0"/>
           </a:p>
           <a:p>
+            <a:pPr>
+              <a:spcBef>
+                <a:spcPts val="1000"/>
+              </a:spcBef>
+            </a:pPr>
             <a:r>
               <a:rPr lang="en-US" b="1" dirty="0" smtClean="0"/>
               <a:t>Index poisoning attack</a:t>
             </a:r>
             <a:r>
               <a:rPr lang="en-US" dirty="0" smtClean="0"/>
-              <a:t>: inserting massive numbers of bogus records into the index. (i.e. randomly chosen file identifiers)</a:t>
-            </a:r>
+              <a:t>: inserting massive numbers of bogus records into the </a:t>
+            </a:r>
+            <a:r>
+              <a:rPr lang="en-US" dirty="0" smtClean="0"/>
+              <a:t>index</a:t>
+            </a:r>
+            <a:endParaRPr lang="en-US" dirty="0" smtClean="0"/>
           </a:p>
           <a:p>
             <a:pPr lvl="1"/>
@@ -13134,7 +16712,30 @@
             <a:pPr lvl="1"/>
             <a:r>
               <a:rPr lang="en-US" dirty="0" smtClean="0"/>
-              <a:t>Non resource intensive attack</a:t>
+              <a:t>Requires less </a:t>
+            </a:r>
+            <a:r>
+              <a:rPr lang="en-US" dirty="0" smtClean="0"/>
+              <a:t>resources</a:t>
+            </a:r>
+          </a:p>
+          <a:p>
+            <a:pPr lvl="1"/>
+            <a:endParaRPr lang="en-US" dirty="0" smtClean="0"/>
+          </a:p>
+          <a:p>
+            <a:pPr>
+              <a:spcBef>
+                <a:spcPts val="1000"/>
+              </a:spcBef>
+            </a:pPr>
+            <a:r>
+              <a:rPr lang="en-US" b="1" dirty="0" smtClean="0"/>
+              <a:t>Decoy attack</a:t>
+            </a:r>
+            <a:r>
+              <a:rPr lang="en-US" dirty="0" smtClean="0"/>
+              <a:t>: either pollution or poisoning</a:t>
             </a:r>
           </a:p>
           <a:p>
@@ -13274,32 +16875,34 @@
             </a:r>
             <a:r>
               <a:rPr lang="en-US" dirty="0" smtClean="0"/>
-              <a:t> for the files’ advertisements</a:t>
-            </a:r>
+              <a:t> </a:t>
+            </a:r>
+            <a:r>
+              <a:rPr lang="en-US" dirty="0" smtClean="0"/>
+              <a:t>so it easy to advertise bogus information</a:t>
+            </a:r>
+            <a:endParaRPr lang="en-US" dirty="0" smtClean="0"/>
           </a:p>
           <a:p>
             <a:pPr>
-              <a:spcBef>
-                <a:spcPts val="1000"/>
-              </a:spcBef>
+              <a:buNone/>
             </a:pPr>
-            <a:r>
-              <a:rPr lang="en-US" dirty="0" smtClean="0"/>
-              <a:t>Attack by falsely advertising copies of the targeted titles</a:t>
-            </a:r>
-          </a:p>
-          <a:p>
             <a:endParaRPr lang="en-US" dirty="0" smtClean="0"/>
           </a:p>
           <a:p>
             <a:r>
               <a:rPr lang="en-US" b="1" dirty="0" smtClean="0"/>
-              <a:t>Possible types</a:t>
+              <a:t>Possible </a:t>
+            </a:r>
+            <a:r>
+              <a:rPr lang="en-US" b="1" dirty="0" smtClean="0"/>
+              <a:t>bogus information</a:t>
             </a:r>
             <a:r>
               <a:rPr lang="en-US" dirty="0" smtClean="0"/>
               <a:t>:</a:t>
             </a:r>
+            <a:endParaRPr lang="en-US" dirty="0" smtClean="0"/>
           </a:p>
           <a:p>
             <a:pPr lvl="1"/>
